--- a/00 - Pytorch環境介紹.pptx
+++ b/00 - Pytorch環境介紹.pptx
@@ -25,8 +25,8 @@
     <p:sldId id="637" r:id="rId13"/>
     <p:sldId id="638" r:id="rId14"/>
     <p:sldId id="639" r:id="rId15"/>
-    <p:sldId id="640" r:id="rId16"/>
-    <p:sldId id="642" r:id="rId17"/>
+    <p:sldId id="652" r:id="rId16"/>
+    <p:sldId id="640" r:id="rId17"/>
     <p:sldId id="641" r:id="rId18"/>
     <p:sldId id="643" r:id="rId19"/>
     <p:sldId id="650" r:id="rId20"/>
@@ -151,7 +151,7 @@
   </p:defaultTextStyle>
   <p:extLst>
     <p:ext uri="{EFAFB233-063F-42B5-8137-9DF3F51BA10A}">
-      <p15:sldGuideLst xmlns:p15="http://schemas.microsoft.com/office/powerpoint/2012/main" xmlns="">
+      <p15:sldGuideLst xmlns="" xmlns:p15="http://schemas.microsoft.com/office/powerpoint/2012/main">
         <p15:guide id="1" orient="horz" pos="2160">
           <p15:clr>
             <a:srgbClr val="A4A3A4"/>
@@ -165,7 +165,7 @@
       </p15:sldGuideLst>
     </p:ext>
     <p:ext uri="{2D200454-40CA-4A62-9FC3-DE9A4176ACB9}">
-      <p15:notesGuideLst xmlns:p15="http://schemas.microsoft.com/office/powerpoint/2012/main" xmlns=""/>
+      <p15:notesGuideLst xmlns="" xmlns:p15="http://schemas.microsoft.com/office/powerpoint/2012/main"/>
     </p:ext>
   </p:extLst>
 </p:presentation>
@@ -256,7 +256,7 @@
             <a:fld id="{68F88C59-319B-4332-9A1D-2A62CFCB00D8}" type="datetimeFigureOut">
               <a:rPr lang="en-US" smtClean="0"/>
               <a:pPr/>
-              <a:t>9/26/2019</a:t>
+              <a:t>10/2/2019</a:t>
             </a:fld>
             <a:endParaRPr lang="en-US" dirty="0"/>
           </a:p>
@@ -334,7 +334,7 @@
     </p:spTree>
     <p:extLst>
       <p:ext uri="{BB962C8B-B14F-4D97-AF65-F5344CB8AC3E}">
-        <p14:creationId xmlns:p14="http://schemas.microsoft.com/office/powerpoint/2010/main" xmlns="" val="2345123278"/>
+        <p14:creationId xmlns="" xmlns:p14="http://schemas.microsoft.com/office/powerpoint/2010/main" val="2345123278"/>
       </p:ext>
     </p:extLst>
   </p:cSld>
@@ -427,7 +427,7 @@
             <a:fld id="{968B300D-05F0-4B43-940D-46DED5A791AD}" type="datetimeFigureOut">
               <a:rPr lang="en-US" smtClean="0"/>
               <a:pPr/>
-              <a:t>9/26/2019</a:t>
+              <a:t>10/2/2019</a:t>
             </a:fld>
             <a:endParaRPr lang="en-US" dirty="0"/>
           </a:p>
@@ -599,7 +599,7 @@
     </p:spTree>
     <p:extLst>
       <p:ext uri="{BB962C8B-B14F-4D97-AF65-F5344CB8AC3E}">
-        <p14:creationId xmlns:p14="http://schemas.microsoft.com/office/powerpoint/2010/main" xmlns="" val="623787478"/>
+        <p14:creationId xmlns="" xmlns:p14="http://schemas.microsoft.com/office/powerpoint/2010/main" val="623787478"/>
       </p:ext>
     </p:extLst>
   </p:cSld>
@@ -777,7 +777,7 @@
     </p:spTree>
     <p:extLst>
       <p:ext uri="{BB962C8B-B14F-4D97-AF65-F5344CB8AC3E}">
-        <p14:creationId xmlns:p14="http://schemas.microsoft.com/office/powerpoint/2010/main" xmlns="" val="3750793346"/>
+        <p14:creationId xmlns="" xmlns:p14="http://schemas.microsoft.com/office/powerpoint/2010/main" val="3750793346"/>
       </p:ext>
     </p:extLst>
   </p:cSld>
@@ -862,7 +862,7 @@
     </p:spTree>
     <p:extLst>
       <p:ext uri="{BB962C8B-B14F-4D97-AF65-F5344CB8AC3E}">
-        <p14:creationId xmlns:p14="http://schemas.microsoft.com/office/powerpoint/2010/main" xmlns="" val="2659555247"/>
+        <p14:creationId xmlns="" xmlns:p14="http://schemas.microsoft.com/office/powerpoint/2010/main" val="2659555247"/>
       </p:ext>
     </p:extLst>
   </p:cSld>
@@ -947,7 +947,7 @@
     </p:spTree>
     <p:extLst>
       <p:ext uri="{BB962C8B-B14F-4D97-AF65-F5344CB8AC3E}">
-        <p14:creationId xmlns:p14="http://schemas.microsoft.com/office/powerpoint/2010/main" xmlns="" val="939565178"/>
+        <p14:creationId xmlns="" xmlns:p14="http://schemas.microsoft.com/office/powerpoint/2010/main" val="939565178"/>
       </p:ext>
     </p:extLst>
   </p:cSld>
@@ -1032,7 +1032,7 @@
     </p:spTree>
     <p:extLst>
       <p:ext uri="{BB962C8B-B14F-4D97-AF65-F5344CB8AC3E}">
-        <p14:creationId xmlns:p14="http://schemas.microsoft.com/office/powerpoint/2010/main" xmlns="" val="2659555247"/>
+        <p14:creationId xmlns="" xmlns:p14="http://schemas.microsoft.com/office/powerpoint/2010/main" val="2659555247"/>
       </p:ext>
     </p:extLst>
   </p:cSld>
@@ -1117,7 +1117,7 @@
     </p:spTree>
     <p:extLst>
       <p:ext uri="{BB962C8B-B14F-4D97-AF65-F5344CB8AC3E}">
-        <p14:creationId xmlns:p14="http://schemas.microsoft.com/office/powerpoint/2010/main" xmlns="" val="2659555247"/>
+        <p14:creationId xmlns="" xmlns:p14="http://schemas.microsoft.com/office/powerpoint/2010/main" val="2659555247"/>
       </p:ext>
     </p:extLst>
   </p:cSld>
@@ -1202,7 +1202,7 @@
     </p:spTree>
     <p:extLst>
       <p:ext uri="{BB962C8B-B14F-4D97-AF65-F5344CB8AC3E}">
-        <p14:creationId xmlns:p14="http://schemas.microsoft.com/office/powerpoint/2010/main" xmlns="" val="939565178"/>
+        <p14:creationId xmlns="" xmlns:p14="http://schemas.microsoft.com/office/powerpoint/2010/main" val="939565178"/>
       </p:ext>
     </p:extLst>
   </p:cSld>
@@ -1287,7 +1287,7 @@
     </p:spTree>
     <p:extLst>
       <p:ext uri="{BB962C8B-B14F-4D97-AF65-F5344CB8AC3E}">
-        <p14:creationId xmlns:p14="http://schemas.microsoft.com/office/powerpoint/2010/main" xmlns="" val="2659555247"/>
+        <p14:creationId xmlns="" xmlns:p14="http://schemas.microsoft.com/office/powerpoint/2010/main" val="2659555247"/>
       </p:ext>
     </p:extLst>
   </p:cSld>
@@ -1372,7 +1372,7 @@
     </p:spTree>
     <p:extLst>
       <p:ext uri="{BB962C8B-B14F-4D97-AF65-F5344CB8AC3E}">
-        <p14:creationId xmlns:p14="http://schemas.microsoft.com/office/powerpoint/2010/main" xmlns="" val="939565178"/>
+        <p14:creationId xmlns="" xmlns:p14="http://schemas.microsoft.com/office/powerpoint/2010/main" val="939565178"/>
       </p:ext>
     </p:extLst>
   </p:cSld>
@@ -1457,7 +1457,7 @@
     </p:spTree>
     <p:extLst>
       <p:ext uri="{BB962C8B-B14F-4D97-AF65-F5344CB8AC3E}">
-        <p14:creationId xmlns:p14="http://schemas.microsoft.com/office/powerpoint/2010/main" xmlns="" val="2659555247"/>
+        <p14:creationId xmlns="" xmlns:p14="http://schemas.microsoft.com/office/powerpoint/2010/main" val="2659555247"/>
       </p:ext>
     </p:extLst>
   </p:cSld>
@@ -1542,7 +1542,7 @@
     </p:spTree>
     <p:extLst>
       <p:ext uri="{BB962C8B-B14F-4D97-AF65-F5344CB8AC3E}">
-        <p14:creationId xmlns:p14="http://schemas.microsoft.com/office/powerpoint/2010/main" xmlns="" val="2659555247"/>
+        <p14:creationId xmlns="" xmlns:p14="http://schemas.microsoft.com/office/powerpoint/2010/main" val="2659555247"/>
       </p:ext>
     </p:extLst>
   </p:cSld>
@@ -1627,7 +1627,7 @@
     </p:spTree>
     <p:extLst>
       <p:ext uri="{BB962C8B-B14F-4D97-AF65-F5344CB8AC3E}">
-        <p14:creationId xmlns:p14="http://schemas.microsoft.com/office/powerpoint/2010/main" xmlns="" val="2659555247"/>
+        <p14:creationId xmlns="" xmlns:p14="http://schemas.microsoft.com/office/powerpoint/2010/main" val="2659555247"/>
       </p:ext>
     </p:extLst>
   </p:cSld>
@@ -1712,7 +1712,7 @@
     </p:spTree>
     <p:extLst>
       <p:ext uri="{BB962C8B-B14F-4D97-AF65-F5344CB8AC3E}">
-        <p14:creationId xmlns:p14="http://schemas.microsoft.com/office/powerpoint/2010/main" xmlns="" val="939565178"/>
+        <p14:creationId xmlns="" xmlns:p14="http://schemas.microsoft.com/office/powerpoint/2010/main" val="939565178"/>
       </p:ext>
     </p:extLst>
   </p:cSld>
@@ -1797,7 +1797,7 @@
     </p:spTree>
     <p:extLst>
       <p:ext uri="{BB962C8B-B14F-4D97-AF65-F5344CB8AC3E}">
-        <p14:creationId xmlns:p14="http://schemas.microsoft.com/office/powerpoint/2010/main" xmlns="" val="2659555247"/>
+        <p14:creationId xmlns="" xmlns:p14="http://schemas.microsoft.com/office/powerpoint/2010/main" val="2659555247"/>
       </p:ext>
     </p:extLst>
   </p:cSld>
@@ -1882,7 +1882,7 @@
     </p:spTree>
     <p:extLst>
       <p:ext uri="{BB962C8B-B14F-4D97-AF65-F5344CB8AC3E}">
-        <p14:creationId xmlns:p14="http://schemas.microsoft.com/office/powerpoint/2010/main" xmlns="" val="2659555247"/>
+        <p14:creationId xmlns="" xmlns:p14="http://schemas.microsoft.com/office/powerpoint/2010/main" val="2659555247"/>
       </p:ext>
     </p:extLst>
   </p:cSld>
@@ -1967,7 +1967,7 @@
     </p:spTree>
     <p:extLst>
       <p:ext uri="{BB962C8B-B14F-4D97-AF65-F5344CB8AC3E}">
-        <p14:creationId xmlns:p14="http://schemas.microsoft.com/office/powerpoint/2010/main" xmlns="" val="2659555247"/>
+        <p14:creationId xmlns="" xmlns:p14="http://schemas.microsoft.com/office/powerpoint/2010/main" val="2659555247"/>
       </p:ext>
     </p:extLst>
   </p:cSld>
@@ -2052,7 +2052,7 @@
     </p:spTree>
     <p:extLst>
       <p:ext uri="{BB962C8B-B14F-4D97-AF65-F5344CB8AC3E}">
-        <p14:creationId xmlns:p14="http://schemas.microsoft.com/office/powerpoint/2010/main" xmlns="" val="2659555247"/>
+        <p14:creationId xmlns="" xmlns:p14="http://schemas.microsoft.com/office/powerpoint/2010/main" val="2659555247"/>
       </p:ext>
     </p:extLst>
   </p:cSld>
@@ -2137,7 +2137,7 @@
     </p:spTree>
     <p:extLst>
       <p:ext uri="{BB962C8B-B14F-4D97-AF65-F5344CB8AC3E}">
-        <p14:creationId xmlns:p14="http://schemas.microsoft.com/office/powerpoint/2010/main" xmlns="" val="2659555247"/>
+        <p14:creationId xmlns="" xmlns:p14="http://schemas.microsoft.com/office/powerpoint/2010/main" val="2659555247"/>
       </p:ext>
     </p:extLst>
   </p:cSld>
@@ -2222,7 +2222,7 @@
     </p:spTree>
     <p:extLst>
       <p:ext uri="{BB962C8B-B14F-4D97-AF65-F5344CB8AC3E}">
-        <p14:creationId xmlns:p14="http://schemas.microsoft.com/office/powerpoint/2010/main" xmlns="" val="939565178"/>
+        <p14:creationId xmlns="" xmlns:p14="http://schemas.microsoft.com/office/powerpoint/2010/main" val="939565178"/>
       </p:ext>
     </p:extLst>
   </p:cSld>
@@ -2307,7 +2307,7 @@
     </p:spTree>
     <p:extLst>
       <p:ext uri="{BB962C8B-B14F-4D97-AF65-F5344CB8AC3E}">
-        <p14:creationId xmlns:p14="http://schemas.microsoft.com/office/powerpoint/2010/main" xmlns="" val="2659555247"/>
+        <p14:creationId xmlns="" xmlns:p14="http://schemas.microsoft.com/office/powerpoint/2010/main" val="2659555247"/>
       </p:ext>
     </p:extLst>
   </p:cSld>
@@ -2392,7 +2392,7 @@
     </p:spTree>
     <p:extLst>
       <p:ext uri="{BB962C8B-B14F-4D97-AF65-F5344CB8AC3E}">
-        <p14:creationId xmlns:p14="http://schemas.microsoft.com/office/powerpoint/2010/main" xmlns="" val="2659555247"/>
+        <p14:creationId xmlns="" xmlns:p14="http://schemas.microsoft.com/office/powerpoint/2010/main" val="2659555247"/>
       </p:ext>
     </p:extLst>
   </p:cSld>
@@ -2477,7 +2477,7 @@
     </p:spTree>
     <p:extLst>
       <p:ext uri="{BB962C8B-B14F-4D97-AF65-F5344CB8AC3E}">
-        <p14:creationId xmlns:p14="http://schemas.microsoft.com/office/powerpoint/2010/main" xmlns="" val="939565178"/>
+        <p14:creationId xmlns="" xmlns:p14="http://schemas.microsoft.com/office/powerpoint/2010/main" val="939565178"/>
       </p:ext>
     </p:extLst>
   </p:cSld>
@@ -2562,7 +2562,7 @@
     </p:spTree>
     <p:extLst>
       <p:ext uri="{BB962C8B-B14F-4D97-AF65-F5344CB8AC3E}">
-        <p14:creationId xmlns:p14="http://schemas.microsoft.com/office/powerpoint/2010/main" xmlns="" val="2659555247"/>
+        <p14:creationId xmlns="" xmlns:p14="http://schemas.microsoft.com/office/powerpoint/2010/main" val="2659555247"/>
       </p:ext>
     </p:extLst>
   </p:cSld>
@@ -2647,7 +2647,7 @@
     </p:spTree>
     <p:extLst>
       <p:ext uri="{BB962C8B-B14F-4D97-AF65-F5344CB8AC3E}">
-        <p14:creationId xmlns:p14="http://schemas.microsoft.com/office/powerpoint/2010/main" xmlns="" val="2659555247"/>
+        <p14:creationId xmlns="" xmlns:p14="http://schemas.microsoft.com/office/powerpoint/2010/main" val="2659555247"/>
       </p:ext>
     </p:extLst>
   </p:cSld>
@@ -2732,7 +2732,7 @@
     </p:spTree>
     <p:extLst>
       <p:ext uri="{BB962C8B-B14F-4D97-AF65-F5344CB8AC3E}">
-        <p14:creationId xmlns:p14="http://schemas.microsoft.com/office/powerpoint/2010/main" xmlns="" val="2659555247"/>
+        <p14:creationId xmlns="" xmlns:p14="http://schemas.microsoft.com/office/powerpoint/2010/main" val="2659555247"/>
       </p:ext>
     </p:extLst>
   </p:cSld>
@@ -2817,7 +2817,7 @@
     </p:spTree>
     <p:extLst>
       <p:ext uri="{BB962C8B-B14F-4D97-AF65-F5344CB8AC3E}">
-        <p14:creationId xmlns:p14="http://schemas.microsoft.com/office/powerpoint/2010/main" xmlns="" val="2659555247"/>
+        <p14:creationId xmlns="" xmlns:p14="http://schemas.microsoft.com/office/powerpoint/2010/main" val="2659555247"/>
       </p:ext>
     </p:extLst>
   </p:cSld>
@@ -2902,7 +2902,7 @@
     </p:spTree>
     <p:extLst>
       <p:ext uri="{BB962C8B-B14F-4D97-AF65-F5344CB8AC3E}">
-        <p14:creationId xmlns:p14="http://schemas.microsoft.com/office/powerpoint/2010/main" xmlns="" val="2659555247"/>
+        <p14:creationId xmlns="" xmlns:p14="http://schemas.microsoft.com/office/powerpoint/2010/main" val="2659555247"/>
       </p:ext>
     </p:extLst>
   </p:cSld>
@@ -2987,7 +2987,7 @@
     </p:spTree>
     <p:extLst>
       <p:ext uri="{BB962C8B-B14F-4D97-AF65-F5344CB8AC3E}">
-        <p14:creationId xmlns:p14="http://schemas.microsoft.com/office/powerpoint/2010/main" xmlns="" val="939565178"/>
+        <p14:creationId xmlns="" xmlns:p14="http://schemas.microsoft.com/office/powerpoint/2010/main" val="939565178"/>
       </p:ext>
     </p:extLst>
   </p:cSld>
@@ -3072,7 +3072,7 @@
     </p:spTree>
     <p:extLst>
       <p:ext uri="{BB962C8B-B14F-4D97-AF65-F5344CB8AC3E}">
-        <p14:creationId xmlns:p14="http://schemas.microsoft.com/office/powerpoint/2010/main" xmlns="" val="2659555247"/>
+        <p14:creationId xmlns="" xmlns:p14="http://schemas.microsoft.com/office/powerpoint/2010/main" val="2659555247"/>
       </p:ext>
     </p:extLst>
   </p:cSld>
@@ -3157,7 +3157,7 @@
     </p:spTree>
     <p:extLst>
       <p:ext uri="{BB962C8B-B14F-4D97-AF65-F5344CB8AC3E}">
-        <p14:creationId xmlns:p14="http://schemas.microsoft.com/office/powerpoint/2010/main" xmlns="" val="2659555247"/>
+        <p14:creationId xmlns="" xmlns:p14="http://schemas.microsoft.com/office/powerpoint/2010/main" val="2659555247"/>
       </p:ext>
     </p:extLst>
   </p:cSld>
@@ -3242,7 +3242,7 @@
     </p:spTree>
     <p:extLst>
       <p:ext uri="{BB962C8B-B14F-4D97-AF65-F5344CB8AC3E}">
-        <p14:creationId xmlns:p14="http://schemas.microsoft.com/office/powerpoint/2010/main" xmlns="" val="2659555247"/>
+        <p14:creationId xmlns="" xmlns:p14="http://schemas.microsoft.com/office/powerpoint/2010/main" val="2659555247"/>
       </p:ext>
     </p:extLst>
   </p:cSld>
@@ -3327,7 +3327,7 @@
     </p:spTree>
     <p:extLst>
       <p:ext uri="{BB962C8B-B14F-4D97-AF65-F5344CB8AC3E}">
-        <p14:creationId xmlns:p14="http://schemas.microsoft.com/office/powerpoint/2010/main" xmlns="" val="939565178"/>
+        <p14:creationId xmlns="" xmlns:p14="http://schemas.microsoft.com/office/powerpoint/2010/main" val="939565178"/>
       </p:ext>
     </p:extLst>
   </p:cSld>
@@ -3645,7 +3645,7 @@
                 </a:solidFill>
               </a:rPr>
               <a:pPr/>
-              <a:t>9/26/2019</a:t>
+              <a:t>10/2/2019</a:t>
             </a:fld>
             <a:endParaRPr kumimoji="0" lang="en-US" dirty="0"/>
           </a:p>
@@ -4036,7 +4036,7 @@
                 </a:solidFill>
               </a:rPr>
               <a:pPr/>
-              <a:t>9/26/2019</a:t>
+              <a:t>10/2/2019</a:t>
             </a:fld>
             <a:endParaRPr kumimoji="0" lang="en-US" dirty="0"/>
           </a:p>
@@ -4371,7 +4371,7 @@
                 </a:solidFill>
               </a:rPr>
               <a:pPr/>
-              <a:t>9/26/2019</a:t>
+              <a:t>10/2/2019</a:t>
             </a:fld>
             <a:endParaRPr kumimoji="0" lang="en-US" dirty="0"/>
           </a:p>
@@ -4947,7 +4947,7 @@
                 </a:solidFill>
               </a:rPr>
               <a:pPr/>
-              <a:t>9/26/2019</a:t>
+              <a:t>10/2/2019</a:t>
             </a:fld>
             <a:endParaRPr kumimoji="0" lang="en-US" dirty="0"/>
           </a:p>
@@ -5511,7 +5511,7 @@
                 </a:solidFill>
               </a:rPr>
               <a:pPr/>
-              <a:t>9/26/2019</a:t>
+              <a:t>10/2/2019</a:t>
             </a:fld>
             <a:endParaRPr kumimoji="0" lang="en-US" dirty="0"/>
           </a:p>
@@ -5970,7 +5970,7 @@
                 </a:solidFill>
               </a:rPr>
               <a:pPr/>
-              <a:t>9/26/2019</a:t>
+              <a:t>10/2/2019</a:t>
             </a:fld>
             <a:endParaRPr kumimoji="0" lang="en-US" dirty="0"/>
           </a:p>
@@ -6394,7 +6394,7 @@
                 </a:solidFill>
               </a:rPr>
               <a:pPr/>
-              <a:t>9/26/2019</a:t>
+              <a:t>10/2/2019</a:t>
             </a:fld>
             <a:endParaRPr kumimoji="0" lang="en-US" dirty="0"/>
           </a:p>
@@ -6898,7 +6898,7 @@
                 </a:solidFill>
               </a:rPr>
               <a:pPr/>
-              <a:t>9/26/2019</a:t>
+              <a:t>10/2/2019</a:t>
             </a:fld>
             <a:endParaRPr kumimoji="0" lang="en-US" dirty="0"/>
           </a:p>
@@ -7402,7 +7402,7 @@
                 </a:solidFill>
               </a:rPr>
               <a:pPr/>
-              <a:t>9/26/2019</a:t>
+              <a:t>10/2/2019</a:t>
             </a:fld>
             <a:endParaRPr kumimoji="0" lang="en-US" dirty="0"/>
           </a:p>
@@ -7618,7 +7618,7 @@
                 </a:solidFill>
               </a:rPr>
               <a:pPr/>
-              <a:t>9/26/2019</a:t>
+              <a:t>10/2/2019</a:t>
             </a:fld>
             <a:endParaRPr kumimoji="0" lang="en-US" dirty="0"/>
           </a:p>
@@ -7946,7 +7946,7 @@
                 </a:solidFill>
               </a:rPr>
               <a:pPr/>
-              <a:t>9/26/2019</a:t>
+              <a:t>10/2/2019</a:t>
             </a:fld>
             <a:endParaRPr kumimoji="0" lang="en-US" dirty="0"/>
           </a:p>
@@ -8172,7 +8172,7 @@
                 </a:solidFill>
               </a:rPr>
               <a:pPr/>
-              <a:t>9/26/2019</a:t>
+              <a:t>10/2/2019</a:t>
             </a:fld>
             <a:endParaRPr kumimoji="0" lang="en-US" dirty="0"/>
           </a:p>
@@ -8391,7 +8391,7 @@
                 </a:solidFill>
               </a:rPr>
               <a:pPr/>
-              <a:t>9/26/2019</a:t>
+              <a:t>10/2/2019</a:t>
             </a:fld>
             <a:endParaRPr kumimoji="0" lang="en-US" dirty="0"/>
           </a:p>
@@ -8567,7 +8567,7 @@
             <a:fld id="{ACB2EC6F-6501-4E04-BD6C-A8A6CABB2C5B}" type="datetimeFigureOut">
               <a:rPr kumimoji="0" lang="en-US" smtClean="0"/>
               <a:pPr/>
-              <a:t>9/26/2019</a:t>
+              <a:t>10/2/2019</a:t>
             </a:fld>
             <a:endParaRPr kumimoji="0" lang="en-US" dirty="0"/>
           </a:p>
@@ -8812,7 +8812,7 @@
                 </a:solidFill>
               </a:rPr>
               <a:pPr/>
-              <a:t>9/26/2019</a:t>
+              <a:t>10/2/2019</a:t>
             </a:fld>
             <a:endParaRPr kumimoji="0" lang="en-US" dirty="0"/>
           </a:p>
@@ -9284,7 +9284,7 @@
                 </a:solidFill>
               </a:rPr>
               <a:pPr/>
-              <a:t>9/26/2019</a:t>
+              <a:t>10/2/2019</a:t>
             </a:fld>
             <a:endParaRPr kumimoji="0" lang="en-US" dirty="0"/>
           </a:p>
@@ -9636,7 +9636,7 @@
                 </a:solidFill>
               </a:rPr>
               <a:pPr/>
-              <a:t>9/26/2019</a:t>
+              <a:t>10/2/2019</a:t>
             </a:fld>
             <a:endParaRPr kumimoji="0" lang="en-US" dirty="0"/>
           </a:p>
@@ -9994,7 +9994,7 @@
                 </a:solidFill>
               </a:rPr>
               <a:pPr/>
-              <a:t>9/26/2019</a:t>
+              <a:t>10/2/2019</a:t>
             </a:fld>
             <a:endParaRPr kumimoji="0" lang="en-US" dirty="0"/>
           </a:p>
@@ -10299,7 +10299,7 @@
                 </a:solidFill>
               </a:rPr>
               <a:pPr/>
-              <a:t>9/26/2019</a:t>
+              <a:t>10/2/2019</a:t>
             </a:fld>
             <a:endParaRPr kumimoji="0" lang="en-US" dirty="0"/>
           </a:p>
@@ -10775,7 +10775,7 @@
                 </a:solidFill>
               </a:rPr>
               <a:pPr/>
-              <a:t>9/26/2019</a:t>
+              <a:t>10/2/2019</a:t>
             </a:fld>
             <a:endParaRPr kumimoji="0" lang="en-US" dirty="0"/>
           </a:p>
@@ -11012,7 +11012,7 @@
                 </a:solidFill>
               </a:rPr>
               <a:pPr/>
-              <a:t>9/26/2019</a:t>
+              <a:t>10/2/2019</a:t>
             </a:fld>
             <a:endParaRPr kumimoji="0" lang="en-US" sz="1200" dirty="0">
               <a:solidFill>
@@ -11538,7 +11538,7 @@
     </p:spTree>
     <p:extLst>
       <p:ext uri="{BB962C8B-B14F-4D97-AF65-F5344CB8AC3E}">
-        <p14:creationId xmlns:p14="http://schemas.microsoft.com/office/powerpoint/2010/main" xmlns="" val="2461702271"/>
+        <p14:creationId xmlns="" xmlns:p14="http://schemas.microsoft.com/office/powerpoint/2010/main" val="2461702271"/>
       </p:ext>
     </p:extLst>
   </p:cSld>
@@ -12200,7 +12200,7 @@
     </p:spTree>
     <p:extLst>
       <p:ext uri="{BB962C8B-B14F-4D97-AF65-F5344CB8AC3E}">
-        <p14:creationId xmlns:p14="http://schemas.microsoft.com/office/powerpoint/2010/main" xmlns="" val="522405798"/>
+        <p14:creationId xmlns="" xmlns:p14="http://schemas.microsoft.com/office/powerpoint/2010/main" val="522405798"/>
       </p:ext>
     </p:extLst>
   </p:cSld>
@@ -12361,7 +12361,7 @@
     </p:spTree>
     <p:extLst>
       <p:ext uri="{BB962C8B-B14F-4D97-AF65-F5344CB8AC3E}">
-        <p14:creationId xmlns:p14="http://schemas.microsoft.com/office/powerpoint/2010/main" xmlns="" val="3907764274"/>
+        <p14:creationId xmlns="" xmlns:p14="http://schemas.microsoft.com/office/powerpoint/2010/main" val="3907764274"/>
       </p:ext>
     </p:extLst>
   </p:cSld>
@@ -12406,8 +12406,8 @@
         </p:nvSpPr>
         <p:spPr>
           <a:xfrm>
-            <a:off x="762000" y="2057400"/>
-            <a:ext cx="8077200" cy="2862322"/>
+            <a:off x="381000" y="2057400"/>
+            <a:ext cx="8610600" cy="2862322"/>
           </a:xfrm>
           <a:prstGeom prst="rect">
             <a:avLst/>
@@ -12509,7 +12509,7 @@
               <a:buChar char="•"/>
             </a:pPr>
             <a:r>
-              <a:rPr kumimoji="1" lang="en-US" altLang="zh-TW" sz="3600" b="1" dirty="0" err="1" smtClean="0">
+              <a:rPr kumimoji="1" lang="en-US" altLang="zh-TW" sz="3600" b="1" dirty="0" smtClean="0">
                 <a:solidFill>
                   <a:srgbClr val="00B050"/>
                 </a:solidFill>
@@ -12524,7 +12524,7 @@
                 <a:ea typeface="微軟正黑體" panose="020B0604030504040204" pitchFamily="34" charset="-120"/>
                 <a:cs typeface="Heiti TC Light"/>
               </a:rPr>
-              <a:t>Amazone</a:t>
+              <a:t>Amazon</a:t>
             </a:r>
             <a:r>
               <a:rPr kumimoji="1" lang="zh-TW" altLang="en-US" sz="3600" b="1" dirty="0" smtClean="0">
@@ -12687,6 +12687,51 @@
                 <a:cs typeface="Heiti TC Light"/>
               </a:rPr>
               <a:t>Keras</a:t>
+            </a:r>
+            <a:r>
+              <a:rPr kumimoji="1" lang="en-US" altLang="zh-TW" sz="3600" b="1" dirty="0" smtClean="0">
+                <a:effectLst>
+                  <a:outerShdw blurRad="38100" dist="38100" dir="2700000" algn="tl">
+                    <a:srgbClr val="000000">
+                      <a:alpha val="43137"/>
+                    </a:srgbClr>
+                  </a:outerShdw>
+                </a:effectLst>
+                <a:latin typeface="微軟正黑體" panose="020B0604030504040204" pitchFamily="34" charset="-120"/>
+                <a:ea typeface="微軟正黑體" panose="020B0604030504040204" pitchFamily="34" charset="-120"/>
+                <a:cs typeface="Heiti TC Light"/>
+              </a:rPr>
+              <a:t>(</a:t>
+            </a:r>
+            <a:r>
+              <a:rPr kumimoji="1" lang="zh-TW" altLang="en-US" sz="3600" b="1" dirty="0" smtClean="0">
+                <a:effectLst>
+                  <a:outerShdw blurRad="38100" dist="38100" dir="2700000" algn="tl">
+                    <a:srgbClr val="000000">
+                      <a:alpha val="43137"/>
+                    </a:srgbClr>
+                  </a:outerShdw>
+                </a:effectLst>
+                <a:latin typeface="微軟正黑體" panose="020B0604030504040204" pitchFamily="34" charset="-120"/>
+                <a:ea typeface="微軟正黑體" panose="020B0604030504040204" pitchFamily="34" charset="-120"/>
+                <a:cs typeface="Heiti TC Light"/>
+              </a:rPr>
+              <a:t>已併入</a:t>
+            </a:r>
+            <a:r>
+              <a:rPr kumimoji="1" lang="en-US" altLang="zh-TW" sz="3600" b="1" dirty="0" smtClean="0">
+                <a:effectLst>
+                  <a:outerShdw blurRad="38100" dist="38100" dir="2700000" algn="tl">
+                    <a:srgbClr val="000000">
+                      <a:alpha val="43137"/>
+                    </a:srgbClr>
+                  </a:outerShdw>
+                </a:effectLst>
+                <a:latin typeface="微軟正黑體" panose="020B0604030504040204" pitchFamily="34" charset="-120"/>
+                <a:ea typeface="微軟正黑體" panose="020B0604030504040204" pitchFamily="34" charset="-120"/>
+                <a:cs typeface="Heiti TC Light"/>
+              </a:rPr>
+              <a:t>)</a:t>
             </a:r>
             <a:endParaRPr kumimoji="1" lang="en-US" altLang="zh-TW" sz="3600" b="1" dirty="0" smtClean="0">
               <a:effectLst>
@@ -13068,7 +13113,7 @@
     </p:spTree>
     <p:extLst>
       <p:ext uri="{BB962C8B-B14F-4D97-AF65-F5344CB8AC3E}">
-        <p14:creationId xmlns:p14="http://schemas.microsoft.com/office/powerpoint/2010/main" xmlns="" val="522405798"/>
+        <p14:creationId xmlns="" xmlns:p14="http://schemas.microsoft.com/office/powerpoint/2010/main" val="522405798"/>
       </p:ext>
     </p:extLst>
   </p:cSld>
@@ -13139,7 +13184,7 @@
         </p:nvSpPr>
         <p:spPr>
           <a:xfrm>
-            <a:off x="381000" y="2057400"/>
+            <a:off x="609600" y="2057400"/>
             <a:ext cx="8305800" cy="4031873"/>
           </a:xfrm>
           <a:prstGeom prst="rect">
@@ -13540,7 +13585,7 @@
         <p:spPr>
           <a:xfrm>
             <a:off x="381000" y="2404170"/>
-            <a:ext cx="8458200" cy="3539430"/>
+            <a:ext cx="8458200" cy="4031873"/>
           </a:xfrm>
           <a:prstGeom prst="rect">
             <a:avLst/>
@@ -13889,6 +13934,21 @@
               <a:t>Tensorflow</a:t>
             </a:r>
             <a:r>
+              <a:rPr kumimoji="1" lang="en-US" altLang="zh-TW" sz="3200" b="1" dirty="0" smtClean="0">
+                <a:effectLst>
+                  <a:outerShdw blurRad="38100" dist="38100" dir="2700000" algn="tl">
+                    <a:srgbClr val="000000">
+                      <a:alpha val="43137"/>
+                    </a:srgbClr>
+                  </a:outerShdw>
+                </a:effectLst>
+                <a:latin typeface="微軟正黑體" panose="020B0604030504040204" pitchFamily="34" charset="-120"/>
+                <a:ea typeface="微軟正黑體" panose="020B0604030504040204" pitchFamily="34" charset="-120"/>
+                <a:cs typeface="Heiti TC Light"/>
+              </a:rPr>
+              <a:t> 2.0</a:t>
+            </a:r>
+            <a:r>
               <a:rPr kumimoji="1" lang="zh-TW" altLang="en-US" sz="3200" b="1" dirty="0" smtClean="0">
                 <a:effectLst>
                   <a:outerShdw blurRad="38100" dist="38100" dir="2700000" algn="tl">
@@ -13901,7 +13961,22 @@
                 <a:ea typeface="微軟正黑體" panose="020B0604030504040204" pitchFamily="34" charset="-120"/>
                 <a:cs typeface="Heiti TC Light"/>
               </a:rPr>
-              <a:t>內的模組</a:t>
+              <a:t>內</a:t>
+            </a:r>
+            <a:r>
+              <a:rPr kumimoji="1" lang="zh-TW" altLang="en-US" sz="3200" b="1" dirty="0" smtClean="0">
+                <a:effectLst>
+                  <a:outerShdw blurRad="38100" dist="38100" dir="2700000" algn="tl">
+                    <a:srgbClr val="000000">
+                      <a:alpha val="43137"/>
+                    </a:srgbClr>
+                  </a:outerShdw>
+                </a:effectLst>
+                <a:latin typeface="微軟正黑體" panose="020B0604030504040204" pitchFamily="34" charset="-120"/>
+                <a:ea typeface="微軟正黑體" panose="020B0604030504040204" pitchFamily="34" charset="-120"/>
+                <a:cs typeface="Heiti TC Light"/>
+              </a:rPr>
+              <a:t>的模組</a:t>
             </a:r>
             <a:endParaRPr kumimoji="1" lang="en-US" altLang="zh-TW" sz="3200" b="1" dirty="0" smtClean="0">
               <a:effectLst>
@@ -13934,7 +14009,101 @@
                 <a:ea typeface="微軟正黑體" panose="020B0604030504040204" pitchFamily="34" charset="-120"/>
                 <a:cs typeface="Heiti TC Light"/>
               </a:rPr>
-              <a:t>建議新手從此入門</a:t>
+              <a:t>建議新手從此</a:t>
+            </a:r>
+            <a:r>
+              <a:rPr kumimoji="1" lang="zh-TW" altLang="en-US" sz="3200" b="1" dirty="0" smtClean="0">
+                <a:effectLst>
+                  <a:outerShdw blurRad="38100" dist="38100" dir="2700000" algn="tl">
+                    <a:srgbClr val="000000">
+                      <a:alpha val="43137"/>
+                    </a:srgbClr>
+                  </a:outerShdw>
+                </a:effectLst>
+                <a:latin typeface="微軟正黑體" panose="020B0604030504040204" pitchFamily="34" charset="-120"/>
+                <a:ea typeface="微軟正黑體" panose="020B0604030504040204" pitchFamily="34" charset="-120"/>
+                <a:cs typeface="Heiti TC Light"/>
+              </a:rPr>
+              <a:t>入門</a:t>
+            </a:r>
+            <a:endParaRPr kumimoji="1" lang="en-US" altLang="zh-TW" sz="3200" b="1" dirty="0" smtClean="0">
+              <a:effectLst>
+                <a:outerShdw blurRad="38100" dist="38100" dir="2700000" algn="tl">
+                  <a:srgbClr val="000000">
+                    <a:alpha val="43137"/>
+                  </a:srgbClr>
+                </a:outerShdw>
+              </a:effectLst>
+              <a:latin typeface="微軟正黑體" panose="020B0604030504040204" pitchFamily="34" charset="-120"/>
+              <a:ea typeface="微軟正黑體" panose="020B0604030504040204" pitchFamily="34" charset="-120"/>
+              <a:cs typeface="Heiti TC Light"/>
+            </a:endParaRPr>
+          </a:p>
+          <a:p>
+            <a:pPr marL="361950" indent="-361950">
+              <a:buFont typeface="Arial" panose="020B0604020202020204" pitchFamily="34" charset="0"/>
+              <a:buChar char="•"/>
+            </a:pPr>
+            <a:r>
+              <a:rPr kumimoji="1" lang="zh-TW" altLang="en-US" sz="3200" b="1" dirty="0" smtClean="0">
+                <a:effectLst>
+                  <a:outerShdw blurRad="38100" dist="38100" dir="2700000" algn="tl">
+                    <a:srgbClr val="000000">
+                      <a:alpha val="43137"/>
+                    </a:srgbClr>
+                  </a:outerShdw>
+                </a:effectLst>
+                <a:latin typeface="微軟正黑體" panose="020B0604030504040204" pitchFamily="34" charset="-120"/>
+                <a:ea typeface="微軟正黑體" panose="020B0604030504040204" pitchFamily="34" charset="-120"/>
+                <a:cs typeface="Heiti TC Light"/>
+              </a:rPr>
+              <a:t>我大部分的專案都用</a:t>
+            </a:r>
+            <a:r>
+              <a:rPr kumimoji="1" lang="en-US" altLang="zh-TW" sz="3200" b="1" dirty="0" err="1" smtClean="0">
+                <a:effectLst>
+                  <a:outerShdw blurRad="38100" dist="38100" dir="2700000" algn="tl">
+                    <a:srgbClr val="000000">
+                      <a:alpha val="43137"/>
+                    </a:srgbClr>
+                  </a:outerShdw>
+                </a:effectLst>
+                <a:latin typeface="微軟正黑體" panose="020B0604030504040204" pitchFamily="34" charset="-120"/>
+                <a:ea typeface="微軟正黑體" panose="020B0604030504040204" pitchFamily="34" charset="-120"/>
+                <a:cs typeface="Heiti TC Light"/>
+              </a:rPr>
+              <a:t>Keras</a:t>
+            </a:r>
+            <a:r>
+              <a:rPr kumimoji="1" lang="en-US" altLang="zh-TW" sz="3200" b="1" dirty="0" smtClean="0">
+                <a:effectLst>
+                  <a:outerShdw blurRad="38100" dist="38100" dir="2700000" algn="tl">
+                    <a:srgbClr val="000000">
+                      <a:alpha val="43137"/>
+                    </a:srgbClr>
+                  </a:outerShdw>
+                </a:effectLst>
+                <a:latin typeface="微軟正黑體" panose="020B0604030504040204" pitchFamily="34" charset="-120"/>
+                <a:ea typeface="微軟正黑體" panose="020B0604030504040204" pitchFamily="34" charset="-120"/>
+                <a:cs typeface="Heiti TC Light"/>
+              </a:rPr>
+              <a:t> </a:t>
+            </a:r>
+            <a:r>
+              <a:rPr kumimoji="1" lang="en-US" altLang="zh-TW" sz="3200" b="1" dirty="0" smtClean="0">
+                <a:effectLst>
+                  <a:outerShdw blurRad="38100" dist="38100" dir="2700000" algn="tl">
+                    <a:srgbClr val="000000">
+                      <a:alpha val="43137"/>
+                    </a:srgbClr>
+                  </a:outerShdw>
+                </a:effectLst>
+                <a:latin typeface="微軟正黑體" panose="020B0604030504040204" pitchFamily="34" charset="-120"/>
+                <a:ea typeface="微軟正黑體" panose="020B0604030504040204" pitchFamily="34" charset="-120"/>
+                <a:cs typeface="Heiti TC Light"/>
+                <a:sym typeface="Wingdings" pitchFamily="2" charset="2"/>
+              </a:rPr>
+              <a:t></a:t>
             </a:r>
             <a:endParaRPr kumimoji="1" lang="en-US" altLang="zh-TW" sz="3200" b="1" dirty="0">
               <a:effectLst>
@@ -14013,8 +14182,8 @@
         </p:nvSpPr>
         <p:spPr>
           <a:xfrm>
-            <a:off x="457200" y="2445127"/>
-            <a:ext cx="8458200" cy="3539430"/>
+            <a:off x="457200" y="2514600"/>
+            <a:ext cx="8458200" cy="4031873"/>
           </a:xfrm>
           <a:prstGeom prst="rect">
             <a:avLst/>
@@ -14044,97 +14213,7 @@
                 <a:ea typeface="微軟正黑體" panose="020B0604030504040204" pitchFamily="34" charset="-120"/>
                 <a:cs typeface="Heiti TC Light"/>
               </a:rPr>
-              <a:t>由</a:t>
-            </a:r>
-            <a:r>
-              <a:rPr kumimoji="1" lang="en-US" altLang="zh-TW" sz="3200" b="1" dirty="0" smtClean="0">
-                <a:effectLst>
-                  <a:outerShdw blurRad="38100" dist="38100" dir="2700000" algn="tl">
-                    <a:srgbClr val="000000">
-                      <a:alpha val="43137"/>
-                    </a:srgbClr>
-                  </a:outerShdw>
-                </a:effectLst>
-                <a:latin typeface="微軟正黑體" panose="020B0604030504040204" pitchFamily="34" charset="-120"/>
-                <a:ea typeface="微軟正黑體" panose="020B0604030504040204" pitchFamily="34" charset="-120"/>
-                <a:cs typeface="Heiti TC Light"/>
-              </a:rPr>
-              <a:t>FB</a:t>
-            </a:r>
-            <a:r>
-              <a:rPr kumimoji="1" lang="zh-TW" altLang="en-US" sz="3200" b="1" dirty="0" smtClean="0">
-                <a:effectLst>
-                  <a:outerShdw blurRad="38100" dist="38100" dir="2700000" algn="tl">
-                    <a:srgbClr val="000000">
-                      <a:alpha val="43137"/>
-                    </a:srgbClr>
-                  </a:outerShdw>
-                </a:effectLst>
-                <a:latin typeface="微軟正黑體" panose="020B0604030504040204" pitchFamily="34" charset="-120"/>
-                <a:ea typeface="微軟正黑體" panose="020B0604030504040204" pitchFamily="34" charset="-120"/>
-                <a:cs typeface="Heiti TC Light"/>
-              </a:rPr>
-              <a:t>開發，其來源於</a:t>
-            </a:r>
-            <a:r>
-              <a:rPr kumimoji="1" lang="en-US" altLang="zh-TW" sz="3200" b="1" dirty="0" err="1" smtClean="0">
-                <a:effectLst>
-                  <a:outerShdw blurRad="38100" dist="38100" dir="2700000" algn="tl">
-                    <a:srgbClr val="000000">
-                      <a:alpha val="43137"/>
-                    </a:srgbClr>
-                  </a:outerShdw>
-                </a:effectLst>
-                <a:latin typeface="微軟正黑體" panose="020B0604030504040204" pitchFamily="34" charset="-120"/>
-                <a:ea typeface="微軟正黑體" panose="020B0604030504040204" pitchFamily="34" charset="-120"/>
-                <a:cs typeface="Heiti TC Light"/>
-              </a:rPr>
-              <a:t>Lua</a:t>
-            </a:r>
-            <a:r>
-              <a:rPr kumimoji="1" lang="zh-TW" altLang="en-US" sz="3200" b="1" dirty="0" smtClean="0">
-                <a:effectLst>
-                  <a:outerShdw blurRad="38100" dist="38100" dir="2700000" algn="tl">
-                    <a:srgbClr val="000000">
-                      <a:alpha val="43137"/>
-                    </a:srgbClr>
-                  </a:outerShdw>
-                </a:effectLst>
-                <a:latin typeface="微軟正黑體" panose="020B0604030504040204" pitchFamily="34" charset="-120"/>
-                <a:ea typeface="微軟正黑體" panose="020B0604030504040204" pitchFamily="34" charset="-120"/>
-                <a:cs typeface="Heiti TC Light"/>
-              </a:rPr>
-              <a:t>的 </a:t>
-            </a:r>
-            <a:r>
-              <a:rPr kumimoji="1" lang="en-US" altLang="zh-TW" sz="3200" b="1" dirty="0" smtClean="0">
-                <a:effectLst>
-                  <a:outerShdw blurRad="38100" dist="38100" dir="2700000" algn="tl">
-                    <a:srgbClr val="000000">
-                      <a:alpha val="43137"/>
-                    </a:srgbClr>
-                  </a:outerShdw>
-                </a:effectLst>
-                <a:latin typeface="微軟正黑體" panose="020B0604030504040204" pitchFamily="34" charset="-120"/>
-                <a:ea typeface="微軟正黑體" panose="020B0604030504040204" pitchFamily="34" charset="-120"/>
-                <a:cs typeface="Heiti TC Light"/>
-              </a:rPr>
-              <a:t>Torch</a:t>
-            </a:r>
-            <a:r>
-              <a:rPr kumimoji="1" lang="zh-TW" altLang="en-US" sz="3200" b="1" dirty="0" smtClean="0">
-                <a:effectLst>
-                  <a:outerShdw blurRad="38100" dist="38100" dir="2700000" algn="tl">
-                    <a:srgbClr val="000000">
-                      <a:alpha val="43137"/>
-                    </a:srgbClr>
-                  </a:outerShdw>
-                </a:effectLst>
-                <a:latin typeface="微軟正黑體" panose="020B0604030504040204" pitchFamily="34" charset="-120"/>
-                <a:ea typeface="微軟正黑體" panose="020B0604030504040204" pitchFamily="34" charset="-120"/>
-                <a:cs typeface="Heiti TC Light"/>
-              </a:rPr>
-              <a:t>專案</a:t>
+              <a:t>最有名的特色就是跨裝置</a:t>
             </a:r>
             <a:endParaRPr kumimoji="1" lang="en-US" altLang="zh-TW" sz="3200" b="1" dirty="0" smtClean="0">
               <a:effectLst>
@@ -14167,22 +14246,22 @@
                 <a:ea typeface="微軟正黑體" panose="020B0604030504040204" pitchFamily="34" charset="-120"/>
                 <a:cs typeface="Heiti TC Light"/>
               </a:rPr>
-              <a:t>用在</a:t>
-            </a:r>
-            <a:r>
-              <a:rPr kumimoji="1" lang="en-US" altLang="zh-TW" sz="3200" b="1" dirty="0" err="1" smtClean="0">
-                <a:effectLst>
-                  <a:outerShdw blurRad="38100" dist="38100" dir="2700000" algn="tl">
-                    <a:srgbClr val="000000">
-                      <a:alpha val="43137"/>
-                    </a:srgbClr>
-                  </a:outerShdw>
-                </a:effectLst>
-                <a:latin typeface="微軟正黑體" panose="020B0604030504040204" pitchFamily="34" charset="-120"/>
-                <a:ea typeface="微軟正黑體" panose="020B0604030504040204" pitchFamily="34" charset="-120"/>
-                <a:cs typeface="Heiti TC Light"/>
-              </a:rPr>
-              <a:t>fb</a:t>
+              <a:t>目前已成為</a:t>
+            </a:r>
+            <a:r>
+              <a:rPr kumimoji="1" lang="en-US" altLang="zh-TW" sz="3200" b="1" dirty="0" smtClean="0">
+                <a:effectLst>
+                  <a:outerShdw blurRad="38100" dist="38100" dir="2700000" algn="tl">
+                    <a:srgbClr val="000000">
+                      <a:alpha val="43137"/>
+                    </a:srgbClr>
+                  </a:outerShdw>
+                </a:effectLst>
+                <a:latin typeface="微軟正黑體" panose="020B0604030504040204" pitchFamily="34" charset="-120"/>
+                <a:ea typeface="微軟正黑體" panose="020B0604030504040204" pitchFamily="34" charset="-120"/>
+                <a:cs typeface="Heiti TC Light"/>
+              </a:rPr>
+              <a:t>Apache</a:t>
             </a:r>
             <a:r>
               <a:rPr kumimoji="1" lang="zh-TW" altLang="en-US" sz="3200" b="1" dirty="0" smtClean="0">
@@ -14197,67 +14276,7 @@
                 <a:ea typeface="微軟正黑體" panose="020B0604030504040204" pitchFamily="34" charset="-120"/>
                 <a:cs typeface="Heiti TC Light"/>
               </a:rPr>
-              <a:t>，</a:t>
-            </a:r>
-            <a:r>
-              <a:rPr kumimoji="1" lang="en-US" altLang="zh-TW" sz="3200" b="1" dirty="0" smtClean="0">
-                <a:effectLst>
-                  <a:outerShdw blurRad="38100" dist="38100" dir="2700000" algn="tl">
-                    <a:srgbClr val="000000">
-                      <a:alpha val="43137"/>
-                    </a:srgbClr>
-                  </a:outerShdw>
-                </a:effectLst>
-                <a:latin typeface="微軟正黑體" panose="020B0604030504040204" pitchFamily="34" charset="-120"/>
-                <a:ea typeface="微軟正黑體" panose="020B0604030504040204" pitchFamily="34" charset="-120"/>
-                <a:cs typeface="Heiti TC Light"/>
-              </a:rPr>
-              <a:t>twitter</a:t>
-            </a:r>
-            <a:r>
-              <a:rPr kumimoji="1" lang="zh-TW" altLang="en-US" sz="3200" b="1" dirty="0" smtClean="0">
-                <a:effectLst>
-                  <a:outerShdw blurRad="38100" dist="38100" dir="2700000" algn="tl">
-                    <a:srgbClr val="000000">
-                      <a:alpha val="43137"/>
-                    </a:srgbClr>
-                  </a:outerShdw>
-                </a:effectLst>
-                <a:latin typeface="微軟正黑體" panose="020B0604030504040204" pitchFamily="34" charset="-120"/>
-                <a:ea typeface="微軟正黑體" panose="020B0604030504040204" pitchFamily="34" charset="-120"/>
-                <a:cs typeface="Heiti TC Light"/>
-              </a:rPr>
-              <a:t>，</a:t>
-            </a:r>
-            <a:r>
-              <a:rPr kumimoji="1" lang="en-US" altLang="zh-TW" sz="3200" b="1" dirty="0" err="1" smtClean="0">
-                <a:effectLst>
-                  <a:outerShdw blurRad="38100" dist="38100" dir="2700000" algn="tl">
-                    <a:srgbClr val="000000">
-                      <a:alpha val="43137"/>
-                    </a:srgbClr>
-                  </a:outerShdw>
-                </a:effectLst>
-                <a:latin typeface="微軟正黑體" panose="020B0604030504040204" pitchFamily="34" charset="-120"/>
-                <a:ea typeface="微軟正黑體" panose="020B0604030504040204" pitchFamily="34" charset="-120"/>
-                <a:cs typeface="Heiti TC Light"/>
-              </a:rPr>
-              <a:t>salesforce</a:t>
-            </a:r>
-            <a:r>
-              <a:rPr kumimoji="1" lang="zh-TW" altLang="en-US" sz="3200" b="1" dirty="0" smtClean="0">
-                <a:effectLst>
-                  <a:outerShdw blurRad="38100" dist="38100" dir="2700000" algn="tl">
-                    <a:srgbClr val="000000">
-                      <a:alpha val="43137"/>
-                    </a:srgbClr>
-                  </a:outerShdw>
-                </a:effectLst>
-                <a:latin typeface="微軟正黑體" panose="020B0604030504040204" pitchFamily="34" charset="-120"/>
-                <a:ea typeface="微軟正黑體" panose="020B0604030504040204" pitchFamily="34" charset="-120"/>
-                <a:cs typeface="Heiti TC Light"/>
-              </a:rPr>
-              <a:t>等服務</a:t>
+              <a:t>頂級專案</a:t>
             </a:r>
             <a:endParaRPr kumimoji="1" lang="en-US" altLang="zh-TW" sz="3200" b="1" dirty="0" smtClean="0">
               <a:effectLst>
@@ -14290,7 +14309,79 @@
                 <a:ea typeface="微軟正黑體" panose="020B0604030504040204" pitchFamily="34" charset="-120"/>
                 <a:cs typeface="Heiti TC Light"/>
               </a:rPr>
-              <a:t>使用動態圖更新，可隨時修改模型</a:t>
+              <a:t>支援最多的語言，包括</a:t>
+            </a:r>
+            <a:r>
+              <a:rPr lang="en-US" altLang="zh-TW" sz="3200" dirty="0" smtClean="0">
+                <a:latin typeface="微軟正黑體" pitchFamily="34" charset="-120"/>
+                <a:ea typeface="微軟正黑體" pitchFamily="34" charset="-120"/>
+              </a:rPr>
+              <a:t>C ++, Python, R, Julia, JavaScript, </a:t>
+            </a:r>
+            <a:r>
+              <a:rPr lang="en-US" altLang="zh-TW" sz="3200" dirty="0" err="1" smtClean="0">
+                <a:latin typeface="微軟正黑體" pitchFamily="34" charset="-120"/>
+                <a:ea typeface="微軟正黑體" pitchFamily="34" charset="-120"/>
+              </a:rPr>
+              <a:t>Scala</a:t>
+            </a:r>
+            <a:r>
+              <a:rPr lang="en-US" altLang="zh-TW" sz="3200" dirty="0" smtClean="0">
+                <a:latin typeface="微軟正黑體" pitchFamily="34" charset="-120"/>
+                <a:ea typeface="微軟正黑體" pitchFamily="34" charset="-120"/>
+              </a:rPr>
+              <a:t>, Go, Perl</a:t>
+            </a:r>
+          </a:p>
+          <a:p>
+            <a:pPr marL="361950" indent="-361950">
+              <a:buFont typeface="Arial" panose="020B0604020202020204" pitchFamily="34" charset="0"/>
+              <a:buChar char="•"/>
+            </a:pPr>
+            <a:r>
+              <a:rPr kumimoji="1" lang="zh-TW" altLang="en-US" sz="3200" b="1" dirty="0" smtClean="0">
+                <a:effectLst>
+                  <a:outerShdw blurRad="38100" dist="38100" dir="2700000" algn="tl">
+                    <a:srgbClr val="000000">
+                      <a:alpha val="43137"/>
+                    </a:srgbClr>
+                  </a:outerShdw>
+                </a:effectLst>
+                <a:latin typeface="微軟正黑體" pitchFamily="34" charset="-120"/>
+                <a:ea typeface="微軟正黑體" pitchFamily="34" charset="-120"/>
+                <a:cs typeface="Heiti TC Light"/>
+              </a:rPr>
+              <a:t>最大的特色就是跨平台的平行處理，使用在</a:t>
+            </a:r>
+            <a:r>
+              <a:rPr kumimoji="1" lang="en-US" altLang="zh-TW" sz="3200" b="1" dirty="0" smtClean="0">
+                <a:effectLst>
+                  <a:outerShdw blurRad="38100" dist="38100" dir="2700000" algn="tl">
+                    <a:srgbClr val="000000">
+                      <a:alpha val="43137"/>
+                    </a:srgbClr>
+                  </a:outerShdw>
+                </a:effectLst>
+                <a:latin typeface="微軟正黑體" pitchFamily="34" charset="-120"/>
+                <a:ea typeface="微軟正黑體" pitchFamily="34" charset="-120"/>
+                <a:cs typeface="Heiti TC Light"/>
+              </a:rPr>
+              <a:t>AWS</a:t>
+            </a:r>
+            <a:r>
+              <a:rPr kumimoji="1" lang="zh-TW" altLang="en-US" sz="3200" b="1" dirty="0" smtClean="0">
+                <a:effectLst>
+                  <a:outerShdw blurRad="38100" dist="38100" dir="2700000" algn="tl">
+                    <a:srgbClr val="000000">
+                      <a:alpha val="43137"/>
+                    </a:srgbClr>
+                  </a:outerShdw>
+                </a:effectLst>
+                <a:latin typeface="微軟正黑體" pitchFamily="34" charset="-120"/>
+                <a:ea typeface="微軟正黑體" pitchFamily="34" charset="-120"/>
+                <a:cs typeface="Heiti TC Light"/>
+              </a:rPr>
+              <a:t>上</a:t>
             </a:r>
             <a:endParaRPr kumimoji="1" lang="en-US" altLang="zh-TW" sz="3200" b="1" dirty="0" smtClean="0">
               <a:effectLst>
@@ -14300,8 +14391,8 @@
                   </a:srgbClr>
                 </a:outerShdw>
               </a:effectLst>
-              <a:latin typeface="微軟正黑體" panose="020B0604030504040204" pitchFamily="34" charset="-120"/>
-              <a:ea typeface="微軟正黑體" panose="020B0604030504040204" pitchFamily="34" charset="-120"/>
+              <a:latin typeface="微軟正黑體" pitchFamily="34" charset="-120"/>
+              <a:ea typeface="微軟正黑體" pitchFamily="34" charset="-120"/>
               <a:cs typeface="Heiti TC Light"/>
             </a:endParaRPr>
           </a:p>
@@ -14319,41 +14410,11 @@
                     </a:srgbClr>
                   </a:outerShdw>
                 </a:effectLst>
-                <a:latin typeface="微軟正黑體" panose="020B0604030504040204" pitchFamily="34" charset="-120"/>
-                <a:ea typeface="微軟正黑體" panose="020B0604030504040204" pitchFamily="34" charset="-120"/>
-                <a:cs typeface="Heiti TC Light"/>
-              </a:rPr>
-              <a:t>訓練</a:t>
-            </a:r>
-            <a:r>
-              <a:rPr kumimoji="1" lang="en-US" altLang="zh-TW" sz="3200" b="1" dirty="0" err="1" smtClean="0">
-                <a:effectLst>
-                  <a:outerShdw blurRad="38100" dist="38100" dir="2700000" algn="tl">
-                    <a:srgbClr val="000000">
-                      <a:alpha val="43137"/>
-                    </a:srgbClr>
-                  </a:outerShdw>
-                </a:effectLst>
-                <a:latin typeface="微軟正黑體" panose="020B0604030504040204" pitchFamily="34" charset="-120"/>
-                <a:ea typeface="微軟正黑體" panose="020B0604030504040204" pitchFamily="34" charset="-120"/>
-                <a:cs typeface="Heiti TC Light"/>
-              </a:rPr>
-              <a:t>nn</a:t>
-            </a:r>
-            <a:r>
-              <a:rPr kumimoji="1" lang="zh-TW" altLang="en-US" sz="3200" b="1" dirty="0" smtClean="0">
-                <a:effectLst>
-                  <a:outerShdw blurRad="38100" dist="38100" dir="2700000" algn="tl">
-                    <a:srgbClr val="000000">
-                      <a:alpha val="43137"/>
-                    </a:srgbClr>
-                  </a:outerShdw>
-                </a:effectLst>
-                <a:latin typeface="微軟正黑體" panose="020B0604030504040204" pitchFamily="34" charset="-120"/>
-                <a:ea typeface="微軟正黑體" panose="020B0604030504040204" pitchFamily="34" charset="-120"/>
-                <a:cs typeface="Heiti TC Light"/>
-              </a:rPr>
-              <a:t>時清楚明瞭，支援平行處理</a:t>
+                <a:latin typeface="微軟正黑體" pitchFamily="34" charset="-120"/>
+                <a:ea typeface="微軟正黑體" pitchFamily="34" charset="-120"/>
+                <a:cs typeface="Heiti TC Light"/>
+              </a:rPr>
+              <a:t>速度極快</a:t>
             </a:r>
             <a:endParaRPr kumimoji="1" lang="en-US" altLang="zh-TW" sz="3200" b="1" dirty="0" smtClean="0">
               <a:effectLst>
@@ -14363,8 +14424,8 @@
                   </a:srgbClr>
                 </a:outerShdw>
               </a:effectLst>
-              <a:latin typeface="微軟正黑體" panose="020B0604030504040204" pitchFamily="34" charset="-120"/>
-              <a:ea typeface="微軟正黑體" panose="020B0604030504040204" pitchFamily="34" charset="-120"/>
+              <a:latin typeface="微軟正黑體" pitchFamily="34" charset="-120"/>
+              <a:ea typeface="微軟正黑體" pitchFamily="34" charset="-120"/>
               <a:cs typeface="Heiti TC Light"/>
             </a:endParaRPr>
           </a:p>
@@ -14382,197 +14443,11 @@
                     </a:srgbClr>
                   </a:outerShdw>
                 </a:effectLst>
-                <a:latin typeface="微軟正黑體" panose="020B0604030504040204" pitchFamily="34" charset="-120"/>
-                <a:ea typeface="微軟正黑體" panose="020B0604030504040204" pitchFamily="34" charset="-120"/>
-                <a:cs typeface="Heiti TC Light"/>
-              </a:rPr>
-              <a:t>支援分散式學習架構，多個預訓練模型</a:t>
-            </a:r>
-            <a:endParaRPr kumimoji="1" lang="en-US" altLang="zh-TW" sz="3200" b="1" dirty="0" smtClean="0">
-              <a:effectLst>
-                <a:outerShdw blurRad="38100" dist="38100" dir="2700000" algn="tl">
-                  <a:srgbClr val="000000">
-                    <a:alpha val="43137"/>
-                  </a:srgbClr>
-                </a:outerShdw>
-              </a:effectLst>
-              <a:latin typeface="微軟正黑體" panose="020B0604030504040204" pitchFamily="34" charset="-120"/>
-              <a:ea typeface="微軟正黑體" panose="020B0604030504040204" pitchFamily="34" charset="-120"/>
-              <a:cs typeface="Heiti TC Light"/>
-            </a:endParaRPr>
-          </a:p>
-          <a:p>
-            <a:pPr marL="361950" indent="-361950">
-              <a:buFont typeface="Arial" panose="020B0604020202020204" pitchFamily="34" charset="0"/>
-              <a:buChar char="•"/>
-            </a:pPr>
-            <a:r>
-              <a:rPr kumimoji="1" lang="zh-TW" altLang="en-US" sz="3200" b="1" dirty="0" smtClean="0">
-                <a:effectLst>
-                  <a:outerShdw blurRad="38100" dist="38100" dir="2700000" algn="tl">
-                    <a:srgbClr val="000000">
-                      <a:alpha val="43137"/>
-                    </a:srgbClr>
-                  </a:outerShdw>
-                </a:effectLst>
-                <a:latin typeface="微軟正黑體" panose="020B0604030504040204" pitchFamily="34" charset="-120"/>
-                <a:ea typeface="微軟正黑體" panose="020B0604030504040204" pitchFamily="34" charset="-120"/>
-                <a:cs typeface="Heiti TC Light"/>
-              </a:rPr>
-              <a:t>非常</a:t>
-            </a:r>
-            <a:r>
-              <a:rPr kumimoji="1" lang="en-US" altLang="zh-TW" sz="3200" b="1" dirty="0" err="1" smtClean="0">
-                <a:effectLst>
-                  <a:outerShdw blurRad="38100" dist="38100" dir="2700000" algn="tl">
-                    <a:srgbClr val="000000">
-                      <a:alpha val="43137"/>
-                    </a:srgbClr>
-                  </a:outerShdw>
-                </a:effectLst>
-                <a:latin typeface="微軟正黑體" panose="020B0604030504040204" pitchFamily="34" charset="-120"/>
-                <a:ea typeface="微軟正黑體" panose="020B0604030504040204" pitchFamily="34" charset="-120"/>
-                <a:cs typeface="Heiti TC Light"/>
-              </a:rPr>
-              <a:t>pythonic</a:t>
-            </a:r>
-            <a:r>
-              <a:rPr kumimoji="1" lang="zh-TW" altLang="en-US" sz="3200" b="1" dirty="0" smtClean="0">
-                <a:effectLst>
-                  <a:outerShdw blurRad="38100" dist="38100" dir="2700000" algn="tl">
-                    <a:srgbClr val="000000">
-                      <a:alpha val="43137"/>
-                    </a:srgbClr>
-                  </a:outerShdw>
-                </a:effectLst>
-                <a:latin typeface="微軟正黑體" panose="020B0604030504040204" pitchFamily="34" charset="-120"/>
-                <a:ea typeface="微軟正黑體" panose="020B0604030504040204" pitchFamily="34" charset="-120"/>
-                <a:cs typeface="Heiti TC Light"/>
-              </a:rPr>
-              <a:t>，對</a:t>
-            </a:r>
-            <a:r>
-              <a:rPr kumimoji="1" lang="en-US" altLang="zh-TW" sz="3200" b="1" dirty="0" smtClean="0">
-                <a:effectLst>
-                  <a:outerShdw blurRad="38100" dist="38100" dir="2700000" algn="tl">
-                    <a:srgbClr val="000000">
-                      <a:alpha val="43137"/>
-                    </a:srgbClr>
-                  </a:outerShdw>
-                </a:effectLst>
-                <a:latin typeface="微軟正黑體" panose="020B0604030504040204" pitchFamily="34" charset="-120"/>
-                <a:ea typeface="微軟正黑體" panose="020B0604030504040204" pitchFamily="34" charset="-120"/>
-                <a:cs typeface="Heiti TC Light"/>
-              </a:rPr>
-              <a:t>python</a:t>
-            </a:r>
-            <a:r>
-              <a:rPr kumimoji="1" lang="zh-TW" altLang="en-US" sz="3200" b="1" dirty="0" smtClean="0">
-                <a:effectLst>
-                  <a:outerShdw blurRad="38100" dist="38100" dir="2700000" algn="tl">
-                    <a:srgbClr val="000000">
-                      <a:alpha val="43137"/>
-                    </a:srgbClr>
-                  </a:outerShdw>
-                </a:effectLst>
-                <a:latin typeface="微軟正黑體" panose="020B0604030504040204" pitchFamily="34" charset="-120"/>
-                <a:ea typeface="微軟正黑體" panose="020B0604030504040204" pitchFamily="34" charset="-120"/>
-                <a:cs typeface="Heiti TC Light"/>
-              </a:rPr>
-              <a:t>熟悉者的福音</a:t>
-            </a:r>
-            <a:endParaRPr kumimoji="1" lang="en-US" altLang="zh-TW" sz="3200" b="1" dirty="0" smtClean="0">
-              <a:effectLst>
-                <a:outerShdw blurRad="38100" dist="38100" dir="2700000" algn="tl">
-                  <a:srgbClr val="000000">
-                    <a:alpha val="43137"/>
-                  </a:srgbClr>
-                </a:outerShdw>
-              </a:effectLst>
-              <a:latin typeface="微軟正黑體" panose="020B0604030504040204" pitchFamily="34" charset="-120"/>
-              <a:ea typeface="微軟正黑體" panose="020B0604030504040204" pitchFamily="34" charset="-120"/>
-              <a:cs typeface="Heiti TC Light"/>
-            </a:endParaRPr>
-          </a:p>
-          <a:p>
-            <a:pPr marL="361950" indent="-361950">
-              <a:buFont typeface="Arial" panose="020B0604020202020204" pitchFamily="34" charset="0"/>
-              <a:buChar char="•"/>
-            </a:pPr>
-            <a:r>
-              <a:rPr kumimoji="1" lang="zh-TW" altLang="en-US" sz="3200" b="1" dirty="0" smtClean="0">
-                <a:effectLst>
-                  <a:outerShdw blurRad="38100" dist="38100" dir="2700000" algn="tl">
-                    <a:srgbClr val="000000">
-                      <a:alpha val="43137"/>
-                    </a:srgbClr>
-                  </a:outerShdw>
-                </a:effectLst>
-                <a:latin typeface="微軟正黑體" panose="020B0604030504040204" pitchFamily="34" charset="-120"/>
-                <a:ea typeface="微軟正黑體" panose="020B0604030504040204" pitchFamily="34" charset="-120"/>
-                <a:cs typeface="Heiti TC Light"/>
-              </a:rPr>
-              <a:t>比</a:t>
-            </a:r>
-            <a:r>
-              <a:rPr kumimoji="1" lang="en-US" altLang="zh-TW" sz="3200" b="1" dirty="0" err="1" smtClean="0">
-                <a:effectLst>
-                  <a:outerShdw blurRad="38100" dist="38100" dir="2700000" algn="tl">
-                    <a:srgbClr val="000000">
-                      <a:alpha val="43137"/>
-                    </a:srgbClr>
-                  </a:outerShdw>
-                </a:effectLst>
-                <a:latin typeface="微軟正黑體" panose="020B0604030504040204" pitchFamily="34" charset="-120"/>
-                <a:ea typeface="微軟正黑體" panose="020B0604030504040204" pitchFamily="34" charset="-120"/>
-                <a:cs typeface="Heiti TC Light"/>
-              </a:rPr>
-              <a:t>tf</a:t>
-            </a:r>
-            <a:r>
-              <a:rPr kumimoji="1" lang="zh-TW" altLang="en-US" sz="3200" b="1" dirty="0" smtClean="0">
-                <a:effectLst>
-                  <a:outerShdw blurRad="38100" dist="38100" dir="2700000" algn="tl">
-                    <a:srgbClr val="000000">
-                      <a:alpha val="43137"/>
-                    </a:srgbClr>
-                  </a:outerShdw>
-                </a:effectLst>
-                <a:latin typeface="微軟正黑體" panose="020B0604030504040204" pitchFamily="34" charset="-120"/>
-                <a:ea typeface="微軟正黑體" panose="020B0604030504040204" pitchFamily="34" charset="-120"/>
-                <a:cs typeface="Heiti TC Light"/>
-              </a:rPr>
-              <a:t>容易上手，比</a:t>
-            </a:r>
-            <a:r>
-              <a:rPr kumimoji="1" lang="en-US" altLang="zh-TW" sz="3200" b="1" dirty="0" err="1" smtClean="0">
-                <a:effectLst>
-                  <a:outerShdw blurRad="38100" dist="38100" dir="2700000" algn="tl">
-                    <a:srgbClr val="000000">
-                      <a:alpha val="43137"/>
-                    </a:srgbClr>
-                  </a:outerShdw>
-                </a:effectLst>
-                <a:latin typeface="微軟正黑體" panose="020B0604030504040204" pitchFamily="34" charset="-120"/>
-                <a:ea typeface="微軟正黑體" panose="020B0604030504040204" pitchFamily="34" charset="-120"/>
-                <a:cs typeface="Heiti TC Light"/>
-              </a:rPr>
-              <a:t>keras</a:t>
-            </a:r>
-            <a:r>
-              <a:rPr kumimoji="1" lang="zh-TW" altLang="en-US" sz="3200" b="1" dirty="0" smtClean="0">
-                <a:effectLst>
-                  <a:outerShdw blurRad="38100" dist="38100" dir="2700000" algn="tl">
-                    <a:srgbClr val="000000">
-                      <a:alpha val="43137"/>
-                    </a:srgbClr>
-                  </a:outerShdw>
-                </a:effectLst>
-                <a:latin typeface="微軟正黑體" panose="020B0604030504040204" pitchFamily="34" charset="-120"/>
-                <a:ea typeface="微軟正黑體" panose="020B0604030504040204" pitchFamily="34" charset="-120"/>
-                <a:cs typeface="Heiti TC Light"/>
-              </a:rPr>
-              <a:t>強大</a:t>
+                <a:latin typeface="微軟正黑體" pitchFamily="34" charset="-120"/>
+                <a:ea typeface="微軟正黑體" pitchFamily="34" charset="-120"/>
+                <a:cs typeface="Heiti TC Light"/>
+              </a:rPr>
+              <a:t>工研院好愛用</a:t>
             </a:r>
             <a:endParaRPr kumimoji="1" lang="en-US" altLang="zh-TW" sz="3200" b="1" dirty="0">
               <a:effectLst>
@@ -14582,8 +14457,8 @@
                   </a:srgbClr>
                 </a:outerShdw>
               </a:effectLst>
-              <a:latin typeface="微軟正黑體" panose="020B0604030504040204" pitchFamily="34" charset="-120"/>
-              <a:ea typeface="微軟正黑體" panose="020B0604030504040204" pitchFamily="34" charset="-120"/>
+              <a:latin typeface="微軟正黑體" pitchFamily="34" charset="-120"/>
+              <a:ea typeface="微軟正黑體" pitchFamily="34" charset="-120"/>
               <a:cs typeface="Heiti TC Light"/>
             </a:endParaRPr>
           </a:p>
@@ -14591,7 +14466,7 @@
       </p:sp>
       <p:pic>
         <p:nvPicPr>
-          <p:cNvPr id="5122" name="Picture 2" descr="C:\Users\joshhu\Desktop\0_lpdvSWt1Ykqir4tC.png"/>
+          <p:cNvPr id="7170" name="Picture 2" descr="C:\Users\joshhu\Desktop\0_RWhWbDJO-PiwVIfR.png"/>
           <p:cNvPicPr>
             <a:picLocks noChangeAspect="1" noChangeArrowheads="1"/>
           </p:cNvPicPr>
@@ -14606,8 +14481,8 @@
         </p:blipFill>
         <p:spPr bwMode="auto">
           <a:xfrm>
-            <a:off x="2057400" y="463927"/>
-            <a:ext cx="5334000" cy="1453515"/>
+            <a:off x="2171700" y="352425"/>
+            <a:ext cx="4762500" cy="1628775"/>
           </a:xfrm>
           <a:prstGeom prst="rect">
             <a:avLst/>
@@ -14651,8 +14526,8 @@
         </p:nvSpPr>
         <p:spPr>
           <a:xfrm>
-            <a:off x="457200" y="2362200"/>
-            <a:ext cx="8458200" cy="3046988"/>
+            <a:off x="457200" y="2445127"/>
+            <a:ext cx="8458200" cy="3539430"/>
           </a:xfrm>
           <a:prstGeom prst="rect">
             <a:avLst/>
@@ -14682,7 +14557,97 @@
                 <a:ea typeface="微軟正黑體" panose="020B0604030504040204" pitchFamily="34" charset="-120"/>
                 <a:cs typeface="Heiti TC Light"/>
               </a:rPr>
-              <a:t>最有名的特色就是跨裝置</a:t>
+              <a:t>由</a:t>
+            </a:r>
+            <a:r>
+              <a:rPr kumimoji="1" lang="en-US" altLang="zh-TW" sz="3200" b="1" dirty="0" smtClean="0">
+                <a:effectLst>
+                  <a:outerShdw blurRad="38100" dist="38100" dir="2700000" algn="tl">
+                    <a:srgbClr val="000000">
+                      <a:alpha val="43137"/>
+                    </a:srgbClr>
+                  </a:outerShdw>
+                </a:effectLst>
+                <a:latin typeface="微軟正黑體" panose="020B0604030504040204" pitchFamily="34" charset="-120"/>
+                <a:ea typeface="微軟正黑體" panose="020B0604030504040204" pitchFamily="34" charset="-120"/>
+                <a:cs typeface="Heiti TC Light"/>
+              </a:rPr>
+              <a:t>FB</a:t>
+            </a:r>
+            <a:r>
+              <a:rPr kumimoji="1" lang="zh-TW" altLang="en-US" sz="3200" b="1" dirty="0" smtClean="0">
+                <a:effectLst>
+                  <a:outerShdw blurRad="38100" dist="38100" dir="2700000" algn="tl">
+                    <a:srgbClr val="000000">
+                      <a:alpha val="43137"/>
+                    </a:srgbClr>
+                  </a:outerShdw>
+                </a:effectLst>
+                <a:latin typeface="微軟正黑體" panose="020B0604030504040204" pitchFamily="34" charset="-120"/>
+                <a:ea typeface="微軟正黑體" panose="020B0604030504040204" pitchFamily="34" charset="-120"/>
+                <a:cs typeface="Heiti TC Light"/>
+              </a:rPr>
+              <a:t>開發，其來源於</a:t>
+            </a:r>
+            <a:r>
+              <a:rPr kumimoji="1" lang="en-US" altLang="zh-TW" sz="3200" b="1" dirty="0" err="1" smtClean="0">
+                <a:effectLst>
+                  <a:outerShdw blurRad="38100" dist="38100" dir="2700000" algn="tl">
+                    <a:srgbClr val="000000">
+                      <a:alpha val="43137"/>
+                    </a:srgbClr>
+                  </a:outerShdw>
+                </a:effectLst>
+                <a:latin typeface="微軟正黑體" panose="020B0604030504040204" pitchFamily="34" charset="-120"/>
+                <a:ea typeface="微軟正黑體" panose="020B0604030504040204" pitchFamily="34" charset="-120"/>
+                <a:cs typeface="Heiti TC Light"/>
+              </a:rPr>
+              <a:t>Lua</a:t>
+            </a:r>
+            <a:r>
+              <a:rPr kumimoji="1" lang="zh-TW" altLang="en-US" sz="3200" b="1" dirty="0" smtClean="0">
+                <a:effectLst>
+                  <a:outerShdw blurRad="38100" dist="38100" dir="2700000" algn="tl">
+                    <a:srgbClr val="000000">
+                      <a:alpha val="43137"/>
+                    </a:srgbClr>
+                  </a:outerShdw>
+                </a:effectLst>
+                <a:latin typeface="微軟正黑體" panose="020B0604030504040204" pitchFamily="34" charset="-120"/>
+                <a:ea typeface="微軟正黑體" panose="020B0604030504040204" pitchFamily="34" charset="-120"/>
+                <a:cs typeface="Heiti TC Light"/>
+              </a:rPr>
+              <a:t>的 </a:t>
+            </a:r>
+            <a:r>
+              <a:rPr kumimoji="1" lang="en-US" altLang="zh-TW" sz="3200" b="1" dirty="0" smtClean="0">
+                <a:effectLst>
+                  <a:outerShdw blurRad="38100" dist="38100" dir="2700000" algn="tl">
+                    <a:srgbClr val="000000">
+                      <a:alpha val="43137"/>
+                    </a:srgbClr>
+                  </a:outerShdw>
+                </a:effectLst>
+                <a:latin typeface="微軟正黑體" panose="020B0604030504040204" pitchFamily="34" charset="-120"/>
+                <a:ea typeface="微軟正黑體" panose="020B0604030504040204" pitchFamily="34" charset="-120"/>
+                <a:cs typeface="Heiti TC Light"/>
+              </a:rPr>
+              <a:t>Torch</a:t>
+            </a:r>
+            <a:r>
+              <a:rPr kumimoji="1" lang="zh-TW" altLang="en-US" sz="3200" b="1" dirty="0" smtClean="0">
+                <a:effectLst>
+                  <a:outerShdw blurRad="38100" dist="38100" dir="2700000" algn="tl">
+                    <a:srgbClr val="000000">
+                      <a:alpha val="43137"/>
+                    </a:srgbClr>
+                  </a:outerShdw>
+                </a:effectLst>
+                <a:latin typeface="微軟正黑體" panose="020B0604030504040204" pitchFamily="34" charset="-120"/>
+                <a:ea typeface="微軟正黑體" panose="020B0604030504040204" pitchFamily="34" charset="-120"/>
+                <a:cs typeface="Heiti TC Light"/>
+              </a:rPr>
+              <a:t>專案</a:t>
             </a:r>
             <a:endParaRPr kumimoji="1" lang="en-US" altLang="zh-TW" sz="3200" b="1" dirty="0" smtClean="0">
               <a:effectLst>
@@ -14715,7 +14680,37 @@
                 <a:ea typeface="微軟正黑體" panose="020B0604030504040204" pitchFamily="34" charset="-120"/>
                 <a:cs typeface="Heiti TC Light"/>
               </a:rPr>
-              <a:t>目前已成為</a:t>
+              <a:t>用在</a:t>
+            </a:r>
+            <a:r>
+              <a:rPr kumimoji="1" lang="en-US" altLang="zh-TW" sz="3200" b="1" dirty="0" err="1" smtClean="0">
+                <a:effectLst>
+                  <a:outerShdw blurRad="38100" dist="38100" dir="2700000" algn="tl">
+                    <a:srgbClr val="000000">
+                      <a:alpha val="43137"/>
+                    </a:srgbClr>
+                  </a:outerShdw>
+                </a:effectLst>
+                <a:latin typeface="微軟正黑體" panose="020B0604030504040204" pitchFamily="34" charset="-120"/>
+                <a:ea typeface="微軟正黑體" panose="020B0604030504040204" pitchFamily="34" charset="-120"/>
+                <a:cs typeface="Heiti TC Light"/>
+              </a:rPr>
+              <a:t>fb</a:t>
+            </a:r>
+            <a:r>
+              <a:rPr kumimoji="1" lang="zh-TW" altLang="en-US" sz="3200" b="1" dirty="0" smtClean="0">
+                <a:effectLst>
+                  <a:outerShdw blurRad="38100" dist="38100" dir="2700000" algn="tl">
+                    <a:srgbClr val="000000">
+                      <a:alpha val="43137"/>
+                    </a:srgbClr>
+                  </a:outerShdw>
+                </a:effectLst>
+                <a:latin typeface="微軟正黑體" panose="020B0604030504040204" pitchFamily="34" charset="-120"/>
+                <a:ea typeface="微軟正黑體" panose="020B0604030504040204" pitchFamily="34" charset="-120"/>
+                <a:cs typeface="Heiti TC Light"/>
+              </a:rPr>
+              <a:t>，</a:t>
             </a:r>
             <a:r>
               <a:rPr kumimoji="1" lang="en-US" altLang="zh-TW" sz="3200" b="1" dirty="0" smtClean="0">
@@ -14730,7 +14725,7 @@
                 <a:ea typeface="微軟正黑體" panose="020B0604030504040204" pitchFamily="34" charset="-120"/>
                 <a:cs typeface="Heiti TC Light"/>
               </a:rPr>
-              <a:t>Apache</a:t>
+              <a:t>twitter</a:t>
             </a:r>
             <a:r>
               <a:rPr kumimoji="1" lang="zh-TW" altLang="en-US" sz="3200" b="1" dirty="0" smtClean="0">
@@ -14745,7 +14740,37 @@
                 <a:ea typeface="微軟正黑體" panose="020B0604030504040204" pitchFamily="34" charset="-120"/>
                 <a:cs typeface="Heiti TC Light"/>
               </a:rPr>
-              <a:t>頂級專案</a:t>
+              <a:t>，</a:t>
+            </a:r>
+            <a:r>
+              <a:rPr kumimoji="1" lang="en-US" altLang="zh-TW" sz="3200" b="1" dirty="0" err="1" smtClean="0">
+                <a:effectLst>
+                  <a:outerShdw blurRad="38100" dist="38100" dir="2700000" algn="tl">
+                    <a:srgbClr val="000000">
+                      <a:alpha val="43137"/>
+                    </a:srgbClr>
+                  </a:outerShdw>
+                </a:effectLst>
+                <a:latin typeface="微軟正黑體" panose="020B0604030504040204" pitchFamily="34" charset="-120"/>
+                <a:ea typeface="微軟正黑體" panose="020B0604030504040204" pitchFamily="34" charset="-120"/>
+                <a:cs typeface="Heiti TC Light"/>
+              </a:rPr>
+              <a:t>salesforce</a:t>
+            </a:r>
+            <a:r>
+              <a:rPr kumimoji="1" lang="zh-TW" altLang="en-US" sz="3200" b="1" dirty="0" smtClean="0">
+                <a:effectLst>
+                  <a:outerShdw blurRad="38100" dist="38100" dir="2700000" algn="tl">
+                    <a:srgbClr val="000000">
+                      <a:alpha val="43137"/>
+                    </a:srgbClr>
+                  </a:outerShdw>
+                </a:effectLst>
+                <a:latin typeface="微軟正黑體" panose="020B0604030504040204" pitchFamily="34" charset="-120"/>
+                <a:ea typeface="微軟正黑體" panose="020B0604030504040204" pitchFamily="34" charset="-120"/>
+                <a:cs typeface="Heiti TC Light"/>
+              </a:rPr>
+              <a:t>等服務</a:t>
             </a:r>
             <a:endParaRPr kumimoji="1" lang="en-US" altLang="zh-TW" sz="3200" b="1" dirty="0" smtClean="0">
               <a:effectLst>
@@ -14778,29 +14803,20 @@
                 <a:ea typeface="微軟正黑體" panose="020B0604030504040204" pitchFamily="34" charset="-120"/>
                 <a:cs typeface="Heiti TC Light"/>
               </a:rPr>
-              <a:t>支援最多的語言，包括</a:t>
-            </a:r>
-            <a:r>
-              <a:rPr lang="en-US" altLang="zh-TW" sz="3200" dirty="0" smtClean="0">
-                <a:latin typeface="微軟正黑體" pitchFamily="34" charset="-120"/>
-                <a:ea typeface="微軟正黑體" pitchFamily="34" charset="-120"/>
-              </a:rPr>
-              <a:t>C ++, Python, R, Julia, JavaScript, </a:t>
-            </a:r>
-            <a:r>
-              <a:rPr lang="en-US" altLang="zh-TW" sz="3200" dirty="0" err="1" smtClean="0">
-                <a:latin typeface="微軟正黑體" pitchFamily="34" charset="-120"/>
-                <a:ea typeface="微軟正黑體" pitchFamily="34" charset="-120"/>
-              </a:rPr>
-              <a:t>Scala</a:t>
-            </a:r>
-            <a:r>
-              <a:rPr lang="en-US" altLang="zh-TW" sz="3200" dirty="0" smtClean="0">
-                <a:latin typeface="微軟正黑體" pitchFamily="34" charset="-120"/>
-                <a:ea typeface="微軟正黑體" pitchFamily="34" charset="-120"/>
-              </a:rPr>
-              <a:t>, Go, Perl</a:t>
-            </a:r>
+              <a:t>使用動態圖更新，可隨時修改模型</a:t>
+            </a:r>
+            <a:endParaRPr kumimoji="1" lang="en-US" altLang="zh-TW" sz="3200" b="1" dirty="0" smtClean="0">
+              <a:effectLst>
+                <a:outerShdw blurRad="38100" dist="38100" dir="2700000" algn="tl">
+                  <a:srgbClr val="000000">
+                    <a:alpha val="43137"/>
+                  </a:srgbClr>
+                </a:outerShdw>
+              </a:effectLst>
+              <a:latin typeface="微軟正黑體" panose="020B0604030504040204" pitchFamily="34" charset="-120"/>
+              <a:ea typeface="微軟正黑體" panose="020B0604030504040204" pitchFamily="34" charset="-120"/>
+              <a:cs typeface="Heiti TC Light"/>
+            </a:endParaRPr>
           </a:p>
           <a:p>
             <a:pPr marL="361950" indent="-361950">
@@ -14816,11 +14832,137 @@
                     </a:srgbClr>
                   </a:outerShdw>
                 </a:effectLst>
-                <a:latin typeface="微軟正黑體" pitchFamily="34" charset="-120"/>
-                <a:ea typeface="微軟正黑體" pitchFamily="34" charset="-120"/>
-                <a:cs typeface="Heiti TC Light"/>
-              </a:rPr>
-              <a:t>最大的特色就是跨平台的平行處理，使用在</a:t>
+                <a:latin typeface="微軟正黑體" panose="020B0604030504040204" pitchFamily="34" charset="-120"/>
+                <a:ea typeface="微軟正黑體" panose="020B0604030504040204" pitchFamily="34" charset="-120"/>
+                <a:cs typeface="Heiti TC Light"/>
+              </a:rPr>
+              <a:t>訓練</a:t>
+            </a:r>
+            <a:r>
+              <a:rPr kumimoji="1" lang="en-US" altLang="zh-TW" sz="3200" b="1" dirty="0" err="1" smtClean="0">
+                <a:effectLst>
+                  <a:outerShdw blurRad="38100" dist="38100" dir="2700000" algn="tl">
+                    <a:srgbClr val="000000">
+                      <a:alpha val="43137"/>
+                    </a:srgbClr>
+                  </a:outerShdw>
+                </a:effectLst>
+                <a:latin typeface="微軟正黑體" panose="020B0604030504040204" pitchFamily="34" charset="-120"/>
+                <a:ea typeface="微軟正黑體" panose="020B0604030504040204" pitchFamily="34" charset="-120"/>
+                <a:cs typeface="Heiti TC Light"/>
+              </a:rPr>
+              <a:t>nn</a:t>
+            </a:r>
+            <a:r>
+              <a:rPr kumimoji="1" lang="zh-TW" altLang="en-US" sz="3200" b="1" dirty="0" smtClean="0">
+                <a:effectLst>
+                  <a:outerShdw blurRad="38100" dist="38100" dir="2700000" algn="tl">
+                    <a:srgbClr val="000000">
+                      <a:alpha val="43137"/>
+                    </a:srgbClr>
+                  </a:outerShdw>
+                </a:effectLst>
+                <a:latin typeface="微軟正黑體" panose="020B0604030504040204" pitchFamily="34" charset="-120"/>
+                <a:ea typeface="微軟正黑體" panose="020B0604030504040204" pitchFamily="34" charset="-120"/>
+                <a:cs typeface="Heiti TC Light"/>
+              </a:rPr>
+              <a:t>時清楚明瞭，支援平行處理</a:t>
+            </a:r>
+            <a:endParaRPr kumimoji="1" lang="en-US" altLang="zh-TW" sz="3200" b="1" dirty="0" smtClean="0">
+              <a:effectLst>
+                <a:outerShdw blurRad="38100" dist="38100" dir="2700000" algn="tl">
+                  <a:srgbClr val="000000">
+                    <a:alpha val="43137"/>
+                  </a:srgbClr>
+                </a:outerShdw>
+              </a:effectLst>
+              <a:latin typeface="微軟正黑體" panose="020B0604030504040204" pitchFamily="34" charset="-120"/>
+              <a:ea typeface="微軟正黑體" panose="020B0604030504040204" pitchFamily="34" charset="-120"/>
+              <a:cs typeface="Heiti TC Light"/>
+            </a:endParaRPr>
+          </a:p>
+          <a:p>
+            <a:pPr marL="361950" indent="-361950">
+              <a:buFont typeface="Arial" panose="020B0604020202020204" pitchFamily="34" charset="0"/>
+              <a:buChar char="•"/>
+            </a:pPr>
+            <a:r>
+              <a:rPr kumimoji="1" lang="zh-TW" altLang="en-US" sz="3200" b="1" dirty="0" smtClean="0">
+                <a:effectLst>
+                  <a:outerShdw blurRad="38100" dist="38100" dir="2700000" algn="tl">
+                    <a:srgbClr val="000000">
+                      <a:alpha val="43137"/>
+                    </a:srgbClr>
+                  </a:outerShdw>
+                </a:effectLst>
+                <a:latin typeface="微軟正黑體" panose="020B0604030504040204" pitchFamily="34" charset="-120"/>
+                <a:ea typeface="微軟正黑體" panose="020B0604030504040204" pitchFamily="34" charset="-120"/>
+                <a:cs typeface="Heiti TC Light"/>
+              </a:rPr>
+              <a:t>支援分散式學習架構，多個預訓練模型</a:t>
+            </a:r>
+            <a:endParaRPr kumimoji="1" lang="en-US" altLang="zh-TW" sz="3200" b="1" dirty="0" smtClean="0">
+              <a:effectLst>
+                <a:outerShdw blurRad="38100" dist="38100" dir="2700000" algn="tl">
+                  <a:srgbClr val="000000">
+                    <a:alpha val="43137"/>
+                  </a:srgbClr>
+                </a:outerShdw>
+              </a:effectLst>
+              <a:latin typeface="微軟正黑體" panose="020B0604030504040204" pitchFamily="34" charset="-120"/>
+              <a:ea typeface="微軟正黑體" panose="020B0604030504040204" pitchFamily="34" charset="-120"/>
+              <a:cs typeface="Heiti TC Light"/>
+            </a:endParaRPr>
+          </a:p>
+          <a:p>
+            <a:pPr marL="361950" indent="-361950">
+              <a:buFont typeface="Arial" panose="020B0604020202020204" pitchFamily="34" charset="0"/>
+              <a:buChar char="•"/>
+            </a:pPr>
+            <a:r>
+              <a:rPr kumimoji="1" lang="zh-TW" altLang="en-US" sz="3200" b="1" dirty="0" smtClean="0">
+                <a:effectLst>
+                  <a:outerShdw blurRad="38100" dist="38100" dir="2700000" algn="tl">
+                    <a:srgbClr val="000000">
+                      <a:alpha val="43137"/>
+                    </a:srgbClr>
+                  </a:outerShdw>
+                </a:effectLst>
+                <a:latin typeface="微軟正黑體" panose="020B0604030504040204" pitchFamily="34" charset="-120"/>
+                <a:ea typeface="微軟正黑體" panose="020B0604030504040204" pitchFamily="34" charset="-120"/>
+                <a:cs typeface="Heiti TC Light"/>
+              </a:rPr>
+              <a:t>非常</a:t>
+            </a:r>
+            <a:r>
+              <a:rPr kumimoji="1" lang="en-US" altLang="zh-TW" sz="3200" b="1" dirty="0" err="1" smtClean="0">
+                <a:effectLst>
+                  <a:outerShdw blurRad="38100" dist="38100" dir="2700000" algn="tl">
+                    <a:srgbClr val="000000">
+                      <a:alpha val="43137"/>
+                    </a:srgbClr>
+                  </a:outerShdw>
+                </a:effectLst>
+                <a:latin typeface="微軟正黑體" panose="020B0604030504040204" pitchFamily="34" charset="-120"/>
+                <a:ea typeface="微軟正黑體" panose="020B0604030504040204" pitchFamily="34" charset="-120"/>
+                <a:cs typeface="Heiti TC Light"/>
+              </a:rPr>
+              <a:t>pythonic</a:t>
+            </a:r>
+            <a:r>
+              <a:rPr kumimoji="1" lang="zh-TW" altLang="en-US" sz="3200" b="1" dirty="0" smtClean="0">
+                <a:effectLst>
+                  <a:outerShdw blurRad="38100" dist="38100" dir="2700000" algn="tl">
+                    <a:srgbClr val="000000">
+                      <a:alpha val="43137"/>
+                    </a:srgbClr>
+                  </a:outerShdw>
+                </a:effectLst>
+                <a:latin typeface="微軟正黑體" panose="020B0604030504040204" pitchFamily="34" charset="-120"/>
+                <a:ea typeface="微軟正黑體" panose="020B0604030504040204" pitchFamily="34" charset="-120"/>
+                <a:cs typeface="Heiti TC Light"/>
+              </a:rPr>
+              <a:t>，對</a:t>
             </a:r>
             <a:r>
               <a:rPr kumimoji="1" lang="en-US" altLang="zh-TW" sz="3200" b="1" dirty="0" smtClean="0">
@@ -14831,11 +14973,11 @@
                     </a:srgbClr>
                   </a:outerShdw>
                 </a:effectLst>
-                <a:latin typeface="微軟正黑體" pitchFamily="34" charset="-120"/>
-                <a:ea typeface="微軟正黑體" pitchFamily="34" charset="-120"/>
-                <a:cs typeface="Heiti TC Light"/>
-              </a:rPr>
-              <a:t>AWS</a:t>
+                <a:latin typeface="微軟正黑體" panose="020B0604030504040204" pitchFamily="34" charset="-120"/>
+                <a:ea typeface="微軟正黑體" panose="020B0604030504040204" pitchFamily="34" charset="-120"/>
+                <a:cs typeface="Heiti TC Light"/>
+              </a:rPr>
+              <a:t>python</a:t>
             </a:r>
             <a:r>
               <a:rPr kumimoji="1" lang="zh-TW" altLang="en-US" sz="3200" b="1" dirty="0" smtClean="0">
@@ -14846,11 +14988,104 @@
                     </a:srgbClr>
                   </a:outerShdw>
                 </a:effectLst>
-                <a:latin typeface="微軟正黑體" pitchFamily="34" charset="-120"/>
-                <a:ea typeface="微軟正黑體" pitchFamily="34" charset="-120"/>
-                <a:cs typeface="Heiti TC Light"/>
-              </a:rPr>
-              <a:t>上</a:t>
+                <a:latin typeface="微軟正黑體" panose="020B0604030504040204" pitchFamily="34" charset="-120"/>
+                <a:ea typeface="微軟正黑體" panose="020B0604030504040204" pitchFamily="34" charset="-120"/>
+                <a:cs typeface="Heiti TC Light"/>
+              </a:rPr>
+              <a:t>熟悉者的福音</a:t>
+            </a:r>
+            <a:endParaRPr kumimoji="1" lang="en-US" altLang="zh-TW" sz="3200" b="1" dirty="0" smtClean="0">
+              <a:effectLst>
+                <a:outerShdw blurRad="38100" dist="38100" dir="2700000" algn="tl">
+                  <a:srgbClr val="000000">
+                    <a:alpha val="43137"/>
+                  </a:srgbClr>
+                </a:outerShdw>
+              </a:effectLst>
+              <a:latin typeface="微軟正黑體" panose="020B0604030504040204" pitchFamily="34" charset="-120"/>
+              <a:ea typeface="微軟正黑體" panose="020B0604030504040204" pitchFamily="34" charset="-120"/>
+              <a:cs typeface="Heiti TC Light"/>
+            </a:endParaRPr>
+          </a:p>
+          <a:p>
+            <a:pPr marL="361950" indent="-361950">
+              <a:buFont typeface="Arial" panose="020B0604020202020204" pitchFamily="34" charset="0"/>
+              <a:buChar char="•"/>
+            </a:pPr>
+            <a:r>
+              <a:rPr kumimoji="1" lang="zh-TW" altLang="en-US" sz="3200" b="1" dirty="0" smtClean="0">
+                <a:effectLst>
+                  <a:outerShdw blurRad="38100" dist="38100" dir="2700000" algn="tl">
+                    <a:srgbClr val="000000">
+                      <a:alpha val="43137"/>
+                    </a:srgbClr>
+                  </a:outerShdw>
+                </a:effectLst>
+                <a:latin typeface="微軟正黑體" panose="020B0604030504040204" pitchFamily="34" charset="-120"/>
+                <a:ea typeface="微軟正黑體" panose="020B0604030504040204" pitchFamily="34" charset="-120"/>
+                <a:cs typeface="Heiti TC Light"/>
+              </a:rPr>
+              <a:t>比</a:t>
+            </a:r>
+            <a:r>
+              <a:rPr kumimoji="1" lang="en-US" altLang="zh-TW" sz="3200" b="1" dirty="0" err="1" smtClean="0">
+                <a:effectLst>
+                  <a:outerShdw blurRad="38100" dist="38100" dir="2700000" algn="tl">
+                    <a:srgbClr val="000000">
+                      <a:alpha val="43137"/>
+                    </a:srgbClr>
+                  </a:outerShdw>
+                </a:effectLst>
+                <a:latin typeface="微軟正黑體" panose="020B0604030504040204" pitchFamily="34" charset="-120"/>
+                <a:ea typeface="微軟正黑體" panose="020B0604030504040204" pitchFamily="34" charset="-120"/>
+                <a:cs typeface="Heiti TC Light"/>
+              </a:rPr>
+              <a:t>tf</a:t>
+            </a:r>
+            <a:r>
+              <a:rPr kumimoji="1" lang="zh-TW" altLang="en-US" sz="3200" b="1" dirty="0" smtClean="0">
+                <a:effectLst>
+                  <a:outerShdw blurRad="38100" dist="38100" dir="2700000" algn="tl">
+                    <a:srgbClr val="000000">
+                      <a:alpha val="43137"/>
+                    </a:srgbClr>
+                  </a:outerShdw>
+                </a:effectLst>
+                <a:latin typeface="微軟正黑體" panose="020B0604030504040204" pitchFamily="34" charset="-120"/>
+                <a:ea typeface="微軟正黑體" panose="020B0604030504040204" pitchFamily="34" charset="-120"/>
+                <a:cs typeface="Heiti TC Light"/>
+              </a:rPr>
+              <a:t>容易上手，比</a:t>
+            </a:r>
+            <a:r>
+              <a:rPr kumimoji="1" lang="en-US" altLang="zh-TW" sz="3200" b="1" dirty="0" err="1" smtClean="0">
+                <a:effectLst>
+                  <a:outerShdw blurRad="38100" dist="38100" dir="2700000" algn="tl">
+                    <a:srgbClr val="000000">
+                      <a:alpha val="43137"/>
+                    </a:srgbClr>
+                  </a:outerShdw>
+                </a:effectLst>
+                <a:latin typeface="微軟正黑體" panose="020B0604030504040204" pitchFamily="34" charset="-120"/>
+                <a:ea typeface="微軟正黑體" panose="020B0604030504040204" pitchFamily="34" charset="-120"/>
+                <a:cs typeface="Heiti TC Light"/>
+              </a:rPr>
+              <a:t>keras</a:t>
+            </a:r>
+            <a:r>
+              <a:rPr kumimoji="1" lang="zh-TW" altLang="en-US" sz="3200" b="1" dirty="0" smtClean="0">
+                <a:effectLst>
+                  <a:outerShdw blurRad="38100" dist="38100" dir="2700000" algn="tl">
+                    <a:srgbClr val="000000">
+                      <a:alpha val="43137"/>
+                    </a:srgbClr>
+                  </a:outerShdw>
+                </a:effectLst>
+                <a:latin typeface="微軟正黑體" panose="020B0604030504040204" pitchFamily="34" charset="-120"/>
+                <a:ea typeface="微軟正黑體" panose="020B0604030504040204" pitchFamily="34" charset="-120"/>
+                <a:cs typeface="Heiti TC Light"/>
+              </a:rPr>
+              <a:t>強大</a:t>
             </a:r>
             <a:endParaRPr kumimoji="1" lang="en-US" altLang="zh-TW" sz="3200" b="1" dirty="0">
               <a:effectLst>
@@ -14860,8 +15095,8 @@
                   </a:srgbClr>
                 </a:outerShdw>
               </a:effectLst>
-              <a:latin typeface="微軟正黑體" pitchFamily="34" charset="-120"/>
-              <a:ea typeface="微軟正黑體" pitchFamily="34" charset="-120"/>
+              <a:latin typeface="微軟正黑體" panose="020B0604030504040204" pitchFamily="34" charset="-120"/>
+              <a:ea typeface="微軟正黑體" panose="020B0604030504040204" pitchFamily="34" charset="-120"/>
               <a:cs typeface="Heiti TC Light"/>
             </a:endParaRPr>
           </a:p>
@@ -14869,7 +15104,7 @@
       </p:sp>
       <p:pic>
         <p:nvPicPr>
-          <p:cNvPr id="7170" name="Picture 2" descr="C:\Users\joshhu\Desktop\0_RWhWbDJO-PiwVIfR.png"/>
+          <p:cNvPr id="5122" name="Picture 2" descr="C:\Users\joshhu\Desktop\0_lpdvSWt1Ykqir4tC.png"/>
           <p:cNvPicPr>
             <a:picLocks noChangeAspect="1" noChangeArrowheads="1"/>
           </p:cNvPicPr>
@@ -14884,8 +15119,8 @@
         </p:blipFill>
         <p:spPr bwMode="auto">
           <a:xfrm>
-            <a:off x="2133600" y="304800"/>
-            <a:ext cx="4762500" cy="1628775"/>
+            <a:off x="2057400" y="463927"/>
+            <a:ext cx="5334000" cy="1453515"/>
           </a:xfrm>
           <a:prstGeom prst="rect">
             <a:avLst/>
@@ -15579,7 +15814,7 @@
     </p:spTree>
     <p:extLst>
       <p:ext uri="{BB962C8B-B14F-4D97-AF65-F5344CB8AC3E}">
-        <p14:creationId xmlns:p14="http://schemas.microsoft.com/office/powerpoint/2010/main" xmlns="" val="522405798"/>
+        <p14:creationId xmlns="" xmlns:p14="http://schemas.microsoft.com/office/powerpoint/2010/main" val="522405798"/>
       </p:ext>
     </p:extLst>
   </p:cSld>
@@ -15866,7 +16101,7 @@
     </p:spTree>
     <p:extLst>
       <p:ext uri="{BB962C8B-B14F-4D97-AF65-F5344CB8AC3E}">
-        <p14:creationId xmlns:p14="http://schemas.microsoft.com/office/powerpoint/2010/main" xmlns="" val="3907764274"/>
+        <p14:creationId xmlns="" xmlns:p14="http://schemas.microsoft.com/office/powerpoint/2010/main" val="3907764274"/>
       </p:ext>
     </p:extLst>
   </p:cSld>
@@ -16085,7 +16320,7 @@
     </p:spTree>
     <p:extLst>
       <p:ext uri="{BB962C8B-B14F-4D97-AF65-F5344CB8AC3E}">
-        <p14:creationId xmlns:p14="http://schemas.microsoft.com/office/powerpoint/2010/main" xmlns="" val="3907764274"/>
+        <p14:creationId xmlns="" xmlns:p14="http://schemas.microsoft.com/office/powerpoint/2010/main" val="3907764274"/>
       </p:ext>
     </p:extLst>
   </p:cSld>
@@ -16206,7 +16441,22 @@
                 <a:ea typeface="微軟正黑體" panose="020B0604030504040204" pitchFamily="34" charset="-120"/>
                 <a:cs typeface="Heiti TC Light"/>
               </a:rPr>
-              <a:t>版本管理工具</a:t>
+              <a:t>環境管理</a:t>
+            </a:r>
+            <a:r>
+              <a:rPr kumimoji="1" lang="zh-TW" altLang="en-US" sz="4000" b="1" dirty="0" smtClean="0">
+                <a:effectLst>
+                  <a:outerShdw blurRad="38100" dist="38100" dir="2700000" algn="tl">
+                    <a:srgbClr val="000000">
+                      <a:alpha val="43137"/>
+                    </a:srgbClr>
+                  </a:outerShdw>
+                </a:effectLst>
+                <a:latin typeface="微軟正黑體" panose="020B0604030504040204" pitchFamily="34" charset="-120"/>
+                <a:ea typeface="微軟正黑體" panose="020B0604030504040204" pitchFamily="34" charset="-120"/>
+                <a:cs typeface="Heiti TC Light"/>
+              </a:rPr>
+              <a:t>工具</a:t>
             </a:r>
             <a:endParaRPr kumimoji="1" lang="en-US" altLang="zh-TW" sz="4000" b="1" dirty="0" smtClean="0">
               <a:effectLst>
@@ -16521,8 +16771,35 @@
                 <a:ea typeface="微軟正黑體" panose="020B0604030504040204" pitchFamily="34" charset="-120"/>
                 <a:cs typeface="Heiti TC Light"/>
               </a:rPr>
-              <a:t> notebook</a:t>
-            </a:r>
+              <a:t> </a:t>
+            </a:r>
+            <a:r>
+              <a:rPr kumimoji="1" lang="en-US" altLang="zh-TW" sz="4000" b="1" dirty="0" smtClean="0">
+                <a:effectLst>
+                  <a:outerShdw blurRad="38100" dist="38100" dir="2700000" algn="tl">
+                    <a:srgbClr val="000000">
+                      <a:alpha val="43137"/>
+                    </a:srgbClr>
+                  </a:outerShdw>
+                </a:effectLst>
+                <a:latin typeface="微軟正黑體" panose="020B0604030504040204" pitchFamily="34" charset="-120"/>
+                <a:ea typeface="微軟正黑體" panose="020B0604030504040204" pitchFamily="34" charset="-120"/>
+                <a:cs typeface="Heiti TC Light"/>
+              </a:rPr>
+              <a:t>notebook/lab</a:t>
+            </a:r>
+            <a:endParaRPr kumimoji="1" lang="en-US" altLang="zh-TW" sz="4000" b="1" dirty="0" smtClean="0">
+              <a:effectLst>
+                <a:outerShdw blurRad="38100" dist="38100" dir="2700000" algn="tl">
+                  <a:srgbClr val="000000">
+                    <a:alpha val="43137"/>
+                  </a:srgbClr>
+                </a:outerShdw>
+              </a:effectLst>
+              <a:latin typeface="微軟正黑體" panose="020B0604030504040204" pitchFamily="34" charset="-120"/>
+              <a:ea typeface="微軟正黑體" panose="020B0604030504040204" pitchFamily="34" charset="-120"/>
+              <a:cs typeface="Heiti TC Light"/>
+            </a:endParaRPr>
           </a:p>
           <a:p>
             <a:pPr marL="176213" indent="-176213">
@@ -16747,7 +17024,7 @@
     </p:spTree>
     <p:extLst>
       <p:ext uri="{BB962C8B-B14F-4D97-AF65-F5344CB8AC3E}">
-        <p14:creationId xmlns:p14="http://schemas.microsoft.com/office/powerpoint/2010/main" xmlns="" val="522405798"/>
+        <p14:creationId xmlns="" xmlns:p14="http://schemas.microsoft.com/office/powerpoint/2010/main" val="522405798"/>
       </p:ext>
     </p:extLst>
   </p:cSld>
@@ -16882,7 +17159,7 @@
     </p:spTree>
     <p:extLst>
       <p:ext uri="{BB962C8B-B14F-4D97-AF65-F5344CB8AC3E}">
-        <p14:creationId xmlns:p14="http://schemas.microsoft.com/office/powerpoint/2010/main" xmlns="" val="3907764274"/>
+        <p14:creationId xmlns="" xmlns:p14="http://schemas.microsoft.com/office/powerpoint/2010/main" val="3907764274"/>
       </p:ext>
     </p:extLst>
   </p:cSld>
@@ -16921,7 +17198,7 @@
         <p:spPr>
           <a:xfrm>
             <a:off x="685800" y="1676400"/>
-            <a:ext cx="8077200" cy="5016758"/>
+            <a:ext cx="8077200" cy="5078313"/>
           </a:xfrm>
           <a:prstGeom prst="rect">
             <a:avLst/>
@@ -16939,7 +17216,7 @@
               <a:buChar char="•"/>
             </a:pPr>
             <a:r>
-              <a:rPr kumimoji="1" lang="zh-TW" altLang="en-US" sz="4000" b="1" dirty="0" smtClean="0">
+              <a:rPr kumimoji="1" lang="zh-TW" altLang="en-US" sz="3600" b="1" dirty="0" smtClean="0">
                 <a:effectLst>
                   <a:outerShdw blurRad="38100" dist="38100" dir="2700000" algn="tl">
                     <a:srgbClr val="000000">
@@ -16953,7 +17230,7 @@
               </a:rPr>
               <a:t>使用瀏覽器的整合開發環境</a:t>
             </a:r>
-            <a:endParaRPr kumimoji="1" lang="en-US" altLang="zh-TW" sz="4000" b="1" dirty="0" smtClean="0">
+            <a:endParaRPr kumimoji="1" lang="en-US" altLang="zh-TW" sz="3600" b="1" dirty="0" smtClean="0">
               <a:effectLst>
                 <a:outerShdw blurRad="38100" dist="38100" dir="2700000" algn="tl">
                   <a:srgbClr val="000000">
@@ -16972,7 +17249,7 @@
               <a:buChar char="•"/>
             </a:pPr>
             <a:r>
-              <a:rPr kumimoji="1" lang="zh-TW" altLang="en-US" sz="4000" b="1" dirty="0" smtClean="0">
+              <a:rPr kumimoji="1" lang="zh-TW" altLang="en-US" sz="3600" b="1" dirty="0" smtClean="0">
                 <a:effectLst>
                   <a:outerShdw blurRad="38100" dist="38100" dir="2700000" algn="tl">
                     <a:srgbClr val="000000">
@@ -16987,7 +17264,7 @@
               <a:t>這個環境的名稱叫</a:t>
             </a:r>
             <a:r>
-              <a:rPr kumimoji="1" lang="en-US" altLang="zh-TW" sz="4000" b="1" dirty="0" err="1" smtClean="0">
+              <a:rPr kumimoji="1" lang="en-US" altLang="zh-TW" sz="3600" b="1" dirty="0" err="1" smtClean="0">
                 <a:effectLst>
                   <a:outerShdw blurRad="38100" dist="38100" dir="2700000" algn="tl">
                     <a:srgbClr val="000000">
@@ -17001,7 +17278,7 @@
               </a:rPr>
               <a:t>Jupyter</a:t>
             </a:r>
-            <a:endParaRPr kumimoji="1" lang="en-US" altLang="zh-TW" sz="4000" b="1" dirty="0" smtClean="0">
+            <a:endParaRPr kumimoji="1" lang="en-US" altLang="zh-TW" sz="3600" b="1" dirty="0" smtClean="0">
               <a:effectLst>
                 <a:outerShdw blurRad="38100" dist="38100" dir="2700000" algn="tl">
                   <a:srgbClr val="000000">
@@ -17020,7 +17297,7 @@
               <a:buChar char="•"/>
             </a:pPr>
             <a:r>
-              <a:rPr kumimoji="1" lang="zh-TW" altLang="en-US" sz="4000" b="1" dirty="0" smtClean="0">
+              <a:rPr kumimoji="1" lang="zh-TW" altLang="en-US" sz="3600" b="1" dirty="0" smtClean="0">
                 <a:effectLst>
                   <a:outerShdw blurRad="38100" dist="38100" dir="2700000" algn="tl">
                     <a:srgbClr val="000000">
@@ -17035,7 +17312,7 @@
               <a:t>開發時的檔案叫</a:t>
             </a:r>
             <a:r>
-              <a:rPr kumimoji="1" lang="en-US" altLang="zh-TW" sz="4000" b="1" dirty="0" smtClean="0">
+              <a:rPr kumimoji="1" lang="en-US" altLang="zh-TW" sz="3600" b="1" dirty="0" smtClean="0">
                 <a:effectLst>
                   <a:outerShdw blurRad="38100" dist="38100" dir="2700000" algn="tl">
                     <a:srgbClr val="000000">
@@ -17056,7 +17333,7 @@
               <a:buChar char="•"/>
             </a:pPr>
             <a:r>
-              <a:rPr kumimoji="1" lang="en-US" altLang="zh-TW" sz="4000" b="1" dirty="0" smtClean="0">
+              <a:rPr kumimoji="1" lang="en-US" altLang="zh-TW" sz="3600" b="1" dirty="0" smtClean="0">
                 <a:effectLst>
                   <a:outerShdw blurRad="38100" dist="38100" dir="2700000" algn="tl">
                     <a:srgbClr val="000000">
@@ -17071,7 +17348,7 @@
               <a:t>Notebook</a:t>
             </a:r>
             <a:r>
-              <a:rPr kumimoji="1" lang="zh-TW" altLang="en-US" sz="4000" b="1" dirty="0" smtClean="0">
+              <a:rPr kumimoji="1" lang="zh-TW" altLang="en-US" sz="3600" b="1" dirty="0" smtClean="0">
                 <a:effectLst>
                   <a:outerShdw blurRad="38100" dist="38100" dir="2700000" algn="tl">
                     <a:srgbClr val="000000">
@@ -17085,7 +17362,7 @@
               </a:rPr>
               <a:t>可以是任何程式語言</a:t>
             </a:r>
-            <a:endParaRPr kumimoji="1" lang="en-US" altLang="zh-TW" sz="4000" b="1" dirty="0" smtClean="0">
+            <a:endParaRPr kumimoji="1" lang="en-US" altLang="zh-TW" sz="3600" b="1" dirty="0" smtClean="0">
               <a:effectLst>
                 <a:outerShdw blurRad="38100" dist="38100" dir="2700000" algn="tl">
                   <a:srgbClr val="000000">
@@ -17104,7 +17381,7 @@
               <a:buChar char="•"/>
             </a:pPr>
             <a:r>
-              <a:rPr kumimoji="1" lang="zh-TW" altLang="en-US" sz="4000" b="1" dirty="0" smtClean="0">
+              <a:rPr kumimoji="1" lang="zh-TW" altLang="en-US" sz="3600" b="1" dirty="0" smtClean="0">
                 <a:effectLst>
                   <a:outerShdw blurRad="38100" dist="38100" dir="2700000" algn="tl">
                     <a:srgbClr val="000000">
@@ -17119,7 +17396,7 @@
               <a:t>前提是你要安裝該語言的</a:t>
             </a:r>
             <a:r>
-              <a:rPr kumimoji="1" lang="en-US" altLang="zh-TW" sz="4000" b="1" dirty="0" smtClean="0">
+              <a:rPr kumimoji="1" lang="en-US" altLang="zh-TW" sz="3600" b="1" dirty="0" smtClean="0">
                 <a:effectLst>
                   <a:outerShdw blurRad="38100" dist="38100" dir="2700000" algn="tl">
                     <a:srgbClr val="000000">
@@ -17140,7 +17417,7 @@
               <a:buChar char="•"/>
             </a:pPr>
             <a:r>
-              <a:rPr kumimoji="1" lang="zh-TW" altLang="en-US" sz="4000" b="1" dirty="0" smtClean="0">
+              <a:rPr kumimoji="1" lang="zh-TW" altLang="en-US" sz="3600" b="1" dirty="0" smtClean="0">
                 <a:effectLst>
                   <a:outerShdw blurRad="38100" dist="38100" dir="2700000" algn="tl">
                     <a:srgbClr val="000000">
@@ -17154,7 +17431,7 @@
               </a:rPr>
               <a:t>可以在瀏覽器中執行程式看結果</a:t>
             </a:r>
-            <a:endParaRPr kumimoji="1" lang="en-US" altLang="zh-TW" sz="4000" b="1" dirty="0" smtClean="0">
+            <a:endParaRPr kumimoji="1" lang="en-US" altLang="zh-TW" sz="3600" b="1" dirty="0" smtClean="0">
               <a:effectLst>
                 <a:outerShdw blurRad="38100" dist="38100" dir="2700000" algn="tl">
                   <a:srgbClr val="000000">
@@ -17173,7 +17450,7 @@
               <a:buChar char="•"/>
             </a:pPr>
             <a:r>
-              <a:rPr kumimoji="1" lang="zh-TW" altLang="en-US" sz="4000" b="1" dirty="0" smtClean="0">
+              <a:rPr kumimoji="1" lang="zh-TW" altLang="en-US" sz="3600" b="1" dirty="0" smtClean="0">
                 <a:effectLst>
                   <a:outerShdw blurRad="38100" dist="38100" dir="2700000" algn="tl">
                     <a:srgbClr val="000000">
@@ -17187,7 +17464,7 @@
               </a:rPr>
               <a:t>有很多外掛讓你用，如繪圖等等</a:t>
             </a:r>
-            <a:endParaRPr kumimoji="1" lang="en-US" altLang="zh-TW" sz="4000" b="1" dirty="0" smtClean="0">
+            <a:endParaRPr kumimoji="1" lang="en-US" altLang="zh-TW" sz="3600" b="1" dirty="0" smtClean="0">
               <a:effectLst>
                 <a:outerShdw blurRad="38100" dist="38100" dir="2700000" algn="tl">
                   <a:srgbClr val="000000">
@@ -17206,7 +17483,7 @@
               <a:buChar char="•"/>
             </a:pPr>
             <a:r>
-              <a:rPr kumimoji="1" lang="zh-TW" altLang="en-US" sz="4000" b="1" dirty="0" smtClean="0">
+              <a:rPr kumimoji="1" lang="zh-TW" altLang="en-US" sz="3600" b="1" dirty="0" smtClean="0">
                 <a:effectLst>
                   <a:outerShdw blurRad="38100" dist="38100" dir="2700000" algn="tl">
                     <a:srgbClr val="000000">
@@ -17221,7 +17498,7 @@
               <a:t>可使用</a:t>
             </a:r>
             <a:r>
-              <a:rPr kumimoji="1" lang="en-US" altLang="zh-TW" sz="4000" b="1" dirty="0" smtClean="0">
+              <a:rPr kumimoji="1" lang="en-US" altLang="zh-TW" sz="3600" b="1" dirty="0" smtClean="0">
                 <a:effectLst>
                   <a:outerShdw blurRad="38100" dist="38100" dir="2700000" algn="tl">
                     <a:srgbClr val="000000">
@@ -17236,21 +17513,129 @@
               <a:t>markdown</a:t>
             </a:r>
             <a:r>
-              <a:rPr kumimoji="1" lang="zh-TW" altLang="en-US" sz="4000" b="1" dirty="0" smtClean="0">
-                <a:effectLst>
-                  <a:outerShdw blurRad="38100" dist="38100" dir="2700000" algn="tl">
-                    <a:srgbClr val="000000">
-                      <a:alpha val="43137"/>
-                    </a:srgbClr>
-                  </a:outerShdw>
-                </a:effectLst>
-                <a:latin typeface="微軟正黑體" panose="020B0604030504040204" pitchFamily="34" charset="-120"/>
-                <a:ea typeface="微軟正黑體" panose="020B0604030504040204" pitchFamily="34" charset="-120"/>
-                <a:cs typeface="Heiti TC Light"/>
-              </a:rPr>
-              <a:t>撰寫文件</a:t>
-            </a:r>
-            <a:endParaRPr kumimoji="1" lang="en-US" altLang="zh-TW" sz="4000" b="1" dirty="0">
+              <a:rPr kumimoji="1" lang="zh-TW" altLang="en-US" sz="3600" b="1" dirty="0" smtClean="0">
+                <a:effectLst>
+                  <a:outerShdw blurRad="38100" dist="38100" dir="2700000" algn="tl">
+                    <a:srgbClr val="000000">
+                      <a:alpha val="43137"/>
+                    </a:srgbClr>
+                  </a:outerShdw>
+                </a:effectLst>
+                <a:latin typeface="微軟正黑體" panose="020B0604030504040204" pitchFamily="34" charset="-120"/>
+                <a:ea typeface="微軟正黑體" panose="020B0604030504040204" pitchFamily="34" charset="-120"/>
+                <a:cs typeface="Heiti TC Light"/>
+              </a:rPr>
+              <a:t>撰寫</a:t>
+            </a:r>
+            <a:r>
+              <a:rPr kumimoji="1" lang="zh-TW" altLang="en-US" sz="3600" b="1" dirty="0" smtClean="0">
+                <a:effectLst>
+                  <a:outerShdw blurRad="38100" dist="38100" dir="2700000" algn="tl">
+                    <a:srgbClr val="000000">
+                      <a:alpha val="43137"/>
+                    </a:srgbClr>
+                  </a:outerShdw>
+                </a:effectLst>
+                <a:latin typeface="微軟正黑體" panose="020B0604030504040204" pitchFamily="34" charset="-120"/>
+                <a:ea typeface="微軟正黑體" panose="020B0604030504040204" pitchFamily="34" charset="-120"/>
+                <a:cs typeface="Heiti TC Light"/>
+              </a:rPr>
+              <a:t>文件</a:t>
+            </a:r>
+            <a:endParaRPr kumimoji="1" lang="en-US" altLang="zh-TW" sz="3600" b="1" dirty="0" smtClean="0">
+              <a:effectLst>
+                <a:outerShdw blurRad="38100" dist="38100" dir="2700000" algn="tl">
+                  <a:srgbClr val="000000">
+                    <a:alpha val="43137"/>
+                  </a:srgbClr>
+                </a:outerShdw>
+              </a:effectLst>
+              <a:latin typeface="微軟正黑體" panose="020B0604030504040204" pitchFamily="34" charset="-120"/>
+              <a:ea typeface="微軟正黑體" panose="020B0604030504040204" pitchFamily="34" charset="-120"/>
+              <a:cs typeface="Heiti TC Light"/>
+            </a:endParaRPr>
+          </a:p>
+          <a:p>
+            <a:pPr marL="176213" indent="-176213">
+              <a:buFont typeface="Arial" panose="020B0604020202020204" pitchFamily="34" charset="0"/>
+              <a:buChar char="•"/>
+            </a:pPr>
+            <a:r>
+              <a:rPr kumimoji="1" lang="en-US" altLang="zh-TW" sz="3600" b="1" dirty="0" smtClean="0">
+                <a:effectLst>
+                  <a:outerShdw blurRad="38100" dist="38100" dir="2700000" algn="tl">
+                    <a:srgbClr val="000000">
+                      <a:alpha val="43137"/>
+                    </a:srgbClr>
+                  </a:outerShdw>
+                </a:effectLst>
+                <a:latin typeface="微軟正黑體" panose="020B0604030504040204" pitchFamily="34" charset="-120"/>
+                <a:ea typeface="微軟正黑體" panose="020B0604030504040204" pitchFamily="34" charset="-120"/>
+                <a:cs typeface="Heiti TC Light"/>
+              </a:rPr>
+              <a:t>Python</a:t>
+            </a:r>
+            <a:r>
+              <a:rPr kumimoji="1" lang="zh-TW" altLang="en-US" sz="3600" b="1" dirty="0" smtClean="0">
+                <a:effectLst>
+                  <a:outerShdw blurRad="38100" dist="38100" dir="2700000" algn="tl">
+                    <a:srgbClr val="000000">
+                      <a:alpha val="43137"/>
+                    </a:srgbClr>
+                  </a:outerShdw>
+                </a:effectLst>
+                <a:latin typeface="微軟正黑體" panose="020B0604030504040204" pitchFamily="34" charset="-120"/>
+                <a:ea typeface="微軟正黑體" panose="020B0604030504040204" pitchFamily="34" charset="-120"/>
+                <a:cs typeface="Heiti TC Light"/>
+              </a:rPr>
+              <a:t>很多</a:t>
+            </a:r>
+            <a:r>
+              <a:rPr kumimoji="1" lang="en-US" altLang="zh-TW" sz="3600" b="1" dirty="0" smtClean="0">
+                <a:effectLst>
+                  <a:outerShdw blurRad="38100" dist="38100" dir="2700000" algn="tl">
+                    <a:srgbClr val="000000">
+                      <a:alpha val="43137"/>
+                    </a:srgbClr>
+                  </a:outerShdw>
+                </a:effectLst>
+                <a:latin typeface="微軟正黑體" panose="020B0604030504040204" pitchFamily="34" charset="-120"/>
+                <a:ea typeface="微軟正黑體" panose="020B0604030504040204" pitchFamily="34" charset="-120"/>
+                <a:cs typeface="Heiti TC Light"/>
+              </a:rPr>
+              <a:t>gist/</a:t>
+            </a:r>
+            <a:r>
+              <a:rPr kumimoji="1" lang="en-US" altLang="zh-TW" sz="3600" b="1" dirty="0" err="1" smtClean="0">
+                <a:effectLst>
+                  <a:outerShdw blurRad="38100" dist="38100" dir="2700000" algn="tl">
+                    <a:srgbClr val="000000">
+                      <a:alpha val="43137"/>
+                    </a:srgbClr>
+                  </a:outerShdw>
+                </a:effectLst>
+                <a:latin typeface="微軟正黑體" panose="020B0604030504040204" pitchFamily="34" charset="-120"/>
+                <a:ea typeface="微軟正黑體" panose="020B0604030504040204" pitchFamily="34" charset="-120"/>
+                <a:cs typeface="Heiti TC Light"/>
+              </a:rPr>
+              <a:t>git</a:t>
+            </a:r>
+            <a:r>
+              <a:rPr kumimoji="1" lang="zh-TW" altLang="en-US" sz="3600" b="1" dirty="0" smtClean="0">
+                <a:effectLst>
+                  <a:outerShdw blurRad="38100" dist="38100" dir="2700000" algn="tl">
+                    <a:srgbClr val="000000">
+                      <a:alpha val="43137"/>
+                    </a:srgbClr>
+                  </a:outerShdw>
+                </a:effectLst>
+                <a:latin typeface="微軟正黑體" panose="020B0604030504040204" pitchFamily="34" charset="-120"/>
+                <a:ea typeface="微軟正黑體" panose="020B0604030504040204" pitchFamily="34" charset="-120"/>
+                <a:cs typeface="Heiti TC Light"/>
+              </a:rPr>
+              <a:t>都是這個格式</a:t>
+            </a:r>
+            <a:endParaRPr kumimoji="1" lang="en-US" altLang="zh-TW" sz="3600" b="1" dirty="0">
               <a:effectLst>
                 <a:outerShdw blurRad="38100" dist="38100" dir="2700000" algn="tl">
                   <a:srgbClr val="000000">
@@ -17340,7 +17725,7 @@
     </p:spTree>
     <p:extLst>
       <p:ext uri="{BB962C8B-B14F-4D97-AF65-F5344CB8AC3E}">
-        <p14:creationId xmlns:p14="http://schemas.microsoft.com/office/powerpoint/2010/main" xmlns="" val="522405798"/>
+        <p14:creationId xmlns="" xmlns:p14="http://schemas.microsoft.com/office/powerpoint/2010/main" val="522405798"/>
       </p:ext>
     </p:extLst>
   </p:cSld>
@@ -17412,7 +17797,7 @@
     </p:spTree>
     <p:extLst>
       <p:ext uri="{BB962C8B-B14F-4D97-AF65-F5344CB8AC3E}">
-        <p14:creationId xmlns:p14="http://schemas.microsoft.com/office/powerpoint/2010/main" xmlns="" val="522405798"/>
+        <p14:creationId xmlns="" xmlns:p14="http://schemas.microsoft.com/office/powerpoint/2010/main" val="522405798"/>
       </p:ext>
     </p:extLst>
   </p:cSld>
@@ -17621,7 +18006,7 @@
     </p:spTree>
     <p:extLst>
       <p:ext uri="{BB962C8B-B14F-4D97-AF65-F5344CB8AC3E}">
-        <p14:creationId xmlns:p14="http://schemas.microsoft.com/office/powerpoint/2010/main" xmlns="" val="522405798"/>
+        <p14:creationId xmlns="" xmlns:p14="http://schemas.microsoft.com/office/powerpoint/2010/main" val="522405798"/>
       </p:ext>
     </p:extLst>
   </p:cSld>
@@ -18222,7 +18607,7 @@
     </p:spTree>
     <p:extLst>
       <p:ext uri="{BB962C8B-B14F-4D97-AF65-F5344CB8AC3E}">
-        <p14:creationId xmlns:p14="http://schemas.microsoft.com/office/powerpoint/2010/main" xmlns="" val="522405798"/>
+        <p14:creationId xmlns="" xmlns:p14="http://schemas.microsoft.com/office/powerpoint/2010/main" val="522405798"/>
       </p:ext>
     </p:extLst>
   </p:cSld>
@@ -18400,7 +18785,7 @@
     </p:spTree>
     <p:extLst>
       <p:ext uri="{BB962C8B-B14F-4D97-AF65-F5344CB8AC3E}">
-        <p14:creationId xmlns:p14="http://schemas.microsoft.com/office/powerpoint/2010/main" xmlns="" val="522405798"/>
+        <p14:creationId xmlns="" xmlns:p14="http://schemas.microsoft.com/office/powerpoint/2010/main" val="522405798"/>
       </p:ext>
     </p:extLst>
   </p:cSld>
@@ -18834,7 +19219,7 @@
     </p:spTree>
     <p:extLst>
       <p:ext uri="{BB962C8B-B14F-4D97-AF65-F5344CB8AC3E}">
-        <p14:creationId xmlns:p14="http://schemas.microsoft.com/office/powerpoint/2010/main" xmlns="" val="522405798"/>
+        <p14:creationId xmlns="" xmlns:p14="http://schemas.microsoft.com/office/powerpoint/2010/main" val="522405798"/>
       </p:ext>
     </p:extLst>
   </p:cSld>
@@ -19074,7 +19459,7 @@
     </p:spTree>
     <p:extLst>
       <p:ext uri="{BB962C8B-B14F-4D97-AF65-F5344CB8AC3E}">
-        <p14:creationId xmlns:p14="http://schemas.microsoft.com/office/powerpoint/2010/main" xmlns="" val="522405798"/>
+        <p14:creationId xmlns="" xmlns:p14="http://schemas.microsoft.com/office/powerpoint/2010/main" val="522405798"/>
       </p:ext>
     </p:extLst>
   </p:cSld>
@@ -19228,7 +19613,7 @@
     </p:spTree>
     <p:extLst>
       <p:ext uri="{BB962C8B-B14F-4D97-AF65-F5344CB8AC3E}">
-        <p14:creationId xmlns:p14="http://schemas.microsoft.com/office/powerpoint/2010/main" xmlns="" val="522405798"/>
+        <p14:creationId xmlns="" xmlns:p14="http://schemas.microsoft.com/office/powerpoint/2010/main" val="522405798"/>
       </p:ext>
     </p:extLst>
   </p:cSld>
@@ -19724,7 +20109,7 @@
     </p:spTree>
     <p:extLst>
       <p:ext uri="{BB962C8B-B14F-4D97-AF65-F5344CB8AC3E}">
-        <p14:creationId xmlns:p14="http://schemas.microsoft.com/office/powerpoint/2010/main" xmlns="" val="522405798"/>
+        <p14:creationId xmlns="" xmlns:p14="http://schemas.microsoft.com/office/powerpoint/2010/main" val="522405798"/>
       </p:ext>
     </p:extLst>
   </p:cSld>
@@ -19941,7 +20326,7 @@
     </p:spTree>
     <p:extLst>
       <p:ext uri="{BB962C8B-B14F-4D97-AF65-F5344CB8AC3E}">
-        <p14:creationId xmlns:p14="http://schemas.microsoft.com/office/powerpoint/2010/main" xmlns="" val="3907764274"/>
+        <p14:creationId xmlns="" xmlns:p14="http://schemas.microsoft.com/office/powerpoint/2010/main" val="3907764274"/>
       </p:ext>
     </p:extLst>
   </p:cSld>
@@ -20390,7 +20775,7 @@
     </p:spTree>
     <p:extLst>
       <p:ext uri="{BB962C8B-B14F-4D97-AF65-F5344CB8AC3E}">
-        <p14:creationId xmlns:p14="http://schemas.microsoft.com/office/powerpoint/2010/main" xmlns="" val="522405798"/>
+        <p14:creationId xmlns="" xmlns:p14="http://schemas.microsoft.com/office/powerpoint/2010/main" val="522405798"/>
       </p:ext>
     </p:extLst>
   </p:cSld>
@@ -20615,7 +21000,7 @@
     </p:spTree>
     <p:extLst>
       <p:ext uri="{BB962C8B-B14F-4D97-AF65-F5344CB8AC3E}">
-        <p14:creationId xmlns:p14="http://schemas.microsoft.com/office/powerpoint/2010/main" xmlns="" val="522405798"/>
+        <p14:creationId xmlns="" xmlns:p14="http://schemas.microsoft.com/office/powerpoint/2010/main" val="522405798"/>
       </p:ext>
     </p:extLst>
   </p:cSld>
@@ -20795,7 +21180,7 @@
     </p:spTree>
     <p:extLst>
       <p:ext uri="{BB962C8B-B14F-4D97-AF65-F5344CB8AC3E}">
-        <p14:creationId xmlns:p14="http://schemas.microsoft.com/office/powerpoint/2010/main" xmlns="" val="3907764274"/>
+        <p14:creationId xmlns="" xmlns:p14="http://schemas.microsoft.com/office/powerpoint/2010/main" val="3907764274"/>
       </p:ext>
     </p:extLst>
   </p:cSld>
@@ -20841,7 +21226,7 @@
         <p:spPr>
           <a:xfrm>
             <a:off x="685800" y="1676400"/>
-            <a:ext cx="8077200" cy="5016758"/>
+            <a:ext cx="8077200" cy="5078313"/>
           </a:xfrm>
           <a:prstGeom prst="rect">
             <a:avLst/>
@@ -20859,7 +21244,7 @@
               <a:buChar char="•"/>
             </a:pPr>
             <a:r>
-              <a:rPr kumimoji="1" lang="zh-TW" altLang="en-US" sz="4000" b="1" dirty="0" smtClean="0">
+              <a:rPr kumimoji="1" lang="zh-TW" altLang="en-US" sz="3600" b="1" dirty="0" smtClean="0">
                 <a:effectLst>
                   <a:outerShdw blurRad="38100" dist="38100" dir="2700000" algn="tl">
                     <a:srgbClr val="000000">
@@ -20873,7 +21258,7 @@
               </a:rPr>
               <a:t>免費</a:t>
             </a:r>
-            <a:endParaRPr kumimoji="1" lang="en-US" altLang="zh-TW" sz="4000" b="1" dirty="0" smtClean="0">
+            <a:endParaRPr kumimoji="1" lang="en-US" altLang="zh-TW" sz="3600" b="1" dirty="0" smtClean="0">
               <a:effectLst>
                 <a:outerShdw blurRad="38100" dist="38100" dir="2700000" algn="tl">
                   <a:srgbClr val="000000">
@@ -20892,7 +21277,7 @@
               <a:buChar char="•"/>
             </a:pPr>
             <a:r>
-              <a:rPr kumimoji="1" lang="en-US" altLang="zh-TW" sz="4000" b="1" dirty="0" smtClean="0">
+              <a:rPr kumimoji="1" lang="en-US" altLang="zh-TW" sz="3600" b="1" dirty="0" smtClean="0">
                 <a:effectLst>
                   <a:outerShdw blurRad="38100" dist="38100" dir="2700000" algn="tl">
                     <a:srgbClr val="000000">
@@ -20907,7 +21292,7 @@
               <a:t>Google</a:t>
             </a:r>
             <a:r>
-              <a:rPr kumimoji="1" lang="zh-TW" altLang="en-US" sz="4000" b="1" dirty="0" smtClean="0">
+              <a:rPr kumimoji="1" lang="zh-TW" altLang="en-US" sz="3600" b="1" dirty="0" smtClean="0">
                 <a:effectLst>
                   <a:outerShdw blurRad="38100" dist="38100" dir="2700000" algn="tl">
                     <a:srgbClr val="000000">
@@ -20922,7 +21307,7 @@
               <a:t>版的</a:t>
             </a:r>
             <a:r>
-              <a:rPr kumimoji="1" lang="en-US" altLang="zh-TW" sz="4000" b="1" dirty="0" err="1" smtClean="0">
+              <a:rPr kumimoji="1" lang="en-US" altLang="zh-TW" sz="3600" b="1" dirty="0" err="1" smtClean="0">
                 <a:effectLst>
                   <a:outerShdw blurRad="38100" dist="38100" dir="2700000" algn="tl">
                     <a:srgbClr val="000000">
@@ -20937,7 +21322,7 @@
               <a:t>Jupyter</a:t>
             </a:r>
             <a:r>
-              <a:rPr kumimoji="1" lang="en-US" altLang="zh-TW" sz="4000" b="1" dirty="0" smtClean="0">
+              <a:rPr kumimoji="1" lang="en-US" altLang="zh-TW" sz="3600" b="1" dirty="0" smtClean="0">
                 <a:effectLst>
                   <a:outerShdw blurRad="38100" dist="38100" dir="2700000" algn="tl">
                     <a:srgbClr val="000000">
@@ -20958,7 +21343,7 @@
               <a:buChar char="•"/>
             </a:pPr>
             <a:r>
-              <a:rPr kumimoji="1" lang="zh-TW" altLang="en-US" sz="4000" b="1" dirty="0" smtClean="0">
+              <a:rPr kumimoji="1" lang="zh-TW" altLang="en-US" sz="3600" b="1" dirty="0" smtClean="0">
                 <a:effectLst>
                   <a:outerShdw blurRad="38100" dist="38100" dir="2700000" algn="tl">
                     <a:srgbClr val="000000">
@@ -20973,7 +21358,7 @@
               <a:t>有</a:t>
             </a:r>
             <a:r>
-              <a:rPr kumimoji="1" lang="en-US" altLang="zh-TW" sz="4000" b="1" dirty="0" err="1" smtClean="0">
+              <a:rPr kumimoji="1" lang="en-US" altLang="zh-TW" sz="3600" b="1" dirty="0" err="1" smtClean="0">
                 <a:effectLst>
                   <a:outerShdw blurRad="38100" dist="38100" dir="2700000" algn="tl">
                     <a:srgbClr val="000000">
@@ -20988,7 +21373,7 @@
               <a:t>gmail</a:t>
             </a:r>
             <a:r>
-              <a:rPr kumimoji="1" lang="zh-TW" altLang="en-US" sz="4000" b="1" dirty="0" smtClean="0">
+              <a:rPr kumimoji="1" lang="zh-TW" altLang="en-US" sz="3600" b="1" dirty="0" smtClean="0">
                 <a:effectLst>
                   <a:outerShdw blurRad="38100" dist="38100" dir="2700000" algn="tl">
                     <a:srgbClr val="000000">
@@ -21002,7 +21387,7 @@
               </a:rPr>
               <a:t>帳號即可用</a:t>
             </a:r>
-            <a:endParaRPr kumimoji="1" lang="en-US" altLang="zh-TW" sz="4000" b="1" dirty="0" smtClean="0">
+            <a:endParaRPr kumimoji="1" lang="en-US" altLang="zh-TW" sz="3600" b="1" dirty="0" smtClean="0">
               <a:effectLst>
                 <a:outerShdw blurRad="38100" dist="38100" dir="2700000" algn="tl">
                   <a:srgbClr val="000000">
@@ -21021,7 +21406,7 @@
               <a:buChar char="•"/>
             </a:pPr>
             <a:r>
-              <a:rPr kumimoji="1" lang="zh-TW" altLang="en-US" sz="4000" b="1" dirty="0" smtClean="0">
+              <a:rPr kumimoji="1" lang="zh-TW" altLang="en-US" sz="3600" b="1" dirty="0" smtClean="0">
                 <a:effectLst>
                   <a:outerShdw blurRad="38100" dist="38100" dir="2700000" algn="tl">
                     <a:srgbClr val="000000">
@@ -21036,7 +21421,7 @@
               <a:t>可使用</a:t>
             </a:r>
             <a:r>
-              <a:rPr kumimoji="1" lang="en-US" altLang="zh-TW" sz="4000" b="1" dirty="0" smtClean="0">
+              <a:rPr kumimoji="1" lang="en-US" altLang="zh-TW" sz="3600" b="1" dirty="0" smtClean="0">
                 <a:effectLst>
                   <a:outerShdw blurRad="38100" dist="38100" dir="2700000" algn="tl">
                     <a:srgbClr val="000000">
@@ -21057,7 +21442,7 @@
               <a:buChar char="•"/>
             </a:pPr>
             <a:r>
-              <a:rPr kumimoji="1" lang="zh-TW" altLang="en-US" sz="4000" b="1" dirty="0" smtClean="0">
+              <a:rPr kumimoji="1" lang="zh-TW" altLang="en-US" sz="3600" b="1" dirty="0" smtClean="0">
                 <a:effectLst>
                   <a:outerShdw blurRad="38100" dist="38100" dir="2700000" algn="tl">
                     <a:srgbClr val="000000">
@@ -21071,7 +21456,7 @@
               </a:rPr>
               <a:t>可連接雲端硬碟</a:t>
             </a:r>
-            <a:endParaRPr kumimoji="1" lang="en-US" altLang="zh-TW" sz="4000" b="1" dirty="0" smtClean="0">
+            <a:endParaRPr kumimoji="1" lang="en-US" altLang="zh-TW" sz="3600" b="1" dirty="0" smtClean="0">
               <a:effectLst>
                 <a:outerShdw blurRad="38100" dist="38100" dir="2700000" algn="tl">
                   <a:srgbClr val="000000">
@@ -21090,7 +21475,7 @@
               <a:buChar char="•"/>
             </a:pPr>
             <a:r>
-              <a:rPr kumimoji="1" lang="zh-TW" altLang="en-US" sz="4000" b="1" dirty="0" smtClean="0">
+              <a:rPr kumimoji="1" lang="zh-TW" altLang="en-US" sz="3600" b="1" dirty="0" smtClean="0">
                 <a:effectLst>
                   <a:outerShdw blurRad="38100" dist="38100" dir="2700000" algn="tl">
                     <a:srgbClr val="000000">
@@ -21105,7 +21490,7 @@
               <a:t>可連接</a:t>
             </a:r>
             <a:r>
-              <a:rPr kumimoji="1" lang="en-US" altLang="zh-TW" sz="4000" b="1" dirty="0" smtClean="0">
+              <a:rPr kumimoji="1" lang="en-US" altLang="zh-TW" sz="3600" b="1" dirty="0" smtClean="0">
                 <a:effectLst>
                   <a:outerShdw blurRad="38100" dist="38100" dir="2700000" algn="tl">
                     <a:srgbClr val="000000">
@@ -21126,7 +21511,7 @@
               <a:buChar char="•"/>
             </a:pPr>
             <a:r>
-              <a:rPr kumimoji="1" lang="en-US" altLang="zh-TW" sz="4000" b="1" dirty="0" smtClean="0">
+              <a:rPr kumimoji="1" lang="en-US" altLang="zh-TW" sz="3600" b="1" dirty="0" smtClean="0">
                 <a:effectLst>
                   <a:outerShdw blurRad="38100" dist="38100" dir="2700000" algn="tl">
                     <a:srgbClr val="000000">
@@ -21141,7 +21526,7 @@
               <a:t>380GB</a:t>
             </a:r>
             <a:r>
-              <a:rPr kumimoji="1" lang="zh-TW" altLang="en-US" sz="4000" b="1" dirty="0" smtClean="0">
+              <a:rPr kumimoji="1" lang="zh-TW" altLang="en-US" sz="3600" b="1" dirty="0" smtClean="0">
                 <a:effectLst>
                   <a:outerShdw blurRad="38100" dist="38100" dir="2700000" algn="tl">
                     <a:srgbClr val="000000">
@@ -21156,7 +21541,7 @@
               <a:t>硬碟</a:t>
             </a:r>
             <a:r>
-              <a:rPr kumimoji="1" lang="en-US" altLang="zh-TW" sz="4000" b="1" dirty="0" smtClean="0">
+              <a:rPr kumimoji="1" lang="en-US" altLang="zh-TW" sz="3600" b="1" dirty="0" smtClean="0">
                 <a:effectLst>
                   <a:outerShdw blurRad="38100" dist="38100" dir="2700000" algn="tl">
                     <a:srgbClr val="000000">
@@ -21171,7 +21556,7 @@
               <a:t>/12GB</a:t>
             </a:r>
             <a:r>
-              <a:rPr kumimoji="1" lang="zh-TW" altLang="en-US" sz="4000" b="1" dirty="0" smtClean="0">
+              <a:rPr kumimoji="1" lang="zh-TW" altLang="en-US" sz="3600" b="1" dirty="0" smtClean="0">
                 <a:effectLst>
                   <a:outerShdw blurRad="38100" dist="38100" dir="2700000" algn="tl">
                     <a:srgbClr val="000000">
@@ -21185,7 +21570,7 @@
               </a:rPr>
               <a:t>記憶體</a:t>
             </a:r>
-            <a:endParaRPr kumimoji="1" lang="en-US" altLang="zh-TW" sz="4000" b="1" dirty="0" smtClean="0">
+            <a:endParaRPr kumimoji="1" lang="en-US" altLang="zh-TW" sz="3600" b="1" dirty="0" smtClean="0">
               <a:effectLst>
                 <a:outerShdw blurRad="38100" dist="38100" dir="2700000" algn="tl">
                   <a:srgbClr val="000000">
@@ -21204,20 +21589,128 @@
               <a:buChar char="•"/>
             </a:pPr>
             <a:r>
-              <a:rPr kumimoji="1" lang="en-US" altLang="zh-TW" sz="4000" b="1" dirty="0" smtClean="0">
-                <a:effectLst>
-                  <a:outerShdw blurRad="38100" dist="38100" dir="2700000" algn="tl">
-                    <a:srgbClr val="000000">
-                      <a:alpha val="43137"/>
-                    </a:srgbClr>
-                  </a:outerShdw>
-                </a:effectLst>
-                <a:latin typeface="微軟正黑體" panose="020B0604030504040204" pitchFamily="34" charset="-120"/>
-                <a:ea typeface="微軟正黑體" panose="020B0604030504040204" pitchFamily="34" charset="-120"/>
-                <a:cs typeface="Heiti TC Light"/>
-              </a:rPr>
-              <a:t>NVIDIA Tesla K80 12GB GPU</a:t>
-            </a:r>
+              <a:rPr kumimoji="1" lang="en-US" altLang="zh-TW" sz="3600" b="1" dirty="0" smtClean="0">
+                <a:effectLst>
+                  <a:outerShdw blurRad="38100" dist="38100" dir="2700000" algn="tl">
+                    <a:srgbClr val="000000">
+                      <a:alpha val="43137"/>
+                    </a:srgbClr>
+                  </a:outerShdw>
+                </a:effectLst>
+                <a:latin typeface="微軟正黑體" panose="020B0604030504040204" pitchFamily="34" charset="-120"/>
+                <a:ea typeface="微軟正黑體" panose="020B0604030504040204" pitchFamily="34" charset="-120"/>
+                <a:cs typeface="Heiti TC Light"/>
+              </a:rPr>
+              <a:t>NVIDIA Tesla K80 12GB </a:t>
+            </a:r>
+            <a:r>
+              <a:rPr kumimoji="1" lang="en-US" altLang="zh-TW" sz="3600" b="1" dirty="0" smtClean="0">
+                <a:effectLst>
+                  <a:outerShdw blurRad="38100" dist="38100" dir="2700000" algn="tl">
+                    <a:srgbClr val="000000">
+                      <a:alpha val="43137"/>
+                    </a:srgbClr>
+                  </a:outerShdw>
+                </a:effectLst>
+                <a:latin typeface="微軟正黑體" panose="020B0604030504040204" pitchFamily="34" charset="-120"/>
+                <a:ea typeface="微軟正黑體" panose="020B0604030504040204" pitchFamily="34" charset="-120"/>
+                <a:cs typeface="Heiti TC Light"/>
+              </a:rPr>
+              <a:t>GPU</a:t>
+            </a:r>
+          </a:p>
+          <a:p>
+            <a:pPr marL="176213" indent="-176213">
+              <a:buFont typeface="Arial" panose="020B0604020202020204" pitchFamily="34" charset="0"/>
+              <a:buChar char="•"/>
+            </a:pPr>
+            <a:r>
+              <a:rPr kumimoji="1" lang="zh-TW" altLang="en-US" sz="3600" b="1" dirty="0" smtClean="0">
+                <a:effectLst>
+                  <a:outerShdw blurRad="38100" dist="38100" dir="2700000" algn="tl">
+                    <a:srgbClr val="000000">
+                      <a:alpha val="43137"/>
+                    </a:srgbClr>
+                  </a:outerShdw>
+                </a:effectLst>
+                <a:latin typeface="微軟正黑體" panose="020B0604030504040204" pitchFamily="34" charset="-120"/>
+                <a:ea typeface="微軟正黑體" panose="020B0604030504040204" pitchFamily="34" charset="-120"/>
+                <a:cs typeface="Heiti TC Light"/>
+              </a:rPr>
+              <a:t>本來是</a:t>
+            </a:r>
+            <a:r>
+              <a:rPr kumimoji="1" lang="en-US" altLang="zh-TW" sz="3600" b="1" dirty="0" smtClean="0">
+                <a:effectLst>
+                  <a:outerShdw blurRad="38100" dist="38100" dir="2700000" algn="tl">
+                    <a:srgbClr val="000000">
+                      <a:alpha val="43137"/>
+                    </a:srgbClr>
+                  </a:outerShdw>
+                </a:effectLst>
+                <a:latin typeface="微軟正黑體" panose="020B0604030504040204" pitchFamily="34" charset="-120"/>
+                <a:ea typeface="微軟正黑體" panose="020B0604030504040204" pitchFamily="34" charset="-120"/>
+                <a:cs typeface="Heiti TC Light"/>
+              </a:rPr>
+              <a:t>p40 16g</a:t>
+            </a:r>
+            <a:r>
+              <a:rPr kumimoji="1" lang="zh-TW" altLang="en-US" sz="3600" b="1" dirty="0" smtClean="0">
+                <a:effectLst>
+                  <a:outerShdw blurRad="38100" dist="38100" dir="2700000" algn="tl">
+                    <a:srgbClr val="000000">
+                      <a:alpha val="43137"/>
+                    </a:srgbClr>
+                  </a:outerShdw>
+                </a:effectLst>
+                <a:latin typeface="微軟正黑體" panose="020B0604030504040204" pitchFamily="34" charset="-120"/>
+                <a:ea typeface="微軟正黑體" panose="020B0604030504040204" pitchFamily="34" charset="-120"/>
+                <a:cs typeface="Heiti TC Light"/>
+              </a:rPr>
+              <a:t>，</a:t>
+            </a:r>
+            <a:r>
+              <a:rPr kumimoji="1" lang="en-US" altLang="zh-TW" sz="3600" b="1" dirty="0" err="1" smtClean="0">
+                <a:effectLst>
+                  <a:outerShdw blurRad="38100" dist="38100" dir="2700000" algn="tl">
+                    <a:srgbClr val="000000">
+                      <a:alpha val="43137"/>
+                    </a:srgbClr>
+                  </a:outerShdw>
+                </a:effectLst>
+                <a:latin typeface="微軟正黑體" panose="020B0604030504040204" pitchFamily="34" charset="-120"/>
+                <a:ea typeface="微軟正黑體" panose="020B0604030504040204" pitchFamily="34" charset="-120"/>
+                <a:cs typeface="Heiti TC Light"/>
+              </a:rPr>
+              <a:t>google</a:t>
+            </a:r>
+            <a:r>
+              <a:rPr kumimoji="1" lang="zh-TW" altLang="en-US" sz="3600" b="1" dirty="0" smtClean="0">
+                <a:effectLst>
+                  <a:outerShdw blurRad="38100" dist="38100" dir="2700000" algn="tl">
+                    <a:srgbClr val="000000">
+                      <a:alpha val="43137"/>
+                    </a:srgbClr>
+                  </a:outerShdw>
+                </a:effectLst>
+                <a:latin typeface="微軟正黑體" panose="020B0604030504040204" pitchFamily="34" charset="-120"/>
+                <a:ea typeface="微軟正黑體" panose="020B0604030504040204" pitchFamily="34" charset="-120"/>
+                <a:cs typeface="Heiti TC Light"/>
+              </a:rPr>
+              <a:t>小氣巴拉的</a:t>
+            </a:r>
+            <a:endParaRPr kumimoji="1" lang="en-US" altLang="zh-TW" sz="3600" b="1" dirty="0" smtClean="0">
+              <a:effectLst>
+                <a:outerShdw blurRad="38100" dist="38100" dir="2700000" algn="tl">
+                  <a:srgbClr val="000000">
+                    <a:alpha val="43137"/>
+                  </a:srgbClr>
+                </a:outerShdw>
+              </a:effectLst>
+              <a:latin typeface="微軟正黑體" panose="020B0604030504040204" pitchFamily="34" charset="-120"/>
+              <a:ea typeface="微軟正黑體" panose="020B0604030504040204" pitchFamily="34" charset="-120"/>
+              <a:cs typeface="Heiti TC Light"/>
+            </a:endParaRPr>
           </a:p>
         </p:txBody>
       </p:sp>
@@ -21296,7 +21789,7 @@
     </p:spTree>
     <p:extLst>
       <p:ext uri="{BB962C8B-B14F-4D97-AF65-F5344CB8AC3E}">
-        <p14:creationId xmlns:p14="http://schemas.microsoft.com/office/powerpoint/2010/main" xmlns="" val="522405798"/>
+        <p14:creationId xmlns="" xmlns:p14="http://schemas.microsoft.com/office/powerpoint/2010/main" val="522405798"/>
       </p:ext>
     </p:extLst>
   </p:cSld>
@@ -21341,8 +21834,8 @@
         </p:nvSpPr>
         <p:spPr>
           <a:xfrm>
-            <a:off x="914400" y="1905001"/>
-            <a:ext cx="7924800" cy="4401205"/>
+            <a:off x="838200" y="1676400"/>
+            <a:ext cx="7924800" cy="5016758"/>
           </a:xfrm>
           <a:prstGeom prst="rect">
             <a:avLst/>
@@ -21675,7 +22168,37 @@
                 <a:ea typeface="微軟正黑體" panose="020B0604030504040204" pitchFamily="34" charset="-120"/>
                 <a:cs typeface="Heiti TC Light"/>
               </a:rPr>
-              <a:t>(pt, OMNX, </a:t>
+              <a:t>(pt, </a:t>
+            </a:r>
+            <a:r>
+              <a:rPr kumimoji="1" lang="en-US" altLang="zh-TW" sz="4000" b="1" dirty="0" smtClean="0">
+                <a:effectLst>
+                  <a:outerShdw blurRad="38100" dist="38100" dir="2700000" algn="tl">
+                    <a:srgbClr val="000000">
+                      <a:alpha val="43137"/>
+                    </a:srgbClr>
+                  </a:outerShdw>
+                </a:effectLst>
+                <a:latin typeface="微軟正黑體" panose="020B0604030504040204" pitchFamily="34" charset="-120"/>
+                <a:ea typeface="微軟正黑體" panose="020B0604030504040204" pitchFamily="34" charset="-120"/>
+                <a:cs typeface="Heiti TC Light"/>
+              </a:rPr>
+              <a:t>ONNX</a:t>
+            </a:r>
+            <a:r>
+              <a:rPr kumimoji="1" lang="en-US" altLang="zh-TW" sz="4000" b="1" dirty="0" smtClean="0">
+                <a:effectLst>
+                  <a:outerShdw blurRad="38100" dist="38100" dir="2700000" algn="tl">
+                    <a:srgbClr val="000000">
+                      <a:alpha val="43137"/>
+                    </a:srgbClr>
+                  </a:outerShdw>
+                </a:effectLst>
+                <a:latin typeface="微軟正黑體" panose="020B0604030504040204" pitchFamily="34" charset="-120"/>
+                <a:ea typeface="微軟正黑體" panose="020B0604030504040204" pitchFamily="34" charset="-120"/>
+                <a:cs typeface="Heiti TC Light"/>
+              </a:rPr>
+              <a:t>, </a:t>
             </a:r>
             <a:r>
               <a:rPr kumimoji="1" lang="en-US" altLang="zh-TW" sz="4000" b="1" dirty="0" err="1" smtClean="0">
@@ -21691,6 +22214,36 @@
                 <a:cs typeface="Heiti TC Light"/>
               </a:rPr>
               <a:t>pth</a:t>
+            </a:r>
+            <a:r>
+              <a:rPr kumimoji="1" lang="en-US" altLang="zh-TW" sz="4000" b="1" dirty="0" smtClean="0">
+                <a:effectLst>
+                  <a:outerShdw blurRad="38100" dist="38100" dir="2700000" algn="tl">
+                    <a:srgbClr val="000000">
+                      <a:alpha val="43137"/>
+                    </a:srgbClr>
+                  </a:outerShdw>
+                </a:effectLst>
+                <a:latin typeface="微軟正黑體" panose="020B0604030504040204" pitchFamily="34" charset="-120"/>
+                <a:ea typeface="微軟正黑體" panose="020B0604030504040204" pitchFamily="34" charset="-120"/>
+                <a:cs typeface="Heiti TC Light"/>
+              </a:rPr>
+              <a:t>, checkpoint, </a:t>
+            </a:r>
+            <a:r>
+              <a:rPr kumimoji="1" lang="en-US" altLang="zh-TW" sz="4000" b="1" dirty="0" err="1" smtClean="0">
+                <a:effectLst>
+                  <a:outerShdw blurRad="38100" dist="38100" dir="2700000" algn="tl">
+                    <a:srgbClr val="000000">
+                      <a:alpha val="43137"/>
+                    </a:srgbClr>
+                  </a:outerShdw>
+                </a:effectLst>
+                <a:latin typeface="微軟正黑體" panose="020B0604030504040204" pitchFamily="34" charset="-120"/>
+                <a:ea typeface="微軟正黑體" panose="020B0604030504040204" pitchFamily="34" charset="-120"/>
+                <a:cs typeface="Heiti TC Light"/>
+              </a:rPr>
+              <a:t>pbf</a:t>
             </a:r>
             <a:r>
               <a:rPr kumimoji="1" lang="en-US" altLang="zh-TW" sz="4000" b="1" dirty="0" smtClean="0">
@@ -21856,7 +22409,7 @@
     </p:spTree>
     <p:extLst>
       <p:ext uri="{BB962C8B-B14F-4D97-AF65-F5344CB8AC3E}">
-        <p14:creationId xmlns:p14="http://schemas.microsoft.com/office/powerpoint/2010/main" xmlns="" val="522405798"/>
+        <p14:creationId xmlns="" xmlns:p14="http://schemas.microsoft.com/office/powerpoint/2010/main" val="522405798"/>
       </p:ext>
     </p:extLst>
   </p:cSld>
@@ -22308,7 +22861,7 @@
     </p:spTree>
     <p:extLst>
       <p:ext uri="{BB962C8B-B14F-4D97-AF65-F5344CB8AC3E}">
-        <p14:creationId xmlns:p14="http://schemas.microsoft.com/office/powerpoint/2010/main" xmlns="" val="522405798"/>
+        <p14:creationId xmlns="" xmlns:p14="http://schemas.microsoft.com/office/powerpoint/2010/main" val="522405798"/>
       </p:ext>
     </p:extLst>
   </p:cSld>
@@ -22583,7 +23136,7 @@
     </p:spTree>
     <p:extLst>
       <p:ext uri="{BB962C8B-B14F-4D97-AF65-F5344CB8AC3E}">
-        <p14:creationId xmlns:p14="http://schemas.microsoft.com/office/powerpoint/2010/main" xmlns="" val="522405798"/>
+        <p14:creationId xmlns="" xmlns:p14="http://schemas.microsoft.com/office/powerpoint/2010/main" val="522405798"/>
       </p:ext>
     </p:extLst>
   </p:cSld>
@@ -22729,7 +23282,7 @@
     </p:spTree>
     <p:extLst>
       <p:ext uri="{BB962C8B-B14F-4D97-AF65-F5344CB8AC3E}">
-        <p14:creationId xmlns:p14="http://schemas.microsoft.com/office/powerpoint/2010/main" xmlns="" val="3907764274"/>
+        <p14:creationId xmlns="" xmlns:p14="http://schemas.microsoft.com/office/powerpoint/2010/main" val="3907764274"/>
       </p:ext>
     </p:extLst>
   </p:cSld>
@@ -23248,7 +23801,7 @@
     </p:spTree>
     <p:extLst>
       <p:ext uri="{BB962C8B-B14F-4D97-AF65-F5344CB8AC3E}">
-        <p14:creationId xmlns:p14="http://schemas.microsoft.com/office/powerpoint/2010/main" xmlns="" val="522405798"/>
+        <p14:creationId xmlns="" xmlns:p14="http://schemas.microsoft.com/office/powerpoint/2010/main" val="522405798"/>
       </p:ext>
     </p:extLst>
   </p:cSld>
@@ -23426,7 +23979,37 @@
                 <a:ea typeface="微軟正黑體" panose="020B0604030504040204" pitchFamily="34" charset="-120"/>
                 <a:cs typeface="Heiti TC Light"/>
               </a:rPr>
-              <a:t>管理模組版本</a:t>
+              <a:t>管理</a:t>
+            </a:r>
+            <a:r>
+              <a:rPr kumimoji="1" lang="en-US" altLang="zh-TW" sz="4000" b="1" dirty="0" smtClean="0">
+                <a:effectLst>
+                  <a:outerShdw blurRad="38100" dist="38100" dir="2700000" algn="tl">
+                    <a:srgbClr val="000000">
+                      <a:alpha val="43137"/>
+                    </a:srgbClr>
+                  </a:outerShdw>
+                </a:effectLst>
+                <a:latin typeface="微軟正黑體" panose="020B0604030504040204" pitchFamily="34" charset="-120"/>
+                <a:ea typeface="微軟正黑體" panose="020B0604030504040204" pitchFamily="34" charset="-120"/>
+                <a:cs typeface="Heiti TC Light"/>
+              </a:rPr>
+              <a:t>python</a:t>
+            </a:r>
+            <a:r>
+              <a:rPr kumimoji="1" lang="zh-TW" altLang="en-US" sz="4000" b="1" dirty="0" smtClean="0">
+                <a:effectLst>
+                  <a:outerShdw blurRad="38100" dist="38100" dir="2700000" algn="tl">
+                    <a:srgbClr val="000000">
+                      <a:alpha val="43137"/>
+                    </a:srgbClr>
+                  </a:outerShdw>
+                </a:effectLst>
+                <a:latin typeface="微軟正黑體" panose="020B0604030504040204" pitchFamily="34" charset="-120"/>
+                <a:ea typeface="微軟正黑體" panose="020B0604030504040204" pitchFamily="34" charset="-120"/>
+                <a:cs typeface="Heiti TC Light"/>
+              </a:rPr>
+              <a:t>環境</a:t>
             </a:r>
             <a:endParaRPr kumimoji="1" lang="en-US" altLang="zh-TW" sz="4000" b="1" dirty="0" smtClean="0">
               <a:effectLst>
@@ -23892,7 +24475,7 @@
     </p:spTree>
     <p:extLst>
       <p:ext uri="{BB962C8B-B14F-4D97-AF65-F5344CB8AC3E}">
-        <p14:creationId xmlns:p14="http://schemas.microsoft.com/office/powerpoint/2010/main" xmlns="" val="522405798"/>
+        <p14:creationId xmlns="" xmlns:p14="http://schemas.microsoft.com/office/powerpoint/2010/main" val="522405798"/>
       </p:ext>
     </p:extLst>
   </p:cSld>
@@ -24117,7 +24700,7 @@
     </p:spTree>
     <p:extLst>
       <p:ext uri="{BB962C8B-B14F-4D97-AF65-F5344CB8AC3E}">
-        <p14:creationId xmlns:p14="http://schemas.microsoft.com/office/powerpoint/2010/main" xmlns="" val="522405798"/>
+        <p14:creationId xmlns="" xmlns:p14="http://schemas.microsoft.com/office/powerpoint/2010/main" val="522405798"/>
       </p:ext>
     </p:extLst>
   </p:cSld>
@@ -24229,7 +24812,7 @@
     </p:spTree>
     <p:extLst>
       <p:ext uri="{BB962C8B-B14F-4D97-AF65-F5344CB8AC3E}">
-        <p14:creationId xmlns:p14="http://schemas.microsoft.com/office/powerpoint/2010/main" xmlns="" val="3907764274"/>
+        <p14:creationId xmlns="" xmlns:p14="http://schemas.microsoft.com/office/powerpoint/2010/main" val="3907764274"/>
       </p:ext>
     </p:extLst>
   </p:cSld>

--- a/00 - Pytorch環境介紹.pptx
+++ b/00 - Pytorch環境介紹.pptx
@@ -5,10 +5,10 @@
     <p:sldMasterId id="2147483648" r:id="rId1"/>
   </p:sldMasterIdLst>
   <p:notesMasterIdLst>
-    <p:notesMasterId r:id="rId44"/>
+    <p:notesMasterId r:id="rId45"/>
   </p:notesMasterIdLst>
   <p:handoutMasterIdLst>
-    <p:handoutMasterId r:id="rId45"/>
+    <p:handoutMasterId r:id="rId46"/>
   </p:handoutMasterIdLst>
   <p:sldIdLst>
     <p:sldId id="354" r:id="rId2"/>
@@ -31,28 +31,29 @@
     <p:sldId id="643" r:id="rId19"/>
     <p:sldId id="650" r:id="rId20"/>
     <p:sldId id="651" r:id="rId21"/>
-    <p:sldId id="605" r:id="rId22"/>
-    <p:sldId id="606" r:id="rId23"/>
-    <p:sldId id="613" r:id="rId24"/>
-    <p:sldId id="614" r:id="rId25"/>
-    <p:sldId id="615" r:id="rId26"/>
-    <p:sldId id="616" r:id="rId27"/>
-    <p:sldId id="618" r:id="rId28"/>
-    <p:sldId id="619" r:id="rId29"/>
-    <p:sldId id="620" r:id="rId30"/>
-    <p:sldId id="621" r:id="rId31"/>
-    <p:sldId id="622" r:id="rId32"/>
-    <p:sldId id="623" r:id="rId33"/>
-    <p:sldId id="645" r:id="rId34"/>
-    <p:sldId id="644" r:id="rId35"/>
-    <p:sldId id="646" r:id="rId36"/>
-    <p:sldId id="647" r:id="rId37"/>
-    <p:sldId id="648" r:id="rId38"/>
-    <p:sldId id="624" r:id="rId39"/>
-    <p:sldId id="625" r:id="rId40"/>
-    <p:sldId id="627" r:id="rId41"/>
-    <p:sldId id="626" r:id="rId42"/>
-    <p:sldId id="649" r:id="rId43"/>
+    <p:sldId id="653" r:id="rId22"/>
+    <p:sldId id="605" r:id="rId23"/>
+    <p:sldId id="606" r:id="rId24"/>
+    <p:sldId id="613" r:id="rId25"/>
+    <p:sldId id="614" r:id="rId26"/>
+    <p:sldId id="615" r:id="rId27"/>
+    <p:sldId id="616" r:id="rId28"/>
+    <p:sldId id="618" r:id="rId29"/>
+    <p:sldId id="619" r:id="rId30"/>
+    <p:sldId id="620" r:id="rId31"/>
+    <p:sldId id="621" r:id="rId32"/>
+    <p:sldId id="622" r:id="rId33"/>
+    <p:sldId id="623" r:id="rId34"/>
+    <p:sldId id="645" r:id="rId35"/>
+    <p:sldId id="644" r:id="rId36"/>
+    <p:sldId id="646" r:id="rId37"/>
+    <p:sldId id="647" r:id="rId38"/>
+    <p:sldId id="648" r:id="rId39"/>
+    <p:sldId id="624" r:id="rId40"/>
+    <p:sldId id="625" r:id="rId41"/>
+    <p:sldId id="627" r:id="rId42"/>
+    <p:sldId id="626" r:id="rId43"/>
+    <p:sldId id="649" r:id="rId44"/>
   </p:sldIdLst>
   <p:sldSz cx="9144000" cy="6858000" type="screen4x3"/>
   <p:notesSz cx="6858000" cy="9144000"/>
@@ -151,7 +152,7 @@
   </p:defaultTextStyle>
   <p:extLst>
     <p:ext uri="{EFAFB233-063F-42B5-8137-9DF3F51BA10A}">
-      <p15:sldGuideLst xmlns="" xmlns:p15="http://schemas.microsoft.com/office/powerpoint/2012/main">
+      <p15:sldGuideLst xmlns:p15="http://schemas.microsoft.com/office/powerpoint/2012/main" xmlns="">
         <p15:guide id="1" orient="horz" pos="2160">
           <p15:clr>
             <a:srgbClr val="A4A3A4"/>
@@ -165,7 +166,7 @@
       </p15:sldGuideLst>
     </p:ext>
     <p:ext uri="{2D200454-40CA-4A62-9FC3-DE9A4176ACB9}">
-      <p15:notesGuideLst xmlns="" xmlns:p15="http://schemas.microsoft.com/office/powerpoint/2012/main"/>
+      <p15:notesGuideLst xmlns:p15="http://schemas.microsoft.com/office/powerpoint/2012/main" xmlns=""/>
     </p:ext>
   </p:extLst>
 </p:presentation>
@@ -334,7 +335,7 @@
     </p:spTree>
     <p:extLst>
       <p:ext uri="{BB962C8B-B14F-4D97-AF65-F5344CB8AC3E}">
-        <p14:creationId xmlns="" xmlns:p14="http://schemas.microsoft.com/office/powerpoint/2010/main" val="2345123278"/>
+        <p14:creationId xmlns:p14="http://schemas.microsoft.com/office/powerpoint/2010/main" xmlns="" val="2345123278"/>
       </p:ext>
     </p:extLst>
   </p:cSld>
@@ -599,7 +600,7 @@
     </p:spTree>
     <p:extLst>
       <p:ext uri="{BB962C8B-B14F-4D97-AF65-F5344CB8AC3E}">
-        <p14:creationId xmlns="" xmlns:p14="http://schemas.microsoft.com/office/powerpoint/2010/main" val="623787478"/>
+        <p14:creationId xmlns:p14="http://schemas.microsoft.com/office/powerpoint/2010/main" xmlns="" val="623787478"/>
       </p:ext>
     </p:extLst>
   </p:cSld>
@@ -777,7 +778,7 @@
     </p:spTree>
     <p:extLst>
       <p:ext uri="{BB962C8B-B14F-4D97-AF65-F5344CB8AC3E}">
-        <p14:creationId xmlns="" xmlns:p14="http://schemas.microsoft.com/office/powerpoint/2010/main" val="3750793346"/>
+        <p14:creationId xmlns:p14="http://schemas.microsoft.com/office/powerpoint/2010/main" xmlns="" val="3750793346"/>
       </p:ext>
     </p:extLst>
   </p:cSld>
@@ -862,7 +863,7 @@
     </p:spTree>
     <p:extLst>
       <p:ext uri="{BB962C8B-B14F-4D97-AF65-F5344CB8AC3E}">
-        <p14:creationId xmlns="" xmlns:p14="http://schemas.microsoft.com/office/powerpoint/2010/main" val="2659555247"/>
+        <p14:creationId xmlns:p14="http://schemas.microsoft.com/office/powerpoint/2010/main" xmlns="" val="2659555247"/>
       </p:ext>
     </p:extLst>
   </p:cSld>
@@ -947,7 +948,7 @@
     </p:spTree>
     <p:extLst>
       <p:ext uri="{BB962C8B-B14F-4D97-AF65-F5344CB8AC3E}">
-        <p14:creationId xmlns="" xmlns:p14="http://schemas.microsoft.com/office/powerpoint/2010/main" val="939565178"/>
+        <p14:creationId xmlns:p14="http://schemas.microsoft.com/office/powerpoint/2010/main" xmlns="" val="939565178"/>
       </p:ext>
     </p:extLst>
   </p:cSld>
@@ -1032,7 +1033,7 @@
     </p:spTree>
     <p:extLst>
       <p:ext uri="{BB962C8B-B14F-4D97-AF65-F5344CB8AC3E}">
-        <p14:creationId xmlns="" xmlns:p14="http://schemas.microsoft.com/office/powerpoint/2010/main" val="2659555247"/>
+        <p14:creationId xmlns:p14="http://schemas.microsoft.com/office/powerpoint/2010/main" xmlns="" val="2659555247"/>
       </p:ext>
     </p:extLst>
   </p:cSld>
@@ -1117,7 +1118,7 @@
     </p:spTree>
     <p:extLst>
       <p:ext uri="{BB962C8B-B14F-4D97-AF65-F5344CB8AC3E}">
-        <p14:creationId xmlns="" xmlns:p14="http://schemas.microsoft.com/office/powerpoint/2010/main" val="2659555247"/>
+        <p14:creationId xmlns:p14="http://schemas.microsoft.com/office/powerpoint/2010/main" xmlns="" val="2659555247"/>
       </p:ext>
     </p:extLst>
   </p:cSld>
@@ -1193,7 +1194,7 @@
             <a:fld id="{9B26CD33-4337-4529-948A-94F6960B2374}" type="slidenum">
               <a:rPr lang="en-US" smtClean="0"/>
               <a:pPr/>
-              <a:t>21</a:t>
+              <a:t>22</a:t>
             </a:fld>
             <a:endParaRPr lang="en-US" dirty="0"/>
           </a:p>
@@ -1202,7 +1203,7 @@
     </p:spTree>
     <p:extLst>
       <p:ext uri="{BB962C8B-B14F-4D97-AF65-F5344CB8AC3E}">
-        <p14:creationId xmlns="" xmlns:p14="http://schemas.microsoft.com/office/powerpoint/2010/main" val="939565178"/>
+        <p14:creationId xmlns:p14="http://schemas.microsoft.com/office/powerpoint/2010/main" xmlns="" val="939565178"/>
       </p:ext>
     </p:extLst>
   </p:cSld>
@@ -1278,7 +1279,7 @@
             <a:fld id="{9B26CD33-4337-4529-948A-94F6960B2374}" type="slidenum">
               <a:rPr lang="en-US" smtClean="0"/>
               <a:pPr/>
-              <a:t>22</a:t>
+              <a:t>23</a:t>
             </a:fld>
             <a:endParaRPr lang="en-US" dirty="0"/>
           </a:p>
@@ -1287,7 +1288,7 @@
     </p:spTree>
     <p:extLst>
       <p:ext uri="{BB962C8B-B14F-4D97-AF65-F5344CB8AC3E}">
-        <p14:creationId xmlns="" xmlns:p14="http://schemas.microsoft.com/office/powerpoint/2010/main" val="2659555247"/>
+        <p14:creationId xmlns:p14="http://schemas.microsoft.com/office/powerpoint/2010/main" xmlns="" val="2659555247"/>
       </p:ext>
     </p:extLst>
   </p:cSld>
@@ -1363,7 +1364,7 @@
             <a:fld id="{9B26CD33-4337-4529-948A-94F6960B2374}" type="slidenum">
               <a:rPr lang="en-US" smtClean="0"/>
               <a:pPr/>
-              <a:t>23</a:t>
+              <a:t>24</a:t>
             </a:fld>
             <a:endParaRPr lang="en-US" dirty="0"/>
           </a:p>
@@ -1372,7 +1373,7 @@
     </p:spTree>
     <p:extLst>
       <p:ext uri="{BB962C8B-B14F-4D97-AF65-F5344CB8AC3E}">
-        <p14:creationId xmlns="" xmlns:p14="http://schemas.microsoft.com/office/powerpoint/2010/main" val="939565178"/>
+        <p14:creationId xmlns:p14="http://schemas.microsoft.com/office/powerpoint/2010/main" xmlns="" val="939565178"/>
       </p:ext>
     </p:extLst>
   </p:cSld>
@@ -1448,7 +1449,7 @@
             <a:fld id="{9B26CD33-4337-4529-948A-94F6960B2374}" type="slidenum">
               <a:rPr lang="en-US" smtClean="0"/>
               <a:pPr/>
-              <a:t>24</a:t>
+              <a:t>25</a:t>
             </a:fld>
             <a:endParaRPr lang="en-US" dirty="0"/>
           </a:p>
@@ -1457,7 +1458,7 @@
     </p:spTree>
     <p:extLst>
       <p:ext uri="{BB962C8B-B14F-4D97-AF65-F5344CB8AC3E}">
-        <p14:creationId xmlns="" xmlns:p14="http://schemas.microsoft.com/office/powerpoint/2010/main" val="2659555247"/>
+        <p14:creationId xmlns:p14="http://schemas.microsoft.com/office/powerpoint/2010/main" xmlns="" val="2659555247"/>
       </p:ext>
     </p:extLst>
   </p:cSld>
@@ -1533,7 +1534,7 @@
             <a:fld id="{9B26CD33-4337-4529-948A-94F6960B2374}" type="slidenum">
               <a:rPr lang="en-US" smtClean="0"/>
               <a:pPr/>
-              <a:t>25</a:t>
+              <a:t>26</a:t>
             </a:fld>
             <a:endParaRPr lang="en-US" dirty="0"/>
           </a:p>
@@ -1542,7 +1543,7 @@
     </p:spTree>
     <p:extLst>
       <p:ext uri="{BB962C8B-B14F-4D97-AF65-F5344CB8AC3E}">
-        <p14:creationId xmlns="" xmlns:p14="http://schemas.microsoft.com/office/powerpoint/2010/main" val="2659555247"/>
+        <p14:creationId xmlns:p14="http://schemas.microsoft.com/office/powerpoint/2010/main" xmlns="" val="2659555247"/>
       </p:ext>
     </p:extLst>
   </p:cSld>
@@ -1618,7 +1619,7 @@
             <a:fld id="{9B26CD33-4337-4529-948A-94F6960B2374}" type="slidenum">
               <a:rPr lang="en-US" smtClean="0"/>
               <a:pPr/>
-              <a:t>26</a:t>
+              <a:t>27</a:t>
             </a:fld>
             <a:endParaRPr lang="en-US" dirty="0"/>
           </a:p>
@@ -1627,7 +1628,7 @@
     </p:spTree>
     <p:extLst>
       <p:ext uri="{BB962C8B-B14F-4D97-AF65-F5344CB8AC3E}">
-        <p14:creationId xmlns="" xmlns:p14="http://schemas.microsoft.com/office/powerpoint/2010/main" val="2659555247"/>
+        <p14:creationId xmlns:p14="http://schemas.microsoft.com/office/powerpoint/2010/main" xmlns="" val="2659555247"/>
       </p:ext>
     </p:extLst>
   </p:cSld>
@@ -1712,7 +1713,7 @@
     </p:spTree>
     <p:extLst>
       <p:ext uri="{BB962C8B-B14F-4D97-AF65-F5344CB8AC3E}">
-        <p14:creationId xmlns="" xmlns:p14="http://schemas.microsoft.com/office/powerpoint/2010/main" val="939565178"/>
+        <p14:creationId xmlns:p14="http://schemas.microsoft.com/office/powerpoint/2010/main" xmlns="" val="939565178"/>
       </p:ext>
     </p:extLst>
   </p:cSld>
@@ -1788,7 +1789,7 @@
             <a:fld id="{9B26CD33-4337-4529-948A-94F6960B2374}" type="slidenum">
               <a:rPr lang="en-US" smtClean="0"/>
               <a:pPr/>
-              <a:t>28</a:t>
+              <a:t>29</a:t>
             </a:fld>
             <a:endParaRPr lang="en-US" dirty="0"/>
           </a:p>
@@ -1797,7 +1798,7 @@
     </p:spTree>
     <p:extLst>
       <p:ext uri="{BB962C8B-B14F-4D97-AF65-F5344CB8AC3E}">
-        <p14:creationId xmlns="" xmlns:p14="http://schemas.microsoft.com/office/powerpoint/2010/main" val="2659555247"/>
+        <p14:creationId xmlns:p14="http://schemas.microsoft.com/office/powerpoint/2010/main" xmlns="" val="2659555247"/>
       </p:ext>
     </p:extLst>
   </p:cSld>
@@ -1873,7 +1874,7 @@
             <a:fld id="{9B26CD33-4337-4529-948A-94F6960B2374}" type="slidenum">
               <a:rPr lang="en-US" smtClean="0"/>
               <a:pPr/>
-              <a:t>29</a:t>
+              <a:t>30</a:t>
             </a:fld>
             <a:endParaRPr lang="en-US" dirty="0"/>
           </a:p>
@@ -1882,7 +1883,7 @@
     </p:spTree>
     <p:extLst>
       <p:ext uri="{BB962C8B-B14F-4D97-AF65-F5344CB8AC3E}">
-        <p14:creationId xmlns="" xmlns:p14="http://schemas.microsoft.com/office/powerpoint/2010/main" val="2659555247"/>
+        <p14:creationId xmlns:p14="http://schemas.microsoft.com/office/powerpoint/2010/main" xmlns="" val="2659555247"/>
       </p:ext>
     </p:extLst>
   </p:cSld>
@@ -1958,7 +1959,7 @@
             <a:fld id="{9B26CD33-4337-4529-948A-94F6960B2374}" type="slidenum">
               <a:rPr lang="en-US" smtClean="0"/>
               <a:pPr/>
-              <a:t>30</a:t>
+              <a:t>31</a:t>
             </a:fld>
             <a:endParaRPr lang="en-US" dirty="0"/>
           </a:p>
@@ -1967,7 +1968,7 @@
     </p:spTree>
     <p:extLst>
       <p:ext uri="{BB962C8B-B14F-4D97-AF65-F5344CB8AC3E}">
-        <p14:creationId xmlns="" xmlns:p14="http://schemas.microsoft.com/office/powerpoint/2010/main" val="2659555247"/>
+        <p14:creationId xmlns:p14="http://schemas.microsoft.com/office/powerpoint/2010/main" xmlns="" val="2659555247"/>
       </p:ext>
     </p:extLst>
   </p:cSld>
@@ -2043,7 +2044,7 @@
             <a:fld id="{9B26CD33-4337-4529-948A-94F6960B2374}" type="slidenum">
               <a:rPr lang="en-US" smtClean="0"/>
               <a:pPr/>
-              <a:t>31</a:t>
+              <a:t>32</a:t>
             </a:fld>
             <a:endParaRPr lang="en-US" dirty="0"/>
           </a:p>
@@ -2052,7 +2053,7 @@
     </p:spTree>
     <p:extLst>
       <p:ext uri="{BB962C8B-B14F-4D97-AF65-F5344CB8AC3E}">
-        <p14:creationId xmlns="" xmlns:p14="http://schemas.microsoft.com/office/powerpoint/2010/main" val="2659555247"/>
+        <p14:creationId xmlns:p14="http://schemas.microsoft.com/office/powerpoint/2010/main" xmlns="" val="2659555247"/>
       </p:ext>
     </p:extLst>
   </p:cSld>
@@ -2128,7 +2129,7 @@
             <a:fld id="{9B26CD33-4337-4529-948A-94F6960B2374}" type="slidenum">
               <a:rPr lang="en-US" smtClean="0"/>
               <a:pPr/>
-              <a:t>34</a:t>
+              <a:t>35</a:t>
             </a:fld>
             <a:endParaRPr lang="en-US" dirty="0"/>
           </a:p>
@@ -2137,7 +2138,7 @@
     </p:spTree>
     <p:extLst>
       <p:ext uri="{BB962C8B-B14F-4D97-AF65-F5344CB8AC3E}">
-        <p14:creationId xmlns="" xmlns:p14="http://schemas.microsoft.com/office/powerpoint/2010/main" val="2659555247"/>
+        <p14:creationId xmlns:p14="http://schemas.microsoft.com/office/powerpoint/2010/main" xmlns="" val="2659555247"/>
       </p:ext>
     </p:extLst>
   </p:cSld>
@@ -2213,7 +2214,7 @@
             <a:fld id="{9B26CD33-4337-4529-948A-94F6960B2374}" type="slidenum">
               <a:rPr lang="en-US" smtClean="0"/>
               <a:pPr/>
-              <a:t>35</a:t>
+              <a:t>36</a:t>
             </a:fld>
             <a:endParaRPr lang="en-US" dirty="0"/>
           </a:p>
@@ -2222,7 +2223,7 @@
     </p:spTree>
     <p:extLst>
       <p:ext uri="{BB962C8B-B14F-4D97-AF65-F5344CB8AC3E}">
-        <p14:creationId xmlns="" xmlns:p14="http://schemas.microsoft.com/office/powerpoint/2010/main" val="939565178"/>
+        <p14:creationId xmlns:p14="http://schemas.microsoft.com/office/powerpoint/2010/main" xmlns="" val="939565178"/>
       </p:ext>
     </p:extLst>
   </p:cSld>
@@ -2298,7 +2299,7 @@
             <a:fld id="{9B26CD33-4337-4529-948A-94F6960B2374}" type="slidenum">
               <a:rPr lang="en-US" smtClean="0"/>
               <a:pPr/>
-              <a:t>36</a:t>
+              <a:t>37</a:t>
             </a:fld>
             <a:endParaRPr lang="en-US" dirty="0"/>
           </a:p>
@@ -2307,7 +2308,7 @@
     </p:spTree>
     <p:extLst>
       <p:ext uri="{BB962C8B-B14F-4D97-AF65-F5344CB8AC3E}">
-        <p14:creationId xmlns="" xmlns:p14="http://schemas.microsoft.com/office/powerpoint/2010/main" val="2659555247"/>
+        <p14:creationId xmlns:p14="http://schemas.microsoft.com/office/powerpoint/2010/main" xmlns="" val="2659555247"/>
       </p:ext>
     </p:extLst>
   </p:cSld>
@@ -2383,7 +2384,7 @@
             <a:fld id="{9B26CD33-4337-4529-948A-94F6960B2374}" type="slidenum">
               <a:rPr lang="en-US" smtClean="0"/>
               <a:pPr/>
-              <a:t>37</a:t>
+              <a:t>38</a:t>
             </a:fld>
             <a:endParaRPr lang="en-US" dirty="0"/>
           </a:p>
@@ -2392,7 +2393,7 @@
     </p:spTree>
     <p:extLst>
       <p:ext uri="{BB962C8B-B14F-4D97-AF65-F5344CB8AC3E}">
-        <p14:creationId xmlns="" xmlns:p14="http://schemas.microsoft.com/office/powerpoint/2010/main" val="2659555247"/>
+        <p14:creationId xmlns:p14="http://schemas.microsoft.com/office/powerpoint/2010/main" xmlns="" val="2659555247"/>
       </p:ext>
     </p:extLst>
   </p:cSld>
@@ -2468,7 +2469,7 @@
             <a:fld id="{9B26CD33-4337-4529-948A-94F6960B2374}" type="slidenum">
               <a:rPr lang="en-US" smtClean="0"/>
               <a:pPr/>
-              <a:t>38</a:t>
+              <a:t>39</a:t>
             </a:fld>
             <a:endParaRPr lang="en-US" dirty="0"/>
           </a:p>
@@ -2477,7 +2478,7 @@
     </p:spTree>
     <p:extLst>
       <p:ext uri="{BB962C8B-B14F-4D97-AF65-F5344CB8AC3E}">
-        <p14:creationId xmlns="" xmlns:p14="http://schemas.microsoft.com/office/powerpoint/2010/main" val="939565178"/>
+        <p14:creationId xmlns:p14="http://schemas.microsoft.com/office/powerpoint/2010/main" xmlns="" val="939565178"/>
       </p:ext>
     </p:extLst>
   </p:cSld>
@@ -2553,7 +2554,7 @@
             <a:fld id="{9B26CD33-4337-4529-948A-94F6960B2374}" type="slidenum">
               <a:rPr lang="en-US" smtClean="0"/>
               <a:pPr/>
-              <a:t>39</a:t>
+              <a:t>40</a:t>
             </a:fld>
             <a:endParaRPr lang="en-US" dirty="0"/>
           </a:p>
@@ -2562,7 +2563,7 @@
     </p:spTree>
     <p:extLst>
       <p:ext uri="{BB962C8B-B14F-4D97-AF65-F5344CB8AC3E}">
-        <p14:creationId xmlns="" xmlns:p14="http://schemas.microsoft.com/office/powerpoint/2010/main" val="2659555247"/>
+        <p14:creationId xmlns:p14="http://schemas.microsoft.com/office/powerpoint/2010/main" xmlns="" val="2659555247"/>
       </p:ext>
     </p:extLst>
   </p:cSld>
@@ -2647,7 +2648,7 @@
     </p:spTree>
     <p:extLst>
       <p:ext uri="{BB962C8B-B14F-4D97-AF65-F5344CB8AC3E}">
-        <p14:creationId xmlns="" xmlns:p14="http://schemas.microsoft.com/office/powerpoint/2010/main" val="2659555247"/>
+        <p14:creationId xmlns:p14="http://schemas.microsoft.com/office/powerpoint/2010/main" xmlns="" val="2659555247"/>
       </p:ext>
     </p:extLst>
   </p:cSld>
@@ -2723,7 +2724,7 @@
             <a:fld id="{9B26CD33-4337-4529-948A-94F6960B2374}" type="slidenum">
               <a:rPr lang="en-US" smtClean="0"/>
               <a:pPr/>
-              <a:t>40</a:t>
+              <a:t>41</a:t>
             </a:fld>
             <a:endParaRPr lang="en-US" dirty="0"/>
           </a:p>
@@ -2732,7 +2733,7 @@
     </p:spTree>
     <p:extLst>
       <p:ext uri="{BB962C8B-B14F-4D97-AF65-F5344CB8AC3E}">
-        <p14:creationId xmlns="" xmlns:p14="http://schemas.microsoft.com/office/powerpoint/2010/main" val="2659555247"/>
+        <p14:creationId xmlns:p14="http://schemas.microsoft.com/office/powerpoint/2010/main" xmlns="" val="2659555247"/>
       </p:ext>
     </p:extLst>
   </p:cSld>
@@ -2808,7 +2809,7 @@
             <a:fld id="{9B26CD33-4337-4529-948A-94F6960B2374}" type="slidenum">
               <a:rPr lang="en-US" smtClean="0"/>
               <a:pPr/>
-              <a:t>42</a:t>
+              <a:t>43</a:t>
             </a:fld>
             <a:endParaRPr lang="en-US" dirty="0"/>
           </a:p>
@@ -2817,7 +2818,7 @@
     </p:spTree>
     <p:extLst>
       <p:ext uri="{BB962C8B-B14F-4D97-AF65-F5344CB8AC3E}">
-        <p14:creationId xmlns="" xmlns:p14="http://schemas.microsoft.com/office/powerpoint/2010/main" val="2659555247"/>
+        <p14:creationId xmlns:p14="http://schemas.microsoft.com/office/powerpoint/2010/main" xmlns="" val="2659555247"/>
       </p:ext>
     </p:extLst>
   </p:cSld>
@@ -2902,7 +2903,7 @@
     </p:spTree>
     <p:extLst>
       <p:ext uri="{BB962C8B-B14F-4D97-AF65-F5344CB8AC3E}">
-        <p14:creationId xmlns="" xmlns:p14="http://schemas.microsoft.com/office/powerpoint/2010/main" val="2659555247"/>
+        <p14:creationId xmlns:p14="http://schemas.microsoft.com/office/powerpoint/2010/main" xmlns="" val="2659555247"/>
       </p:ext>
     </p:extLst>
   </p:cSld>
@@ -2987,7 +2988,7 @@
     </p:spTree>
     <p:extLst>
       <p:ext uri="{BB962C8B-B14F-4D97-AF65-F5344CB8AC3E}">
-        <p14:creationId xmlns="" xmlns:p14="http://schemas.microsoft.com/office/powerpoint/2010/main" val="939565178"/>
+        <p14:creationId xmlns:p14="http://schemas.microsoft.com/office/powerpoint/2010/main" xmlns="" val="939565178"/>
       </p:ext>
     </p:extLst>
   </p:cSld>
@@ -3072,7 +3073,7 @@
     </p:spTree>
     <p:extLst>
       <p:ext uri="{BB962C8B-B14F-4D97-AF65-F5344CB8AC3E}">
-        <p14:creationId xmlns="" xmlns:p14="http://schemas.microsoft.com/office/powerpoint/2010/main" val="2659555247"/>
+        <p14:creationId xmlns:p14="http://schemas.microsoft.com/office/powerpoint/2010/main" xmlns="" val="2659555247"/>
       </p:ext>
     </p:extLst>
   </p:cSld>
@@ -3157,7 +3158,7 @@
     </p:spTree>
     <p:extLst>
       <p:ext uri="{BB962C8B-B14F-4D97-AF65-F5344CB8AC3E}">
-        <p14:creationId xmlns="" xmlns:p14="http://schemas.microsoft.com/office/powerpoint/2010/main" val="2659555247"/>
+        <p14:creationId xmlns:p14="http://schemas.microsoft.com/office/powerpoint/2010/main" xmlns="" val="2659555247"/>
       </p:ext>
     </p:extLst>
   </p:cSld>
@@ -3242,7 +3243,7 @@
     </p:spTree>
     <p:extLst>
       <p:ext uri="{BB962C8B-B14F-4D97-AF65-F5344CB8AC3E}">
-        <p14:creationId xmlns="" xmlns:p14="http://schemas.microsoft.com/office/powerpoint/2010/main" val="2659555247"/>
+        <p14:creationId xmlns:p14="http://schemas.microsoft.com/office/powerpoint/2010/main" xmlns="" val="2659555247"/>
       </p:ext>
     </p:extLst>
   </p:cSld>
@@ -3327,7 +3328,7 @@
     </p:spTree>
     <p:extLst>
       <p:ext uri="{BB962C8B-B14F-4D97-AF65-F5344CB8AC3E}">
-        <p14:creationId xmlns="" xmlns:p14="http://schemas.microsoft.com/office/powerpoint/2010/main" val="939565178"/>
+        <p14:creationId xmlns:p14="http://schemas.microsoft.com/office/powerpoint/2010/main" xmlns="" val="939565178"/>
       </p:ext>
     </p:extLst>
   </p:cSld>
@@ -11538,7 +11539,7 @@
     </p:spTree>
     <p:extLst>
       <p:ext uri="{BB962C8B-B14F-4D97-AF65-F5344CB8AC3E}">
-        <p14:creationId xmlns="" xmlns:p14="http://schemas.microsoft.com/office/powerpoint/2010/main" val="2461702271"/>
+        <p14:creationId xmlns:p14="http://schemas.microsoft.com/office/powerpoint/2010/main" xmlns="" val="2461702271"/>
       </p:ext>
     </p:extLst>
   </p:cSld>
@@ -12200,7 +12201,7 @@
     </p:spTree>
     <p:extLst>
       <p:ext uri="{BB962C8B-B14F-4D97-AF65-F5344CB8AC3E}">
-        <p14:creationId xmlns="" xmlns:p14="http://schemas.microsoft.com/office/powerpoint/2010/main" val="522405798"/>
+        <p14:creationId xmlns:p14="http://schemas.microsoft.com/office/powerpoint/2010/main" xmlns="" val="522405798"/>
       </p:ext>
     </p:extLst>
   </p:cSld>
@@ -12361,7 +12362,7 @@
     </p:spTree>
     <p:extLst>
       <p:ext uri="{BB962C8B-B14F-4D97-AF65-F5344CB8AC3E}">
-        <p14:creationId xmlns="" xmlns:p14="http://schemas.microsoft.com/office/powerpoint/2010/main" val="3907764274"/>
+        <p14:creationId xmlns:p14="http://schemas.microsoft.com/office/powerpoint/2010/main" xmlns="" val="3907764274"/>
       </p:ext>
     </p:extLst>
   </p:cSld>
@@ -12733,18 +12734,6 @@
               </a:rPr>
               <a:t>)</a:t>
             </a:r>
-            <a:endParaRPr kumimoji="1" lang="en-US" altLang="zh-TW" sz="3600" b="1" dirty="0" smtClean="0">
-              <a:effectLst>
-                <a:outerShdw blurRad="38100" dist="38100" dir="2700000" algn="tl">
-                  <a:srgbClr val="000000">
-                    <a:alpha val="43137"/>
-                  </a:srgbClr>
-                </a:outerShdw>
-              </a:effectLst>
-              <a:latin typeface="微軟正黑體" panose="020B0604030504040204" pitchFamily="34" charset="-120"/>
-              <a:ea typeface="微軟正黑體" panose="020B0604030504040204" pitchFamily="34" charset="-120"/>
-              <a:cs typeface="Heiti TC Light"/>
-            </a:endParaRPr>
           </a:p>
           <a:p>
             <a:pPr marL="361950" indent="-361950">
@@ -13113,7 +13102,7 @@
     </p:spTree>
     <p:extLst>
       <p:ext uri="{BB962C8B-B14F-4D97-AF65-F5344CB8AC3E}">
-        <p14:creationId xmlns="" xmlns:p14="http://schemas.microsoft.com/office/powerpoint/2010/main" val="522405798"/>
+        <p14:creationId xmlns:p14="http://schemas.microsoft.com/office/powerpoint/2010/main" xmlns="" val="522405798"/>
       </p:ext>
     </p:extLst>
   </p:cSld>
@@ -13961,22 +13950,7 @@
                 <a:ea typeface="微軟正黑體" panose="020B0604030504040204" pitchFamily="34" charset="-120"/>
                 <a:cs typeface="Heiti TC Light"/>
               </a:rPr>
-              <a:t>內</a:t>
-            </a:r>
-            <a:r>
-              <a:rPr kumimoji="1" lang="zh-TW" altLang="en-US" sz="3200" b="1" dirty="0" smtClean="0">
-                <a:effectLst>
-                  <a:outerShdw blurRad="38100" dist="38100" dir="2700000" algn="tl">
-                    <a:srgbClr val="000000">
-                      <a:alpha val="43137"/>
-                    </a:srgbClr>
-                  </a:outerShdw>
-                </a:effectLst>
-                <a:latin typeface="微軟正黑體" panose="020B0604030504040204" pitchFamily="34" charset="-120"/>
-                <a:ea typeface="微軟正黑體" panose="020B0604030504040204" pitchFamily="34" charset="-120"/>
-                <a:cs typeface="Heiti TC Light"/>
-              </a:rPr>
-              <a:t>的模組</a:t>
+              <a:t>內的模組</a:t>
             </a:r>
             <a:endParaRPr kumimoji="1" lang="en-US" altLang="zh-TW" sz="3200" b="1" dirty="0" smtClean="0">
               <a:effectLst>
@@ -14009,22 +13983,7 @@
                 <a:ea typeface="微軟正黑體" panose="020B0604030504040204" pitchFamily="34" charset="-120"/>
                 <a:cs typeface="Heiti TC Light"/>
               </a:rPr>
-              <a:t>建議新手從此</a:t>
-            </a:r>
-            <a:r>
-              <a:rPr kumimoji="1" lang="zh-TW" altLang="en-US" sz="3200" b="1" dirty="0" smtClean="0">
-                <a:effectLst>
-                  <a:outerShdw blurRad="38100" dist="38100" dir="2700000" algn="tl">
-                    <a:srgbClr val="000000">
-                      <a:alpha val="43137"/>
-                    </a:srgbClr>
-                  </a:outerShdw>
-                </a:effectLst>
-                <a:latin typeface="微軟正黑體" panose="020B0604030504040204" pitchFamily="34" charset="-120"/>
-                <a:ea typeface="微軟正黑體" panose="020B0604030504040204" pitchFamily="34" charset="-120"/>
-                <a:cs typeface="Heiti TC Light"/>
-              </a:rPr>
-              <a:t>入門</a:t>
+              <a:t>建議新手從此入門</a:t>
             </a:r>
             <a:endParaRPr kumimoji="1" lang="en-US" altLang="zh-TW" sz="3200" b="1" dirty="0" smtClean="0">
               <a:effectLst>
@@ -15814,7 +15773,7 @@
     </p:spTree>
     <p:extLst>
       <p:ext uri="{BB962C8B-B14F-4D97-AF65-F5344CB8AC3E}">
-        <p14:creationId xmlns="" xmlns:p14="http://schemas.microsoft.com/office/powerpoint/2010/main" val="522405798"/>
+        <p14:creationId xmlns:p14="http://schemas.microsoft.com/office/powerpoint/2010/main" xmlns="" val="522405798"/>
       </p:ext>
     </p:extLst>
   </p:cSld>
@@ -16101,7 +16060,7 @@
     </p:spTree>
     <p:extLst>
       <p:ext uri="{BB962C8B-B14F-4D97-AF65-F5344CB8AC3E}">
-        <p14:creationId xmlns="" xmlns:p14="http://schemas.microsoft.com/office/powerpoint/2010/main" val="3907764274"/>
+        <p14:creationId xmlns:p14="http://schemas.microsoft.com/office/powerpoint/2010/main" xmlns="" val="3907764274"/>
       </p:ext>
     </p:extLst>
   </p:cSld>
@@ -16193,27 +16152,84 @@
       </p:grpSpPr>
       <p:sp>
         <p:nvSpPr>
-          <p:cNvPr id="3" name="文字版面配置區 2"/>
-          <p:cNvSpPr>
-            <a:spLocks noGrp="1"/>
-          </p:cNvSpPr>
-          <p:nvPr>
-            <p:ph type="body" sz="quarter" idx="11"/>
-          </p:nvPr>
+          <p:cNvPr id="4" name="矩形 3"/>
+          <p:cNvSpPr/>
+          <p:nvPr/>
         </p:nvSpPr>
         <p:spPr>
           <a:xfrm>
-            <a:off x="838200" y="3200400"/>
-            <a:ext cx="7620000" cy="990600"/>
+            <a:off x="1066800" y="1905000"/>
+            <a:ext cx="7696200" cy="646331"/>
+          </a:xfrm>
+          <a:prstGeom prst="rect">
+            <a:avLst/>
+          </a:prstGeom>
+        </p:spPr>
+        <p:txBody>
+          <a:bodyPr wrap="square">
+            <a:spAutoFit/>
+          </a:bodyPr>
+          <a:lstStyle/>
+          <a:p>
+            <a:r>
+              <a:rPr lang="en-US" altLang="zh-TW" dirty="0" smtClean="0">
+                <a:hlinkClick r:id="rId2"/>
+              </a:rPr>
+              <a:t>https://towardsdatascience.com/which-deep-learning-framework-is-growing-fastest-3f77f14aa318</a:t>
+            </a:r>
+            <a:endParaRPr lang="zh-TW" altLang="en-US" dirty="0"/>
+          </a:p>
+        </p:txBody>
+      </p:sp>
+      <p:pic>
+        <p:nvPicPr>
+          <p:cNvPr id="1026" name="Picture 2" descr="C:\Users\joshhu\Desktop\6M8UB2Y2Z2.png"/>
+          <p:cNvPicPr>
+            <a:picLocks noChangeAspect="1" noChangeArrowheads="1"/>
+          </p:cNvPicPr>
+          <p:nvPr/>
+        </p:nvPicPr>
+        <p:blipFill>
+          <a:blip r:embed="rId3" cstate="print"/>
+          <a:srcRect/>
+          <a:stretch>
+            <a:fillRect/>
+          </a:stretch>
+        </p:blipFill>
+        <p:spPr bwMode="auto">
+          <a:xfrm>
+            <a:off x="2971800" y="3124200"/>
+            <a:ext cx="3267075" cy="3267075"/>
+          </a:xfrm>
+          <a:prstGeom prst="rect">
+            <a:avLst/>
+          </a:prstGeom>
+          <a:noFill/>
+        </p:spPr>
+      </p:pic>
+      <p:sp>
+        <p:nvSpPr>
+          <p:cNvPr id="6" name="文字版面配置區 2"/>
+          <p:cNvSpPr>
+            <a:spLocks noGrp="1"/>
+          </p:cNvSpPr>
+          <p:nvPr>
+            <p:ph type="body" sz="quarter" idx="11"/>
+          </p:nvPr>
+        </p:nvSpPr>
+        <p:spPr>
+          <a:xfrm>
+            <a:off x="1295400" y="457200"/>
+            <a:ext cx="6934200" cy="990600"/>
           </a:xfrm>
         </p:spPr>
         <p:txBody>
           <a:bodyPr/>
           <a:lstStyle/>
           <a:p>
-            <a:pPr algn="ctr"/>
-            <a:r>
-              <a:rPr lang="zh-TW" altLang="en-US" sz="4800" b="1" dirty="0" smtClean="0">
+            <a:pPr algn="just"/>
+            <a:r>
+              <a:rPr lang="en-US" altLang="zh-TW" sz="4800" b="1" dirty="0" err="1" smtClean="0">
                 <a:solidFill>
                   <a:srgbClr val="00B0F0"/>
                 </a:solidFill>
@@ -16227,7 +16243,7 @@
                 <a:latin typeface="微軟正黑體" panose="020B0604030504040204" pitchFamily="34" charset="-120"/>
                 <a:ea typeface="微軟正黑體" panose="020B0604030504040204" pitchFamily="34" charset="-120"/>
               </a:rPr>
-              <a:t>利用</a:t>
+              <a:t>Pytorch</a:t>
             </a:r>
             <a:r>
               <a:rPr lang="en-US" altLang="zh-TW" sz="4800" b="1" dirty="0" smtClean="0">
@@ -16244,27 +16260,7 @@
                 <a:latin typeface="微軟正黑體" panose="020B0604030504040204" pitchFamily="34" charset="-120"/>
                 <a:ea typeface="微軟正黑體" panose="020B0604030504040204" pitchFamily="34" charset="-120"/>
               </a:rPr>
-              <a:t>Anaconda</a:t>
-            </a:r>
-          </a:p>
-          <a:p>
-            <a:pPr algn="just"/>
-            <a:r>
-              <a:rPr lang="zh-TW" altLang="en-US" sz="4800" b="1" dirty="0" smtClean="0">
-                <a:solidFill>
-                  <a:srgbClr val="00B0F0"/>
-                </a:solidFill>
-                <a:effectLst>
-                  <a:outerShdw blurRad="38100" dist="38100" dir="2700000" algn="tl">
-                    <a:srgbClr val="000000">
-                      <a:alpha val="43137"/>
-                    </a:srgbClr>
-                  </a:outerShdw>
-                </a:effectLst>
-                <a:latin typeface="微軟正黑體" panose="020B0604030504040204" pitchFamily="34" charset="-120"/>
-                <a:ea typeface="微軟正黑體" panose="020B0604030504040204" pitchFamily="34" charset="-120"/>
-              </a:rPr>
-              <a:t>建立</a:t>
+              <a:t> vs. </a:t>
             </a:r>
             <a:r>
               <a:rPr lang="en-US" altLang="zh-TW" sz="4800" b="1" dirty="0" err="1" smtClean="0">
@@ -16281,24 +16277,7 @@
                 <a:latin typeface="微軟正黑體" panose="020B0604030504040204" pitchFamily="34" charset="-120"/>
                 <a:ea typeface="微軟正黑體" panose="020B0604030504040204" pitchFamily="34" charset="-120"/>
               </a:rPr>
-              <a:t>Pytorch</a:t>
-            </a:r>
-            <a:r>
-              <a:rPr lang="zh-TW" altLang="en-US" sz="4800" b="1" dirty="0" smtClean="0">
-                <a:solidFill>
-                  <a:srgbClr val="00B0F0"/>
-                </a:solidFill>
-                <a:effectLst>
-                  <a:outerShdw blurRad="38100" dist="38100" dir="2700000" algn="tl">
-                    <a:srgbClr val="000000">
-                      <a:alpha val="43137"/>
-                    </a:srgbClr>
-                  </a:outerShdw>
-                </a:effectLst>
-                <a:latin typeface="微軟正黑體" panose="020B0604030504040204" pitchFamily="34" charset="-120"/>
-                <a:ea typeface="微軟正黑體" panose="020B0604030504040204" pitchFamily="34" charset="-120"/>
-              </a:rPr>
-              <a:t>完整開發環境</a:t>
+              <a:t>Tensorflow</a:t>
             </a:r>
             <a:endParaRPr lang="zh-TW" altLang="en-US" sz="4800" b="1" dirty="0">
               <a:solidFill>
@@ -16318,11 +16297,6 @@
         </p:txBody>
       </p:sp>
     </p:spTree>
-    <p:extLst>
-      <p:ext uri="{BB962C8B-B14F-4D97-AF65-F5344CB8AC3E}">
-        <p14:creationId xmlns="" xmlns:p14="http://schemas.microsoft.com/office/powerpoint/2010/main" val="3907764274"/>
-      </p:ext>
-    </p:extLst>
   </p:cSld>
   <p:clrMapOvr>
     <a:masterClrMapping/>
@@ -16359,600 +16333,79 @@
       </p:grpSpPr>
       <p:sp>
         <p:nvSpPr>
-          <p:cNvPr id="5" name="文字方塊 4"/>
-          <p:cNvSpPr txBox="1"/>
-          <p:nvPr/>
+          <p:cNvPr id="3" name="文字版面配置區 2"/>
+          <p:cNvSpPr>
+            <a:spLocks noGrp="1"/>
+          </p:cNvSpPr>
+          <p:nvPr>
+            <p:ph type="body" sz="quarter" idx="11"/>
+          </p:nvPr>
         </p:nvSpPr>
         <p:spPr>
           <a:xfrm>
-            <a:off x="685800" y="1524000"/>
-            <a:ext cx="8077200" cy="5016758"/>
-          </a:xfrm>
-          <a:prstGeom prst="rect">
-            <a:avLst/>
-          </a:prstGeom>
-          <a:noFill/>
-        </p:spPr>
-        <p:txBody>
-          <a:bodyPr wrap="square" rtlCol="0">
-            <a:spAutoFit/>
-          </a:bodyPr>
-          <a:lstStyle/>
-          <a:p>
-            <a:pPr marL="176213" indent="-176213">
-              <a:buFont typeface="Arial" panose="020B0604020202020204" pitchFamily="34" charset="0"/>
-              <a:buChar char="•"/>
-            </a:pPr>
-            <a:r>
-              <a:rPr kumimoji="1" lang="en-US" altLang="zh-TW" sz="4000" b="1" dirty="0" err="1" smtClean="0">
-                <a:effectLst>
-                  <a:outerShdw blurRad="38100" dist="38100" dir="2700000" algn="tl">
-                    <a:srgbClr val="000000">
-                      <a:alpha val="43137"/>
-                    </a:srgbClr>
-                  </a:outerShdw>
-                </a:effectLst>
-                <a:latin typeface="微軟正黑體" panose="020B0604030504040204" pitchFamily="34" charset="-120"/>
-                <a:ea typeface="微軟正黑體" panose="020B0604030504040204" pitchFamily="34" charset="-120"/>
-                <a:cs typeface="Heiti TC Light"/>
-              </a:rPr>
-              <a:t>Conda</a:t>
-            </a:r>
-            <a:r>
-              <a:rPr kumimoji="1" lang="zh-TW" altLang="en-US" sz="4000" b="1" dirty="0" smtClean="0">
-                <a:effectLst>
-                  <a:outerShdw blurRad="38100" dist="38100" dir="2700000" algn="tl">
-                    <a:srgbClr val="000000">
-                      <a:alpha val="43137"/>
-                    </a:srgbClr>
-                  </a:outerShdw>
-                </a:effectLst>
-                <a:latin typeface="微軟正黑體" panose="020B0604030504040204" pitchFamily="34" charset="-120"/>
-                <a:ea typeface="微軟正黑體" panose="020B0604030504040204" pitchFamily="34" charset="-120"/>
-                <a:cs typeface="Heiti TC Light"/>
-              </a:rPr>
-              <a:t>：</a:t>
-            </a:r>
-            <a:r>
-              <a:rPr kumimoji="1" lang="en-US" altLang="zh-TW" sz="4000" b="1" dirty="0" smtClean="0">
-                <a:effectLst>
-                  <a:outerShdw blurRad="38100" dist="38100" dir="2700000" algn="tl">
-                    <a:srgbClr val="000000">
-                      <a:alpha val="43137"/>
-                    </a:srgbClr>
-                  </a:outerShdw>
-                </a:effectLst>
-                <a:latin typeface="微軟正黑體" panose="020B0604030504040204" pitchFamily="34" charset="-120"/>
-                <a:ea typeface="微軟正黑體" panose="020B0604030504040204" pitchFamily="34" charset="-120"/>
-                <a:cs typeface="Heiti TC Light"/>
-              </a:rPr>
-              <a:t>python</a:t>
-            </a:r>
-            <a:r>
-              <a:rPr kumimoji="1" lang="zh-TW" altLang="en-US" sz="4000" b="1" dirty="0" smtClean="0">
-                <a:effectLst>
-                  <a:outerShdw blurRad="38100" dist="38100" dir="2700000" algn="tl">
-                    <a:srgbClr val="000000">
-                      <a:alpha val="43137"/>
-                    </a:srgbClr>
-                  </a:outerShdw>
-                </a:effectLst>
-                <a:latin typeface="微軟正黑體" panose="020B0604030504040204" pitchFamily="34" charset="-120"/>
-                <a:ea typeface="微軟正黑體" panose="020B0604030504040204" pitchFamily="34" charset="-120"/>
-                <a:cs typeface="Heiti TC Light"/>
-              </a:rPr>
-              <a:t>環境管理</a:t>
-            </a:r>
-            <a:r>
-              <a:rPr kumimoji="1" lang="zh-TW" altLang="en-US" sz="4000" b="1" dirty="0" smtClean="0">
-                <a:effectLst>
-                  <a:outerShdw blurRad="38100" dist="38100" dir="2700000" algn="tl">
-                    <a:srgbClr val="000000">
-                      <a:alpha val="43137"/>
-                    </a:srgbClr>
-                  </a:outerShdw>
-                </a:effectLst>
-                <a:latin typeface="微軟正黑體" panose="020B0604030504040204" pitchFamily="34" charset="-120"/>
-                <a:ea typeface="微軟正黑體" panose="020B0604030504040204" pitchFamily="34" charset="-120"/>
-                <a:cs typeface="Heiti TC Light"/>
-              </a:rPr>
-              <a:t>工具</a:t>
-            </a:r>
-            <a:endParaRPr kumimoji="1" lang="en-US" altLang="zh-TW" sz="4000" b="1" dirty="0" smtClean="0">
-              <a:effectLst>
-                <a:outerShdw blurRad="38100" dist="38100" dir="2700000" algn="tl">
-                  <a:srgbClr val="000000">
-                    <a:alpha val="43137"/>
-                  </a:srgbClr>
-                </a:outerShdw>
-              </a:effectLst>
-              <a:latin typeface="微軟正黑體" panose="020B0604030504040204" pitchFamily="34" charset="-120"/>
-              <a:ea typeface="微軟正黑體" panose="020B0604030504040204" pitchFamily="34" charset="-120"/>
-              <a:cs typeface="Heiti TC Light"/>
-            </a:endParaRPr>
-          </a:p>
-          <a:p>
-            <a:pPr marL="176213" indent="-176213">
-              <a:buFont typeface="Arial" panose="020B0604020202020204" pitchFamily="34" charset="0"/>
-              <a:buChar char="•"/>
-            </a:pPr>
-            <a:r>
-              <a:rPr kumimoji="1" lang="zh-TW" altLang="en-US" sz="4000" b="1" dirty="0" smtClean="0">
-                <a:effectLst>
-                  <a:outerShdw blurRad="38100" dist="38100" dir="2700000" algn="tl">
-                    <a:srgbClr val="000000">
-                      <a:alpha val="43137"/>
-                    </a:srgbClr>
-                  </a:outerShdw>
-                </a:effectLst>
-                <a:latin typeface="微軟正黑體" panose="020B0604030504040204" pitchFamily="34" charset="-120"/>
-                <a:ea typeface="微軟正黑體" panose="020B0604030504040204" pitchFamily="34" charset="-120"/>
-                <a:cs typeface="Heiti TC Light"/>
-              </a:rPr>
-              <a:t>內建常用的</a:t>
-            </a:r>
-            <a:r>
-              <a:rPr kumimoji="1" lang="en-US" altLang="zh-TW" sz="4000" b="1" dirty="0" smtClean="0">
-                <a:effectLst>
-                  <a:outerShdw blurRad="38100" dist="38100" dir="2700000" algn="tl">
-                    <a:srgbClr val="000000">
-                      <a:alpha val="43137"/>
-                    </a:srgbClr>
-                  </a:outerShdw>
-                </a:effectLst>
-                <a:latin typeface="微軟正黑體" panose="020B0604030504040204" pitchFamily="34" charset="-120"/>
-                <a:ea typeface="微軟正黑體" panose="020B0604030504040204" pitchFamily="34" charset="-120"/>
-                <a:cs typeface="Heiti TC Light"/>
-              </a:rPr>
-              <a:t>AI</a:t>
-            </a:r>
-            <a:r>
-              <a:rPr kumimoji="1" lang="zh-TW" altLang="en-US" sz="4000" b="1" dirty="0" smtClean="0">
-                <a:effectLst>
-                  <a:outerShdw blurRad="38100" dist="38100" dir="2700000" algn="tl">
-                    <a:srgbClr val="000000">
-                      <a:alpha val="43137"/>
-                    </a:srgbClr>
-                  </a:outerShdw>
-                </a:effectLst>
-                <a:latin typeface="微軟正黑體" panose="020B0604030504040204" pitchFamily="34" charset="-120"/>
-                <a:ea typeface="微軟正黑體" panose="020B0604030504040204" pitchFamily="34" charset="-120"/>
-                <a:cs typeface="Heiti TC Light"/>
-              </a:rPr>
-              <a:t>模組</a:t>
-            </a:r>
-            <a:r>
-              <a:rPr kumimoji="1" lang="en-US" altLang="zh-TW" sz="4000" b="1" dirty="0" smtClean="0">
-                <a:effectLst>
-                  <a:outerShdw blurRad="38100" dist="38100" dir="2700000" algn="tl">
-                    <a:srgbClr val="000000">
-                      <a:alpha val="43137"/>
-                    </a:srgbClr>
-                  </a:outerShdw>
-                </a:effectLst>
-                <a:latin typeface="微軟正黑體" panose="020B0604030504040204" pitchFamily="34" charset="-120"/>
-                <a:ea typeface="微軟正黑體" panose="020B0604030504040204" pitchFamily="34" charset="-120"/>
-                <a:cs typeface="Heiti TC Light"/>
-              </a:rPr>
-              <a:t>/</a:t>
-            </a:r>
-            <a:r>
-              <a:rPr kumimoji="1" lang="zh-TW" altLang="en-US" sz="4000" b="1" dirty="0" smtClean="0">
-                <a:effectLst>
-                  <a:outerShdw blurRad="38100" dist="38100" dir="2700000" algn="tl">
-                    <a:srgbClr val="000000">
-                      <a:alpha val="43137"/>
-                    </a:srgbClr>
-                  </a:outerShdw>
-                </a:effectLst>
-                <a:latin typeface="微軟正黑體" panose="020B0604030504040204" pitchFamily="34" charset="-120"/>
-                <a:ea typeface="微軟正黑體" panose="020B0604030504040204" pitchFamily="34" charset="-120"/>
-                <a:cs typeface="Heiti TC Light"/>
-              </a:rPr>
-              <a:t>套件</a:t>
-            </a:r>
-            <a:endParaRPr kumimoji="1" lang="en-US" altLang="zh-TW" sz="4000" b="1" dirty="0" smtClean="0">
-              <a:effectLst>
-                <a:outerShdw blurRad="38100" dist="38100" dir="2700000" algn="tl">
-                  <a:srgbClr val="000000">
-                    <a:alpha val="43137"/>
-                  </a:srgbClr>
-                </a:outerShdw>
-              </a:effectLst>
-              <a:latin typeface="微軟正黑體" panose="020B0604030504040204" pitchFamily="34" charset="-120"/>
-              <a:ea typeface="微軟正黑體" panose="020B0604030504040204" pitchFamily="34" charset="-120"/>
-              <a:cs typeface="Heiti TC Light"/>
-            </a:endParaRPr>
-          </a:p>
-          <a:p>
-            <a:pPr marL="176213" indent="-176213">
-              <a:buFont typeface="Arial" panose="020B0604020202020204" pitchFamily="34" charset="0"/>
-              <a:buChar char="•"/>
-            </a:pPr>
-            <a:r>
-              <a:rPr kumimoji="1" lang="zh-TW" altLang="en-US" sz="4000" b="1" dirty="0" smtClean="0">
-                <a:effectLst>
-                  <a:outerShdw blurRad="38100" dist="38100" dir="2700000" algn="tl">
-                    <a:srgbClr val="000000">
-                      <a:alpha val="43137"/>
-                    </a:srgbClr>
-                  </a:outerShdw>
-                </a:effectLst>
-                <a:latin typeface="微軟正黑體" panose="020B0604030504040204" pitchFamily="34" charset="-120"/>
-                <a:ea typeface="微軟正黑體" panose="020B0604030504040204" pitchFamily="34" charset="-120"/>
-                <a:cs typeface="Heiti TC Light"/>
-              </a:rPr>
-              <a:t>可建立不同版本的</a:t>
-            </a:r>
-            <a:r>
-              <a:rPr kumimoji="1" lang="en-US" altLang="zh-TW" sz="4000" b="1" dirty="0" err="1" smtClean="0">
-                <a:effectLst>
-                  <a:outerShdw blurRad="38100" dist="38100" dir="2700000" algn="tl">
-                    <a:srgbClr val="000000">
-                      <a:alpha val="43137"/>
-                    </a:srgbClr>
-                  </a:outerShdw>
-                </a:effectLst>
-                <a:latin typeface="微軟正黑體" panose="020B0604030504040204" pitchFamily="34" charset="-120"/>
-                <a:ea typeface="微軟正黑體" panose="020B0604030504040204" pitchFamily="34" charset="-120"/>
-                <a:cs typeface="Heiti TC Light"/>
-              </a:rPr>
-              <a:t>pytorch</a:t>
-            </a:r>
-            <a:r>
-              <a:rPr kumimoji="1" lang="zh-TW" altLang="en-US" sz="4000" b="1" dirty="0" smtClean="0">
-                <a:effectLst>
-                  <a:outerShdw blurRad="38100" dist="38100" dir="2700000" algn="tl">
-                    <a:srgbClr val="000000">
-                      <a:alpha val="43137"/>
-                    </a:srgbClr>
-                  </a:outerShdw>
-                </a:effectLst>
-                <a:latin typeface="微軟正黑體" panose="020B0604030504040204" pitchFamily="34" charset="-120"/>
-                <a:ea typeface="微軟正黑體" panose="020B0604030504040204" pitchFamily="34" charset="-120"/>
-                <a:cs typeface="Heiti TC Light"/>
-              </a:rPr>
-              <a:t>環境</a:t>
-            </a:r>
-            <a:endParaRPr kumimoji="1" lang="en-US" altLang="zh-TW" sz="4000" b="1" dirty="0" smtClean="0">
-              <a:effectLst>
-                <a:outerShdw blurRad="38100" dist="38100" dir="2700000" algn="tl">
-                  <a:srgbClr val="000000">
-                    <a:alpha val="43137"/>
-                  </a:srgbClr>
-                </a:outerShdw>
-              </a:effectLst>
-              <a:latin typeface="微軟正黑體" panose="020B0604030504040204" pitchFamily="34" charset="-120"/>
-              <a:ea typeface="微軟正黑體" panose="020B0604030504040204" pitchFamily="34" charset="-120"/>
-              <a:cs typeface="Heiti TC Light"/>
-            </a:endParaRPr>
-          </a:p>
-          <a:p>
-            <a:pPr marL="176213" indent="-176213">
-              <a:buFont typeface="Arial" panose="020B0604020202020204" pitchFamily="34" charset="0"/>
-              <a:buChar char="•"/>
-            </a:pPr>
-            <a:r>
-              <a:rPr kumimoji="1" lang="zh-TW" altLang="en-US" sz="4000" b="1" dirty="0" smtClean="0">
-                <a:effectLst>
-                  <a:outerShdw blurRad="38100" dist="38100" dir="2700000" algn="tl">
-                    <a:srgbClr val="000000">
-                      <a:alpha val="43137"/>
-                    </a:srgbClr>
-                  </a:outerShdw>
-                </a:effectLst>
-                <a:latin typeface="微軟正黑體" panose="020B0604030504040204" pitchFamily="34" charset="-120"/>
-                <a:ea typeface="微軟正黑體" panose="020B0604030504040204" pitchFamily="34" charset="-120"/>
-                <a:cs typeface="Heiti TC Light"/>
-              </a:rPr>
-              <a:t>不同環境間也可安裝共用模組</a:t>
-            </a:r>
-            <a:endParaRPr kumimoji="1" lang="en-US" altLang="zh-TW" sz="4000" b="1" dirty="0" smtClean="0">
-              <a:effectLst>
-                <a:outerShdw blurRad="38100" dist="38100" dir="2700000" algn="tl">
-                  <a:srgbClr val="000000">
-                    <a:alpha val="43137"/>
-                  </a:srgbClr>
-                </a:outerShdw>
-              </a:effectLst>
-              <a:latin typeface="微軟正黑體" panose="020B0604030504040204" pitchFamily="34" charset="-120"/>
-              <a:ea typeface="微軟正黑體" panose="020B0604030504040204" pitchFamily="34" charset="-120"/>
-              <a:cs typeface="Heiti TC Light"/>
-            </a:endParaRPr>
-          </a:p>
-          <a:p>
-            <a:pPr marL="176213" indent="-176213">
-              <a:buFont typeface="Arial" panose="020B0604020202020204" pitchFamily="34" charset="0"/>
-              <a:buChar char="•"/>
-            </a:pPr>
-            <a:r>
-              <a:rPr kumimoji="1" lang="zh-TW" altLang="en-US" sz="4000" b="1" dirty="0" smtClean="0">
-                <a:effectLst>
-                  <a:outerShdw blurRad="38100" dist="38100" dir="2700000" algn="tl">
-                    <a:srgbClr val="000000">
-                      <a:alpha val="43137"/>
-                    </a:srgbClr>
-                  </a:outerShdw>
-                </a:effectLst>
-                <a:latin typeface="微軟正黑體" panose="020B0604030504040204" pitchFamily="34" charset="-120"/>
-                <a:ea typeface="微軟正黑體" panose="020B0604030504040204" pitchFamily="34" charset="-120"/>
-                <a:cs typeface="Heiti TC Light"/>
-              </a:rPr>
-              <a:t>有支援全圖型的</a:t>
-            </a:r>
-            <a:r>
-              <a:rPr kumimoji="1" lang="en-US" altLang="zh-TW" sz="4000" b="1" dirty="0" err="1" smtClean="0">
-                <a:effectLst>
-                  <a:outerShdw blurRad="38100" dist="38100" dir="2700000" algn="tl">
-                    <a:srgbClr val="000000">
-                      <a:alpha val="43137"/>
-                    </a:srgbClr>
-                  </a:outerShdw>
-                </a:effectLst>
-                <a:latin typeface="微軟正黑體" panose="020B0604030504040204" pitchFamily="34" charset="-120"/>
-                <a:ea typeface="微軟正黑體" panose="020B0604030504040204" pitchFamily="34" charset="-120"/>
-                <a:cs typeface="Heiti TC Light"/>
-              </a:rPr>
-              <a:t>Spyder</a:t>
-            </a:r>
-            <a:r>
-              <a:rPr kumimoji="1" lang="zh-TW" altLang="en-US" sz="4000" b="1" dirty="0" smtClean="0">
-                <a:effectLst>
-                  <a:outerShdw blurRad="38100" dist="38100" dir="2700000" algn="tl">
-                    <a:srgbClr val="000000">
-                      <a:alpha val="43137"/>
-                    </a:srgbClr>
-                  </a:outerShdw>
-                </a:effectLst>
-                <a:latin typeface="微軟正黑體" panose="020B0604030504040204" pitchFamily="34" charset="-120"/>
-                <a:ea typeface="微軟正黑體" panose="020B0604030504040204" pitchFamily="34" charset="-120"/>
-                <a:cs typeface="Heiti TC Light"/>
-              </a:rPr>
-              <a:t>開發環境</a:t>
-            </a:r>
-            <a:endParaRPr kumimoji="1" lang="en-US" altLang="zh-TW" sz="4000" b="1" dirty="0" smtClean="0">
-              <a:effectLst>
-                <a:outerShdw blurRad="38100" dist="38100" dir="2700000" algn="tl">
-                  <a:srgbClr val="000000">
-                    <a:alpha val="43137"/>
-                  </a:srgbClr>
-                </a:outerShdw>
-              </a:effectLst>
-              <a:latin typeface="微軟正黑體" panose="020B0604030504040204" pitchFamily="34" charset="-120"/>
-              <a:ea typeface="微軟正黑體" panose="020B0604030504040204" pitchFamily="34" charset="-120"/>
-              <a:cs typeface="Heiti TC Light"/>
-            </a:endParaRPr>
-          </a:p>
-          <a:p>
-            <a:pPr marL="176213" indent="-176213">
-              <a:buFont typeface="Arial" panose="020B0604020202020204" pitchFamily="34" charset="0"/>
-              <a:buChar char="•"/>
-            </a:pPr>
-            <a:r>
-              <a:rPr kumimoji="1" lang="zh-TW" altLang="en-US" sz="4000" b="1" dirty="0" smtClean="0">
-                <a:effectLst>
-                  <a:outerShdw blurRad="38100" dist="38100" dir="2700000" algn="tl">
-                    <a:srgbClr val="000000">
-                      <a:alpha val="43137"/>
-                    </a:srgbClr>
-                  </a:outerShdw>
-                </a:effectLst>
-                <a:latin typeface="微軟正黑體" panose="020B0604030504040204" pitchFamily="34" charset="-120"/>
-                <a:ea typeface="微軟正黑體" panose="020B0604030504040204" pitchFamily="34" charset="-120"/>
-                <a:cs typeface="Heiti TC Light"/>
-              </a:rPr>
-              <a:t>最好用的</a:t>
-            </a:r>
-            <a:r>
-              <a:rPr kumimoji="1" lang="en-US" altLang="zh-TW" sz="4000" b="1" dirty="0" err="1" smtClean="0">
-                <a:effectLst>
-                  <a:outerShdw blurRad="38100" dist="38100" dir="2700000" algn="tl">
-                    <a:srgbClr val="000000">
-                      <a:alpha val="43137"/>
-                    </a:srgbClr>
-                  </a:outerShdw>
-                </a:effectLst>
-                <a:latin typeface="微軟正黑體" panose="020B0604030504040204" pitchFamily="34" charset="-120"/>
-                <a:ea typeface="微軟正黑體" panose="020B0604030504040204" pitchFamily="34" charset="-120"/>
-                <a:cs typeface="Heiti TC Light"/>
-              </a:rPr>
-              <a:t>Jupyter</a:t>
-            </a:r>
-            <a:r>
-              <a:rPr kumimoji="1" lang="en-US" altLang="zh-TW" sz="4000" b="1" dirty="0" smtClean="0">
-                <a:effectLst>
-                  <a:outerShdw blurRad="38100" dist="38100" dir="2700000" algn="tl">
-                    <a:srgbClr val="000000">
-                      <a:alpha val="43137"/>
-                    </a:srgbClr>
-                  </a:outerShdw>
-                </a:effectLst>
-                <a:latin typeface="微軟正黑體" panose="020B0604030504040204" pitchFamily="34" charset="-120"/>
-                <a:ea typeface="微軟正黑體" panose="020B0604030504040204" pitchFamily="34" charset="-120"/>
-                <a:cs typeface="Heiti TC Light"/>
-              </a:rPr>
-              <a:t> </a:t>
-            </a:r>
-            <a:r>
-              <a:rPr kumimoji="1" lang="en-US" altLang="zh-TW" sz="4000" b="1" dirty="0" smtClean="0">
-                <a:effectLst>
-                  <a:outerShdw blurRad="38100" dist="38100" dir="2700000" algn="tl">
-                    <a:srgbClr val="000000">
-                      <a:alpha val="43137"/>
-                    </a:srgbClr>
-                  </a:outerShdw>
-                </a:effectLst>
-                <a:latin typeface="微軟正黑體" panose="020B0604030504040204" pitchFamily="34" charset="-120"/>
-                <a:ea typeface="微軟正黑體" panose="020B0604030504040204" pitchFamily="34" charset="-120"/>
-                <a:cs typeface="Heiti TC Light"/>
-              </a:rPr>
-              <a:t>notebook/lab</a:t>
-            </a:r>
-            <a:endParaRPr kumimoji="1" lang="en-US" altLang="zh-TW" sz="4000" b="1" dirty="0" smtClean="0">
-              <a:effectLst>
-                <a:outerShdw blurRad="38100" dist="38100" dir="2700000" algn="tl">
-                  <a:srgbClr val="000000">
-                    <a:alpha val="43137"/>
-                  </a:srgbClr>
-                </a:outerShdw>
-              </a:effectLst>
-              <a:latin typeface="微軟正黑體" panose="020B0604030504040204" pitchFamily="34" charset="-120"/>
-              <a:ea typeface="微軟正黑體" panose="020B0604030504040204" pitchFamily="34" charset="-120"/>
-              <a:cs typeface="Heiti TC Light"/>
-            </a:endParaRPr>
-          </a:p>
-          <a:p>
-            <a:pPr marL="176213" indent="-176213">
-              <a:buFont typeface="Arial" panose="020B0604020202020204" pitchFamily="34" charset="0"/>
-              <a:buChar char="•"/>
-            </a:pPr>
-            <a:r>
-              <a:rPr kumimoji="1" lang="zh-TW" altLang="en-US" sz="4000" b="1" dirty="0" smtClean="0">
-                <a:effectLst>
-                  <a:outerShdw blurRad="38100" dist="38100" dir="2700000" algn="tl">
-                    <a:srgbClr val="000000">
-                      <a:alpha val="43137"/>
-                    </a:srgbClr>
-                  </a:outerShdw>
-                </a:effectLst>
-                <a:latin typeface="微軟正黑體" panose="020B0604030504040204" pitchFamily="34" charset="-120"/>
-                <a:ea typeface="微軟正黑體" panose="020B0604030504040204" pitchFamily="34" charset="-120"/>
-                <a:cs typeface="Heiti TC Light"/>
-              </a:rPr>
-              <a:t>本機不用預裝</a:t>
-            </a:r>
-            <a:r>
-              <a:rPr kumimoji="1" lang="en-US" altLang="zh-TW" sz="4000" b="1" dirty="0" smtClean="0">
-                <a:effectLst>
-                  <a:outerShdw blurRad="38100" dist="38100" dir="2700000" algn="tl">
-                    <a:srgbClr val="000000">
-                      <a:alpha val="43137"/>
-                    </a:srgbClr>
-                  </a:outerShdw>
-                </a:effectLst>
-                <a:latin typeface="微軟正黑體" panose="020B0604030504040204" pitchFamily="34" charset="-120"/>
-                <a:ea typeface="微軟正黑體" panose="020B0604030504040204" pitchFamily="34" charset="-120"/>
-                <a:cs typeface="Heiti TC Light"/>
-              </a:rPr>
-              <a:t>python</a:t>
-            </a:r>
-          </a:p>
-          <a:p>
-            <a:pPr marL="176213" indent="-176213">
-              <a:buFont typeface="Arial" panose="020B0604020202020204" pitchFamily="34" charset="0"/>
-              <a:buChar char="•"/>
-            </a:pPr>
-            <a:r>
-              <a:rPr kumimoji="1" lang="zh-TW" altLang="en-US" sz="4000" b="1" dirty="0" smtClean="0">
-                <a:effectLst>
-                  <a:outerShdw blurRad="38100" dist="38100" dir="2700000" algn="tl">
-                    <a:srgbClr val="000000">
-                      <a:alpha val="43137"/>
-                    </a:srgbClr>
-                  </a:outerShdw>
-                </a:effectLst>
-                <a:latin typeface="微軟正黑體" panose="020B0604030504040204" pitchFamily="34" charset="-120"/>
-                <a:ea typeface="微軟正黑體" panose="020B0604030504040204" pitchFamily="34" charset="-120"/>
-                <a:cs typeface="Heiti TC Light"/>
-              </a:rPr>
-              <a:t>使用</a:t>
-            </a:r>
-            <a:r>
-              <a:rPr kumimoji="1" lang="en-US" altLang="zh-TW" sz="4000" b="1" dirty="0" err="1" smtClean="0">
-                <a:effectLst>
-                  <a:outerShdw blurRad="38100" dist="38100" dir="2700000" algn="tl">
-                    <a:srgbClr val="000000">
-                      <a:alpha val="43137"/>
-                    </a:srgbClr>
-                  </a:outerShdw>
-                </a:effectLst>
-                <a:latin typeface="微軟正黑體" panose="020B0604030504040204" pitchFamily="34" charset="-120"/>
-                <a:ea typeface="微軟正黑體" panose="020B0604030504040204" pitchFamily="34" charset="-120"/>
-                <a:cs typeface="Heiti TC Light"/>
-              </a:rPr>
-              <a:t>conda</a:t>
-            </a:r>
-            <a:r>
-              <a:rPr kumimoji="1" lang="zh-TW" altLang="en-US" sz="4000" b="1" dirty="0" smtClean="0">
-                <a:effectLst>
-                  <a:outerShdw blurRad="38100" dist="38100" dir="2700000" algn="tl">
-                    <a:srgbClr val="000000">
-                      <a:alpha val="43137"/>
-                    </a:srgbClr>
-                  </a:outerShdw>
-                </a:effectLst>
-                <a:latin typeface="微軟正黑體" panose="020B0604030504040204" pitchFamily="34" charset="-120"/>
-                <a:ea typeface="微軟正黑體" panose="020B0604030504040204" pitchFamily="34" charset="-120"/>
-                <a:cs typeface="Heiti TC Light"/>
-              </a:rPr>
-              <a:t>或</a:t>
-            </a:r>
-            <a:r>
-              <a:rPr kumimoji="1" lang="en-US" altLang="zh-TW" sz="4000" b="1" dirty="0" smtClean="0">
-                <a:effectLst>
-                  <a:outerShdw blurRad="38100" dist="38100" dir="2700000" algn="tl">
-                    <a:srgbClr val="000000">
-                      <a:alpha val="43137"/>
-                    </a:srgbClr>
-                  </a:outerShdw>
-                </a:effectLst>
-                <a:latin typeface="微軟正黑體" panose="020B0604030504040204" pitchFamily="34" charset="-120"/>
-                <a:ea typeface="微軟正黑體" panose="020B0604030504040204" pitchFamily="34" charset="-120"/>
-                <a:cs typeface="Heiti TC Light"/>
-              </a:rPr>
-              <a:t>pip</a:t>
-            </a:r>
-            <a:r>
-              <a:rPr kumimoji="1" lang="zh-TW" altLang="en-US" sz="4000" b="1" dirty="0" smtClean="0">
-                <a:effectLst>
-                  <a:outerShdw blurRad="38100" dist="38100" dir="2700000" algn="tl">
-                    <a:srgbClr val="000000">
-                      <a:alpha val="43137"/>
-                    </a:srgbClr>
-                  </a:outerShdw>
-                </a:effectLst>
-                <a:latin typeface="微軟正黑體" panose="020B0604030504040204" pitchFamily="34" charset="-120"/>
-                <a:ea typeface="微軟正黑體" panose="020B0604030504040204" pitchFamily="34" charset="-120"/>
-                <a:cs typeface="Heiti TC Light"/>
-              </a:rPr>
-              <a:t>安裝模組</a:t>
-            </a:r>
-            <a:endParaRPr kumimoji="1" lang="en-US" altLang="zh-TW" sz="4000" b="1" dirty="0">
-              <a:effectLst>
-                <a:outerShdw blurRad="38100" dist="38100" dir="2700000" algn="tl">
-                  <a:srgbClr val="000000">
-                    <a:alpha val="43137"/>
-                  </a:srgbClr>
-                </a:outerShdw>
-              </a:effectLst>
-              <a:latin typeface="微軟正黑體" panose="020B0604030504040204" pitchFamily="34" charset="-120"/>
-              <a:ea typeface="微軟正黑體" panose="020B0604030504040204" pitchFamily="34" charset="-120"/>
-              <a:cs typeface="Heiti TC Light"/>
-            </a:endParaRPr>
-          </a:p>
-        </p:txBody>
-      </p:sp>
-      <p:sp>
-        <p:nvSpPr>
-          <p:cNvPr id="6" name="文字版面配置區 2"/>
-          <p:cNvSpPr>
-            <a:spLocks noGrp="1"/>
-          </p:cNvSpPr>
-          <p:nvPr>
-            <p:ph type="body" sz="quarter" idx="11"/>
-          </p:nvPr>
-        </p:nvSpPr>
-        <p:spPr>
-          <a:xfrm>
-            <a:off x="1447800" y="228600"/>
-            <a:ext cx="6629400" cy="990600"/>
+            <a:off x="838200" y="3200400"/>
+            <a:ext cx="7620000" cy="990600"/>
           </a:xfrm>
         </p:spPr>
         <p:txBody>
           <a:bodyPr/>
           <a:lstStyle/>
           <a:p>
+            <a:pPr algn="ctr"/>
+            <a:r>
+              <a:rPr lang="zh-TW" altLang="en-US" sz="4800" b="1" dirty="0" smtClean="0">
+                <a:solidFill>
+                  <a:srgbClr val="00B0F0"/>
+                </a:solidFill>
+                <a:effectLst>
+                  <a:outerShdw blurRad="38100" dist="38100" dir="2700000" algn="tl">
+                    <a:srgbClr val="000000">
+                      <a:alpha val="43137"/>
+                    </a:srgbClr>
+                  </a:outerShdw>
+                </a:effectLst>
+                <a:latin typeface="微軟正黑體" panose="020B0604030504040204" pitchFamily="34" charset="-120"/>
+                <a:ea typeface="微軟正黑體" panose="020B0604030504040204" pitchFamily="34" charset="-120"/>
+              </a:rPr>
+              <a:t>利用</a:t>
+            </a:r>
+            <a:r>
+              <a:rPr lang="en-US" altLang="zh-TW" sz="4800" b="1" dirty="0" smtClean="0">
+                <a:solidFill>
+                  <a:srgbClr val="00B0F0"/>
+                </a:solidFill>
+                <a:effectLst>
+                  <a:outerShdw blurRad="38100" dist="38100" dir="2700000" algn="tl">
+                    <a:srgbClr val="000000">
+                      <a:alpha val="43137"/>
+                    </a:srgbClr>
+                  </a:outerShdw>
+                </a:effectLst>
+                <a:latin typeface="微軟正黑體" panose="020B0604030504040204" pitchFamily="34" charset="-120"/>
+                <a:ea typeface="微軟正黑體" panose="020B0604030504040204" pitchFamily="34" charset="-120"/>
+              </a:rPr>
+              <a:t>Anaconda</a:t>
+            </a:r>
+          </a:p>
+          <a:p>
             <a:pPr algn="just"/>
+            <a:r>
+              <a:rPr lang="zh-TW" altLang="en-US" sz="4800" b="1" dirty="0" smtClean="0">
+                <a:solidFill>
+                  <a:srgbClr val="00B0F0"/>
+                </a:solidFill>
+                <a:effectLst>
+                  <a:outerShdw blurRad="38100" dist="38100" dir="2700000" algn="tl">
+                    <a:srgbClr val="000000">
+                      <a:alpha val="43137"/>
+                    </a:srgbClr>
+                  </a:outerShdw>
+                </a:effectLst>
+                <a:latin typeface="微軟正黑體" panose="020B0604030504040204" pitchFamily="34" charset="-120"/>
+                <a:ea typeface="微軟正黑體" panose="020B0604030504040204" pitchFamily="34" charset="-120"/>
+              </a:rPr>
+              <a:t>建立</a:t>
+            </a:r>
             <a:r>
               <a:rPr lang="en-US" altLang="zh-TW" sz="4800" b="1" dirty="0" err="1" smtClean="0">
                 <a:solidFill>
@@ -16968,10 +16421,10 @@
                 <a:latin typeface="微軟正黑體" panose="020B0604030504040204" pitchFamily="34" charset="-120"/>
                 <a:ea typeface="微軟正黑體" panose="020B0604030504040204" pitchFamily="34" charset="-120"/>
               </a:rPr>
-              <a:t>Conda</a:t>
-            </a:r>
-            <a:r>
-              <a:rPr lang="en-US" altLang="zh-TW" sz="4800" b="1" dirty="0" smtClean="0">
+              <a:t>Pytorch</a:t>
+            </a:r>
+            <a:r>
+              <a:rPr lang="zh-TW" altLang="en-US" sz="4800" b="1" dirty="0" smtClean="0">
                 <a:solidFill>
                   <a:srgbClr val="00B0F0"/>
                 </a:solidFill>
@@ -16985,24 +16438,7 @@
                 <a:latin typeface="微軟正黑體" panose="020B0604030504040204" pitchFamily="34" charset="-120"/>
                 <a:ea typeface="微軟正黑體" panose="020B0604030504040204" pitchFamily="34" charset="-120"/>
               </a:rPr>
-              <a:t> with </a:t>
-            </a:r>
-            <a:r>
-              <a:rPr lang="en-US" altLang="zh-TW" sz="4800" b="1" dirty="0" err="1" smtClean="0">
-                <a:solidFill>
-                  <a:srgbClr val="00B0F0"/>
-                </a:solidFill>
-                <a:effectLst>
-                  <a:outerShdw blurRad="38100" dist="38100" dir="2700000" algn="tl">
-                    <a:srgbClr val="000000">
-                      <a:alpha val="43137"/>
-                    </a:srgbClr>
-                  </a:outerShdw>
-                </a:effectLst>
-                <a:latin typeface="微軟正黑體" panose="020B0604030504040204" pitchFamily="34" charset="-120"/>
-                <a:ea typeface="微軟正黑體" panose="020B0604030504040204" pitchFamily="34" charset="-120"/>
-              </a:rPr>
-              <a:t>Pytorch</a:t>
+              <a:t>完整開發環境</a:t>
             </a:r>
             <a:endParaRPr lang="zh-TW" altLang="en-US" sz="4800" b="1" dirty="0">
               <a:solidFill>
@@ -17024,7 +16460,7 @@
     </p:spTree>
     <p:extLst>
       <p:ext uri="{BB962C8B-B14F-4D97-AF65-F5344CB8AC3E}">
-        <p14:creationId xmlns="" xmlns:p14="http://schemas.microsoft.com/office/powerpoint/2010/main" val="522405798"/>
+        <p14:creationId xmlns:p14="http://schemas.microsoft.com/office/powerpoint/2010/main" xmlns="" val="3907764274"/>
       </p:ext>
     </p:extLst>
   </p:cSld>
@@ -17063,25 +16499,558 @@
       </p:grpSpPr>
       <p:sp>
         <p:nvSpPr>
-          <p:cNvPr id="3" name="文字版面配置區 2"/>
-          <p:cNvSpPr>
-            <a:spLocks noGrp="1"/>
-          </p:cNvSpPr>
-          <p:nvPr>
-            <p:ph type="body" sz="quarter" idx="11"/>
-          </p:nvPr>
+          <p:cNvPr id="5" name="文字方塊 4"/>
+          <p:cNvSpPr txBox="1"/>
+          <p:nvPr/>
         </p:nvSpPr>
         <p:spPr>
           <a:xfrm>
-            <a:off x="1371600" y="3276600"/>
-            <a:ext cx="6858000" cy="990600"/>
+            <a:off x="685800" y="1524000"/>
+            <a:ext cx="8077200" cy="5016758"/>
+          </a:xfrm>
+          <a:prstGeom prst="rect">
+            <a:avLst/>
+          </a:prstGeom>
+          <a:noFill/>
+        </p:spPr>
+        <p:txBody>
+          <a:bodyPr wrap="square" rtlCol="0">
+            <a:spAutoFit/>
+          </a:bodyPr>
+          <a:lstStyle/>
+          <a:p>
+            <a:pPr marL="176213" indent="-176213">
+              <a:buFont typeface="Arial" panose="020B0604020202020204" pitchFamily="34" charset="0"/>
+              <a:buChar char="•"/>
+            </a:pPr>
+            <a:r>
+              <a:rPr kumimoji="1" lang="en-US" altLang="zh-TW" sz="4000" b="1" dirty="0" err="1" smtClean="0">
+                <a:effectLst>
+                  <a:outerShdw blurRad="38100" dist="38100" dir="2700000" algn="tl">
+                    <a:srgbClr val="000000">
+                      <a:alpha val="43137"/>
+                    </a:srgbClr>
+                  </a:outerShdw>
+                </a:effectLst>
+                <a:latin typeface="微軟正黑體" panose="020B0604030504040204" pitchFamily="34" charset="-120"/>
+                <a:ea typeface="微軟正黑體" panose="020B0604030504040204" pitchFamily="34" charset="-120"/>
+                <a:cs typeface="Heiti TC Light"/>
+              </a:rPr>
+              <a:t>Conda</a:t>
+            </a:r>
+            <a:r>
+              <a:rPr kumimoji="1" lang="zh-TW" altLang="en-US" sz="4000" b="1" dirty="0" smtClean="0">
+                <a:effectLst>
+                  <a:outerShdw blurRad="38100" dist="38100" dir="2700000" algn="tl">
+                    <a:srgbClr val="000000">
+                      <a:alpha val="43137"/>
+                    </a:srgbClr>
+                  </a:outerShdw>
+                </a:effectLst>
+                <a:latin typeface="微軟正黑體" panose="020B0604030504040204" pitchFamily="34" charset="-120"/>
+                <a:ea typeface="微軟正黑體" panose="020B0604030504040204" pitchFamily="34" charset="-120"/>
+                <a:cs typeface="Heiti TC Light"/>
+              </a:rPr>
+              <a:t>：</a:t>
+            </a:r>
+            <a:r>
+              <a:rPr kumimoji="1" lang="en-US" altLang="zh-TW" sz="4000" b="1" dirty="0" smtClean="0">
+                <a:effectLst>
+                  <a:outerShdw blurRad="38100" dist="38100" dir="2700000" algn="tl">
+                    <a:srgbClr val="000000">
+                      <a:alpha val="43137"/>
+                    </a:srgbClr>
+                  </a:outerShdw>
+                </a:effectLst>
+                <a:latin typeface="微軟正黑體" panose="020B0604030504040204" pitchFamily="34" charset="-120"/>
+                <a:ea typeface="微軟正黑體" panose="020B0604030504040204" pitchFamily="34" charset="-120"/>
+                <a:cs typeface="Heiti TC Light"/>
+              </a:rPr>
+              <a:t>python</a:t>
+            </a:r>
+            <a:r>
+              <a:rPr kumimoji="1" lang="zh-TW" altLang="en-US" sz="4000" b="1" dirty="0" smtClean="0">
+                <a:effectLst>
+                  <a:outerShdw blurRad="38100" dist="38100" dir="2700000" algn="tl">
+                    <a:srgbClr val="000000">
+                      <a:alpha val="43137"/>
+                    </a:srgbClr>
+                  </a:outerShdw>
+                </a:effectLst>
+                <a:latin typeface="微軟正黑體" panose="020B0604030504040204" pitchFamily="34" charset="-120"/>
+                <a:ea typeface="微軟正黑體" panose="020B0604030504040204" pitchFamily="34" charset="-120"/>
+                <a:cs typeface="Heiti TC Light"/>
+              </a:rPr>
+              <a:t>環境管理工具</a:t>
+            </a:r>
+            <a:endParaRPr kumimoji="1" lang="en-US" altLang="zh-TW" sz="4000" b="1" dirty="0" smtClean="0">
+              <a:effectLst>
+                <a:outerShdw blurRad="38100" dist="38100" dir="2700000" algn="tl">
+                  <a:srgbClr val="000000">
+                    <a:alpha val="43137"/>
+                  </a:srgbClr>
+                </a:outerShdw>
+              </a:effectLst>
+              <a:latin typeface="微軟正黑體" panose="020B0604030504040204" pitchFamily="34" charset="-120"/>
+              <a:ea typeface="微軟正黑體" panose="020B0604030504040204" pitchFamily="34" charset="-120"/>
+              <a:cs typeface="Heiti TC Light"/>
+            </a:endParaRPr>
+          </a:p>
+          <a:p>
+            <a:pPr marL="176213" indent="-176213">
+              <a:buFont typeface="Arial" panose="020B0604020202020204" pitchFamily="34" charset="0"/>
+              <a:buChar char="•"/>
+            </a:pPr>
+            <a:r>
+              <a:rPr kumimoji="1" lang="zh-TW" altLang="en-US" sz="4000" b="1" dirty="0" smtClean="0">
+                <a:effectLst>
+                  <a:outerShdw blurRad="38100" dist="38100" dir="2700000" algn="tl">
+                    <a:srgbClr val="000000">
+                      <a:alpha val="43137"/>
+                    </a:srgbClr>
+                  </a:outerShdw>
+                </a:effectLst>
+                <a:latin typeface="微軟正黑體" panose="020B0604030504040204" pitchFamily="34" charset="-120"/>
+                <a:ea typeface="微軟正黑體" panose="020B0604030504040204" pitchFamily="34" charset="-120"/>
+                <a:cs typeface="Heiti TC Light"/>
+              </a:rPr>
+              <a:t>內建常用的</a:t>
+            </a:r>
+            <a:r>
+              <a:rPr kumimoji="1" lang="en-US" altLang="zh-TW" sz="4000" b="1" dirty="0" smtClean="0">
+                <a:effectLst>
+                  <a:outerShdw blurRad="38100" dist="38100" dir="2700000" algn="tl">
+                    <a:srgbClr val="000000">
+                      <a:alpha val="43137"/>
+                    </a:srgbClr>
+                  </a:outerShdw>
+                </a:effectLst>
+                <a:latin typeface="微軟正黑體" panose="020B0604030504040204" pitchFamily="34" charset="-120"/>
+                <a:ea typeface="微軟正黑體" panose="020B0604030504040204" pitchFamily="34" charset="-120"/>
+                <a:cs typeface="Heiti TC Light"/>
+              </a:rPr>
+              <a:t>AI</a:t>
+            </a:r>
+            <a:r>
+              <a:rPr kumimoji="1" lang="zh-TW" altLang="en-US" sz="4000" b="1" dirty="0" smtClean="0">
+                <a:effectLst>
+                  <a:outerShdw blurRad="38100" dist="38100" dir="2700000" algn="tl">
+                    <a:srgbClr val="000000">
+                      <a:alpha val="43137"/>
+                    </a:srgbClr>
+                  </a:outerShdw>
+                </a:effectLst>
+                <a:latin typeface="微軟正黑體" panose="020B0604030504040204" pitchFamily="34" charset="-120"/>
+                <a:ea typeface="微軟正黑體" panose="020B0604030504040204" pitchFamily="34" charset="-120"/>
+                <a:cs typeface="Heiti TC Light"/>
+              </a:rPr>
+              <a:t>模組</a:t>
+            </a:r>
+            <a:r>
+              <a:rPr kumimoji="1" lang="en-US" altLang="zh-TW" sz="4000" b="1" dirty="0" smtClean="0">
+                <a:effectLst>
+                  <a:outerShdw blurRad="38100" dist="38100" dir="2700000" algn="tl">
+                    <a:srgbClr val="000000">
+                      <a:alpha val="43137"/>
+                    </a:srgbClr>
+                  </a:outerShdw>
+                </a:effectLst>
+                <a:latin typeface="微軟正黑體" panose="020B0604030504040204" pitchFamily="34" charset="-120"/>
+                <a:ea typeface="微軟正黑體" panose="020B0604030504040204" pitchFamily="34" charset="-120"/>
+                <a:cs typeface="Heiti TC Light"/>
+              </a:rPr>
+              <a:t>/</a:t>
+            </a:r>
+            <a:r>
+              <a:rPr kumimoji="1" lang="zh-TW" altLang="en-US" sz="4000" b="1" dirty="0" smtClean="0">
+                <a:effectLst>
+                  <a:outerShdw blurRad="38100" dist="38100" dir="2700000" algn="tl">
+                    <a:srgbClr val="000000">
+                      <a:alpha val="43137"/>
+                    </a:srgbClr>
+                  </a:outerShdw>
+                </a:effectLst>
+                <a:latin typeface="微軟正黑體" panose="020B0604030504040204" pitchFamily="34" charset="-120"/>
+                <a:ea typeface="微軟正黑體" panose="020B0604030504040204" pitchFamily="34" charset="-120"/>
+                <a:cs typeface="Heiti TC Light"/>
+              </a:rPr>
+              <a:t>套件</a:t>
+            </a:r>
+            <a:endParaRPr kumimoji="1" lang="en-US" altLang="zh-TW" sz="4000" b="1" dirty="0" smtClean="0">
+              <a:effectLst>
+                <a:outerShdw blurRad="38100" dist="38100" dir="2700000" algn="tl">
+                  <a:srgbClr val="000000">
+                    <a:alpha val="43137"/>
+                  </a:srgbClr>
+                </a:outerShdw>
+              </a:effectLst>
+              <a:latin typeface="微軟正黑體" panose="020B0604030504040204" pitchFamily="34" charset="-120"/>
+              <a:ea typeface="微軟正黑體" panose="020B0604030504040204" pitchFamily="34" charset="-120"/>
+              <a:cs typeface="Heiti TC Light"/>
+            </a:endParaRPr>
+          </a:p>
+          <a:p>
+            <a:pPr marL="176213" indent="-176213">
+              <a:buFont typeface="Arial" panose="020B0604020202020204" pitchFamily="34" charset="0"/>
+              <a:buChar char="•"/>
+            </a:pPr>
+            <a:r>
+              <a:rPr kumimoji="1" lang="zh-TW" altLang="en-US" sz="4000" b="1" dirty="0" smtClean="0">
+                <a:effectLst>
+                  <a:outerShdw blurRad="38100" dist="38100" dir="2700000" algn="tl">
+                    <a:srgbClr val="000000">
+                      <a:alpha val="43137"/>
+                    </a:srgbClr>
+                  </a:outerShdw>
+                </a:effectLst>
+                <a:latin typeface="微軟正黑體" panose="020B0604030504040204" pitchFamily="34" charset="-120"/>
+                <a:ea typeface="微軟正黑體" panose="020B0604030504040204" pitchFamily="34" charset="-120"/>
+                <a:cs typeface="Heiti TC Light"/>
+              </a:rPr>
+              <a:t>可建立不同版本的</a:t>
+            </a:r>
+            <a:r>
+              <a:rPr kumimoji="1" lang="en-US" altLang="zh-TW" sz="4000" b="1" dirty="0" err="1" smtClean="0">
+                <a:effectLst>
+                  <a:outerShdw blurRad="38100" dist="38100" dir="2700000" algn="tl">
+                    <a:srgbClr val="000000">
+                      <a:alpha val="43137"/>
+                    </a:srgbClr>
+                  </a:outerShdw>
+                </a:effectLst>
+                <a:latin typeface="微軟正黑體" panose="020B0604030504040204" pitchFamily="34" charset="-120"/>
+                <a:ea typeface="微軟正黑體" panose="020B0604030504040204" pitchFamily="34" charset="-120"/>
+                <a:cs typeface="Heiti TC Light"/>
+              </a:rPr>
+              <a:t>pytorch</a:t>
+            </a:r>
+            <a:r>
+              <a:rPr kumimoji="1" lang="zh-TW" altLang="en-US" sz="4000" b="1" dirty="0" smtClean="0">
+                <a:effectLst>
+                  <a:outerShdw blurRad="38100" dist="38100" dir="2700000" algn="tl">
+                    <a:srgbClr val="000000">
+                      <a:alpha val="43137"/>
+                    </a:srgbClr>
+                  </a:outerShdw>
+                </a:effectLst>
+                <a:latin typeface="微軟正黑體" panose="020B0604030504040204" pitchFamily="34" charset="-120"/>
+                <a:ea typeface="微軟正黑體" panose="020B0604030504040204" pitchFamily="34" charset="-120"/>
+                <a:cs typeface="Heiti TC Light"/>
+              </a:rPr>
+              <a:t>環境</a:t>
+            </a:r>
+            <a:endParaRPr kumimoji="1" lang="en-US" altLang="zh-TW" sz="4000" b="1" dirty="0" smtClean="0">
+              <a:effectLst>
+                <a:outerShdw blurRad="38100" dist="38100" dir="2700000" algn="tl">
+                  <a:srgbClr val="000000">
+                    <a:alpha val="43137"/>
+                  </a:srgbClr>
+                </a:outerShdw>
+              </a:effectLst>
+              <a:latin typeface="微軟正黑體" panose="020B0604030504040204" pitchFamily="34" charset="-120"/>
+              <a:ea typeface="微軟正黑體" panose="020B0604030504040204" pitchFamily="34" charset="-120"/>
+              <a:cs typeface="Heiti TC Light"/>
+            </a:endParaRPr>
+          </a:p>
+          <a:p>
+            <a:pPr marL="176213" indent="-176213">
+              <a:buFont typeface="Arial" panose="020B0604020202020204" pitchFamily="34" charset="0"/>
+              <a:buChar char="•"/>
+            </a:pPr>
+            <a:r>
+              <a:rPr kumimoji="1" lang="zh-TW" altLang="en-US" sz="4000" b="1" dirty="0" smtClean="0">
+                <a:effectLst>
+                  <a:outerShdw blurRad="38100" dist="38100" dir="2700000" algn="tl">
+                    <a:srgbClr val="000000">
+                      <a:alpha val="43137"/>
+                    </a:srgbClr>
+                  </a:outerShdw>
+                </a:effectLst>
+                <a:latin typeface="微軟正黑體" panose="020B0604030504040204" pitchFamily="34" charset="-120"/>
+                <a:ea typeface="微軟正黑體" panose="020B0604030504040204" pitchFamily="34" charset="-120"/>
+                <a:cs typeface="Heiti TC Light"/>
+              </a:rPr>
+              <a:t>不同環境間也可安裝共用模組</a:t>
+            </a:r>
+            <a:endParaRPr kumimoji="1" lang="en-US" altLang="zh-TW" sz="4000" b="1" dirty="0" smtClean="0">
+              <a:effectLst>
+                <a:outerShdw blurRad="38100" dist="38100" dir="2700000" algn="tl">
+                  <a:srgbClr val="000000">
+                    <a:alpha val="43137"/>
+                  </a:srgbClr>
+                </a:outerShdw>
+              </a:effectLst>
+              <a:latin typeface="微軟正黑體" panose="020B0604030504040204" pitchFamily="34" charset="-120"/>
+              <a:ea typeface="微軟正黑體" panose="020B0604030504040204" pitchFamily="34" charset="-120"/>
+              <a:cs typeface="Heiti TC Light"/>
+            </a:endParaRPr>
+          </a:p>
+          <a:p>
+            <a:pPr marL="176213" indent="-176213">
+              <a:buFont typeface="Arial" panose="020B0604020202020204" pitchFamily="34" charset="0"/>
+              <a:buChar char="•"/>
+            </a:pPr>
+            <a:r>
+              <a:rPr kumimoji="1" lang="zh-TW" altLang="en-US" sz="4000" b="1" dirty="0" smtClean="0">
+                <a:effectLst>
+                  <a:outerShdw blurRad="38100" dist="38100" dir="2700000" algn="tl">
+                    <a:srgbClr val="000000">
+                      <a:alpha val="43137"/>
+                    </a:srgbClr>
+                  </a:outerShdw>
+                </a:effectLst>
+                <a:latin typeface="微軟正黑體" panose="020B0604030504040204" pitchFamily="34" charset="-120"/>
+                <a:ea typeface="微軟正黑體" panose="020B0604030504040204" pitchFamily="34" charset="-120"/>
+                <a:cs typeface="Heiti TC Light"/>
+              </a:rPr>
+              <a:t>有支援全圖型的</a:t>
+            </a:r>
+            <a:r>
+              <a:rPr kumimoji="1" lang="en-US" altLang="zh-TW" sz="4000" b="1" dirty="0" err="1" smtClean="0">
+                <a:effectLst>
+                  <a:outerShdw blurRad="38100" dist="38100" dir="2700000" algn="tl">
+                    <a:srgbClr val="000000">
+                      <a:alpha val="43137"/>
+                    </a:srgbClr>
+                  </a:outerShdw>
+                </a:effectLst>
+                <a:latin typeface="微軟正黑體" panose="020B0604030504040204" pitchFamily="34" charset="-120"/>
+                <a:ea typeface="微軟正黑體" panose="020B0604030504040204" pitchFamily="34" charset="-120"/>
+                <a:cs typeface="Heiti TC Light"/>
+              </a:rPr>
+              <a:t>Spyder</a:t>
+            </a:r>
+            <a:r>
+              <a:rPr kumimoji="1" lang="zh-TW" altLang="en-US" sz="4000" b="1" dirty="0" smtClean="0">
+                <a:effectLst>
+                  <a:outerShdw blurRad="38100" dist="38100" dir="2700000" algn="tl">
+                    <a:srgbClr val="000000">
+                      <a:alpha val="43137"/>
+                    </a:srgbClr>
+                  </a:outerShdw>
+                </a:effectLst>
+                <a:latin typeface="微軟正黑體" panose="020B0604030504040204" pitchFamily="34" charset="-120"/>
+                <a:ea typeface="微軟正黑體" panose="020B0604030504040204" pitchFamily="34" charset="-120"/>
+                <a:cs typeface="Heiti TC Light"/>
+              </a:rPr>
+              <a:t>開發環境</a:t>
+            </a:r>
+            <a:endParaRPr kumimoji="1" lang="en-US" altLang="zh-TW" sz="4000" b="1" dirty="0" smtClean="0">
+              <a:effectLst>
+                <a:outerShdw blurRad="38100" dist="38100" dir="2700000" algn="tl">
+                  <a:srgbClr val="000000">
+                    <a:alpha val="43137"/>
+                  </a:srgbClr>
+                </a:outerShdw>
+              </a:effectLst>
+              <a:latin typeface="微軟正黑體" panose="020B0604030504040204" pitchFamily="34" charset="-120"/>
+              <a:ea typeface="微軟正黑體" panose="020B0604030504040204" pitchFamily="34" charset="-120"/>
+              <a:cs typeface="Heiti TC Light"/>
+            </a:endParaRPr>
+          </a:p>
+          <a:p>
+            <a:pPr marL="176213" indent="-176213">
+              <a:buFont typeface="Arial" panose="020B0604020202020204" pitchFamily="34" charset="0"/>
+              <a:buChar char="•"/>
+            </a:pPr>
+            <a:r>
+              <a:rPr kumimoji="1" lang="zh-TW" altLang="en-US" sz="4000" b="1" dirty="0" smtClean="0">
+                <a:effectLst>
+                  <a:outerShdw blurRad="38100" dist="38100" dir="2700000" algn="tl">
+                    <a:srgbClr val="000000">
+                      <a:alpha val="43137"/>
+                    </a:srgbClr>
+                  </a:outerShdw>
+                </a:effectLst>
+                <a:latin typeface="微軟正黑體" panose="020B0604030504040204" pitchFamily="34" charset="-120"/>
+                <a:ea typeface="微軟正黑體" panose="020B0604030504040204" pitchFamily="34" charset="-120"/>
+                <a:cs typeface="Heiti TC Light"/>
+              </a:rPr>
+              <a:t>最好用的</a:t>
+            </a:r>
+            <a:r>
+              <a:rPr kumimoji="1" lang="en-US" altLang="zh-TW" sz="4000" b="1" dirty="0" err="1" smtClean="0">
+                <a:effectLst>
+                  <a:outerShdw blurRad="38100" dist="38100" dir="2700000" algn="tl">
+                    <a:srgbClr val="000000">
+                      <a:alpha val="43137"/>
+                    </a:srgbClr>
+                  </a:outerShdw>
+                </a:effectLst>
+                <a:latin typeface="微軟正黑體" panose="020B0604030504040204" pitchFamily="34" charset="-120"/>
+                <a:ea typeface="微軟正黑體" panose="020B0604030504040204" pitchFamily="34" charset="-120"/>
+                <a:cs typeface="Heiti TC Light"/>
+              </a:rPr>
+              <a:t>Jupyter</a:t>
+            </a:r>
+            <a:r>
+              <a:rPr kumimoji="1" lang="en-US" altLang="zh-TW" sz="4000" b="1" dirty="0" smtClean="0">
+                <a:effectLst>
+                  <a:outerShdw blurRad="38100" dist="38100" dir="2700000" algn="tl">
+                    <a:srgbClr val="000000">
+                      <a:alpha val="43137"/>
+                    </a:srgbClr>
+                  </a:outerShdw>
+                </a:effectLst>
+                <a:latin typeface="微軟正黑體" panose="020B0604030504040204" pitchFamily="34" charset="-120"/>
+                <a:ea typeface="微軟正黑體" panose="020B0604030504040204" pitchFamily="34" charset="-120"/>
+                <a:cs typeface="Heiti TC Light"/>
+              </a:rPr>
+              <a:t> notebook/lab</a:t>
+            </a:r>
+          </a:p>
+          <a:p>
+            <a:pPr marL="176213" indent="-176213">
+              <a:buFont typeface="Arial" panose="020B0604020202020204" pitchFamily="34" charset="0"/>
+              <a:buChar char="•"/>
+            </a:pPr>
+            <a:r>
+              <a:rPr kumimoji="1" lang="zh-TW" altLang="en-US" sz="4000" b="1" dirty="0" smtClean="0">
+                <a:effectLst>
+                  <a:outerShdw blurRad="38100" dist="38100" dir="2700000" algn="tl">
+                    <a:srgbClr val="000000">
+                      <a:alpha val="43137"/>
+                    </a:srgbClr>
+                  </a:outerShdw>
+                </a:effectLst>
+                <a:latin typeface="微軟正黑體" panose="020B0604030504040204" pitchFamily="34" charset="-120"/>
+                <a:ea typeface="微軟正黑體" panose="020B0604030504040204" pitchFamily="34" charset="-120"/>
+                <a:cs typeface="Heiti TC Light"/>
+              </a:rPr>
+              <a:t>本機不用預裝</a:t>
+            </a:r>
+            <a:r>
+              <a:rPr kumimoji="1" lang="en-US" altLang="zh-TW" sz="4000" b="1" dirty="0" smtClean="0">
+                <a:effectLst>
+                  <a:outerShdw blurRad="38100" dist="38100" dir="2700000" algn="tl">
+                    <a:srgbClr val="000000">
+                      <a:alpha val="43137"/>
+                    </a:srgbClr>
+                  </a:outerShdw>
+                </a:effectLst>
+                <a:latin typeface="微軟正黑體" panose="020B0604030504040204" pitchFamily="34" charset="-120"/>
+                <a:ea typeface="微軟正黑體" panose="020B0604030504040204" pitchFamily="34" charset="-120"/>
+                <a:cs typeface="Heiti TC Light"/>
+              </a:rPr>
+              <a:t>python</a:t>
+            </a:r>
+          </a:p>
+          <a:p>
+            <a:pPr marL="176213" indent="-176213">
+              <a:buFont typeface="Arial" panose="020B0604020202020204" pitchFamily="34" charset="0"/>
+              <a:buChar char="•"/>
+            </a:pPr>
+            <a:r>
+              <a:rPr kumimoji="1" lang="zh-TW" altLang="en-US" sz="4000" b="1" dirty="0" smtClean="0">
+                <a:effectLst>
+                  <a:outerShdw blurRad="38100" dist="38100" dir="2700000" algn="tl">
+                    <a:srgbClr val="000000">
+                      <a:alpha val="43137"/>
+                    </a:srgbClr>
+                  </a:outerShdw>
+                </a:effectLst>
+                <a:latin typeface="微軟正黑體" panose="020B0604030504040204" pitchFamily="34" charset="-120"/>
+                <a:ea typeface="微軟正黑體" panose="020B0604030504040204" pitchFamily="34" charset="-120"/>
+                <a:cs typeface="Heiti TC Light"/>
+              </a:rPr>
+              <a:t>使用</a:t>
+            </a:r>
+            <a:r>
+              <a:rPr kumimoji="1" lang="en-US" altLang="zh-TW" sz="4000" b="1" dirty="0" err="1" smtClean="0">
+                <a:effectLst>
+                  <a:outerShdw blurRad="38100" dist="38100" dir="2700000" algn="tl">
+                    <a:srgbClr val="000000">
+                      <a:alpha val="43137"/>
+                    </a:srgbClr>
+                  </a:outerShdw>
+                </a:effectLst>
+                <a:latin typeface="微軟正黑體" panose="020B0604030504040204" pitchFamily="34" charset="-120"/>
+                <a:ea typeface="微軟正黑體" panose="020B0604030504040204" pitchFamily="34" charset="-120"/>
+                <a:cs typeface="Heiti TC Light"/>
+              </a:rPr>
+              <a:t>conda</a:t>
+            </a:r>
+            <a:r>
+              <a:rPr kumimoji="1" lang="zh-TW" altLang="en-US" sz="4000" b="1" dirty="0" smtClean="0">
+                <a:effectLst>
+                  <a:outerShdw blurRad="38100" dist="38100" dir="2700000" algn="tl">
+                    <a:srgbClr val="000000">
+                      <a:alpha val="43137"/>
+                    </a:srgbClr>
+                  </a:outerShdw>
+                </a:effectLst>
+                <a:latin typeface="微軟正黑體" panose="020B0604030504040204" pitchFamily="34" charset="-120"/>
+                <a:ea typeface="微軟正黑體" panose="020B0604030504040204" pitchFamily="34" charset="-120"/>
+                <a:cs typeface="Heiti TC Light"/>
+              </a:rPr>
+              <a:t>或</a:t>
+            </a:r>
+            <a:r>
+              <a:rPr kumimoji="1" lang="en-US" altLang="zh-TW" sz="4000" b="1" dirty="0" smtClean="0">
+                <a:effectLst>
+                  <a:outerShdw blurRad="38100" dist="38100" dir="2700000" algn="tl">
+                    <a:srgbClr val="000000">
+                      <a:alpha val="43137"/>
+                    </a:srgbClr>
+                  </a:outerShdw>
+                </a:effectLst>
+                <a:latin typeface="微軟正黑體" panose="020B0604030504040204" pitchFamily="34" charset="-120"/>
+                <a:ea typeface="微軟正黑體" panose="020B0604030504040204" pitchFamily="34" charset="-120"/>
+                <a:cs typeface="Heiti TC Light"/>
+              </a:rPr>
+              <a:t>pip</a:t>
+            </a:r>
+            <a:r>
+              <a:rPr kumimoji="1" lang="zh-TW" altLang="en-US" sz="4000" b="1" dirty="0" smtClean="0">
+                <a:effectLst>
+                  <a:outerShdw blurRad="38100" dist="38100" dir="2700000" algn="tl">
+                    <a:srgbClr val="000000">
+                      <a:alpha val="43137"/>
+                    </a:srgbClr>
+                  </a:outerShdw>
+                </a:effectLst>
+                <a:latin typeface="微軟正黑體" panose="020B0604030504040204" pitchFamily="34" charset="-120"/>
+                <a:ea typeface="微軟正黑體" panose="020B0604030504040204" pitchFamily="34" charset="-120"/>
+                <a:cs typeface="Heiti TC Light"/>
+              </a:rPr>
+              <a:t>安裝模組</a:t>
+            </a:r>
+            <a:endParaRPr kumimoji="1" lang="en-US" altLang="zh-TW" sz="4000" b="1" dirty="0">
+              <a:effectLst>
+                <a:outerShdw blurRad="38100" dist="38100" dir="2700000" algn="tl">
+                  <a:srgbClr val="000000">
+                    <a:alpha val="43137"/>
+                  </a:srgbClr>
+                </a:outerShdw>
+              </a:effectLst>
+              <a:latin typeface="微軟正黑體" panose="020B0604030504040204" pitchFamily="34" charset="-120"/>
+              <a:ea typeface="微軟正黑體" panose="020B0604030504040204" pitchFamily="34" charset="-120"/>
+              <a:cs typeface="Heiti TC Light"/>
+            </a:endParaRPr>
+          </a:p>
+        </p:txBody>
+      </p:sp>
+      <p:sp>
+        <p:nvSpPr>
+          <p:cNvPr id="6" name="文字版面配置區 2"/>
+          <p:cNvSpPr>
+            <a:spLocks noGrp="1"/>
+          </p:cNvSpPr>
+          <p:nvPr>
+            <p:ph type="body" sz="quarter" idx="11"/>
+          </p:nvPr>
+        </p:nvSpPr>
+        <p:spPr>
+          <a:xfrm>
+            <a:off x="1447800" y="228600"/>
+            <a:ext cx="6629400" cy="990600"/>
           </a:xfrm>
         </p:spPr>
         <p:txBody>
           <a:bodyPr/>
           <a:lstStyle/>
           <a:p>
-            <a:pPr algn="ctr"/>
+            <a:pPr algn="just"/>
             <a:r>
               <a:rPr lang="en-US" altLang="zh-TW" sz="4800" b="1" dirty="0" err="1" smtClean="0">
                 <a:solidFill>
@@ -17097,7 +17066,7 @@
                 <a:latin typeface="微軟正黑體" panose="020B0604030504040204" pitchFamily="34" charset="-120"/>
                 <a:ea typeface="微軟正黑體" panose="020B0604030504040204" pitchFamily="34" charset="-120"/>
               </a:rPr>
-              <a:t>Jupyter</a:t>
+              <a:t>Conda</a:t>
             </a:r>
             <a:r>
               <a:rPr lang="en-US" altLang="zh-TW" sz="4800" b="1" dirty="0" smtClean="0">
@@ -17114,11 +17083,8 @@
                 <a:latin typeface="微軟正黑體" panose="020B0604030504040204" pitchFamily="34" charset="-120"/>
                 <a:ea typeface="微軟正黑體" panose="020B0604030504040204" pitchFamily="34" charset="-120"/>
               </a:rPr>
-              <a:t> notebook</a:t>
-            </a:r>
-          </a:p>
-          <a:p>
-            <a:pPr algn="ctr"/>
+              <a:t> with </a:t>
+            </a:r>
             <a:r>
               <a:rPr lang="en-US" altLang="zh-TW" sz="4800" b="1" dirty="0" err="1" smtClean="0">
                 <a:solidFill>
@@ -17134,32 +17100,29 @@
                 <a:latin typeface="微軟正黑體" panose="020B0604030504040204" pitchFamily="34" charset="-120"/>
                 <a:ea typeface="微軟正黑體" panose="020B0604030504040204" pitchFamily="34" charset="-120"/>
               </a:rPr>
-              <a:t>Jupyter</a:t>
-            </a:r>
-            <a:r>
-              <a:rPr lang="en-US" altLang="zh-TW" sz="4800" b="1" dirty="0" smtClean="0">
-                <a:solidFill>
-                  <a:srgbClr val="00B0F0"/>
-                </a:solidFill>
-                <a:effectLst>
-                  <a:outerShdw blurRad="38100" dist="38100" dir="2700000" algn="tl">
-                    <a:srgbClr val="000000">
-                      <a:alpha val="43137"/>
-                    </a:srgbClr>
-                  </a:outerShdw>
-                </a:effectLst>
-                <a:latin typeface="微軟正黑體" panose="020B0604030504040204" pitchFamily="34" charset="-120"/>
-                <a:ea typeface="微軟正黑體" panose="020B0604030504040204" pitchFamily="34" charset="-120"/>
-              </a:rPr>
-              <a:t> lab</a:t>
-            </a:r>
+              <a:t>Pytorch</a:t>
+            </a:r>
+            <a:endParaRPr lang="zh-TW" altLang="en-US" sz="4800" b="1" dirty="0">
+              <a:solidFill>
+                <a:srgbClr val="00B0F0"/>
+              </a:solidFill>
+              <a:effectLst>
+                <a:outerShdw blurRad="38100" dist="38100" dir="2700000" algn="tl">
+                  <a:srgbClr val="000000">
+                    <a:alpha val="43137"/>
+                  </a:srgbClr>
+                </a:outerShdw>
+              </a:effectLst>
+              <a:latin typeface="微軟正黑體" panose="020B0604030504040204" pitchFamily="34" charset="-120"/>
+              <a:ea typeface="微軟正黑體" panose="020B0604030504040204" pitchFamily="34" charset="-120"/>
+            </a:endParaRPr>
           </a:p>
         </p:txBody>
       </p:sp>
     </p:spTree>
     <p:extLst>
       <p:ext uri="{BB962C8B-B14F-4D97-AF65-F5344CB8AC3E}">
-        <p14:creationId xmlns="" xmlns:p14="http://schemas.microsoft.com/office/powerpoint/2010/main" val="3907764274"/>
+        <p14:creationId xmlns:p14="http://schemas.microsoft.com/office/powerpoint/2010/main" xmlns="" val="522405798"/>
       </p:ext>
     </p:extLst>
   </p:cSld>
@@ -17169,6 +17132,13 @@
   <p:transition>
     <p:fade/>
   </p:transition>
+  <p:timing>
+    <p:tnLst>
+      <p:par>
+        <p:cTn id="1" dur="indefinite" restart="never" nodeType="tmRoot"/>
+      </p:par>
+    </p:tnLst>
+  </p:timing>
 </p:sld>
 </file>
 
@@ -17191,6 +17161,134 @@
       </p:grpSpPr>
       <p:sp>
         <p:nvSpPr>
+          <p:cNvPr id="3" name="文字版面配置區 2"/>
+          <p:cNvSpPr>
+            <a:spLocks noGrp="1"/>
+          </p:cNvSpPr>
+          <p:nvPr>
+            <p:ph type="body" sz="quarter" idx="11"/>
+          </p:nvPr>
+        </p:nvSpPr>
+        <p:spPr>
+          <a:xfrm>
+            <a:off x="1371600" y="3276600"/>
+            <a:ext cx="6858000" cy="990600"/>
+          </a:xfrm>
+        </p:spPr>
+        <p:txBody>
+          <a:bodyPr/>
+          <a:lstStyle/>
+          <a:p>
+            <a:pPr algn="ctr"/>
+            <a:r>
+              <a:rPr lang="en-US" altLang="zh-TW" sz="4800" b="1" dirty="0" err="1" smtClean="0">
+                <a:solidFill>
+                  <a:srgbClr val="00B0F0"/>
+                </a:solidFill>
+                <a:effectLst>
+                  <a:outerShdw blurRad="38100" dist="38100" dir="2700000" algn="tl">
+                    <a:srgbClr val="000000">
+                      <a:alpha val="43137"/>
+                    </a:srgbClr>
+                  </a:outerShdw>
+                </a:effectLst>
+                <a:latin typeface="微軟正黑體" panose="020B0604030504040204" pitchFamily="34" charset="-120"/>
+                <a:ea typeface="微軟正黑體" panose="020B0604030504040204" pitchFamily="34" charset="-120"/>
+              </a:rPr>
+              <a:t>Jupyter</a:t>
+            </a:r>
+            <a:r>
+              <a:rPr lang="en-US" altLang="zh-TW" sz="4800" b="1" dirty="0" smtClean="0">
+                <a:solidFill>
+                  <a:srgbClr val="00B0F0"/>
+                </a:solidFill>
+                <a:effectLst>
+                  <a:outerShdw blurRad="38100" dist="38100" dir="2700000" algn="tl">
+                    <a:srgbClr val="000000">
+                      <a:alpha val="43137"/>
+                    </a:srgbClr>
+                  </a:outerShdw>
+                </a:effectLst>
+                <a:latin typeface="微軟正黑體" panose="020B0604030504040204" pitchFamily="34" charset="-120"/>
+                <a:ea typeface="微軟正黑體" panose="020B0604030504040204" pitchFamily="34" charset="-120"/>
+              </a:rPr>
+              <a:t> notebook</a:t>
+            </a:r>
+          </a:p>
+          <a:p>
+            <a:pPr algn="ctr"/>
+            <a:r>
+              <a:rPr lang="en-US" altLang="zh-TW" sz="4800" b="1" dirty="0" err="1" smtClean="0">
+                <a:solidFill>
+                  <a:srgbClr val="00B0F0"/>
+                </a:solidFill>
+                <a:effectLst>
+                  <a:outerShdw blurRad="38100" dist="38100" dir="2700000" algn="tl">
+                    <a:srgbClr val="000000">
+                      <a:alpha val="43137"/>
+                    </a:srgbClr>
+                  </a:outerShdw>
+                </a:effectLst>
+                <a:latin typeface="微軟正黑體" panose="020B0604030504040204" pitchFamily="34" charset="-120"/>
+                <a:ea typeface="微軟正黑體" panose="020B0604030504040204" pitchFamily="34" charset="-120"/>
+              </a:rPr>
+              <a:t>Jupyter</a:t>
+            </a:r>
+            <a:r>
+              <a:rPr lang="en-US" altLang="zh-TW" sz="4800" b="1" dirty="0" smtClean="0">
+                <a:solidFill>
+                  <a:srgbClr val="00B0F0"/>
+                </a:solidFill>
+                <a:effectLst>
+                  <a:outerShdw blurRad="38100" dist="38100" dir="2700000" algn="tl">
+                    <a:srgbClr val="000000">
+                      <a:alpha val="43137"/>
+                    </a:srgbClr>
+                  </a:outerShdw>
+                </a:effectLst>
+                <a:latin typeface="微軟正黑體" panose="020B0604030504040204" pitchFamily="34" charset="-120"/>
+                <a:ea typeface="微軟正黑體" panose="020B0604030504040204" pitchFamily="34" charset="-120"/>
+              </a:rPr>
+              <a:t> lab</a:t>
+            </a:r>
+          </a:p>
+        </p:txBody>
+      </p:sp>
+    </p:spTree>
+    <p:extLst>
+      <p:ext uri="{BB962C8B-B14F-4D97-AF65-F5344CB8AC3E}">
+        <p14:creationId xmlns:p14="http://schemas.microsoft.com/office/powerpoint/2010/main" xmlns="" val="3907764274"/>
+      </p:ext>
+    </p:extLst>
+  </p:cSld>
+  <p:clrMapOvr>
+    <a:masterClrMapping/>
+  </p:clrMapOvr>
+  <p:transition>
+    <p:fade/>
+  </p:transition>
+</p:sld>
+</file>
+
+<file path=ppt/slides/slide25.xml><?xml version="1.0" encoding="utf-8"?>
+<p:sld xmlns:a="http://schemas.openxmlformats.org/drawingml/2006/main" xmlns:r="http://schemas.openxmlformats.org/officeDocument/2006/relationships" xmlns:p="http://schemas.openxmlformats.org/presentationml/2006/main">
+  <p:cSld>
+    <p:spTree>
+      <p:nvGrpSpPr>
+        <p:cNvPr id="1" name=""/>
+        <p:cNvGrpSpPr/>
+        <p:nvPr/>
+      </p:nvGrpSpPr>
+      <p:grpSpPr>
+        <a:xfrm>
+          <a:off x="0" y="0"/>
+          <a:ext cx="0" cy="0"/>
+          <a:chOff x="0" y="0"/>
+          <a:chExt cx="0" cy="0"/>
+        </a:xfrm>
+      </p:grpSpPr>
+      <p:sp>
+        <p:nvSpPr>
           <p:cNvPr id="5" name="文字方塊 4"/>
           <p:cNvSpPr txBox="1"/>
           <p:nvPr/>
@@ -17525,22 +17623,7 @@
                 <a:ea typeface="微軟正黑體" panose="020B0604030504040204" pitchFamily="34" charset="-120"/>
                 <a:cs typeface="Heiti TC Light"/>
               </a:rPr>
-              <a:t>撰寫</a:t>
-            </a:r>
-            <a:r>
-              <a:rPr kumimoji="1" lang="zh-TW" altLang="en-US" sz="3600" b="1" dirty="0" smtClean="0">
-                <a:effectLst>
-                  <a:outerShdw blurRad="38100" dist="38100" dir="2700000" algn="tl">
-                    <a:srgbClr val="000000">
-                      <a:alpha val="43137"/>
-                    </a:srgbClr>
-                  </a:outerShdw>
-                </a:effectLst>
-                <a:latin typeface="微軟正黑體" panose="020B0604030504040204" pitchFamily="34" charset="-120"/>
-                <a:ea typeface="微軟正黑體" panose="020B0604030504040204" pitchFamily="34" charset="-120"/>
-                <a:cs typeface="Heiti TC Light"/>
-              </a:rPr>
-              <a:t>文件</a:t>
+              <a:t>撰寫文件</a:t>
             </a:r>
             <a:endParaRPr kumimoji="1" lang="en-US" altLang="zh-TW" sz="3600" b="1" dirty="0" smtClean="0">
               <a:effectLst>
@@ -17725,7 +17808,7 @@
     </p:spTree>
     <p:extLst>
       <p:ext uri="{BB962C8B-B14F-4D97-AF65-F5344CB8AC3E}">
-        <p14:creationId xmlns="" xmlns:p14="http://schemas.microsoft.com/office/powerpoint/2010/main" val="522405798"/>
+        <p14:creationId xmlns:p14="http://schemas.microsoft.com/office/powerpoint/2010/main" xmlns="" val="522405798"/>
       </p:ext>
     </p:extLst>
   </p:cSld>
@@ -17745,7 +17828,7 @@
 </p:sld>
 </file>
 
-<file path=ppt/slides/slide25.xml><?xml version="1.0" encoding="utf-8"?>
+<file path=ppt/slides/slide26.xml><?xml version="1.0" encoding="utf-8"?>
 <p:sld xmlns:a="http://schemas.openxmlformats.org/drawingml/2006/main" xmlns:r="http://schemas.openxmlformats.org/officeDocument/2006/relationships" xmlns:p="http://schemas.openxmlformats.org/presentationml/2006/main">
   <p:cSld>
     <p:spTree>
@@ -17797,7 +17880,7 @@
     </p:spTree>
     <p:extLst>
       <p:ext uri="{BB962C8B-B14F-4D97-AF65-F5344CB8AC3E}">
-        <p14:creationId xmlns="" xmlns:p14="http://schemas.microsoft.com/office/powerpoint/2010/main" val="522405798"/>
+        <p14:creationId xmlns:p14="http://schemas.microsoft.com/office/powerpoint/2010/main" xmlns="" val="522405798"/>
       </p:ext>
     </p:extLst>
   </p:cSld>
@@ -17817,7 +17900,7 @@
 </p:sld>
 </file>
 
-<file path=ppt/slides/slide26.xml><?xml version="1.0" encoding="utf-8"?>
+<file path=ppt/slides/slide27.xml><?xml version="1.0" encoding="utf-8"?>
 <p:sld xmlns:a="http://schemas.openxmlformats.org/drawingml/2006/main" xmlns:r="http://schemas.openxmlformats.org/officeDocument/2006/relationships" xmlns:p="http://schemas.openxmlformats.org/presentationml/2006/main">
   <p:cSld>
     <p:spTree>
@@ -18006,7 +18089,7 @@
     </p:spTree>
     <p:extLst>
       <p:ext uri="{BB962C8B-B14F-4D97-AF65-F5344CB8AC3E}">
-        <p14:creationId xmlns="" xmlns:p14="http://schemas.microsoft.com/office/powerpoint/2010/main" val="522405798"/>
+        <p14:creationId xmlns:p14="http://schemas.microsoft.com/office/powerpoint/2010/main" xmlns="" val="522405798"/>
       </p:ext>
     </p:extLst>
   </p:cSld>
@@ -18026,7 +18109,7 @@
 </p:sld>
 </file>
 
-<file path=ppt/slides/slide27.xml><?xml version="1.0" encoding="utf-8"?>
+<file path=ppt/slides/slide28.xml><?xml version="1.0" encoding="utf-8"?>
 <p:sld xmlns:a="http://schemas.openxmlformats.org/drawingml/2006/main" xmlns:r="http://schemas.openxmlformats.org/officeDocument/2006/relationships" xmlns:p="http://schemas.openxmlformats.org/presentationml/2006/main">
   <p:cSld>
     <p:spTree>
@@ -18093,540 +18176,6 @@
 </p:sld>
 </file>
 
-<file path=ppt/slides/slide28.xml><?xml version="1.0" encoding="utf-8"?>
-<p:sld xmlns:a="http://schemas.openxmlformats.org/drawingml/2006/main" xmlns:r="http://schemas.openxmlformats.org/officeDocument/2006/relationships" xmlns:p="http://schemas.openxmlformats.org/presentationml/2006/main">
-  <p:cSld>
-    <p:spTree>
-      <p:nvGrpSpPr>
-        <p:cNvPr id="1" name=""/>
-        <p:cNvGrpSpPr/>
-        <p:nvPr/>
-      </p:nvGrpSpPr>
-      <p:grpSpPr>
-        <a:xfrm>
-          <a:off x="0" y="0"/>
-          <a:ext cx="0" cy="0"/>
-          <a:chOff x="0" y="0"/>
-          <a:chExt cx="0" cy="0"/>
-        </a:xfrm>
-      </p:grpSpPr>
-      <p:sp>
-        <p:nvSpPr>
-          <p:cNvPr id="5" name="文字方塊 4"/>
-          <p:cNvSpPr txBox="1"/>
-          <p:nvPr/>
-        </p:nvSpPr>
-        <p:spPr>
-          <a:xfrm>
-            <a:off x="685800" y="1676400"/>
-            <a:ext cx="8077200" cy="4401205"/>
-          </a:xfrm>
-          <a:prstGeom prst="rect">
-            <a:avLst/>
-          </a:prstGeom>
-          <a:noFill/>
-        </p:spPr>
-        <p:txBody>
-          <a:bodyPr wrap="square" rtlCol="0">
-            <a:spAutoFit/>
-          </a:bodyPr>
-          <a:lstStyle/>
-          <a:p>
-            <a:pPr marL="176213" indent="-176213">
-              <a:buFont typeface="Arial" panose="020B0604020202020204" pitchFamily="34" charset="0"/>
-              <a:buChar char="•"/>
-            </a:pPr>
-            <a:r>
-              <a:rPr kumimoji="1" lang="en-US" altLang="zh-TW" sz="4000" b="1" dirty="0" smtClean="0">
-                <a:effectLst>
-                  <a:outerShdw blurRad="38100" dist="38100" dir="2700000" algn="tl">
-                    <a:srgbClr val="000000">
-                      <a:alpha val="43137"/>
-                    </a:srgbClr>
-                  </a:outerShdw>
-                </a:effectLst>
-                <a:latin typeface="微軟正黑體" panose="020B0604030504040204" pitchFamily="34" charset="-120"/>
-                <a:ea typeface="微軟正黑體" panose="020B0604030504040204" pitchFamily="34" charset="-120"/>
-                <a:cs typeface="Heiti TC Light"/>
-              </a:rPr>
-              <a:t>Tab</a:t>
-            </a:r>
-            <a:r>
-              <a:rPr kumimoji="1" lang="zh-TW" altLang="en-US" sz="4000" b="1" dirty="0" smtClean="0">
-                <a:effectLst>
-                  <a:outerShdw blurRad="38100" dist="38100" dir="2700000" algn="tl">
-                    <a:srgbClr val="000000">
-                      <a:alpha val="43137"/>
-                    </a:srgbClr>
-                  </a:outerShdw>
-                </a:effectLst>
-                <a:latin typeface="微軟正黑體" panose="020B0604030504040204" pitchFamily="34" charset="-120"/>
-                <a:ea typeface="微軟正黑體" panose="020B0604030504040204" pitchFamily="34" charset="-120"/>
-                <a:cs typeface="Heiti TC Light"/>
-              </a:rPr>
-              <a:t>方式的瀏覽介面</a:t>
-            </a:r>
-            <a:endParaRPr kumimoji="1" lang="en-US" altLang="zh-TW" sz="4000" b="1" dirty="0" smtClean="0">
-              <a:effectLst>
-                <a:outerShdw blurRad="38100" dist="38100" dir="2700000" algn="tl">
-                  <a:srgbClr val="000000">
-                    <a:alpha val="43137"/>
-                  </a:srgbClr>
-                </a:outerShdw>
-              </a:effectLst>
-              <a:latin typeface="微軟正黑體" panose="020B0604030504040204" pitchFamily="34" charset="-120"/>
-              <a:ea typeface="微軟正黑體" panose="020B0604030504040204" pitchFamily="34" charset="-120"/>
-              <a:cs typeface="Heiti TC Light"/>
-            </a:endParaRPr>
-          </a:p>
-          <a:p>
-            <a:pPr marL="176213" indent="-176213">
-              <a:buFont typeface="Arial" panose="020B0604020202020204" pitchFamily="34" charset="0"/>
-              <a:buChar char="•"/>
-            </a:pPr>
-            <a:r>
-              <a:rPr kumimoji="1" lang="zh-TW" altLang="en-US" sz="4000" b="1" dirty="0" smtClean="0">
-                <a:effectLst>
-                  <a:outerShdw blurRad="38100" dist="38100" dir="2700000" algn="tl">
-                    <a:srgbClr val="000000">
-                      <a:alpha val="43137"/>
-                    </a:srgbClr>
-                  </a:outerShdw>
-                </a:effectLst>
-                <a:latin typeface="微軟正黑體" panose="020B0604030504040204" pitchFamily="34" charset="-120"/>
-                <a:ea typeface="微軟正黑體" panose="020B0604030504040204" pitchFamily="34" charset="-120"/>
-                <a:cs typeface="Heiti TC Light"/>
-              </a:rPr>
-              <a:t>也可隨時</a:t>
-            </a:r>
-            <a:r>
-              <a:rPr kumimoji="1" lang="en-US" altLang="zh-TW" sz="4000" b="1" dirty="0" smtClean="0">
-                <a:effectLst>
-                  <a:outerShdw blurRad="38100" dist="38100" dir="2700000" algn="tl">
-                    <a:srgbClr val="000000">
-                      <a:alpha val="43137"/>
-                    </a:srgbClr>
-                  </a:outerShdw>
-                </a:effectLst>
-                <a:latin typeface="微軟正黑體" panose="020B0604030504040204" pitchFamily="34" charset="-120"/>
-                <a:ea typeface="微軟正黑體" panose="020B0604030504040204" pitchFamily="34" charset="-120"/>
-                <a:cs typeface="Heiti TC Light"/>
-              </a:rPr>
-              <a:t>launch</a:t>
-            </a:r>
-            <a:r>
-              <a:rPr kumimoji="1" lang="zh-TW" altLang="en-US" sz="4000" b="1" dirty="0" smtClean="0">
-                <a:effectLst>
-                  <a:outerShdw blurRad="38100" dist="38100" dir="2700000" algn="tl">
-                    <a:srgbClr val="000000">
-                      <a:alpha val="43137"/>
-                    </a:srgbClr>
-                  </a:outerShdw>
-                </a:effectLst>
-                <a:latin typeface="微軟正黑體" panose="020B0604030504040204" pitchFamily="34" charset="-120"/>
-                <a:ea typeface="微軟正黑體" panose="020B0604030504040204" pitchFamily="34" charset="-120"/>
-                <a:cs typeface="Heiti TC Light"/>
-              </a:rPr>
-              <a:t>一個</a:t>
-            </a:r>
-            <a:r>
-              <a:rPr kumimoji="1" lang="en-US" altLang="zh-TW" sz="4000" b="1" dirty="0" smtClean="0">
-                <a:effectLst>
-                  <a:outerShdw blurRad="38100" dist="38100" dir="2700000" algn="tl">
-                    <a:srgbClr val="000000">
-                      <a:alpha val="43137"/>
-                    </a:srgbClr>
-                  </a:outerShdw>
-                </a:effectLst>
-                <a:latin typeface="微軟正黑體" panose="020B0604030504040204" pitchFamily="34" charset="-120"/>
-                <a:ea typeface="微軟正黑體" panose="020B0604030504040204" pitchFamily="34" charset="-120"/>
-                <a:cs typeface="Heiti TC Light"/>
-              </a:rPr>
-              <a:t>notebook</a:t>
-            </a:r>
-          </a:p>
-          <a:p>
-            <a:pPr marL="176213" indent="-176213">
-              <a:buFont typeface="Arial" panose="020B0604020202020204" pitchFamily="34" charset="0"/>
-              <a:buChar char="•"/>
-            </a:pPr>
-            <a:r>
-              <a:rPr kumimoji="1" lang="zh-TW" altLang="en-US" sz="4000" b="1" dirty="0" smtClean="0">
-                <a:effectLst>
-                  <a:outerShdw blurRad="38100" dist="38100" dir="2700000" algn="tl">
-                    <a:srgbClr val="000000">
-                      <a:alpha val="43137"/>
-                    </a:srgbClr>
-                  </a:outerShdw>
-                </a:effectLst>
-                <a:latin typeface="微軟正黑體" panose="020B0604030504040204" pitchFamily="34" charset="-120"/>
-                <a:ea typeface="微軟正黑體" panose="020B0604030504040204" pitchFamily="34" charset="-120"/>
-                <a:cs typeface="Heiti TC Light"/>
-              </a:rPr>
-              <a:t>比</a:t>
-            </a:r>
-            <a:r>
-              <a:rPr kumimoji="1" lang="en-US" altLang="zh-TW" sz="4000" b="1" dirty="0" err="1" smtClean="0">
-                <a:effectLst>
-                  <a:outerShdw blurRad="38100" dist="38100" dir="2700000" algn="tl">
-                    <a:srgbClr val="000000">
-                      <a:alpha val="43137"/>
-                    </a:srgbClr>
-                  </a:outerShdw>
-                </a:effectLst>
-                <a:latin typeface="微軟正黑體" panose="020B0604030504040204" pitchFamily="34" charset="-120"/>
-                <a:ea typeface="微軟正黑體" panose="020B0604030504040204" pitchFamily="34" charset="-120"/>
-                <a:cs typeface="Heiti TC Light"/>
-              </a:rPr>
-              <a:t>Jupyter</a:t>
-            </a:r>
-            <a:r>
-              <a:rPr kumimoji="1" lang="en-US" altLang="zh-TW" sz="4000" b="1" dirty="0" smtClean="0">
-                <a:effectLst>
-                  <a:outerShdw blurRad="38100" dist="38100" dir="2700000" algn="tl">
-                    <a:srgbClr val="000000">
-                      <a:alpha val="43137"/>
-                    </a:srgbClr>
-                  </a:outerShdw>
-                </a:effectLst>
-                <a:latin typeface="微軟正黑體" panose="020B0604030504040204" pitchFamily="34" charset="-120"/>
-                <a:ea typeface="微軟正黑體" panose="020B0604030504040204" pitchFamily="34" charset="-120"/>
-                <a:cs typeface="Heiti TC Light"/>
-              </a:rPr>
-              <a:t> Notebook</a:t>
-            </a:r>
-            <a:r>
-              <a:rPr kumimoji="1" lang="zh-TW" altLang="en-US" sz="4000" b="1" dirty="0" smtClean="0">
-                <a:effectLst>
-                  <a:outerShdw blurRad="38100" dist="38100" dir="2700000" algn="tl">
-                    <a:srgbClr val="000000">
-                      <a:alpha val="43137"/>
-                    </a:srgbClr>
-                  </a:outerShdw>
-                </a:effectLst>
-                <a:latin typeface="微軟正黑體" panose="020B0604030504040204" pitchFamily="34" charset="-120"/>
-                <a:ea typeface="微軟正黑體" panose="020B0604030504040204" pitchFamily="34" charset="-120"/>
-                <a:cs typeface="Heiti TC Light"/>
-              </a:rPr>
-              <a:t>還強大</a:t>
-            </a:r>
-            <a:endParaRPr kumimoji="1" lang="en-US" altLang="zh-TW" sz="4000" b="1" dirty="0" smtClean="0">
-              <a:effectLst>
-                <a:outerShdw blurRad="38100" dist="38100" dir="2700000" algn="tl">
-                  <a:srgbClr val="000000">
-                    <a:alpha val="43137"/>
-                  </a:srgbClr>
-                </a:outerShdw>
-              </a:effectLst>
-              <a:latin typeface="微軟正黑體" panose="020B0604030504040204" pitchFamily="34" charset="-120"/>
-              <a:ea typeface="微軟正黑體" panose="020B0604030504040204" pitchFamily="34" charset="-120"/>
-              <a:cs typeface="Heiti TC Light"/>
-            </a:endParaRPr>
-          </a:p>
-          <a:p>
-            <a:pPr marL="176213" indent="-176213">
-              <a:buFont typeface="Arial" panose="020B0604020202020204" pitchFamily="34" charset="0"/>
-              <a:buChar char="•"/>
-            </a:pPr>
-            <a:r>
-              <a:rPr kumimoji="1" lang="en-US" altLang="zh-TW" sz="4000" b="1" dirty="0" smtClean="0">
-                <a:effectLst>
-                  <a:outerShdw blurRad="38100" dist="38100" dir="2700000" algn="tl">
-                    <a:srgbClr val="000000">
-                      <a:alpha val="43137"/>
-                    </a:srgbClr>
-                  </a:outerShdw>
-                </a:effectLst>
-                <a:latin typeface="微軟正黑體" panose="020B0604030504040204" pitchFamily="34" charset="-120"/>
-                <a:ea typeface="微軟正黑體" panose="020B0604030504040204" pitchFamily="34" charset="-120"/>
-                <a:cs typeface="Heiti TC Light"/>
-              </a:rPr>
-              <a:t>Launcher</a:t>
-            </a:r>
-            <a:r>
-              <a:rPr kumimoji="1" lang="zh-TW" altLang="en-US" sz="4000" b="1" dirty="0" smtClean="0">
-                <a:effectLst>
-                  <a:outerShdw blurRad="38100" dist="38100" dir="2700000" algn="tl">
-                    <a:srgbClr val="000000">
-                      <a:alpha val="43137"/>
-                    </a:srgbClr>
-                  </a:outerShdw>
-                </a:effectLst>
-                <a:latin typeface="微軟正黑體" panose="020B0604030504040204" pitchFamily="34" charset="-120"/>
-                <a:ea typeface="微軟正黑體" panose="020B0604030504040204" pitchFamily="34" charset="-120"/>
-                <a:cs typeface="Heiti TC Light"/>
-              </a:rPr>
-              <a:t>可載入任何腳本</a:t>
-            </a:r>
-            <a:endParaRPr kumimoji="1" lang="en-US" altLang="zh-TW" sz="4000" b="1" dirty="0" smtClean="0">
-              <a:effectLst>
-                <a:outerShdw blurRad="38100" dist="38100" dir="2700000" algn="tl">
-                  <a:srgbClr val="000000">
-                    <a:alpha val="43137"/>
-                  </a:srgbClr>
-                </a:outerShdw>
-              </a:effectLst>
-              <a:latin typeface="微軟正黑體" panose="020B0604030504040204" pitchFamily="34" charset="-120"/>
-              <a:ea typeface="微軟正黑體" panose="020B0604030504040204" pitchFamily="34" charset="-120"/>
-              <a:cs typeface="Heiti TC Light"/>
-            </a:endParaRPr>
-          </a:p>
-          <a:p>
-            <a:pPr marL="176213" indent="-176213">
-              <a:buFont typeface="Arial" panose="020B0604020202020204" pitchFamily="34" charset="0"/>
-              <a:buChar char="•"/>
-            </a:pPr>
-            <a:r>
-              <a:rPr kumimoji="1" lang="zh-TW" altLang="en-US" sz="4000" b="1" dirty="0" smtClean="0">
-                <a:effectLst>
-                  <a:outerShdw blurRad="38100" dist="38100" dir="2700000" algn="tl">
-                    <a:srgbClr val="000000">
-                      <a:alpha val="43137"/>
-                    </a:srgbClr>
-                  </a:outerShdw>
-                </a:effectLst>
-                <a:latin typeface="微軟正黑體" panose="020B0604030504040204" pitchFamily="34" charset="-120"/>
-                <a:ea typeface="微軟正黑體" panose="020B0604030504040204" pitchFamily="34" charset="-120"/>
-                <a:cs typeface="Heiti TC Light"/>
-              </a:rPr>
-              <a:t>整合檔案瀏覽器</a:t>
-            </a:r>
-            <a:endParaRPr kumimoji="1" lang="en-US" altLang="zh-TW" sz="4000" b="1" dirty="0" smtClean="0">
-              <a:effectLst>
-                <a:outerShdw blurRad="38100" dist="38100" dir="2700000" algn="tl">
-                  <a:srgbClr val="000000">
-                    <a:alpha val="43137"/>
-                  </a:srgbClr>
-                </a:outerShdw>
-              </a:effectLst>
-              <a:latin typeface="微軟正黑體" panose="020B0604030504040204" pitchFamily="34" charset="-120"/>
-              <a:ea typeface="微軟正黑體" panose="020B0604030504040204" pitchFamily="34" charset="-120"/>
-              <a:cs typeface="Heiti TC Light"/>
-            </a:endParaRPr>
-          </a:p>
-          <a:p>
-            <a:pPr marL="176213" indent="-176213">
-              <a:buFont typeface="Arial" panose="020B0604020202020204" pitchFamily="34" charset="0"/>
-              <a:buChar char="•"/>
-            </a:pPr>
-            <a:r>
-              <a:rPr kumimoji="1" lang="zh-TW" altLang="en-US" sz="4000" b="1" dirty="0" smtClean="0">
-                <a:effectLst>
-                  <a:outerShdw blurRad="38100" dist="38100" dir="2700000" algn="tl">
-                    <a:srgbClr val="000000">
-                      <a:alpha val="43137"/>
-                    </a:srgbClr>
-                  </a:outerShdw>
-                </a:effectLst>
-                <a:latin typeface="微軟正黑體" panose="020B0604030504040204" pitchFamily="34" charset="-120"/>
-                <a:ea typeface="微軟正黑體" panose="020B0604030504040204" pitchFamily="34" charset="-120"/>
-                <a:cs typeface="Heiti TC Light"/>
-              </a:rPr>
-              <a:t>強烈建議在此開發</a:t>
-            </a:r>
-            <a:r>
-              <a:rPr kumimoji="1" lang="en-US" altLang="zh-TW" sz="4000" b="1" dirty="0" smtClean="0">
-                <a:effectLst>
-                  <a:outerShdw blurRad="38100" dist="38100" dir="2700000" algn="tl">
-                    <a:srgbClr val="000000">
-                      <a:alpha val="43137"/>
-                    </a:srgbClr>
-                  </a:outerShdw>
-                </a:effectLst>
-                <a:latin typeface="微軟正黑體" panose="020B0604030504040204" pitchFamily="34" charset="-120"/>
-                <a:ea typeface="微軟正黑體" panose="020B0604030504040204" pitchFamily="34" charset="-120"/>
-                <a:cs typeface="Heiti TC Light"/>
-              </a:rPr>
-              <a:t>python</a:t>
-            </a:r>
-            <a:r>
-              <a:rPr kumimoji="1" lang="zh-TW" altLang="en-US" sz="4000" b="1" dirty="0" smtClean="0">
-                <a:effectLst>
-                  <a:outerShdw blurRad="38100" dist="38100" dir="2700000" algn="tl">
-                    <a:srgbClr val="000000">
-                      <a:alpha val="43137"/>
-                    </a:srgbClr>
-                  </a:outerShdw>
-                </a:effectLst>
-                <a:latin typeface="微軟正黑體" panose="020B0604030504040204" pitchFamily="34" charset="-120"/>
-                <a:ea typeface="微軟正黑體" panose="020B0604030504040204" pitchFamily="34" charset="-120"/>
-                <a:cs typeface="Heiti TC Light"/>
-              </a:rPr>
-              <a:t>軟體</a:t>
-            </a:r>
-            <a:endParaRPr kumimoji="1" lang="en-US" altLang="zh-TW" sz="4000" b="1" dirty="0" smtClean="0">
-              <a:effectLst>
-                <a:outerShdw blurRad="38100" dist="38100" dir="2700000" algn="tl">
-                  <a:srgbClr val="000000">
-                    <a:alpha val="43137"/>
-                  </a:srgbClr>
-                </a:outerShdw>
-              </a:effectLst>
-              <a:latin typeface="微軟正黑體" panose="020B0604030504040204" pitchFamily="34" charset="-120"/>
-              <a:ea typeface="微軟正黑體" panose="020B0604030504040204" pitchFamily="34" charset="-120"/>
-              <a:cs typeface="Heiti TC Light"/>
-            </a:endParaRPr>
-          </a:p>
-          <a:p>
-            <a:pPr marL="176213" indent="-176213">
-              <a:buFont typeface="Arial" panose="020B0604020202020204" pitchFamily="34" charset="0"/>
-              <a:buChar char="•"/>
-            </a:pPr>
-            <a:r>
-              <a:rPr kumimoji="1" lang="zh-TW" altLang="en-US" sz="4000" b="1" dirty="0" smtClean="0">
-                <a:effectLst>
-                  <a:outerShdw blurRad="38100" dist="38100" dir="2700000" algn="tl">
-                    <a:srgbClr val="000000">
-                      <a:alpha val="43137"/>
-                    </a:srgbClr>
-                  </a:outerShdw>
-                </a:effectLst>
-                <a:latin typeface="微軟正黑體" panose="020B0604030504040204" pitchFamily="34" charset="-120"/>
-                <a:ea typeface="微軟正黑體" panose="020B0604030504040204" pitchFamily="34" charset="-120"/>
-                <a:cs typeface="Heiti TC Light"/>
-              </a:rPr>
-              <a:t>整合</a:t>
-            </a:r>
-            <a:r>
-              <a:rPr kumimoji="1" lang="en-US" altLang="zh-TW" sz="4000" b="1" dirty="0" err="1" smtClean="0">
-                <a:effectLst>
-                  <a:outerShdw blurRad="38100" dist="38100" dir="2700000" algn="tl">
-                    <a:srgbClr val="000000">
-                      <a:alpha val="43137"/>
-                    </a:srgbClr>
-                  </a:outerShdw>
-                </a:effectLst>
-                <a:latin typeface="微軟正黑體" panose="020B0604030504040204" pitchFamily="34" charset="-120"/>
-                <a:ea typeface="微軟正黑體" panose="020B0604030504040204" pitchFamily="34" charset="-120"/>
-                <a:cs typeface="Heiti TC Light"/>
-              </a:rPr>
-              <a:t>git</a:t>
-            </a:r>
-            <a:r>
-              <a:rPr kumimoji="1" lang="zh-TW" altLang="en-US" sz="4000" b="1" dirty="0" smtClean="0">
-                <a:effectLst>
-                  <a:outerShdw blurRad="38100" dist="38100" dir="2700000" algn="tl">
-                    <a:srgbClr val="000000">
-                      <a:alpha val="43137"/>
-                    </a:srgbClr>
-                  </a:outerShdw>
-                </a:effectLst>
-                <a:latin typeface="微軟正黑體" panose="020B0604030504040204" pitchFamily="34" charset="-120"/>
-                <a:ea typeface="微軟正黑體" panose="020B0604030504040204" pitchFamily="34" charset="-120"/>
-                <a:cs typeface="Heiti TC Light"/>
-              </a:rPr>
-              <a:t>，可安裝各種擴充外掛</a:t>
-            </a:r>
-            <a:endParaRPr kumimoji="1" lang="en-US" altLang="zh-TW" sz="4000" b="1" dirty="0">
-              <a:effectLst>
-                <a:outerShdw blurRad="38100" dist="38100" dir="2700000" algn="tl">
-                  <a:srgbClr val="000000">
-                    <a:alpha val="43137"/>
-                  </a:srgbClr>
-                </a:outerShdw>
-              </a:effectLst>
-              <a:latin typeface="微軟正黑體" panose="020B0604030504040204" pitchFamily="34" charset="-120"/>
-              <a:ea typeface="微軟正黑體" panose="020B0604030504040204" pitchFamily="34" charset="-120"/>
-              <a:cs typeface="Heiti TC Light"/>
-            </a:endParaRPr>
-          </a:p>
-        </p:txBody>
-      </p:sp>
-      <p:sp>
-        <p:nvSpPr>
-          <p:cNvPr id="6" name="文字版面配置區 2"/>
-          <p:cNvSpPr>
-            <a:spLocks noGrp="1"/>
-          </p:cNvSpPr>
-          <p:nvPr>
-            <p:ph type="body" sz="quarter" idx="11"/>
-          </p:nvPr>
-        </p:nvSpPr>
-        <p:spPr>
-          <a:xfrm>
-            <a:off x="3048000" y="228600"/>
-            <a:ext cx="4191000" cy="990600"/>
-          </a:xfrm>
-        </p:spPr>
-        <p:txBody>
-          <a:bodyPr/>
-          <a:lstStyle/>
-          <a:p>
-            <a:pPr algn="just"/>
-            <a:r>
-              <a:rPr lang="en-US" altLang="zh-TW" sz="4800" b="1" dirty="0" err="1" smtClean="0">
-                <a:solidFill>
-                  <a:srgbClr val="00B0F0"/>
-                </a:solidFill>
-                <a:effectLst>
-                  <a:outerShdw blurRad="38100" dist="38100" dir="2700000" algn="tl">
-                    <a:srgbClr val="000000">
-                      <a:alpha val="43137"/>
-                    </a:srgbClr>
-                  </a:outerShdw>
-                </a:effectLst>
-                <a:latin typeface="微軟正黑體" panose="020B0604030504040204" pitchFamily="34" charset="-120"/>
-                <a:ea typeface="微軟正黑體" panose="020B0604030504040204" pitchFamily="34" charset="-120"/>
-              </a:rPr>
-              <a:t>Jupyter</a:t>
-            </a:r>
-            <a:r>
-              <a:rPr lang="en-US" altLang="zh-TW" sz="4800" b="1" dirty="0" smtClean="0">
-                <a:solidFill>
-                  <a:srgbClr val="00B0F0"/>
-                </a:solidFill>
-                <a:effectLst>
-                  <a:outerShdw blurRad="38100" dist="38100" dir="2700000" algn="tl">
-                    <a:srgbClr val="000000">
-                      <a:alpha val="43137"/>
-                    </a:srgbClr>
-                  </a:outerShdw>
-                </a:effectLst>
-                <a:latin typeface="微軟正黑體" panose="020B0604030504040204" pitchFamily="34" charset="-120"/>
-                <a:ea typeface="微軟正黑體" panose="020B0604030504040204" pitchFamily="34" charset="-120"/>
-              </a:rPr>
-              <a:t> Lab</a:t>
-            </a:r>
-            <a:endParaRPr lang="zh-TW" altLang="en-US" sz="4800" b="1" dirty="0">
-              <a:solidFill>
-                <a:srgbClr val="00B0F0"/>
-              </a:solidFill>
-              <a:effectLst>
-                <a:outerShdw blurRad="38100" dist="38100" dir="2700000" algn="tl">
-                  <a:srgbClr val="000000">
-                    <a:alpha val="43137"/>
-                  </a:srgbClr>
-                </a:outerShdw>
-              </a:effectLst>
-              <a:latin typeface="微軟正黑體" panose="020B0604030504040204" pitchFamily="34" charset="-120"/>
-              <a:ea typeface="微軟正黑體" panose="020B0604030504040204" pitchFamily="34" charset="-120"/>
-            </a:endParaRPr>
-          </a:p>
-        </p:txBody>
-      </p:sp>
-    </p:spTree>
-    <p:extLst>
-      <p:ext uri="{BB962C8B-B14F-4D97-AF65-F5344CB8AC3E}">
-        <p14:creationId xmlns="" xmlns:p14="http://schemas.microsoft.com/office/powerpoint/2010/main" val="522405798"/>
-      </p:ext>
-    </p:extLst>
-  </p:cSld>
-  <p:clrMapOvr>
-    <a:masterClrMapping/>
-  </p:clrMapOvr>
-  <p:transition>
-    <p:fade/>
-  </p:transition>
-  <p:timing>
-    <p:tnLst>
-      <p:par>
-        <p:cTn id="1" dur="indefinite" restart="never" nodeType="tmRoot"/>
-      </p:par>
-    </p:tnLst>
-  </p:timing>
-</p:sld>
-</file>
-
 <file path=ppt/slides/slide29.xml><?xml version="1.0" encoding="utf-8"?>
 <p:sld xmlns:a="http://schemas.openxmlformats.org/drawingml/2006/main" xmlns:r="http://schemas.openxmlformats.org/officeDocument/2006/relationships" xmlns:p="http://schemas.openxmlformats.org/presentationml/2006/main">
   <p:cSld>
@@ -18644,41 +18193,431 @@
           <a:chExt cx="0" cy="0"/>
         </a:xfrm>
       </p:grpSpPr>
-      <p:pic>
-        <p:nvPicPr>
-          <p:cNvPr id="1026" name="Picture 2"/>
-          <p:cNvPicPr>
-            <a:picLocks noChangeAspect="1" noChangeArrowheads="1"/>
-          </p:cNvPicPr>
+      <p:sp>
+        <p:nvSpPr>
+          <p:cNvPr id="5" name="文字方塊 4"/>
+          <p:cNvSpPr txBox="1"/>
           <p:nvPr/>
-        </p:nvPicPr>
-        <p:blipFill>
-          <a:blip r:embed="rId3" cstate="print"/>
-          <a:srcRect/>
-          <a:stretch>
-            <a:fillRect/>
-          </a:stretch>
-        </p:blipFill>
-        <p:spPr bwMode="auto">
+        </p:nvSpPr>
+        <p:spPr>
           <a:xfrm>
-            <a:off x="990600" y="1676400"/>
-            <a:ext cx="7696200" cy="4760931"/>
+            <a:off x="685800" y="1676400"/>
+            <a:ext cx="8077200" cy="4401205"/>
           </a:xfrm>
           <a:prstGeom prst="rect">
             <a:avLst/>
           </a:prstGeom>
           <a:noFill/>
-          <a:ln w="9525">
-            <a:noFill/>
-            <a:miter lim="800000"/>
-            <a:headEnd/>
-            <a:tailEnd/>
-          </a:ln>
         </p:spPr>
-      </p:pic>
-      <p:sp>
-        <p:nvSpPr>
-          <p:cNvPr id="3" name="文字版面配置區 2"/>
+        <p:txBody>
+          <a:bodyPr wrap="square" rtlCol="0">
+            <a:spAutoFit/>
+          </a:bodyPr>
+          <a:lstStyle/>
+          <a:p>
+            <a:pPr marL="176213" indent="-176213">
+              <a:buFont typeface="Arial" panose="020B0604020202020204" pitchFamily="34" charset="0"/>
+              <a:buChar char="•"/>
+            </a:pPr>
+            <a:r>
+              <a:rPr kumimoji="1" lang="en-US" altLang="zh-TW" sz="4000" b="1" dirty="0" smtClean="0">
+                <a:effectLst>
+                  <a:outerShdw blurRad="38100" dist="38100" dir="2700000" algn="tl">
+                    <a:srgbClr val="000000">
+                      <a:alpha val="43137"/>
+                    </a:srgbClr>
+                  </a:outerShdw>
+                </a:effectLst>
+                <a:latin typeface="微軟正黑體" panose="020B0604030504040204" pitchFamily="34" charset="-120"/>
+                <a:ea typeface="微軟正黑體" panose="020B0604030504040204" pitchFamily="34" charset="-120"/>
+                <a:cs typeface="Heiti TC Light"/>
+              </a:rPr>
+              <a:t>Tab</a:t>
+            </a:r>
+            <a:r>
+              <a:rPr kumimoji="1" lang="zh-TW" altLang="en-US" sz="4000" b="1" dirty="0" smtClean="0">
+                <a:effectLst>
+                  <a:outerShdw blurRad="38100" dist="38100" dir="2700000" algn="tl">
+                    <a:srgbClr val="000000">
+                      <a:alpha val="43137"/>
+                    </a:srgbClr>
+                  </a:outerShdw>
+                </a:effectLst>
+                <a:latin typeface="微軟正黑體" panose="020B0604030504040204" pitchFamily="34" charset="-120"/>
+                <a:ea typeface="微軟正黑體" panose="020B0604030504040204" pitchFamily="34" charset="-120"/>
+                <a:cs typeface="Heiti TC Light"/>
+              </a:rPr>
+              <a:t>方式的瀏覽介面</a:t>
+            </a:r>
+            <a:endParaRPr kumimoji="1" lang="en-US" altLang="zh-TW" sz="4000" b="1" dirty="0" smtClean="0">
+              <a:effectLst>
+                <a:outerShdw blurRad="38100" dist="38100" dir="2700000" algn="tl">
+                  <a:srgbClr val="000000">
+                    <a:alpha val="43137"/>
+                  </a:srgbClr>
+                </a:outerShdw>
+              </a:effectLst>
+              <a:latin typeface="微軟正黑體" panose="020B0604030504040204" pitchFamily="34" charset="-120"/>
+              <a:ea typeface="微軟正黑體" panose="020B0604030504040204" pitchFamily="34" charset="-120"/>
+              <a:cs typeface="Heiti TC Light"/>
+            </a:endParaRPr>
+          </a:p>
+          <a:p>
+            <a:pPr marL="176213" indent="-176213">
+              <a:buFont typeface="Arial" panose="020B0604020202020204" pitchFamily="34" charset="0"/>
+              <a:buChar char="•"/>
+            </a:pPr>
+            <a:r>
+              <a:rPr kumimoji="1" lang="zh-TW" altLang="en-US" sz="4000" b="1" dirty="0" smtClean="0">
+                <a:effectLst>
+                  <a:outerShdw blurRad="38100" dist="38100" dir="2700000" algn="tl">
+                    <a:srgbClr val="000000">
+                      <a:alpha val="43137"/>
+                    </a:srgbClr>
+                  </a:outerShdw>
+                </a:effectLst>
+                <a:latin typeface="微軟正黑體" panose="020B0604030504040204" pitchFamily="34" charset="-120"/>
+                <a:ea typeface="微軟正黑體" panose="020B0604030504040204" pitchFamily="34" charset="-120"/>
+                <a:cs typeface="Heiti TC Light"/>
+              </a:rPr>
+              <a:t>也可隨時</a:t>
+            </a:r>
+            <a:r>
+              <a:rPr kumimoji="1" lang="en-US" altLang="zh-TW" sz="4000" b="1" dirty="0" smtClean="0">
+                <a:effectLst>
+                  <a:outerShdw blurRad="38100" dist="38100" dir="2700000" algn="tl">
+                    <a:srgbClr val="000000">
+                      <a:alpha val="43137"/>
+                    </a:srgbClr>
+                  </a:outerShdw>
+                </a:effectLst>
+                <a:latin typeface="微軟正黑體" panose="020B0604030504040204" pitchFamily="34" charset="-120"/>
+                <a:ea typeface="微軟正黑體" panose="020B0604030504040204" pitchFamily="34" charset="-120"/>
+                <a:cs typeface="Heiti TC Light"/>
+              </a:rPr>
+              <a:t>launch</a:t>
+            </a:r>
+            <a:r>
+              <a:rPr kumimoji="1" lang="zh-TW" altLang="en-US" sz="4000" b="1" dirty="0" smtClean="0">
+                <a:effectLst>
+                  <a:outerShdw blurRad="38100" dist="38100" dir="2700000" algn="tl">
+                    <a:srgbClr val="000000">
+                      <a:alpha val="43137"/>
+                    </a:srgbClr>
+                  </a:outerShdw>
+                </a:effectLst>
+                <a:latin typeface="微軟正黑體" panose="020B0604030504040204" pitchFamily="34" charset="-120"/>
+                <a:ea typeface="微軟正黑體" panose="020B0604030504040204" pitchFamily="34" charset="-120"/>
+                <a:cs typeface="Heiti TC Light"/>
+              </a:rPr>
+              <a:t>一個</a:t>
+            </a:r>
+            <a:r>
+              <a:rPr kumimoji="1" lang="en-US" altLang="zh-TW" sz="4000" b="1" dirty="0" smtClean="0">
+                <a:effectLst>
+                  <a:outerShdw blurRad="38100" dist="38100" dir="2700000" algn="tl">
+                    <a:srgbClr val="000000">
+                      <a:alpha val="43137"/>
+                    </a:srgbClr>
+                  </a:outerShdw>
+                </a:effectLst>
+                <a:latin typeface="微軟正黑體" panose="020B0604030504040204" pitchFamily="34" charset="-120"/>
+                <a:ea typeface="微軟正黑體" panose="020B0604030504040204" pitchFamily="34" charset="-120"/>
+                <a:cs typeface="Heiti TC Light"/>
+              </a:rPr>
+              <a:t>notebook</a:t>
+            </a:r>
+          </a:p>
+          <a:p>
+            <a:pPr marL="176213" indent="-176213">
+              <a:buFont typeface="Arial" panose="020B0604020202020204" pitchFamily="34" charset="0"/>
+              <a:buChar char="•"/>
+            </a:pPr>
+            <a:r>
+              <a:rPr kumimoji="1" lang="zh-TW" altLang="en-US" sz="4000" b="1" dirty="0" smtClean="0">
+                <a:effectLst>
+                  <a:outerShdw blurRad="38100" dist="38100" dir="2700000" algn="tl">
+                    <a:srgbClr val="000000">
+                      <a:alpha val="43137"/>
+                    </a:srgbClr>
+                  </a:outerShdw>
+                </a:effectLst>
+                <a:latin typeface="微軟正黑體" panose="020B0604030504040204" pitchFamily="34" charset="-120"/>
+                <a:ea typeface="微軟正黑體" panose="020B0604030504040204" pitchFamily="34" charset="-120"/>
+                <a:cs typeface="Heiti TC Light"/>
+              </a:rPr>
+              <a:t>比</a:t>
+            </a:r>
+            <a:r>
+              <a:rPr kumimoji="1" lang="en-US" altLang="zh-TW" sz="4000" b="1" dirty="0" err="1" smtClean="0">
+                <a:effectLst>
+                  <a:outerShdw blurRad="38100" dist="38100" dir="2700000" algn="tl">
+                    <a:srgbClr val="000000">
+                      <a:alpha val="43137"/>
+                    </a:srgbClr>
+                  </a:outerShdw>
+                </a:effectLst>
+                <a:latin typeface="微軟正黑體" panose="020B0604030504040204" pitchFamily="34" charset="-120"/>
+                <a:ea typeface="微軟正黑體" panose="020B0604030504040204" pitchFamily="34" charset="-120"/>
+                <a:cs typeface="Heiti TC Light"/>
+              </a:rPr>
+              <a:t>Jupyter</a:t>
+            </a:r>
+            <a:r>
+              <a:rPr kumimoji="1" lang="en-US" altLang="zh-TW" sz="4000" b="1" dirty="0" smtClean="0">
+                <a:effectLst>
+                  <a:outerShdw blurRad="38100" dist="38100" dir="2700000" algn="tl">
+                    <a:srgbClr val="000000">
+                      <a:alpha val="43137"/>
+                    </a:srgbClr>
+                  </a:outerShdw>
+                </a:effectLst>
+                <a:latin typeface="微軟正黑體" panose="020B0604030504040204" pitchFamily="34" charset="-120"/>
+                <a:ea typeface="微軟正黑體" panose="020B0604030504040204" pitchFamily="34" charset="-120"/>
+                <a:cs typeface="Heiti TC Light"/>
+              </a:rPr>
+              <a:t> Notebook</a:t>
+            </a:r>
+            <a:r>
+              <a:rPr kumimoji="1" lang="zh-TW" altLang="en-US" sz="4000" b="1" dirty="0" smtClean="0">
+                <a:effectLst>
+                  <a:outerShdw blurRad="38100" dist="38100" dir="2700000" algn="tl">
+                    <a:srgbClr val="000000">
+                      <a:alpha val="43137"/>
+                    </a:srgbClr>
+                  </a:outerShdw>
+                </a:effectLst>
+                <a:latin typeface="微軟正黑體" panose="020B0604030504040204" pitchFamily="34" charset="-120"/>
+                <a:ea typeface="微軟正黑體" panose="020B0604030504040204" pitchFamily="34" charset="-120"/>
+                <a:cs typeface="Heiti TC Light"/>
+              </a:rPr>
+              <a:t>還強大</a:t>
+            </a:r>
+            <a:endParaRPr kumimoji="1" lang="en-US" altLang="zh-TW" sz="4000" b="1" dirty="0" smtClean="0">
+              <a:effectLst>
+                <a:outerShdw blurRad="38100" dist="38100" dir="2700000" algn="tl">
+                  <a:srgbClr val="000000">
+                    <a:alpha val="43137"/>
+                  </a:srgbClr>
+                </a:outerShdw>
+              </a:effectLst>
+              <a:latin typeface="微軟正黑體" panose="020B0604030504040204" pitchFamily="34" charset="-120"/>
+              <a:ea typeface="微軟正黑體" panose="020B0604030504040204" pitchFamily="34" charset="-120"/>
+              <a:cs typeface="Heiti TC Light"/>
+            </a:endParaRPr>
+          </a:p>
+          <a:p>
+            <a:pPr marL="176213" indent="-176213">
+              <a:buFont typeface="Arial" panose="020B0604020202020204" pitchFamily="34" charset="0"/>
+              <a:buChar char="•"/>
+            </a:pPr>
+            <a:r>
+              <a:rPr kumimoji="1" lang="en-US" altLang="zh-TW" sz="4000" b="1" dirty="0" smtClean="0">
+                <a:effectLst>
+                  <a:outerShdw blurRad="38100" dist="38100" dir="2700000" algn="tl">
+                    <a:srgbClr val="000000">
+                      <a:alpha val="43137"/>
+                    </a:srgbClr>
+                  </a:outerShdw>
+                </a:effectLst>
+                <a:latin typeface="微軟正黑體" panose="020B0604030504040204" pitchFamily="34" charset="-120"/>
+                <a:ea typeface="微軟正黑體" panose="020B0604030504040204" pitchFamily="34" charset="-120"/>
+                <a:cs typeface="Heiti TC Light"/>
+              </a:rPr>
+              <a:t>Launcher</a:t>
+            </a:r>
+            <a:r>
+              <a:rPr kumimoji="1" lang="zh-TW" altLang="en-US" sz="4000" b="1" dirty="0" smtClean="0">
+                <a:effectLst>
+                  <a:outerShdw blurRad="38100" dist="38100" dir="2700000" algn="tl">
+                    <a:srgbClr val="000000">
+                      <a:alpha val="43137"/>
+                    </a:srgbClr>
+                  </a:outerShdw>
+                </a:effectLst>
+                <a:latin typeface="微軟正黑體" panose="020B0604030504040204" pitchFamily="34" charset="-120"/>
+                <a:ea typeface="微軟正黑體" panose="020B0604030504040204" pitchFamily="34" charset="-120"/>
+                <a:cs typeface="Heiti TC Light"/>
+              </a:rPr>
+              <a:t>可載入任何腳本</a:t>
+            </a:r>
+            <a:endParaRPr kumimoji="1" lang="en-US" altLang="zh-TW" sz="4000" b="1" dirty="0" smtClean="0">
+              <a:effectLst>
+                <a:outerShdw blurRad="38100" dist="38100" dir="2700000" algn="tl">
+                  <a:srgbClr val="000000">
+                    <a:alpha val="43137"/>
+                  </a:srgbClr>
+                </a:outerShdw>
+              </a:effectLst>
+              <a:latin typeface="微軟正黑體" panose="020B0604030504040204" pitchFamily="34" charset="-120"/>
+              <a:ea typeface="微軟正黑體" panose="020B0604030504040204" pitchFamily="34" charset="-120"/>
+              <a:cs typeface="Heiti TC Light"/>
+            </a:endParaRPr>
+          </a:p>
+          <a:p>
+            <a:pPr marL="176213" indent="-176213">
+              <a:buFont typeface="Arial" panose="020B0604020202020204" pitchFamily="34" charset="0"/>
+              <a:buChar char="•"/>
+            </a:pPr>
+            <a:r>
+              <a:rPr kumimoji="1" lang="zh-TW" altLang="en-US" sz="4000" b="1" dirty="0" smtClean="0">
+                <a:effectLst>
+                  <a:outerShdw blurRad="38100" dist="38100" dir="2700000" algn="tl">
+                    <a:srgbClr val="000000">
+                      <a:alpha val="43137"/>
+                    </a:srgbClr>
+                  </a:outerShdw>
+                </a:effectLst>
+                <a:latin typeface="微軟正黑體" panose="020B0604030504040204" pitchFamily="34" charset="-120"/>
+                <a:ea typeface="微軟正黑體" panose="020B0604030504040204" pitchFamily="34" charset="-120"/>
+                <a:cs typeface="Heiti TC Light"/>
+              </a:rPr>
+              <a:t>整合檔案瀏覽器</a:t>
+            </a:r>
+            <a:endParaRPr kumimoji="1" lang="en-US" altLang="zh-TW" sz="4000" b="1" dirty="0" smtClean="0">
+              <a:effectLst>
+                <a:outerShdw blurRad="38100" dist="38100" dir="2700000" algn="tl">
+                  <a:srgbClr val="000000">
+                    <a:alpha val="43137"/>
+                  </a:srgbClr>
+                </a:outerShdw>
+              </a:effectLst>
+              <a:latin typeface="微軟正黑體" panose="020B0604030504040204" pitchFamily="34" charset="-120"/>
+              <a:ea typeface="微軟正黑體" panose="020B0604030504040204" pitchFamily="34" charset="-120"/>
+              <a:cs typeface="Heiti TC Light"/>
+            </a:endParaRPr>
+          </a:p>
+          <a:p>
+            <a:pPr marL="176213" indent="-176213">
+              <a:buFont typeface="Arial" panose="020B0604020202020204" pitchFamily="34" charset="0"/>
+              <a:buChar char="•"/>
+            </a:pPr>
+            <a:r>
+              <a:rPr kumimoji="1" lang="zh-TW" altLang="en-US" sz="4000" b="1" dirty="0" smtClean="0">
+                <a:effectLst>
+                  <a:outerShdw blurRad="38100" dist="38100" dir="2700000" algn="tl">
+                    <a:srgbClr val="000000">
+                      <a:alpha val="43137"/>
+                    </a:srgbClr>
+                  </a:outerShdw>
+                </a:effectLst>
+                <a:latin typeface="微軟正黑體" panose="020B0604030504040204" pitchFamily="34" charset="-120"/>
+                <a:ea typeface="微軟正黑體" panose="020B0604030504040204" pitchFamily="34" charset="-120"/>
+                <a:cs typeface="Heiti TC Light"/>
+              </a:rPr>
+              <a:t>強烈建議在此開發</a:t>
+            </a:r>
+            <a:r>
+              <a:rPr kumimoji="1" lang="en-US" altLang="zh-TW" sz="4000" b="1" dirty="0" smtClean="0">
+                <a:effectLst>
+                  <a:outerShdw blurRad="38100" dist="38100" dir="2700000" algn="tl">
+                    <a:srgbClr val="000000">
+                      <a:alpha val="43137"/>
+                    </a:srgbClr>
+                  </a:outerShdw>
+                </a:effectLst>
+                <a:latin typeface="微軟正黑體" panose="020B0604030504040204" pitchFamily="34" charset="-120"/>
+                <a:ea typeface="微軟正黑體" panose="020B0604030504040204" pitchFamily="34" charset="-120"/>
+                <a:cs typeface="Heiti TC Light"/>
+              </a:rPr>
+              <a:t>python</a:t>
+            </a:r>
+            <a:r>
+              <a:rPr kumimoji="1" lang="zh-TW" altLang="en-US" sz="4000" b="1" dirty="0" smtClean="0">
+                <a:effectLst>
+                  <a:outerShdw blurRad="38100" dist="38100" dir="2700000" algn="tl">
+                    <a:srgbClr val="000000">
+                      <a:alpha val="43137"/>
+                    </a:srgbClr>
+                  </a:outerShdw>
+                </a:effectLst>
+                <a:latin typeface="微軟正黑體" panose="020B0604030504040204" pitchFamily="34" charset="-120"/>
+                <a:ea typeface="微軟正黑體" panose="020B0604030504040204" pitchFamily="34" charset="-120"/>
+                <a:cs typeface="Heiti TC Light"/>
+              </a:rPr>
+              <a:t>軟體</a:t>
+            </a:r>
+            <a:endParaRPr kumimoji="1" lang="en-US" altLang="zh-TW" sz="4000" b="1" dirty="0" smtClean="0">
+              <a:effectLst>
+                <a:outerShdw blurRad="38100" dist="38100" dir="2700000" algn="tl">
+                  <a:srgbClr val="000000">
+                    <a:alpha val="43137"/>
+                  </a:srgbClr>
+                </a:outerShdw>
+              </a:effectLst>
+              <a:latin typeface="微軟正黑體" panose="020B0604030504040204" pitchFamily="34" charset="-120"/>
+              <a:ea typeface="微軟正黑體" panose="020B0604030504040204" pitchFamily="34" charset="-120"/>
+              <a:cs typeface="Heiti TC Light"/>
+            </a:endParaRPr>
+          </a:p>
+          <a:p>
+            <a:pPr marL="176213" indent="-176213">
+              <a:buFont typeface="Arial" panose="020B0604020202020204" pitchFamily="34" charset="0"/>
+              <a:buChar char="•"/>
+            </a:pPr>
+            <a:r>
+              <a:rPr kumimoji="1" lang="zh-TW" altLang="en-US" sz="4000" b="1" dirty="0" smtClean="0">
+                <a:effectLst>
+                  <a:outerShdw blurRad="38100" dist="38100" dir="2700000" algn="tl">
+                    <a:srgbClr val="000000">
+                      <a:alpha val="43137"/>
+                    </a:srgbClr>
+                  </a:outerShdw>
+                </a:effectLst>
+                <a:latin typeface="微軟正黑體" panose="020B0604030504040204" pitchFamily="34" charset="-120"/>
+                <a:ea typeface="微軟正黑體" panose="020B0604030504040204" pitchFamily="34" charset="-120"/>
+                <a:cs typeface="Heiti TC Light"/>
+              </a:rPr>
+              <a:t>整合</a:t>
+            </a:r>
+            <a:r>
+              <a:rPr kumimoji="1" lang="en-US" altLang="zh-TW" sz="4000" b="1" dirty="0" err="1" smtClean="0">
+                <a:effectLst>
+                  <a:outerShdw blurRad="38100" dist="38100" dir="2700000" algn="tl">
+                    <a:srgbClr val="000000">
+                      <a:alpha val="43137"/>
+                    </a:srgbClr>
+                  </a:outerShdw>
+                </a:effectLst>
+                <a:latin typeface="微軟正黑體" panose="020B0604030504040204" pitchFamily="34" charset="-120"/>
+                <a:ea typeface="微軟正黑體" panose="020B0604030504040204" pitchFamily="34" charset="-120"/>
+                <a:cs typeface="Heiti TC Light"/>
+              </a:rPr>
+              <a:t>git</a:t>
+            </a:r>
+            <a:r>
+              <a:rPr kumimoji="1" lang="zh-TW" altLang="en-US" sz="4000" b="1" dirty="0" smtClean="0">
+                <a:effectLst>
+                  <a:outerShdw blurRad="38100" dist="38100" dir="2700000" algn="tl">
+                    <a:srgbClr val="000000">
+                      <a:alpha val="43137"/>
+                    </a:srgbClr>
+                  </a:outerShdw>
+                </a:effectLst>
+                <a:latin typeface="微軟正黑體" panose="020B0604030504040204" pitchFamily="34" charset="-120"/>
+                <a:ea typeface="微軟正黑體" panose="020B0604030504040204" pitchFamily="34" charset="-120"/>
+                <a:cs typeface="Heiti TC Light"/>
+              </a:rPr>
+              <a:t>，可安裝各種擴充外掛</a:t>
+            </a:r>
+            <a:endParaRPr kumimoji="1" lang="en-US" altLang="zh-TW" sz="4000" b="1" dirty="0">
+              <a:effectLst>
+                <a:outerShdw blurRad="38100" dist="38100" dir="2700000" algn="tl">
+                  <a:srgbClr val="000000">
+                    <a:alpha val="43137"/>
+                  </a:srgbClr>
+                </a:outerShdw>
+              </a:effectLst>
+              <a:latin typeface="微軟正黑體" panose="020B0604030504040204" pitchFamily="34" charset="-120"/>
+              <a:ea typeface="微軟正黑體" panose="020B0604030504040204" pitchFamily="34" charset="-120"/>
+              <a:cs typeface="Heiti TC Light"/>
+            </a:endParaRPr>
+          </a:p>
+        </p:txBody>
+      </p:sp>
+      <p:sp>
+        <p:nvSpPr>
+          <p:cNvPr id="6" name="文字版面配置區 2"/>
           <p:cNvSpPr>
             <a:spLocks noGrp="1"/>
           </p:cNvSpPr>
@@ -18688,8 +18627,8 @@
         </p:nvSpPr>
         <p:spPr>
           <a:xfrm>
-            <a:off x="1447800" y="228600"/>
-            <a:ext cx="6248400" cy="990600"/>
+            <a:off x="3048000" y="228600"/>
+            <a:ext cx="4191000" cy="990600"/>
           </a:xfrm>
         </p:spPr>
         <p:txBody>
@@ -18697,23 +18636,6 @@
           <a:lstStyle/>
           <a:p>
             <a:pPr algn="just"/>
-            <a:r>
-              <a:rPr lang="zh-TW" altLang="en-US" sz="4800" b="1" dirty="0" smtClean="0">
-                <a:solidFill>
-                  <a:srgbClr val="00B0F0"/>
-                </a:solidFill>
-                <a:effectLst>
-                  <a:outerShdw blurRad="38100" dist="38100" dir="2700000" algn="tl">
-                    <a:srgbClr val="000000">
-                      <a:alpha val="43137"/>
-                    </a:srgbClr>
-                  </a:outerShdw>
-                </a:effectLst>
-                <a:latin typeface="微軟正黑體" panose="020B0604030504040204" pitchFamily="34" charset="-120"/>
-                <a:ea typeface="微軟正黑體" panose="020B0604030504040204" pitchFamily="34" charset="-120"/>
-              </a:rPr>
-              <a:t>支援各種</a:t>
-            </a:r>
             <a:r>
               <a:rPr lang="en-US" altLang="zh-TW" sz="4800" b="1" dirty="0" err="1" smtClean="0">
                 <a:solidFill>
@@ -18729,7 +18651,7 @@
                 <a:latin typeface="微軟正黑體" panose="020B0604030504040204" pitchFamily="34" charset="-120"/>
                 <a:ea typeface="微軟正黑體" panose="020B0604030504040204" pitchFamily="34" charset="-120"/>
               </a:rPr>
-              <a:t>conda</a:t>
+              <a:t>Jupyter</a:t>
             </a:r>
             <a:r>
               <a:rPr lang="en-US" altLang="zh-TW" sz="4800" b="1" dirty="0" smtClean="0">
@@ -18746,24 +18668,7 @@
                 <a:latin typeface="微軟正黑體" panose="020B0604030504040204" pitchFamily="34" charset="-120"/>
                 <a:ea typeface="微軟正黑體" panose="020B0604030504040204" pitchFamily="34" charset="-120"/>
               </a:rPr>
-              <a:t> </a:t>
-            </a:r>
-            <a:r>
-              <a:rPr lang="en-US" altLang="zh-TW" sz="4800" b="1" dirty="0" err="1" smtClean="0">
-                <a:solidFill>
-                  <a:srgbClr val="00B0F0"/>
-                </a:solidFill>
-                <a:effectLst>
-                  <a:outerShdw blurRad="38100" dist="38100" dir="2700000" algn="tl">
-                    <a:srgbClr val="000000">
-                      <a:alpha val="43137"/>
-                    </a:srgbClr>
-                  </a:outerShdw>
-                </a:effectLst>
-                <a:latin typeface="微軟正黑體" panose="020B0604030504040204" pitchFamily="34" charset="-120"/>
-                <a:ea typeface="微軟正黑體" panose="020B0604030504040204" pitchFamily="34" charset="-120"/>
-              </a:rPr>
-              <a:t>env</a:t>
+              <a:t> Lab</a:t>
             </a:r>
             <a:endParaRPr lang="zh-TW" altLang="en-US" sz="4800" b="1" dirty="0">
               <a:solidFill>
@@ -18785,7 +18690,7 @@
     </p:spTree>
     <p:extLst>
       <p:ext uri="{BB962C8B-B14F-4D97-AF65-F5344CB8AC3E}">
-        <p14:creationId xmlns="" xmlns:p14="http://schemas.microsoft.com/office/powerpoint/2010/main" val="522405798"/>
+        <p14:creationId xmlns:p14="http://schemas.microsoft.com/office/powerpoint/2010/main" xmlns="" val="522405798"/>
       </p:ext>
     </p:extLst>
   </p:cSld>
@@ -19219,7 +19124,7 @@
     </p:spTree>
     <p:extLst>
       <p:ext uri="{BB962C8B-B14F-4D97-AF65-F5344CB8AC3E}">
-        <p14:creationId xmlns="" xmlns:p14="http://schemas.microsoft.com/office/powerpoint/2010/main" val="522405798"/>
+        <p14:creationId xmlns:p14="http://schemas.microsoft.com/office/powerpoint/2010/main" xmlns="" val="522405798"/>
       </p:ext>
     </p:extLst>
   </p:cSld>
@@ -19337,6 +19242,184 @@
       </p:grpSpPr>
       <p:pic>
         <p:nvPicPr>
+          <p:cNvPr id="1026" name="Picture 2"/>
+          <p:cNvPicPr>
+            <a:picLocks noChangeAspect="1" noChangeArrowheads="1"/>
+          </p:cNvPicPr>
+          <p:nvPr/>
+        </p:nvPicPr>
+        <p:blipFill>
+          <a:blip r:embed="rId3" cstate="print"/>
+          <a:srcRect/>
+          <a:stretch>
+            <a:fillRect/>
+          </a:stretch>
+        </p:blipFill>
+        <p:spPr bwMode="auto">
+          <a:xfrm>
+            <a:off x="990600" y="1676400"/>
+            <a:ext cx="7696200" cy="4760931"/>
+          </a:xfrm>
+          <a:prstGeom prst="rect">
+            <a:avLst/>
+          </a:prstGeom>
+          <a:noFill/>
+          <a:ln w="9525">
+            <a:noFill/>
+            <a:miter lim="800000"/>
+            <a:headEnd/>
+            <a:tailEnd/>
+          </a:ln>
+        </p:spPr>
+      </p:pic>
+      <p:sp>
+        <p:nvSpPr>
+          <p:cNvPr id="3" name="文字版面配置區 2"/>
+          <p:cNvSpPr>
+            <a:spLocks noGrp="1"/>
+          </p:cNvSpPr>
+          <p:nvPr>
+            <p:ph type="body" sz="quarter" idx="11"/>
+          </p:nvPr>
+        </p:nvSpPr>
+        <p:spPr>
+          <a:xfrm>
+            <a:off x="1447800" y="228600"/>
+            <a:ext cx="6248400" cy="990600"/>
+          </a:xfrm>
+        </p:spPr>
+        <p:txBody>
+          <a:bodyPr/>
+          <a:lstStyle/>
+          <a:p>
+            <a:pPr algn="just"/>
+            <a:r>
+              <a:rPr lang="zh-TW" altLang="en-US" sz="4800" b="1" dirty="0" smtClean="0">
+                <a:solidFill>
+                  <a:srgbClr val="00B0F0"/>
+                </a:solidFill>
+                <a:effectLst>
+                  <a:outerShdw blurRad="38100" dist="38100" dir="2700000" algn="tl">
+                    <a:srgbClr val="000000">
+                      <a:alpha val="43137"/>
+                    </a:srgbClr>
+                  </a:outerShdw>
+                </a:effectLst>
+                <a:latin typeface="微軟正黑體" panose="020B0604030504040204" pitchFamily="34" charset="-120"/>
+                <a:ea typeface="微軟正黑體" panose="020B0604030504040204" pitchFamily="34" charset="-120"/>
+              </a:rPr>
+              <a:t>支援各種</a:t>
+            </a:r>
+            <a:r>
+              <a:rPr lang="en-US" altLang="zh-TW" sz="4800" b="1" dirty="0" err="1" smtClean="0">
+                <a:solidFill>
+                  <a:srgbClr val="00B0F0"/>
+                </a:solidFill>
+                <a:effectLst>
+                  <a:outerShdw blurRad="38100" dist="38100" dir="2700000" algn="tl">
+                    <a:srgbClr val="000000">
+                      <a:alpha val="43137"/>
+                    </a:srgbClr>
+                  </a:outerShdw>
+                </a:effectLst>
+                <a:latin typeface="微軟正黑體" panose="020B0604030504040204" pitchFamily="34" charset="-120"/>
+                <a:ea typeface="微軟正黑體" panose="020B0604030504040204" pitchFamily="34" charset="-120"/>
+              </a:rPr>
+              <a:t>conda</a:t>
+            </a:r>
+            <a:r>
+              <a:rPr lang="en-US" altLang="zh-TW" sz="4800" b="1" dirty="0" smtClean="0">
+                <a:solidFill>
+                  <a:srgbClr val="00B0F0"/>
+                </a:solidFill>
+                <a:effectLst>
+                  <a:outerShdw blurRad="38100" dist="38100" dir="2700000" algn="tl">
+                    <a:srgbClr val="000000">
+                      <a:alpha val="43137"/>
+                    </a:srgbClr>
+                  </a:outerShdw>
+                </a:effectLst>
+                <a:latin typeface="微軟正黑體" panose="020B0604030504040204" pitchFamily="34" charset="-120"/>
+                <a:ea typeface="微軟正黑體" panose="020B0604030504040204" pitchFamily="34" charset="-120"/>
+              </a:rPr>
+              <a:t> </a:t>
+            </a:r>
+            <a:r>
+              <a:rPr lang="en-US" altLang="zh-TW" sz="4800" b="1" dirty="0" err="1" smtClean="0">
+                <a:solidFill>
+                  <a:srgbClr val="00B0F0"/>
+                </a:solidFill>
+                <a:effectLst>
+                  <a:outerShdw blurRad="38100" dist="38100" dir="2700000" algn="tl">
+                    <a:srgbClr val="000000">
+                      <a:alpha val="43137"/>
+                    </a:srgbClr>
+                  </a:outerShdw>
+                </a:effectLst>
+                <a:latin typeface="微軟正黑體" panose="020B0604030504040204" pitchFamily="34" charset="-120"/>
+                <a:ea typeface="微軟正黑體" panose="020B0604030504040204" pitchFamily="34" charset="-120"/>
+              </a:rPr>
+              <a:t>env</a:t>
+            </a:r>
+            <a:endParaRPr lang="zh-TW" altLang="en-US" sz="4800" b="1" dirty="0">
+              <a:solidFill>
+                <a:srgbClr val="00B0F0"/>
+              </a:solidFill>
+              <a:effectLst>
+                <a:outerShdw blurRad="38100" dist="38100" dir="2700000" algn="tl">
+                  <a:srgbClr val="000000">
+                    <a:alpha val="43137"/>
+                  </a:srgbClr>
+                </a:outerShdw>
+              </a:effectLst>
+              <a:latin typeface="微軟正黑體" panose="020B0604030504040204" pitchFamily="34" charset="-120"/>
+              <a:ea typeface="微軟正黑體" panose="020B0604030504040204" pitchFamily="34" charset="-120"/>
+            </a:endParaRPr>
+          </a:p>
+        </p:txBody>
+      </p:sp>
+    </p:spTree>
+    <p:extLst>
+      <p:ext uri="{BB962C8B-B14F-4D97-AF65-F5344CB8AC3E}">
+        <p14:creationId xmlns:p14="http://schemas.microsoft.com/office/powerpoint/2010/main" xmlns="" val="522405798"/>
+      </p:ext>
+    </p:extLst>
+  </p:cSld>
+  <p:clrMapOvr>
+    <a:masterClrMapping/>
+  </p:clrMapOvr>
+  <p:transition>
+    <p:fade/>
+  </p:transition>
+  <p:timing>
+    <p:tnLst>
+      <p:par>
+        <p:cTn id="1" dur="indefinite" restart="never" nodeType="tmRoot"/>
+      </p:par>
+    </p:tnLst>
+  </p:timing>
+</p:sld>
+</file>
+
+<file path=ppt/slides/slide31.xml><?xml version="1.0" encoding="utf-8"?>
+<p:sld xmlns:a="http://schemas.openxmlformats.org/drawingml/2006/main" xmlns:r="http://schemas.openxmlformats.org/officeDocument/2006/relationships" xmlns:p="http://schemas.openxmlformats.org/presentationml/2006/main">
+  <p:cSld>
+    <p:spTree>
+      <p:nvGrpSpPr>
+        <p:cNvPr id="1" name=""/>
+        <p:cNvGrpSpPr/>
+        <p:nvPr/>
+      </p:nvGrpSpPr>
+      <p:grpSpPr>
+        <a:xfrm>
+          <a:off x="0" y="0"/>
+          <a:ext cx="0" cy="0"/>
+          <a:chOff x="0" y="0"/>
+          <a:chExt cx="0" cy="0"/>
+        </a:xfrm>
+      </p:grpSpPr>
+      <p:pic>
+        <p:nvPicPr>
           <p:cNvPr id="2050" name="Picture 2"/>
           <p:cNvPicPr>
             <a:picLocks noChangeAspect="1" noChangeArrowheads="1"/>
@@ -19459,7 +19542,7 @@
     </p:spTree>
     <p:extLst>
       <p:ext uri="{BB962C8B-B14F-4D97-AF65-F5344CB8AC3E}">
-        <p14:creationId xmlns="" xmlns:p14="http://schemas.microsoft.com/office/powerpoint/2010/main" val="522405798"/>
+        <p14:creationId xmlns:p14="http://schemas.microsoft.com/office/powerpoint/2010/main" xmlns="" val="522405798"/>
       </p:ext>
     </p:extLst>
   </p:cSld>
@@ -19472,7 +19555,7 @@
 </p:sld>
 </file>
 
-<file path=ppt/slides/slide31.xml><?xml version="1.0" encoding="utf-8"?>
+<file path=ppt/slides/slide32.xml><?xml version="1.0" encoding="utf-8"?>
 <p:sld xmlns:a="http://schemas.openxmlformats.org/drawingml/2006/main" xmlns:r="http://schemas.openxmlformats.org/officeDocument/2006/relationships" xmlns:p="http://schemas.openxmlformats.org/presentationml/2006/main">
   <p:cSld>
     <p:spTree>
@@ -19613,7 +19696,7 @@
     </p:spTree>
     <p:extLst>
       <p:ext uri="{BB962C8B-B14F-4D97-AF65-F5344CB8AC3E}">
-        <p14:creationId xmlns="" xmlns:p14="http://schemas.microsoft.com/office/powerpoint/2010/main" val="522405798"/>
+        <p14:creationId xmlns:p14="http://schemas.microsoft.com/office/powerpoint/2010/main" xmlns="" val="522405798"/>
       </p:ext>
     </p:extLst>
   </p:cSld>
@@ -19633,7 +19716,7 @@
 </p:sld>
 </file>
 
-<file path=ppt/slides/slide32.xml><?xml version="1.0" encoding="utf-8"?>
+<file path=ppt/slides/slide33.xml><?xml version="1.0" encoding="utf-8"?>
 <p:sld xmlns:a="http://schemas.openxmlformats.org/drawingml/2006/main" xmlns:r="http://schemas.openxmlformats.org/officeDocument/2006/relationships" xmlns:p="http://schemas.openxmlformats.org/presentationml/2006/main">
   <p:cSld>
     <p:spTree>
@@ -19755,7 +19838,7 @@
 </p:sld>
 </file>
 
-<file path=ppt/slides/slide33.xml><?xml version="1.0" encoding="utf-8"?>
+<file path=ppt/slides/slide34.xml><?xml version="1.0" encoding="utf-8"?>
 <p:sld xmlns:a="http://schemas.openxmlformats.org/drawingml/2006/main" xmlns:r="http://schemas.openxmlformats.org/officeDocument/2006/relationships" xmlns:p="http://schemas.openxmlformats.org/presentationml/2006/main">
   <p:cSld>
     <p:spTree>
@@ -19904,7 +19987,7 @@
 </p:sld>
 </file>
 
-<file path=ppt/slides/slide34.xml><?xml version="1.0" encoding="utf-8"?>
+<file path=ppt/slides/slide35.xml><?xml version="1.0" encoding="utf-8"?>
 <p:sld xmlns:a="http://schemas.openxmlformats.org/drawingml/2006/main" xmlns:r="http://schemas.openxmlformats.org/officeDocument/2006/relationships" xmlns:p="http://schemas.openxmlformats.org/presentationml/2006/main">
   <p:cSld>
     <p:spTree>
@@ -20109,7 +20192,7 @@
     </p:spTree>
     <p:extLst>
       <p:ext uri="{BB962C8B-B14F-4D97-AF65-F5344CB8AC3E}">
-        <p14:creationId xmlns="" xmlns:p14="http://schemas.microsoft.com/office/powerpoint/2010/main" val="522405798"/>
+        <p14:creationId xmlns:p14="http://schemas.microsoft.com/office/powerpoint/2010/main" xmlns="" val="522405798"/>
       </p:ext>
     </p:extLst>
   </p:cSld>
@@ -20126,216 +20209,6 @@
       </p:par>
     </p:tnLst>
   </p:timing>
-</p:sld>
-</file>
-
-<file path=ppt/slides/slide35.xml><?xml version="1.0" encoding="utf-8"?>
-<p:sld xmlns:a="http://schemas.openxmlformats.org/drawingml/2006/main" xmlns:r="http://schemas.openxmlformats.org/officeDocument/2006/relationships" xmlns:p="http://schemas.openxmlformats.org/presentationml/2006/main">
-  <p:cSld>
-    <p:spTree>
-      <p:nvGrpSpPr>
-        <p:cNvPr id="1" name=""/>
-        <p:cNvGrpSpPr/>
-        <p:nvPr/>
-      </p:nvGrpSpPr>
-      <p:grpSpPr>
-        <a:xfrm>
-          <a:off x="0" y="0"/>
-          <a:ext cx="0" cy="0"/>
-          <a:chOff x="0" y="0"/>
-          <a:chExt cx="0" cy="0"/>
-        </a:xfrm>
-      </p:grpSpPr>
-      <p:sp>
-        <p:nvSpPr>
-          <p:cNvPr id="3" name="文字版面配置區 2"/>
-          <p:cNvSpPr>
-            <a:spLocks noGrp="1"/>
-          </p:cNvSpPr>
-          <p:nvPr>
-            <p:ph type="body" sz="quarter" idx="11"/>
-          </p:nvPr>
-        </p:nvSpPr>
-        <p:spPr>
-          <a:xfrm>
-            <a:off x="914400" y="3429000"/>
-            <a:ext cx="7620000" cy="990600"/>
-          </a:xfrm>
-        </p:spPr>
-        <p:txBody>
-          <a:bodyPr/>
-          <a:lstStyle/>
-          <a:p>
-            <a:pPr algn="ctr"/>
-            <a:r>
-              <a:rPr lang="zh-TW" altLang="en-US" sz="4800" b="1" dirty="0" smtClean="0">
-                <a:solidFill>
-                  <a:srgbClr val="00B0F0"/>
-                </a:solidFill>
-                <a:effectLst>
-                  <a:outerShdw blurRad="38100" dist="38100" dir="2700000" algn="tl">
-                    <a:srgbClr val="000000">
-                      <a:alpha val="43137"/>
-                    </a:srgbClr>
-                  </a:outerShdw>
-                </a:effectLst>
-                <a:latin typeface="微軟正黑體" panose="020B0604030504040204" pitchFamily="34" charset="-120"/>
-                <a:ea typeface="微軟正黑體" panose="020B0604030504040204" pitchFamily="34" charset="-120"/>
-              </a:rPr>
-              <a:t>如果你只想安裝</a:t>
-            </a:r>
-            <a:r>
-              <a:rPr lang="en-US" altLang="zh-TW" sz="4800" b="1" dirty="0" err="1" smtClean="0">
-                <a:solidFill>
-                  <a:srgbClr val="00B0F0"/>
-                </a:solidFill>
-                <a:effectLst>
-                  <a:outerShdw blurRad="38100" dist="38100" dir="2700000" algn="tl">
-                    <a:srgbClr val="000000">
-                      <a:alpha val="43137"/>
-                    </a:srgbClr>
-                  </a:outerShdw>
-                </a:effectLst>
-                <a:latin typeface="微軟正黑體" panose="020B0604030504040204" pitchFamily="34" charset="-120"/>
-                <a:ea typeface="微軟正黑體" panose="020B0604030504040204" pitchFamily="34" charset="-120"/>
-              </a:rPr>
-              <a:t>nv</a:t>
-            </a:r>
-            <a:r>
-              <a:rPr lang="en-US" altLang="zh-TW" sz="4800" b="1" dirty="0" smtClean="0">
-                <a:solidFill>
-                  <a:srgbClr val="00B0F0"/>
-                </a:solidFill>
-                <a:effectLst>
-                  <a:outerShdw blurRad="38100" dist="38100" dir="2700000" algn="tl">
-                    <a:srgbClr val="000000">
-                      <a:alpha val="43137"/>
-                    </a:srgbClr>
-                  </a:outerShdw>
-                </a:effectLst>
-                <a:latin typeface="微軟正黑體" panose="020B0604030504040204" pitchFamily="34" charset="-120"/>
-                <a:ea typeface="微軟正黑體" panose="020B0604030504040204" pitchFamily="34" charset="-120"/>
-              </a:rPr>
-              <a:t> driver</a:t>
-            </a:r>
-          </a:p>
-          <a:p>
-            <a:pPr algn="ctr"/>
-            <a:r>
-              <a:rPr lang="zh-TW" altLang="en-US" sz="4800" b="1" dirty="0" smtClean="0">
-                <a:solidFill>
-                  <a:srgbClr val="00B0F0"/>
-                </a:solidFill>
-                <a:effectLst>
-                  <a:outerShdw blurRad="38100" dist="38100" dir="2700000" algn="tl">
-                    <a:srgbClr val="000000">
-                      <a:alpha val="43137"/>
-                    </a:srgbClr>
-                  </a:outerShdw>
-                </a:effectLst>
-                <a:latin typeface="微軟正黑體" panose="020B0604030504040204" pitchFamily="34" charset="-120"/>
-                <a:ea typeface="微軟正黑體" panose="020B0604030504040204" pitchFamily="34" charset="-120"/>
-              </a:rPr>
-              <a:t>多個</a:t>
-            </a:r>
-            <a:r>
-              <a:rPr lang="en-US" altLang="zh-TW" sz="4800" b="1" dirty="0" err="1" smtClean="0">
-                <a:solidFill>
-                  <a:srgbClr val="00B0F0"/>
-                </a:solidFill>
-                <a:effectLst>
-                  <a:outerShdw blurRad="38100" dist="38100" dir="2700000" algn="tl">
-                    <a:srgbClr val="000000">
-                      <a:alpha val="43137"/>
-                    </a:srgbClr>
-                  </a:outerShdw>
-                </a:effectLst>
-                <a:latin typeface="微軟正黑體" panose="020B0604030504040204" pitchFamily="34" charset="-120"/>
-                <a:ea typeface="微軟正黑體" panose="020B0604030504040204" pitchFamily="34" charset="-120"/>
-              </a:rPr>
-              <a:t>cuda</a:t>
-            </a:r>
-            <a:r>
-              <a:rPr lang="en-US" altLang="zh-TW" sz="4800" b="1" dirty="0" smtClean="0">
-                <a:solidFill>
-                  <a:srgbClr val="00B0F0"/>
-                </a:solidFill>
-                <a:effectLst>
-                  <a:outerShdw blurRad="38100" dist="38100" dir="2700000" algn="tl">
-                    <a:srgbClr val="000000">
-                      <a:alpha val="43137"/>
-                    </a:srgbClr>
-                  </a:outerShdw>
-                </a:effectLst>
-                <a:latin typeface="微軟正黑體" panose="020B0604030504040204" pitchFamily="34" charset="-120"/>
-                <a:ea typeface="微軟正黑體" panose="020B0604030504040204" pitchFamily="34" charset="-120"/>
-              </a:rPr>
-              <a:t>/</a:t>
-            </a:r>
-            <a:r>
-              <a:rPr lang="en-US" altLang="zh-TW" sz="4800" b="1" dirty="0" err="1" smtClean="0">
-                <a:solidFill>
-                  <a:srgbClr val="00B0F0"/>
-                </a:solidFill>
-                <a:effectLst>
-                  <a:outerShdw blurRad="38100" dist="38100" dir="2700000" algn="tl">
-                    <a:srgbClr val="000000">
-                      <a:alpha val="43137"/>
-                    </a:srgbClr>
-                  </a:outerShdw>
-                </a:effectLst>
-                <a:latin typeface="微軟正黑體" panose="020B0604030504040204" pitchFamily="34" charset="-120"/>
-                <a:ea typeface="微軟正黑體" panose="020B0604030504040204" pitchFamily="34" charset="-120"/>
-              </a:rPr>
-              <a:t>cudnn</a:t>
-            </a:r>
-            <a:r>
-              <a:rPr lang="zh-TW" altLang="en-US" sz="4800" b="1" dirty="0" smtClean="0">
-                <a:solidFill>
-                  <a:srgbClr val="00B0F0"/>
-                </a:solidFill>
-                <a:effectLst>
-                  <a:outerShdw blurRad="38100" dist="38100" dir="2700000" algn="tl">
-                    <a:srgbClr val="000000">
-                      <a:alpha val="43137"/>
-                    </a:srgbClr>
-                  </a:outerShdw>
-                </a:effectLst>
-                <a:latin typeface="微軟正黑體" panose="020B0604030504040204" pitchFamily="34" charset="-120"/>
-                <a:ea typeface="微軟正黑體" panose="020B0604030504040204" pitchFamily="34" charset="-120"/>
-              </a:rPr>
-              <a:t>版本</a:t>
-            </a:r>
-            <a:endParaRPr lang="en-US" altLang="zh-TW" sz="4800" b="1" dirty="0" smtClean="0">
-              <a:solidFill>
-                <a:srgbClr val="00B0F0"/>
-              </a:solidFill>
-              <a:effectLst>
-                <a:outerShdw blurRad="38100" dist="38100" dir="2700000" algn="tl">
-                  <a:srgbClr val="000000">
-                    <a:alpha val="43137"/>
-                  </a:srgbClr>
-                </a:outerShdw>
-              </a:effectLst>
-              <a:latin typeface="微軟正黑體" panose="020B0604030504040204" pitchFamily="34" charset="-120"/>
-              <a:ea typeface="微軟正黑體" panose="020B0604030504040204" pitchFamily="34" charset="-120"/>
-            </a:endParaRPr>
-          </a:p>
-        </p:txBody>
-      </p:sp>
-    </p:spTree>
-    <p:extLst>
-      <p:ext uri="{BB962C8B-B14F-4D97-AF65-F5344CB8AC3E}">
-        <p14:creationId xmlns="" xmlns:p14="http://schemas.microsoft.com/office/powerpoint/2010/main" val="3907764274"/>
-      </p:ext>
-    </p:extLst>
-  </p:cSld>
-  <p:clrMapOvr>
-    <a:masterClrMapping/>
-  </p:clrMapOvr>
-  <p:transition>
-    <p:fade/>
-  </p:transition>
 </p:sld>
 </file>
 
@@ -20358,369 +20231,25 @@
       </p:grpSpPr>
       <p:sp>
         <p:nvSpPr>
-          <p:cNvPr id="5" name="文字方塊 4"/>
-          <p:cNvSpPr txBox="1"/>
-          <p:nvPr/>
+          <p:cNvPr id="3" name="文字版面配置區 2"/>
+          <p:cNvSpPr>
+            <a:spLocks noGrp="1"/>
+          </p:cNvSpPr>
+          <p:nvPr>
+            <p:ph type="body" sz="quarter" idx="11"/>
+          </p:nvPr>
         </p:nvSpPr>
         <p:spPr>
           <a:xfrm>
-            <a:off x="685800" y="1676400"/>
-            <a:ext cx="8229600" cy="4401205"/>
-          </a:xfrm>
-          <a:prstGeom prst="rect">
-            <a:avLst/>
-          </a:prstGeom>
-          <a:noFill/>
-        </p:spPr>
-        <p:txBody>
-          <a:bodyPr wrap="square" rtlCol="0">
-            <a:spAutoFit/>
-          </a:bodyPr>
-          <a:lstStyle/>
-          <a:p>
-            <a:pPr marL="266700" indent="-266700">
-              <a:buFont typeface="Arial" panose="020B0604020202020204" pitchFamily="34" charset="0"/>
-              <a:buChar char="•"/>
-            </a:pPr>
-            <a:r>
-              <a:rPr kumimoji="1" lang="zh-TW" altLang="en-US" sz="4000" b="1" dirty="0" smtClean="0">
-                <a:effectLst>
-                  <a:outerShdw blurRad="38100" dist="38100" dir="2700000" algn="tl">
-                    <a:srgbClr val="000000">
-                      <a:alpha val="43137"/>
-                    </a:srgbClr>
-                  </a:outerShdw>
-                </a:effectLst>
-                <a:latin typeface="微軟正黑體" panose="020B0604030504040204" pitchFamily="34" charset="-120"/>
-                <a:ea typeface="微軟正黑體" panose="020B0604030504040204" pitchFamily="34" charset="-120"/>
-                <a:cs typeface="Heiti TC Light"/>
-              </a:rPr>
-              <a:t>系統只需要安裝</a:t>
-            </a:r>
-            <a:r>
-              <a:rPr kumimoji="1" lang="en-US" altLang="zh-TW" sz="4000" b="1" dirty="0" err="1" smtClean="0">
-                <a:effectLst>
-                  <a:outerShdw blurRad="38100" dist="38100" dir="2700000" algn="tl">
-                    <a:srgbClr val="000000">
-                      <a:alpha val="43137"/>
-                    </a:srgbClr>
-                  </a:outerShdw>
-                </a:effectLst>
-                <a:latin typeface="微軟正黑體" panose="020B0604030504040204" pitchFamily="34" charset="-120"/>
-                <a:ea typeface="微軟正黑體" panose="020B0604030504040204" pitchFamily="34" charset="-120"/>
-                <a:cs typeface="Heiti TC Light"/>
-              </a:rPr>
-              <a:t>nvidia</a:t>
-            </a:r>
-            <a:r>
-              <a:rPr kumimoji="1" lang="en-US" altLang="zh-TW" sz="4000" b="1" dirty="0" smtClean="0">
-                <a:effectLst>
-                  <a:outerShdw blurRad="38100" dist="38100" dir="2700000" algn="tl">
-                    <a:srgbClr val="000000">
-                      <a:alpha val="43137"/>
-                    </a:srgbClr>
-                  </a:outerShdw>
-                </a:effectLst>
-                <a:latin typeface="微軟正黑體" panose="020B0604030504040204" pitchFamily="34" charset="-120"/>
-                <a:ea typeface="微軟正黑體" panose="020B0604030504040204" pitchFamily="34" charset="-120"/>
-                <a:cs typeface="Heiti TC Light"/>
-              </a:rPr>
-              <a:t> driver</a:t>
-            </a:r>
-          </a:p>
-          <a:p>
-            <a:pPr marL="266700" indent="-266700">
-              <a:buFont typeface="Arial" panose="020B0604020202020204" pitchFamily="34" charset="0"/>
-              <a:buChar char="•"/>
-            </a:pPr>
-            <a:r>
-              <a:rPr kumimoji="1" lang="zh-TW" altLang="en-US" sz="4000" b="1" dirty="0" smtClean="0">
-                <a:effectLst>
-                  <a:outerShdw blurRad="38100" dist="38100" dir="2700000" algn="tl">
-                    <a:srgbClr val="000000">
-                      <a:alpha val="43137"/>
-                    </a:srgbClr>
-                  </a:outerShdw>
-                </a:effectLst>
-                <a:latin typeface="微軟正黑體" panose="020B0604030504040204" pitchFamily="34" charset="-120"/>
-                <a:ea typeface="微軟正黑體" panose="020B0604030504040204" pitchFamily="34" charset="-120"/>
-                <a:cs typeface="Heiti TC Light"/>
-              </a:rPr>
-              <a:t>安裝</a:t>
-            </a:r>
-            <a:r>
-              <a:rPr kumimoji="1" lang="en-US" altLang="zh-TW" sz="4000" b="1" dirty="0" err="1" smtClean="0">
-                <a:effectLst>
-                  <a:outerShdw blurRad="38100" dist="38100" dir="2700000" algn="tl">
-                    <a:srgbClr val="000000">
-                      <a:alpha val="43137"/>
-                    </a:srgbClr>
-                  </a:outerShdw>
-                </a:effectLst>
-                <a:latin typeface="微軟正黑體" panose="020B0604030504040204" pitchFamily="34" charset="-120"/>
-                <a:ea typeface="微軟正黑體" panose="020B0604030504040204" pitchFamily="34" charset="-120"/>
-                <a:cs typeface="Heiti TC Light"/>
-              </a:rPr>
-              <a:t>docker</a:t>
-            </a:r>
-            <a:endParaRPr kumimoji="1" lang="en-US" altLang="zh-TW" sz="4000" b="1" dirty="0" smtClean="0">
-              <a:effectLst>
-                <a:outerShdw blurRad="38100" dist="38100" dir="2700000" algn="tl">
-                  <a:srgbClr val="000000">
-                    <a:alpha val="43137"/>
-                  </a:srgbClr>
-                </a:outerShdw>
-              </a:effectLst>
-              <a:latin typeface="微軟正黑體" panose="020B0604030504040204" pitchFamily="34" charset="-120"/>
-              <a:ea typeface="微軟正黑體" panose="020B0604030504040204" pitchFamily="34" charset="-120"/>
-              <a:cs typeface="Heiti TC Light"/>
-            </a:endParaRPr>
-          </a:p>
-          <a:p>
-            <a:pPr marL="266700" indent="-266700">
-              <a:buFont typeface="Arial" panose="020B0604020202020204" pitchFamily="34" charset="0"/>
-              <a:buChar char="•"/>
-            </a:pPr>
-            <a:r>
-              <a:rPr kumimoji="1" lang="zh-TW" altLang="en-US" sz="4000" b="1" dirty="0" smtClean="0">
-                <a:effectLst>
-                  <a:outerShdw blurRad="38100" dist="38100" dir="2700000" algn="tl">
-                    <a:srgbClr val="000000">
-                      <a:alpha val="43137"/>
-                    </a:srgbClr>
-                  </a:outerShdw>
-                </a:effectLst>
-                <a:latin typeface="微軟正黑體" panose="020B0604030504040204" pitchFamily="34" charset="-120"/>
-                <a:ea typeface="微軟正黑體" panose="020B0604030504040204" pitchFamily="34" charset="-120"/>
-                <a:cs typeface="Heiti TC Light"/>
-              </a:rPr>
-              <a:t>安裝</a:t>
-            </a:r>
-            <a:r>
-              <a:rPr kumimoji="1" lang="en-US" altLang="zh-TW" sz="4000" b="1" dirty="0" err="1" smtClean="0">
-                <a:effectLst>
-                  <a:outerShdw blurRad="38100" dist="38100" dir="2700000" algn="tl">
-                    <a:srgbClr val="000000">
-                      <a:alpha val="43137"/>
-                    </a:srgbClr>
-                  </a:outerShdw>
-                </a:effectLst>
-                <a:latin typeface="微軟正黑體" panose="020B0604030504040204" pitchFamily="34" charset="-120"/>
-                <a:ea typeface="微軟正黑體" panose="020B0604030504040204" pitchFamily="34" charset="-120"/>
-                <a:cs typeface="Heiti TC Light"/>
-              </a:rPr>
-              <a:t>nvidia-docker</a:t>
-            </a:r>
-            <a:endParaRPr kumimoji="1" lang="en-US" altLang="zh-TW" sz="4000" b="1" dirty="0" smtClean="0">
-              <a:effectLst>
-                <a:outerShdw blurRad="38100" dist="38100" dir="2700000" algn="tl">
-                  <a:srgbClr val="000000">
-                    <a:alpha val="43137"/>
-                  </a:srgbClr>
-                </a:outerShdw>
-              </a:effectLst>
-              <a:latin typeface="微軟正黑體" panose="020B0604030504040204" pitchFamily="34" charset="-120"/>
-              <a:ea typeface="微軟正黑體" panose="020B0604030504040204" pitchFamily="34" charset="-120"/>
-              <a:cs typeface="Heiti TC Light"/>
-            </a:endParaRPr>
-          </a:p>
-          <a:p>
-            <a:pPr marL="266700" indent="-266700">
-              <a:buFont typeface="Arial" panose="020B0604020202020204" pitchFamily="34" charset="0"/>
-              <a:buChar char="•"/>
-            </a:pPr>
-            <a:r>
-              <a:rPr kumimoji="1" lang="en-US" altLang="zh-TW" sz="4000" b="1" dirty="0" smtClean="0">
-                <a:effectLst>
-                  <a:outerShdw blurRad="38100" dist="38100" dir="2700000" algn="tl">
-                    <a:srgbClr val="000000">
-                      <a:alpha val="43137"/>
-                    </a:srgbClr>
-                  </a:outerShdw>
-                </a:effectLst>
-                <a:latin typeface="微軟正黑體" panose="020B0604030504040204" pitchFamily="34" charset="-120"/>
-                <a:ea typeface="微軟正黑體" panose="020B0604030504040204" pitchFamily="34" charset="-120"/>
-                <a:cs typeface="Heiti TC Light"/>
-              </a:rPr>
-              <a:t>Pull image</a:t>
-            </a:r>
-            <a:r>
-              <a:rPr kumimoji="1" lang="zh-TW" altLang="en-US" sz="4000" b="1" dirty="0" smtClean="0">
-                <a:effectLst>
-                  <a:outerShdw blurRad="38100" dist="38100" dir="2700000" algn="tl">
-                    <a:srgbClr val="000000">
-                      <a:alpha val="43137"/>
-                    </a:srgbClr>
-                  </a:outerShdw>
-                </a:effectLst>
-                <a:latin typeface="微軟正黑體" panose="020B0604030504040204" pitchFamily="34" charset="-120"/>
-                <a:ea typeface="微軟正黑體" panose="020B0604030504040204" pitchFamily="34" charset="-120"/>
-                <a:cs typeface="Heiti TC Light"/>
-              </a:rPr>
-              <a:t>即可使用</a:t>
-            </a:r>
-            <a:endParaRPr kumimoji="1" lang="en-US" altLang="zh-TW" sz="4000" b="1" dirty="0" smtClean="0">
-              <a:effectLst>
-                <a:outerShdw blurRad="38100" dist="38100" dir="2700000" algn="tl">
-                  <a:srgbClr val="000000">
-                    <a:alpha val="43137"/>
-                  </a:srgbClr>
-                </a:outerShdw>
-              </a:effectLst>
-              <a:latin typeface="微軟正黑體" panose="020B0604030504040204" pitchFamily="34" charset="-120"/>
-              <a:ea typeface="微軟正黑體" panose="020B0604030504040204" pitchFamily="34" charset="-120"/>
-              <a:cs typeface="Heiti TC Light"/>
-            </a:endParaRPr>
-          </a:p>
-          <a:p>
-            <a:pPr marL="266700" indent="-266700">
-              <a:buFont typeface="Arial" panose="020B0604020202020204" pitchFamily="34" charset="0"/>
-              <a:buChar char="•"/>
-            </a:pPr>
-            <a:r>
-              <a:rPr kumimoji="1" lang="zh-TW" altLang="en-US" sz="4000" b="1" dirty="0" smtClean="0">
-                <a:effectLst>
-                  <a:outerShdw blurRad="38100" dist="38100" dir="2700000" algn="tl">
-                    <a:srgbClr val="000000">
-                      <a:alpha val="43137"/>
-                    </a:srgbClr>
-                  </a:outerShdw>
-                </a:effectLst>
-                <a:latin typeface="微軟正黑體" panose="020B0604030504040204" pitchFamily="34" charset="-120"/>
-                <a:ea typeface="微軟正黑體" panose="020B0604030504040204" pitchFamily="34" charset="-120"/>
-                <a:cs typeface="Heiti TC Light"/>
-              </a:rPr>
-              <a:t>要注意所有檔案都會變成</a:t>
-            </a:r>
-            <a:r>
-              <a:rPr kumimoji="1" lang="en-US" altLang="zh-TW" sz="4000" b="1" dirty="0" smtClean="0">
-                <a:effectLst>
-                  <a:outerShdw blurRad="38100" dist="38100" dir="2700000" algn="tl">
-                    <a:srgbClr val="000000">
-                      <a:alpha val="43137"/>
-                    </a:srgbClr>
-                  </a:outerShdw>
-                </a:effectLst>
-                <a:latin typeface="微軟正黑體" panose="020B0604030504040204" pitchFamily="34" charset="-120"/>
-                <a:ea typeface="微軟正黑體" panose="020B0604030504040204" pitchFamily="34" charset="-120"/>
-                <a:cs typeface="Heiti TC Light"/>
-              </a:rPr>
-              <a:t>root</a:t>
-            </a:r>
-            <a:r>
-              <a:rPr kumimoji="1" lang="zh-TW" altLang="en-US" sz="4000" b="1" dirty="0" smtClean="0">
-                <a:effectLst>
-                  <a:outerShdw blurRad="38100" dist="38100" dir="2700000" algn="tl">
-                    <a:srgbClr val="000000">
-                      <a:alpha val="43137"/>
-                    </a:srgbClr>
-                  </a:outerShdw>
-                </a:effectLst>
-                <a:latin typeface="微軟正黑體" panose="020B0604030504040204" pitchFamily="34" charset="-120"/>
-                <a:ea typeface="微軟正黑體" panose="020B0604030504040204" pitchFamily="34" charset="-120"/>
-                <a:cs typeface="Heiti TC Light"/>
-              </a:rPr>
-              <a:t>權限</a:t>
-            </a:r>
-            <a:endParaRPr kumimoji="1" lang="en-US" altLang="zh-TW" sz="4000" b="1" dirty="0" smtClean="0">
-              <a:effectLst>
-                <a:outerShdw blurRad="38100" dist="38100" dir="2700000" algn="tl">
-                  <a:srgbClr val="000000">
-                    <a:alpha val="43137"/>
-                  </a:srgbClr>
-                </a:outerShdw>
-              </a:effectLst>
-              <a:latin typeface="微軟正黑體" panose="020B0604030504040204" pitchFamily="34" charset="-120"/>
-              <a:ea typeface="微軟正黑體" panose="020B0604030504040204" pitchFamily="34" charset="-120"/>
-              <a:cs typeface="Heiti TC Light"/>
-            </a:endParaRPr>
-          </a:p>
-          <a:p>
-            <a:pPr marL="266700" indent="-266700">
-              <a:buFont typeface="Arial" panose="020B0604020202020204" pitchFamily="34" charset="0"/>
-              <a:buChar char="•"/>
-            </a:pPr>
-            <a:r>
-              <a:rPr kumimoji="1" lang="zh-TW" altLang="en-US" sz="4000" b="1" dirty="0" smtClean="0">
-                <a:effectLst>
-                  <a:outerShdw blurRad="38100" dist="38100" dir="2700000" algn="tl">
-                    <a:srgbClr val="000000">
-                      <a:alpha val="43137"/>
-                    </a:srgbClr>
-                  </a:outerShdw>
-                </a:effectLst>
-                <a:latin typeface="微軟正黑體" panose="020B0604030504040204" pitchFamily="34" charset="-120"/>
-                <a:ea typeface="微軟正黑體" panose="020B0604030504040204" pitchFamily="34" charset="-120"/>
-                <a:cs typeface="Heiti TC Light"/>
-              </a:rPr>
-              <a:t>每次重啟</a:t>
-            </a:r>
-            <a:r>
-              <a:rPr kumimoji="1" lang="en-US" altLang="zh-TW" sz="4000" b="1" dirty="0" smtClean="0">
-                <a:effectLst>
-                  <a:outerShdw blurRad="38100" dist="38100" dir="2700000" algn="tl">
-                    <a:srgbClr val="000000">
-                      <a:alpha val="43137"/>
-                    </a:srgbClr>
-                  </a:outerShdw>
-                </a:effectLst>
-                <a:latin typeface="微軟正黑體" panose="020B0604030504040204" pitchFamily="34" charset="-120"/>
-                <a:ea typeface="微軟正黑體" panose="020B0604030504040204" pitchFamily="34" charset="-120"/>
-                <a:cs typeface="Heiti TC Light"/>
-              </a:rPr>
-              <a:t>container</a:t>
-            </a:r>
-            <a:r>
-              <a:rPr kumimoji="1" lang="zh-TW" altLang="en-US" sz="4000" b="1" dirty="0" smtClean="0">
-                <a:effectLst>
-                  <a:outerShdw blurRad="38100" dist="38100" dir="2700000" algn="tl">
-                    <a:srgbClr val="000000">
-                      <a:alpha val="43137"/>
-                    </a:srgbClr>
-                  </a:outerShdw>
-                </a:effectLst>
-                <a:latin typeface="微軟正黑體" panose="020B0604030504040204" pitchFamily="34" charset="-120"/>
-                <a:ea typeface="微軟正黑體" panose="020B0604030504040204" pitchFamily="34" charset="-120"/>
-                <a:cs typeface="Heiti TC Light"/>
-              </a:rPr>
-              <a:t>很多模組要重新安裝</a:t>
-            </a:r>
-            <a:endParaRPr kumimoji="1" lang="en-US" altLang="zh-TW" sz="4000" b="1" dirty="0">
-              <a:effectLst>
-                <a:outerShdw blurRad="38100" dist="38100" dir="2700000" algn="tl">
-                  <a:srgbClr val="000000">
-                    <a:alpha val="43137"/>
-                  </a:srgbClr>
-                </a:outerShdw>
-              </a:effectLst>
-              <a:latin typeface="微軟正黑體" panose="020B0604030504040204" pitchFamily="34" charset="-120"/>
-              <a:ea typeface="微軟正黑體" panose="020B0604030504040204" pitchFamily="34" charset="-120"/>
-              <a:cs typeface="Heiti TC Light"/>
-            </a:endParaRPr>
-          </a:p>
-        </p:txBody>
-      </p:sp>
-      <p:sp>
-        <p:nvSpPr>
-          <p:cNvPr id="6" name="文字版面配置區 2"/>
-          <p:cNvSpPr>
-            <a:spLocks noGrp="1"/>
-          </p:cNvSpPr>
-          <p:nvPr>
-            <p:ph type="body" sz="quarter" idx="11"/>
-          </p:nvPr>
-        </p:nvSpPr>
-        <p:spPr>
-          <a:xfrm>
-            <a:off x="1828800" y="228600"/>
-            <a:ext cx="6553200" cy="990600"/>
+            <a:off x="914400" y="3429000"/>
+            <a:ext cx="7620000" cy="990600"/>
           </a:xfrm>
         </p:spPr>
         <p:txBody>
           <a:bodyPr/>
           <a:lstStyle/>
           <a:p>
-            <a:pPr algn="just"/>
+            <a:pPr algn="ctr"/>
             <a:r>
               <a:rPr lang="zh-TW" altLang="en-US" sz="4800" b="1" dirty="0" smtClean="0">
                 <a:solidFill>
@@ -20736,7 +20265,7 @@
                 <a:latin typeface="微軟正黑體" panose="020B0604030504040204" pitchFamily="34" charset="-120"/>
                 <a:ea typeface="微軟正黑體" panose="020B0604030504040204" pitchFamily="34" charset="-120"/>
               </a:rPr>
-              <a:t>用</a:t>
+              <a:t>如果你只想安裝</a:t>
             </a:r>
             <a:r>
               <a:rPr lang="en-US" altLang="zh-TW" sz="4800" b="1" dirty="0" err="1" smtClean="0">
@@ -20753,9 +20282,114 @@
                 <a:latin typeface="微軟正黑體" panose="020B0604030504040204" pitchFamily="34" charset="-120"/>
                 <a:ea typeface="微軟正黑體" panose="020B0604030504040204" pitchFamily="34" charset="-120"/>
               </a:rPr>
-              <a:t>nvidia-docker</a:t>
-            </a:r>
-            <a:endParaRPr lang="zh-TW" altLang="en-US" sz="4800" b="1" dirty="0">
+              <a:t>nv</a:t>
+            </a:r>
+            <a:r>
+              <a:rPr lang="en-US" altLang="zh-TW" sz="4800" b="1" dirty="0" smtClean="0">
+                <a:solidFill>
+                  <a:srgbClr val="00B0F0"/>
+                </a:solidFill>
+                <a:effectLst>
+                  <a:outerShdw blurRad="38100" dist="38100" dir="2700000" algn="tl">
+                    <a:srgbClr val="000000">
+                      <a:alpha val="43137"/>
+                    </a:srgbClr>
+                  </a:outerShdw>
+                </a:effectLst>
+                <a:latin typeface="微軟正黑體" panose="020B0604030504040204" pitchFamily="34" charset="-120"/>
+                <a:ea typeface="微軟正黑體" panose="020B0604030504040204" pitchFamily="34" charset="-120"/>
+              </a:rPr>
+              <a:t> driver</a:t>
+            </a:r>
+          </a:p>
+          <a:p>
+            <a:pPr algn="ctr"/>
+            <a:r>
+              <a:rPr lang="zh-TW" altLang="en-US" sz="4800" b="1" dirty="0" smtClean="0">
+                <a:solidFill>
+                  <a:srgbClr val="00B0F0"/>
+                </a:solidFill>
+                <a:effectLst>
+                  <a:outerShdw blurRad="38100" dist="38100" dir="2700000" algn="tl">
+                    <a:srgbClr val="000000">
+                      <a:alpha val="43137"/>
+                    </a:srgbClr>
+                  </a:outerShdw>
+                </a:effectLst>
+                <a:latin typeface="微軟正黑體" panose="020B0604030504040204" pitchFamily="34" charset="-120"/>
+                <a:ea typeface="微軟正黑體" panose="020B0604030504040204" pitchFamily="34" charset="-120"/>
+              </a:rPr>
+              <a:t>多個</a:t>
+            </a:r>
+            <a:r>
+              <a:rPr lang="en-US" altLang="zh-TW" sz="4800" b="1" dirty="0" err="1" smtClean="0">
+                <a:solidFill>
+                  <a:srgbClr val="00B0F0"/>
+                </a:solidFill>
+                <a:effectLst>
+                  <a:outerShdw blurRad="38100" dist="38100" dir="2700000" algn="tl">
+                    <a:srgbClr val="000000">
+                      <a:alpha val="43137"/>
+                    </a:srgbClr>
+                  </a:outerShdw>
+                </a:effectLst>
+                <a:latin typeface="微軟正黑體" panose="020B0604030504040204" pitchFamily="34" charset="-120"/>
+                <a:ea typeface="微軟正黑體" panose="020B0604030504040204" pitchFamily="34" charset="-120"/>
+              </a:rPr>
+              <a:t>cuda</a:t>
+            </a:r>
+            <a:r>
+              <a:rPr lang="en-US" altLang="zh-TW" sz="4800" b="1" dirty="0" smtClean="0">
+                <a:solidFill>
+                  <a:srgbClr val="00B0F0"/>
+                </a:solidFill>
+                <a:effectLst>
+                  <a:outerShdw blurRad="38100" dist="38100" dir="2700000" algn="tl">
+                    <a:srgbClr val="000000">
+                      <a:alpha val="43137"/>
+                    </a:srgbClr>
+                  </a:outerShdw>
+                </a:effectLst>
+                <a:latin typeface="微軟正黑體" panose="020B0604030504040204" pitchFamily="34" charset="-120"/>
+                <a:ea typeface="微軟正黑體" panose="020B0604030504040204" pitchFamily="34" charset="-120"/>
+              </a:rPr>
+              <a:t>/</a:t>
+            </a:r>
+            <a:r>
+              <a:rPr lang="en-US" altLang="zh-TW" sz="4800" b="1" dirty="0" err="1" smtClean="0">
+                <a:solidFill>
+                  <a:srgbClr val="00B0F0"/>
+                </a:solidFill>
+                <a:effectLst>
+                  <a:outerShdw blurRad="38100" dist="38100" dir="2700000" algn="tl">
+                    <a:srgbClr val="000000">
+                      <a:alpha val="43137"/>
+                    </a:srgbClr>
+                  </a:outerShdw>
+                </a:effectLst>
+                <a:latin typeface="微軟正黑體" panose="020B0604030504040204" pitchFamily="34" charset="-120"/>
+                <a:ea typeface="微軟正黑體" panose="020B0604030504040204" pitchFamily="34" charset="-120"/>
+              </a:rPr>
+              <a:t>cudnn</a:t>
+            </a:r>
+            <a:r>
+              <a:rPr lang="zh-TW" altLang="en-US" sz="4800" b="1" dirty="0" smtClean="0">
+                <a:solidFill>
+                  <a:srgbClr val="00B0F0"/>
+                </a:solidFill>
+                <a:effectLst>
+                  <a:outerShdw blurRad="38100" dist="38100" dir="2700000" algn="tl">
+                    <a:srgbClr val="000000">
+                      <a:alpha val="43137"/>
+                    </a:srgbClr>
+                  </a:outerShdw>
+                </a:effectLst>
+                <a:latin typeface="微軟正黑體" panose="020B0604030504040204" pitchFamily="34" charset="-120"/>
+                <a:ea typeface="微軟正黑體" panose="020B0604030504040204" pitchFamily="34" charset="-120"/>
+              </a:rPr>
+              <a:t>版本</a:t>
+            </a:r>
+            <a:endParaRPr lang="en-US" altLang="zh-TW" sz="4800" b="1" dirty="0" smtClean="0">
               <a:solidFill>
                 <a:srgbClr val="00B0F0"/>
               </a:solidFill>
@@ -20775,7 +20409,7 @@
     </p:spTree>
     <p:extLst>
       <p:ext uri="{BB962C8B-B14F-4D97-AF65-F5344CB8AC3E}">
-        <p14:creationId xmlns="" xmlns:p14="http://schemas.microsoft.com/office/powerpoint/2010/main" val="522405798"/>
+        <p14:creationId xmlns:p14="http://schemas.microsoft.com/office/powerpoint/2010/main" xmlns="" val="3907764274"/>
       </p:ext>
     </p:extLst>
   </p:cSld>
@@ -20785,13 +20419,6 @@
   <p:transition>
     <p:fade/>
   </p:transition>
-  <p:timing>
-    <p:tnLst>
-      <p:par>
-        <p:cTn id="1" dur="indefinite" restart="never" nodeType="tmRoot"/>
-      </p:par>
-    </p:tnLst>
-  </p:timing>
 </p:sld>
 </file>
 
@@ -20820,8 +20447,8 @@
         </p:nvSpPr>
         <p:spPr>
           <a:xfrm>
-            <a:off x="762000" y="1447800"/>
-            <a:ext cx="8077200" cy="1323439"/>
+            <a:off x="685800" y="1676400"/>
+            <a:ext cx="8229600" cy="4401205"/>
           </a:xfrm>
           <a:prstGeom prst="rect">
             <a:avLst/>
@@ -20834,6 +20461,40 @@
           </a:bodyPr>
           <a:lstStyle/>
           <a:p>
+            <a:pPr marL="266700" indent="-266700">
+              <a:buFont typeface="Arial" panose="020B0604020202020204" pitchFamily="34" charset="0"/>
+              <a:buChar char="•"/>
+            </a:pPr>
+            <a:r>
+              <a:rPr kumimoji="1" lang="zh-TW" altLang="en-US" sz="4000" b="1" dirty="0" smtClean="0">
+                <a:effectLst>
+                  <a:outerShdw blurRad="38100" dist="38100" dir="2700000" algn="tl">
+                    <a:srgbClr val="000000">
+                      <a:alpha val="43137"/>
+                    </a:srgbClr>
+                  </a:outerShdw>
+                </a:effectLst>
+                <a:latin typeface="微軟正黑體" panose="020B0604030504040204" pitchFamily="34" charset="-120"/>
+                <a:ea typeface="微軟正黑體" panose="020B0604030504040204" pitchFamily="34" charset="-120"/>
+                <a:cs typeface="Heiti TC Light"/>
+              </a:rPr>
+              <a:t>系統只需要安裝</a:t>
+            </a:r>
+            <a:r>
+              <a:rPr kumimoji="1" lang="en-US" altLang="zh-TW" sz="4000" b="1" dirty="0" err="1" smtClean="0">
+                <a:effectLst>
+                  <a:outerShdw blurRad="38100" dist="38100" dir="2700000" algn="tl">
+                    <a:srgbClr val="000000">
+                      <a:alpha val="43137"/>
+                    </a:srgbClr>
+                  </a:outerShdw>
+                </a:effectLst>
+                <a:latin typeface="微軟正黑體" panose="020B0604030504040204" pitchFamily="34" charset="-120"/>
+                <a:ea typeface="微軟正黑體" panose="020B0604030504040204" pitchFamily="34" charset="-120"/>
+                <a:cs typeface="Heiti TC Light"/>
+              </a:rPr>
+              <a:t>nvidia</a:t>
+            </a:r>
             <a:r>
               <a:rPr kumimoji="1" lang="en-US" altLang="zh-TW" sz="4000" b="1" dirty="0" smtClean="0">
                 <a:effectLst>
@@ -20846,9 +20507,44 @@
                 <a:latin typeface="微軟正黑體" panose="020B0604030504040204" pitchFamily="34" charset="-120"/>
                 <a:ea typeface="微軟正黑體" panose="020B0604030504040204" pitchFamily="34" charset="-120"/>
                 <a:cs typeface="Heiti TC Light"/>
-                <a:hlinkClick r:id="rId3"/>
-              </a:rPr>
-              <a:t>https://hackmd.io/@joshhu/Sy8MQetvS</a:t>
+              </a:rPr>
+              <a:t> driver</a:t>
+            </a:r>
+          </a:p>
+          <a:p>
+            <a:pPr marL="266700" indent="-266700">
+              <a:buFont typeface="Arial" panose="020B0604020202020204" pitchFamily="34" charset="0"/>
+              <a:buChar char="•"/>
+            </a:pPr>
+            <a:r>
+              <a:rPr kumimoji="1" lang="zh-TW" altLang="en-US" sz="4000" b="1" dirty="0" smtClean="0">
+                <a:effectLst>
+                  <a:outerShdw blurRad="38100" dist="38100" dir="2700000" algn="tl">
+                    <a:srgbClr val="000000">
+                      <a:alpha val="43137"/>
+                    </a:srgbClr>
+                  </a:outerShdw>
+                </a:effectLst>
+                <a:latin typeface="微軟正黑體" panose="020B0604030504040204" pitchFamily="34" charset="-120"/>
+                <a:ea typeface="微軟正黑體" panose="020B0604030504040204" pitchFamily="34" charset="-120"/>
+                <a:cs typeface="Heiti TC Light"/>
+              </a:rPr>
+              <a:t>安裝</a:t>
+            </a:r>
+            <a:r>
+              <a:rPr kumimoji="1" lang="en-US" altLang="zh-TW" sz="4000" b="1" dirty="0" err="1" smtClean="0">
+                <a:effectLst>
+                  <a:outerShdw blurRad="38100" dist="38100" dir="2700000" algn="tl">
+                    <a:srgbClr val="000000">
+                      <a:alpha val="43137"/>
+                    </a:srgbClr>
+                  </a:outerShdw>
+                </a:effectLst>
+                <a:latin typeface="微軟正黑體" panose="020B0604030504040204" pitchFamily="34" charset="-120"/>
+                <a:ea typeface="微軟正黑體" panose="020B0604030504040204" pitchFamily="34" charset="-120"/>
+                <a:cs typeface="Heiti TC Light"/>
+              </a:rPr>
+              <a:t>docker</a:t>
             </a:r>
             <a:endParaRPr kumimoji="1" lang="en-US" altLang="zh-TW" sz="4000" b="1" dirty="0" smtClean="0">
               <a:effectLst>
@@ -20863,6 +20559,228 @@
               <a:cs typeface="Heiti TC Light"/>
             </a:endParaRPr>
           </a:p>
+          <a:p>
+            <a:pPr marL="266700" indent="-266700">
+              <a:buFont typeface="Arial" panose="020B0604020202020204" pitchFamily="34" charset="0"/>
+              <a:buChar char="•"/>
+            </a:pPr>
+            <a:r>
+              <a:rPr kumimoji="1" lang="zh-TW" altLang="en-US" sz="4000" b="1" dirty="0" smtClean="0">
+                <a:effectLst>
+                  <a:outerShdw blurRad="38100" dist="38100" dir="2700000" algn="tl">
+                    <a:srgbClr val="000000">
+                      <a:alpha val="43137"/>
+                    </a:srgbClr>
+                  </a:outerShdw>
+                </a:effectLst>
+                <a:latin typeface="微軟正黑體" panose="020B0604030504040204" pitchFamily="34" charset="-120"/>
+                <a:ea typeface="微軟正黑體" panose="020B0604030504040204" pitchFamily="34" charset="-120"/>
+                <a:cs typeface="Heiti TC Light"/>
+              </a:rPr>
+              <a:t>安裝</a:t>
+            </a:r>
+            <a:r>
+              <a:rPr kumimoji="1" lang="en-US" altLang="zh-TW" sz="4000" b="1" dirty="0" err="1" smtClean="0">
+                <a:effectLst>
+                  <a:outerShdw blurRad="38100" dist="38100" dir="2700000" algn="tl">
+                    <a:srgbClr val="000000">
+                      <a:alpha val="43137"/>
+                    </a:srgbClr>
+                  </a:outerShdw>
+                </a:effectLst>
+                <a:latin typeface="微軟正黑體" panose="020B0604030504040204" pitchFamily="34" charset="-120"/>
+                <a:ea typeface="微軟正黑體" panose="020B0604030504040204" pitchFamily="34" charset="-120"/>
+                <a:cs typeface="Heiti TC Light"/>
+              </a:rPr>
+              <a:t>nvidia-docker</a:t>
+            </a:r>
+            <a:endParaRPr kumimoji="1" lang="en-US" altLang="zh-TW" sz="4000" b="1" dirty="0" smtClean="0">
+              <a:effectLst>
+                <a:outerShdw blurRad="38100" dist="38100" dir="2700000" algn="tl">
+                  <a:srgbClr val="000000">
+                    <a:alpha val="43137"/>
+                  </a:srgbClr>
+                </a:outerShdw>
+              </a:effectLst>
+              <a:latin typeface="微軟正黑體" panose="020B0604030504040204" pitchFamily="34" charset="-120"/>
+              <a:ea typeface="微軟正黑體" panose="020B0604030504040204" pitchFamily="34" charset="-120"/>
+              <a:cs typeface="Heiti TC Light"/>
+            </a:endParaRPr>
+          </a:p>
+          <a:p>
+            <a:pPr marL="266700" indent="-266700">
+              <a:buFont typeface="Arial" panose="020B0604020202020204" pitchFamily="34" charset="0"/>
+              <a:buChar char="•"/>
+            </a:pPr>
+            <a:r>
+              <a:rPr kumimoji="1" lang="en-US" altLang="zh-TW" sz="4000" b="1" dirty="0" smtClean="0">
+                <a:effectLst>
+                  <a:outerShdw blurRad="38100" dist="38100" dir="2700000" algn="tl">
+                    <a:srgbClr val="000000">
+                      <a:alpha val="43137"/>
+                    </a:srgbClr>
+                  </a:outerShdw>
+                </a:effectLst>
+                <a:latin typeface="微軟正黑體" panose="020B0604030504040204" pitchFamily="34" charset="-120"/>
+                <a:ea typeface="微軟正黑體" panose="020B0604030504040204" pitchFamily="34" charset="-120"/>
+                <a:cs typeface="Heiti TC Light"/>
+              </a:rPr>
+              <a:t>Pull image</a:t>
+            </a:r>
+            <a:r>
+              <a:rPr kumimoji="1" lang="zh-TW" altLang="en-US" sz="4000" b="1" dirty="0" smtClean="0">
+                <a:effectLst>
+                  <a:outerShdw blurRad="38100" dist="38100" dir="2700000" algn="tl">
+                    <a:srgbClr val="000000">
+                      <a:alpha val="43137"/>
+                    </a:srgbClr>
+                  </a:outerShdw>
+                </a:effectLst>
+                <a:latin typeface="微軟正黑體" panose="020B0604030504040204" pitchFamily="34" charset="-120"/>
+                <a:ea typeface="微軟正黑體" panose="020B0604030504040204" pitchFamily="34" charset="-120"/>
+                <a:cs typeface="Heiti TC Light"/>
+              </a:rPr>
+              <a:t>即可使用</a:t>
+            </a:r>
+            <a:endParaRPr kumimoji="1" lang="en-US" altLang="zh-TW" sz="4000" b="1" dirty="0" smtClean="0">
+              <a:effectLst>
+                <a:outerShdw blurRad="38100" dist="38100" dir="2700000" algn="tl">
+                  <a:srgbClr val="000000">
+                    <a:alpha val="43137"/>
+                  </a:srgbClr>
+                </a:outerShdw>
+              </a:effectLst>
+              <a:latin typeface="微軟正黑體" panose="020B0604030504040204" pitchFamily="34" charset="-120"/>
+              <a:ea typeface="微軟正黑體" panose="020B0604030504040204" pitchFamily="34" charset="-120"/>
+              <a:cs typeface="Heiti TC Light"/>
+            </a:endParaRPr>
+          </a:p>
+          <a:p>
+            <a:pPr marL="266700" indent="-266700">
+              <a:buFont typeface="Arial" panose="020B0604020202020204" pitchFamily="34" charset="0"/>
+              <a:buChar char="•"/>
+            </a:pPr>
+            <a:r>
+              <a:rPr kumimoji="1" lang="zh-TW" altLang="en-US" sz="4000" b="1" dirty="0" smtClean="0">
+                <a:effectLst>
+                  <a:outerShdw blurRad="38100" dist="38100" dir="2700000" algn="tl">
+                    <a:srgbClr val="000000">
+                      <a:alpha val="43137"/>
+                    </a:srgbClr>
+                  </a:outerShdw>
+                </a:effectLst>
+                <a:latin typeface="微軟正黑體" panose="020B0604030504040204" pitchFamily="34" charset="-120"/>
+                <a:ea typeface="微軟正黑體" panose="020B0604030504040204" pitchFamily="34" charset="-120"/>
+                <a:cs typeface="Heiti TC Light"/>
+              </a:rPr>
+              <a:t>要注意所有檔案都會變成</a:t>
+            </a:r>
+            <a:r>
+              <a:rPr kumimoji="1" lang="en-US" altLang="zh-TW" sz="4000" b="1" dirty="0" smtClean="0">
+                <a:effectLst>
+                  <a:outerShdw blurRad="38100" dist="38100" dir="2700000" algn="tl">
+                    <a:srgbClr val="000000">
+                      <a:alpha val="43137"/>
+                    </a:srgbClr>
+                  </a:outerShdw>
+                </a:effectLst>
+                <a:latin typeface="微軟正黑體" panose="020B0604030504040204" pitchFamily="34" charset="-120"/>
+                <a:ea typeface="微軟正黑體" panose="020B0604030504040204" pitchFamily="34" charset="-120"/>
+                <a:cs typeface="Heiti TC Light"/>
+              </a:rPr>
+              <a:t>root</a:t>
+            </a:r>
+            <a:r>
+              <a:rPr kumimoji="1" lang="zh-TW" altLang="en-US" sz="4000" b="1" dirty="0" smtClean="0">
+                <a:effectLst>
+                  <a:outerShdw blurRad="38100" dist="38100" dir="2700000" algn="tl">
+                    <a:srgbClr val="000000">
+                      <a:alpha val="43137"/>
+                    </a:srgbClr>
+                  </a:outerShdw>
+                </a:effectLst>
+                <a:latin typeface="微軟正黑體" panose="020B0604030504040204" pitchFamily="34" charset="-120"/>
+                <a:ea typeface="微軟正黑體" panose="020B0604030504040204" pitchFamily="34" charset="-120"/>
+                <a:cs typeface="Heiti TC Light"/>
+              </a:rPr>
+              <a:t>權限</a:t>
+            </a:r>
+            <a:endParaRPr kumimoji="1" lang="en-US" altLang="zh-TW" sz="4000" b="1" dirty="0" smtClean="0">
+              <a:effectLst>
+                <a:outerShdw blurRad="38100" dist="38100" dir="2700000" algn="tl">
+                  <a:srgbClr val="000000">
+                    <a:alpha val="43137"/>
+                  </a:srgbClr>
+                </a:outerShdw>
+              </a:effectLst>
+              <a:latin typeface="微軟正黑體" panose="020B0604030504040204" pitchFamily="34" charset="-120"/>
+              <a:ea typeface="微軟正黑體" panose="020B0604030504040204" pitchFamily="34" charset="-120"/>
+              <a:cs typeface="Heiti TC Light"/>
+            </a:endParaRPr>
+          </a:p>
+          <a:p>
+            <a:pPr marL="266700" indent="-266700">
+              <a:buFont typeface="Arial" panose="020B0604020202020204" pitchFamily="34" charset="0"/>
+              <a:buChar char="•"/>
+            </a:pPr>
+            <a:r>
+              <a:rPr kumimoji="1" lang="zh-TW" altLang="en-US" sz="4000" b="1" dirty="0" smtClean="0">
+                <a:effectLst>
+                  <a:outerShdw blurRad="38100" dist="38100" dir="2700000" algn="tl">
+                    <a:srgbClr val="000000">
+                      <a:alpha val="43137"/>
+                    </a:srgbClr>
+                  </a:outerShdw>
+                </a:effectLst>
+                <a:latin typeface="微軟正黑體" panose="020B0604030504040204" pitchFamily="34" charset="-120"/>
+                <a:ea typeface="微軟正黑體" panose="020B0604030504040204" pitchFamily="34" charset="-120"/>
+                <a:cs typeface="Heiti TC Light"/>
+              </a:rPr>
+              <a:t>每次重啟</a:t>
+            </a:r>
+            <a:r>
+              <a:rPr kumimoji="1" lang="en-US" altLang="zh-TW" sz="4000" b="1" dirty="0" smtClean="0">
+                <a:effectLst>
+                  <a:outerShdw blurRad="38100" dist="38100" dir="2700000" algn="tl">
+                    <a:srgbClr val="000000">
+                      <a:alpha val="43137"/>
+                    </a:srgbClr>
+                  </a:outerShdw>
+                </a:effectLst>
+                <a:latin typeface="微軟正黑體" panose="020B0604030504040204" pitchFamily="34" charset="-120"/>
+                <a:ea typeface="微軟正黑體" panose="020B0604030504040204" pitchFamily="34" charset="-120"/>
+                <a:cs typeface="Heiti TC Light"/>
+              </a:rPr>
+              <a:t>container</a:t>
+            </a:r>
+            <a:r>
+              <a:rPr kumimoji="1" lang="zh-TW" altLang="en-US" sz="4000" b="1" dirty="0" smtClean="0">
+                <a:effectLst>
+                  <a:outerShdw blurRad="38100" dist="38100" dir="2700000" algn="tl">
+                    <a:srgbClr val="000000">
+                      <a:alpha val="43137"/>
+                    </a:srgbClr>
+                  </a:outerShdw>
+                </a:effectLst>
+                <a:latin typeface="微軟正黑體" panose="020B0604030504040204" pitchFamily="34" charset="-120"/>
+                <a:ea typeface="微軟正黑體" panose="020B0604030504040204" pitchFamily="34" charset="-120"/>
+                <a:cs typeface="Heiti TC Light"/>
+              </a:rPr>
+              <a:t>很多模組要重新安裝</a:t>
+            </a:r>
+            <a:endParaRPr kumimoji="1" lang="en-US" altLang="zh-TW" sz="4000" b="1" dirty="0">
+              <a:effectLst>
+                <a:outerShdw blurRad="38100" dist="38100" dir="2700000" algn="tl">
+                  <a:srgbClr val="000000">
+                    <a:alpha val="43137"/>
+                  </a:srgbClr>
+                </a:outerShdw>
+              </a:effectLst>
+              <a:latin typeface="微軟正黑體" panose="020B0604030504040204" pitchFamily="34" charset="-120"/>
+              <a:ea typeface="微軟正黑體" panose="020B0604030504040204" pitchFamily="34" charset="-120"/>
+              <a:cs typeface="Heiti TC Light"/>
+            </a:endParaRPr>
+          </a:p>
         </p:txBody>
       </p:sp>
       <p:sp>
@@ -20877,15 +20795,32 @@
         </p:nvSpPr>
         <p:spPr>
           <a:xfrm>
-            <a:off x="609600" y="304800"/>
-            <a:ext cx="8001000" cy="990600"/>
+            <a:off x="1828800" y="228600"/>
+            <a:ext cx="6553200" cy="990600"/>
           </a:xfrm>
         </p:spPr>
         <p:txBody>
           <a:bodyPr/>
           <a:lstStyle/>
           <a:p>
-            <a:pPr algn="ctr"/>
+            <a:pPr algn="just"/>
+            <a:r>
+              <a:rPr lang="zh-TW" altLang="en-US" sz="4800" b="1" dirty="0" smtClean="0">
+                <a:solidFill>
+                  <a:srgbClr val="00B0F0"/>
+                </a:solidFill>
+                <a:effectLst>
+                  <a:outerShdw blurRad="38100" dist="38100" dir="2700000" algn="tl">
+                    <a:srgbClr val="000000">
+                      <a:alpha val="43137"/>
+                    </a:srgbClr>
+                  </a:outerShdw>
+                </a:effectLst>
+                <a:latin typeface="微軟正黑體" panose="020B0604030504040204" pitchFamily="34" charset="-120"/>
+                <a:ea typeface="微軟正黑體" panose="020B0604030504040204" pitchFamily="34" charset="-120"/>
+              </a:rPr>
+              <a:t>用</a:t>
+            </a:r>
             <a:r>
               <a:rPr lang="en-US" altLang="zh-TW" sz="4800" b="1" dirty="0" err="1" smtClean="0">
                 <a:solidFill>
@@ -20901,58 +20836,7 @@
                 <a:latin typeface="微軟正黑體" panose="020B0604030504040204" pitchFamily="34" charset="-120"/>
                 <a:ea typeface="微軟正黑體" panose="020B0604030504040204" pitchFamily="34" charset="-120"/>
               </a:rPr>
-              <a:t>Docker</a:t>
-            </a:r>
-            <a:r>
-              <a:rPr lang="en-US" altLang="zh-TW" sz="4800" b="1" dirty="0" smtClean="0">
-                <a:solidFill>
-                  <a:srgbClr val="00B0F0"/>
-                </a:solidFill>
-                <a:effectLst>
-                  <a:outerShdw blurRad="38100" dist="38100" dir="2700000" algn="tl">
-                    <a:srgbClr val="000000">
-                      <a:alpha val="43137"/>
-                    </a:srgbClr>
-                  </a:outerShdw>
-                </a:effectLst>
-                <a:latin typeface="微軟正黑體" panose="020B0604030504040204" pitchFamily="34" charset="-120"/>
-                <a:ea typeface="微軟正黑體" panose="020B0604030504040204" pitchFamily="34" charset="-120"/>
-              </a:rPr>
-              <a:t> </a:t>
-            </a:r>
-            <a:r>
-              <a:rPr lang="en-US" altLang="zh-TW" sz="4800" b="1" dirty="0" err="1" smtClean="0">
-                <a:solidFill>
-                  <a:srgbClr val="00B0F0"/>
-                </a:solidFill>
-                <a:effectLst>
-                  <a:outerShdw blurRad="38100" dist="38100" dir="2700000" algn="tl">
-                    <a:srgbClr val="000000">
-                      <a:alpha val="43137"/>
-                    </a:srgbClr>
-                  </a:outerShdw>
-                </a:effectLst>
-                <a:latin typeface="微軟正黑體" panose="020B0604030504040204" pitchFamily="34" charset="-120"/>
-                <a:ea typeface="微軟正黑體" panose="020B0604030504040204" pitchFamily="34" charset="-120"/>
-              </a:rPr>
-              <a:t>pytorch</a:t>
-            </a:r>
-            <a:r>
-              <a:rPr lang="zh-TW" altLang="en-US" sz="4800" b="1" dirty="0" smtClean="0">
-                <a:solidFill>
-                  <a:srgbClr val="00B0F0"/>
-                </a:solidFill>
-                <a:effectLst>
-                  <a:outerShdw blurRad="38100" dist="38100" dir="2700000" algn="tl">
-                    <a:srgbClr val="000000">
-                      <a:alpha val="43137"/>
-                    </a:srgbClr>
-                  </a:outerShdw>
-                </a:effectLst>
-                <a:latin typeface="微軟正黑體" panose="020B0604030504040204" pitchFamily="34" charset="-120"/>
-                <a:ea typeface="微軟正黑體" panose="020B0604030504040204" pitchFamily="34" charset="-120"/>
-              </a:rPr>
-              <a:t>開發環境</a:t>
+              <a:t>nvidia-docker</a:t>
             </a:r>
             <a:endParaRPr lang="zh-TW" altLang="en-US" sz="4800" b="1" dirty="0">
               <a:solidFill>
@@ -20971,36 +20855,10 @@
           </a:p>
         </p:txBody>
       </p:sp>
-      <p:pic>
-        <p:nvPicPr>
-          <p:cNvPr id="11266" name="Picture 2" descr="C:\Users\joshhu\Desktop\547OLKCOPF.png"/>
-          <p:cNvPicPr>
-            <a:picLocks noChangeAspect="1" noChangeArrowheads="1"/>
-          </p:cNvPicPr>
-          <p:nvPr/>
-        </p:nvPicPr>
-        <p:blipFill>
-          <a:blip r:embed="rId4" cstate="print"/>
-          <a:srcRect/>
-          <a:stretch>
-            <a:fillRect/>
-          </a:stretch>
-        </p:blipFill>
-        <p:spPr bwMode="auto">
-          <a:xfrm>
-            <a:off x="2971800" y="3048000"/>
-            <a:ext cx="3581400" cy="3581400"/>
-          </a:xfrm>
-          <a:prstGeom prst="rect">
-            <a:avLst/>
-          </a:prstGeom>
-          <a:noFill/>
-        </p:spPr>
-      </p:pic>
     </p:spTree>
     <p:extLst>
       <p:ext uri="{BB962C8B-B14F-4D97-AF65-F5344CB8AC3E}">
-        <p14:creationId xmlns="" xmlns:p14="http://schemas.microsoft.com/office/powerpoint/2010/main" val="522405798"/>
+        <p14:creationId xmlns:p14="http://schemas.microsoft.com/office/powerpoint/2010/main" xmlns="" val="522405798"/>
       </p:ext>
     </p:extLst>
   </p:cSld>
@@ -21039,80 +20897,43 @@
       </p:grpSpPr>
       <p:sp>
         <p:nvSpPr>
-          <p:cNvPr id="3" name="文字版面配置區 2"/>
-          <p:cNvSpPr>
-            <a:spLocks noGrp="1"/>
-          </p:cNvSpPr>
-          <p:nvPr>
-            <p:ph type="body" sz="quarter" idx="11"/>
-          </p:nvPr>
+          <p:cNvPr id="5" name="文字方塊 4"/>
+          <p:cNvSpPr txBox="1"/>
+          <p:nvPr/>
         </p:nvSpPr>
         <p:spPr>
           <a:xfrm>
-            <a:off x="1371600" y="1981200"/>
-            <a:ext cx="6858000" cy="2971800"/>
+            <a:off x="762000" y="1447800"/>
+            <a:ext cx="8077200" cy="1323439"/>
           </a:xfrm>
+          <a:prstGeom prst="rect">
+            <a:avLst/>
+          </a:prstGeom>
+          <a:noFill/>
         </p:spPr>
         <p:txBody>
-          <a:bodyPr/>
+          <a:bodyPr wrap="square" rtlCol="0">
+            <a:spAutoFit/>
+          </a:bodyPr>
           <a:lstStyle/>
           <a:p>
-            <a:pPr algn="just"/>
-            <a:r>
-              <a:rPr lang="zh-TW" altLang="en-US" sz="4800" b="1" dirty="0" smtClean="0">
-                <a:solidFill>
-                  <a:srgbClr val="00B0F0"/>
-                </a:solidFill>
-                <a:effectLst>
-                  <a:outerShdw blurRad="38100" dist="38100" dir="2700000" algn="tl">
-                    <a:srgbClr val="000000">
-                      <a:alpha val="43137"/>
-                    </a:srgbClr>
-                  </a:outerShdw>
-                </a:effectLst>
-                <a:latin typeface="微軟正黑體" panose="020B0604030504040204" pitchFamily="34" charset="-120"/>
-                <a:ea typeface="微軟正黑體" panose="020B0604030504040204" pitchFamily="34" charset="-120"/>
-              </a:rPr>
-              <a:t>免費</a:t>
-            </a:r>
-            <a:r>
-              <a:rPr lang="en-US" altLang="zh-TW" sz="4800" b="1" dirty="0" smtClean="0">
-                <a:solidFill>
-                  <a:srgbClr val="00B0F0"/>
-                </a:solidFill>
-                <a:effectLst>
-                  <a:outerShdw blurRad="38100" dist="38100" dir="2700000" algn="tl">
-                    <a:srgbClr val="000000">
-                      <a:alpha val="43137"/>
-                    </a:srgbClr>
-                  </a:outerShdw>
-                </a:effectLst>
-                <a:latin typeface="微軟正黑體" panose="020B0604030504040204" pitchFamily="34" charset="-120"/>
-                <a:ea typeface="微軟正黑體" panose="020B0604030504040204" pitchFamily="34" charset="-120"/>
-              </a:rPr>
-              <a:t>GPU/TPU</a:t>
-            </a:r>
-            <a:r>
-              <a:rPr lang="zh-TW" altLang="en-US" sz="4800" b="1" dirty="0" smtClean="0">
-                <a:solidFill>
-                  <a:srgbClr val="00B0F0"/>
-                </a:solidFill>
-                <a:effectLst>
-                  <a:outerShdw blurRad="38100" dist="38100" dir="2700000" algn="tl">
-                    <a:srgbClr val="000000">
-                      <a:alpha val="43137"/>
-                    </a:srgbClr>
-                  </a:outerShdw>
-                </a:effectLst>
-                <a:latin typeface="微軟正黑體" panose="020B0604030504040204" pitchFamily="34" charset="-120"/>
-                <a:ea typeface="微軟正黑體" panose="020B0604030504040204" pitchFamily="34" charset="-120"/>
-              </a:rPr>
-              <a:t>的網上協作環境：</a:t>
-            </a:r>
-            <a:endParaRPr lang="en-US" altLang="zh-TW" sz="4800" b="1" dirty="0" smtClean="0">
-              <a:solidFill>
-                <a:srgbClr val="00B0F0"/>
-              </a:solidFill>
+            <a:r>
+              <a:rPr kumimoji="1" lang="en-US" altLang="zh-TW" sz="4000" b="1" dirty="0" smtClean="0">
+                <a:effectLst>
+                  <a:outerShdw blurRad="38100" dist="38100" dir="2700000" algn="tl">
+                    <a:srgbClr val="000000">
+                      <a:alpha val="43137"/>
+                    </a:srgbClr>
+                  </a:outerShdw>
+                </a:effectLst>
+                <a:latin typeface="微軟正黑體" panose="020B0604030504040204" pitchFamily="34" charset="-120"/>
+                <a:ea typeface="微軟正黑體" panose="020B0604030504040204" pitchFamily="34" charset="-120"/>
+                <a:cs typeface="Heiti TC Light"/>
+                <a:hlinkClick r:id="rId3"/>
+              </a:rPr>
+              <a:t>https://hackmd.io/@joshhu/Sy8MQetvS</a:t>
+            </a:r>
+            <a:endParaRPr kumimoji="1" lang="en-US" altLang="zh-TW" sz="4000" b="1" dirty="0" smtClean="0">
               <a:effectLst>
                 <a:outerShdw blurRad="38100" dist="38100" dir="2700000" algn="tl">
                   <a:srgbClr val="000000">
@@ -21122,10 +20943,49 @@
               </a:effectLst>
               <a:latin typeface="微軟正黑體" panose="020B0604030504040204" pitchFamily="34" charset="-120"/>
               <a:ea typeface="微軟正黑體" panose="020B0604030504040204" pitchFamily="34" charset="-120"/>
+              <a:cs typeface="Heiti TC Light"/>
             </a:endParaRPr>
           </a:p>
-          <a:p>
-            <a:pPr algn="just"/>
+        </p:txBody>
+      </p:sp>
+      <p:sp>
+        <p:nvSpPr>
+          <p:cNvPr id="6" name="文字版面配置區 2"/>
+          <p:cNvSpPr>
+            <a:spLocks noGrp="1"/>
+          </p:cNvSpPr>
+          <p:nvPr>
+            <p:ph type="body" sz="quarter" idx="11"/>
+          </p:nvPr>
+        </p:nvSpPr>
+        <p:spPr>
+          <a:xfrm>
+            <a:off x="609600" y="304800"/>
+            <a:ext cx="8001000" cy="990600"/>
+          </a:xfrm>
+        </p:spPr>
+        <p:txBody>
+          <a:bodyPr/>
+          <a:lstStyle/>
+          <a:p>
+            <a:pPr algn="ctr"/>
+            <a:r>
+              <a:rPr lang="en-US" altLang="zh-TW" sz="4800" b="1" dirty="0" err="1" smtClean="0">
+                <a:solidFill>
+                  <a:srgbClr val="00B0F0"/>
+                </a:solidFill>
+                <a:effectLst>
+                  <a:outerShdw blurRad="38100" dist="38100" dir="2700000" algn="tl">
+                    <a:srgbClr val="000000">
+                      <a:alpha val="43137"/>
+                    </a:srgbClr>
+                  </a:outerShdw>
+                </a:effectLst>
+                <a:latin typeface="微軟正黑體" panose="020B0604030504040204" pitchFamily="34" charset="-120"/>
+                <a:ea typeface="微軟正黑體" panose="020B0604030504040204" pitchFamily="34" charset="-120"/>
+              </a:rPr>
+              <a:t>Docker</a:t>
+            </a:r>
             <a:r>
               <a:rPr lang="en-US" altLang="zh-TW" sz="4800" b="1" dirty="0" smtClean="0">
                 <a:solidFill>
@@ -21141,7 +21001,7 @@
                 <a:latin typeface="微軟正黑體" panose="020B0604030504040204" pitchFamily="34" charset="-120"/>
                 <a:ea typeface="微軟正黑體" panose="020B0604030504040204" pitchFamily="34" charset="-120"/>
               </a:rPr>
-              <a:t>Google </a:t>
+              <a:t> </a:t>
             </a:r>
             <a:r>
               <a:rPr lang="en-US" altLang="zh-TW" sz="4800" b="1" dirty="0" err="1" smtClean="0">
@@ -21158,7 +21018,24 @@
                 <a:latin typeface="微軟正黑體" panose="020B0604030504040204" pitchFamily="34" charset="-120"/>
                 <a:ea typeface="微軟正黑體" panose="020B0604030504040204" pitchFamily="34" charset="-120"/>
               </a:rPr>
-              <a:t>Colab</a:t>
+              <a:t>pytorch</a:t>
+            </a:r>
+            <a:r>
+              <a:rPr lang="zh-TW" altLang="en-US" sz="4800" b="1" dirty="0" smtClean="0">
+                <a:solidFill>
+                  <a:srgbClr val="00B0F0"/>
+                </a:solidFill>
+                <a:effectLst>
+                  <a:outerShdw blurRad="38100" dist="38100" dir="2700000" algn="tl">
+                    <a:srgbClr val="000000">
+                      <a:alpha val="43137"/>
+                    </a:srgbClr>
+                  </a:outerShdw>
+                </a:effectLst>
+                <a:latin typeface="微軟正黑體" panose="020B0604030504040204" pitchFamily="34" charset="-120"/>
+                <a:ea typeface="微軟正黑體" panose="020B0604030504040204" pitchFamily="34" charset="-120"/>
+              </a:rPr>
+              <a:t>開發環境</a:t>
             </a:r>
             <a:endParaRPr lang="zh-TW" altLang="en-US" sz="4800" b="1" dirty="0">
               <a:solidFill>
@@ -21177,10 +21054,36 @@
           </a:p>
         </p:txBody>
       </p:sp>
+      <p:pic>
+        <p:nvPicPr>
+          <p:cNvPr id="11266" name="Picture 2" descr="C:\Users\joshhu\Desktop\547OLKCOPF.png"/>
+          <p:cNvPicPr>
+            <a:picLocks noChangeAspect="1" noChangeArrowheads="1"/>
+          </p:cNvPicPr>
+          <p:nvPr/>
+        </p:nvPicPr>
+        <p:blipFill>
+          <a:blip r:embed="rId4" cstate="print"/>
+          <a:srcRect/>
+          <a:stretch>
+            <a:fillRect/>
+          </a:stretch>
+        </p:blipFill>
+        <p:spPr bwMode="auto">
+          <a:xfrm>
+            <a:off x="2971800" y="3048000"/>
+            <a:ext cx="3581400" cy="3581400"/>
+          </a:xfrm>
+          <a:prstGeom prst="rect">
+            <a:avLst/>
+          </a:prstGeom>
+          <a:noFill/>
+        </p:spPr>
+      </p:pic>
     </p:spTree>
     <p:extLst>
       <p:ext uri="{BB962C8B-B14F-4D97-AF65-F5344CB8AC3E}">
-        <p14:creationId xmlns="" xmlns:p14="http://schemas.microsoft.com/office/powerpoint/2010/main" val="3907764274"/>
+        <p14:creationId xmlns:p14="http://schemas.microsoft.com/office/powerpoint/2010/main" xmlns="" val="522405798"/>
       </p:ext>
     </p:extLst>
   </p:cSld>
@@ -21219,46 +21122,80 @@
       </p:grpSpPr>
       <p:sp>
         <p:nvSpPr>
-          <p:cNvPr id="5" name="文字方塊 4"/>
-          <p:cNvSpPr txBox="1"/>
-          <p:nvPr/>
+          <p:cNvPr id="3" name="文字版面配置區 2"/>
+          <p:cNvSpPr>
+            <a:spLocks noGrp="1"/>
+          </p:cNvSpPr>
+          <p:nvPr>
+            <p:ph type="body" sz="quarter" idx="11"/>
+          </p:nvPr>
         </p:nvSpPr>
         <p:spPr>
           <a:xfrm>
-            <a:off x="685800" y="1676400"/>
-            <a:ext cx="8077200" cy="5078313"/>
+            <a:off x="1371600" y="1981200"/>
+            <a:ext cx="6858000" cy="2971800"/>
           </a:xfrm>
-          <a:prstGeom prst="rect">
-            <a:avLst/>
-          </a:prstGeom>
-          <a:noFill/>
         </p:spPr>
         <p:txBody>
-          <a:bodyPr wrap="square" rtlCol="0">
-            <a:spAutoFit/>
-          </a:bodyPr>
+          <a:bodyPr/>
           <a:lstStyle/>
           <a:p>
-            <a:pPr marL="176213" indent="-176213">
-              <a:buFont typeface="Arial" panose="020B0604020202020204" pitchFamily="34" charset="0"/>
-              <a:buChar char="•"/>
-            </a:pPr>
-            <a:r>
-              <a:rPr kumimoji="1" lang="zh-TW" altLang="en-US" sz="3600" b="1" dirty="0" smtClean="0">
-                <a:effectLst>
-                  <a:outerShdw blurRad="38100" dist="38100" dir="2700000" algn="tl">
-                    <a:srgbClr val="000000">
-                      <a:alpha val="43137"/>
-                    </a:srgbClr>
-                  </a:outerShdw>
-                </a:effectLst>
-                <a:latin typeface="微軟正黑體" panose="020B0604030504040204" pitchFamily="34" charset="-120"/>
-                <a:ea typeface="微軟正黑體" panose="020B0604030504040204" pitchFamily="34" charset="-120"/>
-                <a:cs typeface="Heiti TC Light"/>
+            <a:pPr algn="just"/>
+            <a:r>
+              <a:rPr lang="zh-TW" altLang="en-US" sz="4800" b="1" dirty="0" smtClean="0">
+                <a:solidFill>
+                  <a:srgbClr val="00B0F0"/>
+                </a:solidFill>
+                <a:effectLst>
+                  <a:outerShdw blurRad="38100" dist="38100" dir="2700000" algn="tl">
+                    <a:srgbClr val="000000">
+                      <a:alpha val="43137"/>
+                    </a:srgbClr>
+                  </a:outerShdw>
+                </a:effectLst>
+                <a:latin typeface="微軟正黑體" panose="020B0604030504040204" pitchFamily="34" charset="-120"/>
+                <a:ea typeface="微軟正黑體" panose="020B0604030504040204" pitchFamily="34" charset="-120"/>
               </a:rPr>
               <a:t>免費</a:t>
             </a:r>
-            <a:endParaRPr kumimoji="1" lang="en-US" altLang="zh-TW" sz="3600" b="1" dirty="0" smtClean="0">
+            <a:r>
+              <a:rPr lang="en-US" altLang="zh-TW" sz="4800" b="1" dirty="0" smtClean="0">
+                <a:solidFill>
+                  <a:srgbClr val="00B0F0"/>
+                </a:solidFill>
+                <a:effectLst>
+                  <a:outerShdw blurRad="38100" dist="38100" dir="2700000" algn="tl">
+                    <a:srgbClr val="000000">
+                      <a:alpha val="43137"/>
+                    </a:srgbClr>
+                  </a:outerShdw>
+                </a:effectLst>
+                <a:latin typeface="微軟正黑體" panose="020B0604030504040204" pitchFamily="34" charset="-120"/>
+                <a:ea typeface="微軟正黑體" panose="020B0604030504040204" pitchFamily="34" charset="-120"/>
+              </a:rPr>
+              <a:t>GPU/TPU</a:t>
+            </a:r>
+            <a:r>
+              <a:rPr lang="zh-TW" altLang="en-US" sz="4800" b="1" dirty="0" smtClean="0">
+                <a:solidFill>
+                  <a:srgbClr val="00B0F0"/>
+                </a:solidFill>
+                <a:effectLst>
+                  <a:outerShdw blurRad="38100" dist="38100" dir="2700000" algn="tl">
+                    <a:srgbClr val="000000">
+                      <a:alpha val="43137"/>
+                    </a:srgbClr>
+                  </a:outerShdw>
+                </a:effectLst>
+                <a:latin typeface="微軟正黑體" panose="020B0604030504040204" pitchFamily="34" charset="-120"/>
+                <a:ea typeface="微軟正黑體" panose="020B0604030504040204" pitchFamily="34" charset="-120"/>
+              </a:rPr>
+              <a:t>的網上協作環境：</a:t>
+            </a:r>
+            <a:endParaRPr lang="en-US" altLang="zh-TW" sz="4800" b="1" dirty="0" smtClean="0">
+              <a:solidFill>
+                <a:srgbClr val="00B0F0"/>
+              </a:solidFill>
               <a:effectLst>
                 <a:outerShdw blurRad="38100" dist="38100" dir="2700000" algn="tl">
                   <a:srgbClr val="000000">
@@ -21268,471 +21205,8 @@
               </a:effectLst>
               <a:latin typeface="微軟正黑體" panose="020B0604030504040204" pitchFamily="34" charset="-120"/>
               <a:ea typeface="微軟正黑體" panose="020B0604030504040204" pitchFamily="34" charset="-120"/>
-              <a:cs typeface="Heiti TC Light"/>
             </a:endParaRPr>
           </a:p>
-          <a:p>
-            <a:pPr marL="176213" indent="-176213">
-              <a:buFont typeface="Arial" panose="020B0604020202020204" pitchFamily="34" charset="0"/>
-              <a:buChar char="•"/>
-            </a:pPr>
-            <a:r>
-              <a:rPr kumimoji="1" lang="en-US" altLang="zh-TW" sz="3600" b="1" dirty="0" smtClean="0">
-                <a:effectLst>
-                  <a:outerShdw blurRad="38100" dist="38100" dir="2700000" algn="tl">
-                    <a:srgbClr val="000000">
-                      <a:alpha val="43137"/>
-                    </a:srgbClr>
-                  </a:outerShdw>
-                </a:effectLst>
-                <a:latin typeface="微軟正黑體" panose="020B0604030504040204" pitchFamily="34" charset="-120"/>
-                <a:ea typeface="微軟正黑體" panose="020B0604030504040204" pitchFamily="34" charset="-120"/>
-                <a:cs typeface="Heiti TC Light"/>
-              </a:rPr>
-              <a:t>Google</a:t>
-            </a:r>
-            <a:r>
-              <a:rPr kumimoji="1" lang="zh-TW" altLang="en-US" sz="3600" b="1" dirty="0" smtClean="0">
-                <a:effectLst>
-                  <a:outerShdw blurRad="38100" dist="38100" dir="2700000" algn="tl">
-                    <a:srgbClr val="000000">
-                      <a:alpha val="43137"/>
-                    </a:srgbClr>
-                  </a:outerShdw>
-                </a:effectLst>
-                <a:latin typeface="微軟正黑體" panose="020B0604030504040204" pitchFamily="34" charset="-120"/>
-                <a:ea typeface="微軟正黑體" panose="020B0604030504040204" pitchFamily="34" charset="-120"/>
-                <a:cs typeface="Heiti TC Light"/>
-              </a:rPr>
-              <a:t>版的</a:t>
-            </a:r>
-            <a:r>
-              <a:rPr kumimoji="1" lang="en-US" altLang="zh-TW" sz="3600" b="1" dirty="0" err="1" smtClean="0">
-                <a:effectLst>
-                  <a:outerShdw blurRad="38100" dist="38100" dir="2700000" algn="tl">
-                    <a:srgbClr val="000000">
-                      <a:alpha val="43137"/>
-                    </a:srgbClr>
-                  </a:outerShdw>
-                </a:effectLst>
-                <a:latin typeface="微軟正黑體" panose="020B0604030504040204" pitchFamily="34" charset="-120"/>
-                <a:ea typeface="微軟正黑體" panose="020B0604030504040204" pitchFamily="34" charset="-120"/>
-                <a:cs typeface="Heiti TC Light"/>
-              </a:rPr>
-              <a:t>Jupyter</a:t>
-            </a:r>
-            <a:r>
-              <a:rPr kumimoji="1" lang="en-US" altLang="zh-TW" sz="3600" b="1" dirty="0" smtClean="0">
-                <a:effectLst>
-                  <a:outerShdw blurRad="38100" dist="38100" dir="2700000" algn="tl">
-                    <a:srgbClr val="000000">
-                      <a:alpha val="43137"/>
-                    </a:srgbClr>
-                  </a:outerShdw>
-                </a:effectLst>
-                <a:latin typeface="微軟正黑體" panose="020B0604030504040204" pitchFamily="34" charset="-120"/>
-                <a:ea typeface="微軟正黑體" panose="020B0604030504040204" pitchFamily="34" charset="-120"/>
-                <a:cs typeface="Heiti TC Light"/>
-              </a:rPr>
-              <a:t> Notebook</a:t>
-            </a:r>
-          </a:p>
-          <a:p>
-            <a:pPr marL="176213" indent="-176213">
-              <a:buFont typeface="Arial" panose="020B0604020202020204" pitchFamily="34" charset="0"/>
-              <a:buChar char="•"/>
-            </a:pPr>
-            <a:r>
-              <a:rPr kumimoji="1" lang="zh-TW" altLang="en-US" sz="3600" b="1" dirty="0" smtClean="0">
-                <a:effectLst>
-                  <a:outerShdw blurRad="38100" dist="38100" dir="2700000" algn="tl">
-                    <a:srgbClr val="000000">
-                      <a:alpha val="43137"/>
-                    </a:srgbClr>
-                  </a:outerShdw>
-                </a:effectLst>
-                <a:latin typeface="微軟正黑體" panose="020B0604030504040204" pitchFamily="34" charset="-120"/>
-                <a:ea typeface="微軟正黑體" panose="020B0604030504040204" pitchFamily="34" charset="-120"/>
-                <a:cs typeface="Heiti TC Light"/>
-              </a:rPr>
-              <a:t>有</a:t>
-            </a:r>
-            <a:r>
-              <a:rPr kumimoji="1" lang="en-US" altLang="zh-TW" sz="3600" b="1" dirty="0" err="1" smtClean="0">
-                <a:effectLst>
-                  <a:outerShdw blurRad="38100" dist="38100" dir="2700000" algn="tl">
-                    <a:srgbClr val="000000">
-                      <a:alpha val="43137"/>
-                    </a:srgbClr>
-                  </a:outerShdw>
-                </a:effectLst>
-                <a:latin typeface="微軟正黑體" panose="020B0604030504040204" pitchFamily="34" charset="-120"/>
-                <a:ea typeface="微軟正黑體" panose="020B0604030504040204" pitchFamily="34" charset="-120"/>
-                <a:cs typeface="Heiti TC Light"/>
-              </a:rPr>
-              <a:t>gmail</a:t>
-            </a:r>
-            <a:r>
-              <a:rPr kumimoji="1" lang="zh-TW" altLang="en-US" sz="3600" b="1" dirty="0" smtClean="0">
-                <a:effectLst>
-                  <a:outerShdw blurRad="38100" dist="38100" dir="2700000" algn="tl">
-                    <a:srgbClr val="000000">
-                      <a:alpha val="43137"/>
-                    </a:srgbClr>
-                  </a:outerShdw>
-                </a:effectLst>
-                <a:latin typeface="微軟正黑體" panose="020B0604030504040204" pitchFamily="34" charset="-120"/>
-                <a:ea typeface="微軟正黑體" panose="020B0604030504040204" pitchFamily="34" charset="-120"/>
-                <a:cs typeface="Heiti TC Light"/>
-              </a:rPr>
-              <a:t>帳號即可用</a:t>
-            </a:r>
-            <a:endParaRPr kumimoji="1" lang="en-US" altLang="zh-TW" sz="3600" b="1" dirty="0" smtClean="0">
-              <a:effectLst>
-                <a:outerShdw blurRad="38100" dist="38100" dir="2700000" algn="tl">
-                  <a:srgbClr val="000000">
-                    <a:alpha val="43137"/>
-                  </a:srgbClr>
-                </a:outerShdw>
-              </a:effectLst>
-              <a:latin typeface="微軟正黑體" panose="020B0604030504040204" pitchFamily="34" charset="-120"/>
-              <a:ea typeface="微軟正黑體" panose="020B0604030504040204" pitchFamily="34" charset="-120"/>
-              <a:cs typeface="Heiti TC Light"/>
-            </a:endParaRPr>
-          </a:p>
-          <a:p>
-            <a:pPr marL="176213" indent="-176213">
-              <a:buFont typeface="Arial" panose="020B0604020202020204" pitchFamily="34" charset="0"/>
-              <a:buChar char="•"/>
-            </a:pPr>
-            <a:r>
-              <a:rPr kumimoji="1" lang="zh-TW" altLang="en-US" sz="3600" b="1" dirty="0" smtClean="0">
-                <a:effectLst>
-                  <a:outerShdw blurRad="38100" dist="38100" dir="2700000" algn="tl">
-                    <a:srgbClr val="000000">
-                      <a:alpha val="43137"/>
-                    </a:srgbClr>
-                  </a:outerShdw>
-                </a:effectLst>
-                <a:latin typeface="微軟正黑體" panose="020B0604030504040204" pitchFamily="34" charset="-120"/>
-                <a:ea typeface="微軟正黑體" panose="020B0604030504040204" pitchFamily="34" charset="-120"/>
-                <a:cs typeface="Heiti TC Light"/>
-              </a:rPr>
-              <a:t>可使用</a:t>
-            </a:r>
-            <a:r>
-              <a:rPr kumimoji="1" lang="en-US" altLang="zh-TW" sz="3600" b="1" dirty="0" smtClean="0">
-                <a:effectLst>
-                  <a:outerShdw blurRad="38100" dist="38100" dir="2700000" algn="tl">
-                    <a:srgbClr val="000000">
-                      <a:alpha val="43137"/>
-                    </a:srgbClr>
-                  </a:outerShdw>
-                </a:effectLst>
-                <a:latin typeface="微軟正黑體" panose="020B0604030504040204" pitchFamily="34" charset="-120"/>
-                <a:ea typeface="微軟正黑體" panose="020B0604030504040204" pitchFamily="34" charset="-120"/>
-                <a:cs typeface="Heiti TC Light"/>
-              </a:rPr>
-              <a:t>GPU/TPU</a:t>
-            </a:r>
-          </a:p>
-          <a:p>
-            <a:pPr marL="176213" indent="-176213">
-              <a:buFont typeface="Arial" panose="020B0604020202020204" pitchFamily="34" charset="0"/>
-              <a:buChar char="•"/>
-            </a:pPr>
-            <a:r>
-              <a:rPr kumimoji="1" lang="zh-TW" altLang="en-US" sz="3600" b="1" dirty="0" smtClean="0">
-                <a:effectLst>
-                  <a:outerShdw blurRad="38100" dist="38100" dir="2700000" algn="tl">
-                    <a:srgbClr val="000000">
-                      <a:alpha val="43137"/>
-                    </a:srgbClr>
-                  </a:outerShdw>
-                </a:effectLst>
-                <a:latin typeface="微軟正黑體" panose="020B0604030504040204" pitchFamily="34" charset="-120"/>
-                <a:ea typeface="微軟正黑體" panose="020B0604030504040204" pitchFamily="34" charset="-120"/>
-                <a:cs typeface="Heiti TC Light"/>
-              </a:rPr>
-              <a:t>可連接雲端硬碟</a:t>
-            </a:r>
-            <a:endParaRPr kumimoji="1" lang="en-US" altLang="zh-TW" sz="3600" b="1" dirty="0" smtClean="0">
-              <a:effectLst>
-                <a:outerShdw blurRad="38100" dist="38100" dir="2700000" algn="tl">
-                  <a:srgbClr val="000000">
-                    <a:alpha val="43137"/>
-                  </a:srgbClr>
-                </a:outerShdw>
-              </a:effectLst>
-              <a:latin typeface="微軟正黑體" panose="020B0604030504040204" pitchFamily="34" charset="-120"/>
-              <a:ea typeface="微軟正黑體" panose="020B0604030504040204" pitchFamily="34" charset="-120"/>
-              <a:cs typeface="Heiti TC Light"/>
-            </a:endParaRPr>
-          </a:p>
-          <a:p>
-            <a:pPr marL="176213" indent="-176213">
-              <a:buFont typeface="Arial" panose="020B0604020202020204" pitchFamily="34" charset="0"/>
-              <a:buChar char="•"/>
-            </a:pPr>
-            <a:r>
-              <a:rPr kumimoji="1" lang="zh-TW" altLang="en-US" sz="3600" b="1" dirty="0" smtClean="0">
-                <a:effectLst>
-                  <a:outerShdw blurRad="38100" dist="38100" dir="2700000" algn="tl">
-                    <a:srgbClr val="000000">
-                      <a:alpha val="43137"/>
-                    </a:srgbClr>
-                  </a:outerShdw>
-                </a:effectLst>
-                <a:latin typeface="微軟正黑體" panose="020B0604030504040204" pitchFamily="34" charset="-120"/>
-                <a:ea typeface="微軟正黑體" panose="020B0604030504040204" pitchFamily="34" charset="-120"/>
-                <a:cs typeface="Heiti TC Light"/>
-              </a:rPr>
-              <a:t>可連接</a:t>
-            </a:r>
-            <a:r>
-              <a:rPr kumimoji="1" lang="en-US" altLang="zh-TW" sz="3600" b="1" dirty="0" smtClean="0">
-                <a:effectLst>
-                  <a:outerShdw blurRad="38100" dist="38100" dir="2700000" algn="tl">
-                    <a:srgbClr val="000000">
-                      <a:alpha val="43137"/>
-                    </a:srgbClr>
-                  </a:outerShdw>
-                </a:effectLst>
-                <a:latin typeface="微軟正黑體" panose="020B0604030504040204" pitchFamily="34" charset="-120"/>
-                <a:ea typeface="微軟正黑體" panose="020B0604030504040204" pitchFamily="34" charset="-120"/>
-                <a:cs typeface="Heiti TC Light"/>
-              </a:rPr>
-              <a:t>GITHUB</a:t>
-            </a:r>
-          </a:p>
-          <a:p>
-            <a:pPr marL="176213" indent="-176213">
-              <a:buFont typeface="Arial" panose="020B0604020202020204" pitchFamily="34" charset="0"/>
-              <a:buChar char="•"/>
-            </a:pPr>
-            <a:r>
-              <a:rPr kumimoji="1" lang="en-US" altLang="zh-TW" sz="3600" b="1" dirty="0" smtClean="0">
-                <a:effectLst>
-                  <a:outerShdw blurRad="38100" dist="38100" dir="2700000" algn="tl">
-                    <a:srgbClr val="000000">
-                      <a:alpha val="43137"/>
-                    </a:srgbClr>
-                  </a:outerShdw>
-                </a:effectLst>
-                <a:latin typeface="微軟正黑體" panose="020B0604030504040204" pitchFamily="34" charset="-120"/>
-                <a:ea typeface="微軟正黑體" panose="020B0604030504040204" pitchFamily="34" charset="-120"/>
-                <a:cs typeface="Heiti TC Light"/>
-              </a:rPr>
-              <a:t>380GB</a:t>
-            </a:r>
-            <a:r>
-              <a:rPr kumimoji="1" lang="zh-TW" altLang="en-US" sz="3600" b="1" dirty="0" smtClean="0">
-                <a:effectLst>
-                  <a:outerShdw blurRad="38100" dist="38100" dir="2700000" algn="tl">
-                    <a:srgbClr val="000000">
-                      <a:alpha val="43137"/>
-                    </a:srgbClr>
-                  </a:outerShdw>
-                </a:effectLst>
-                <a:latin typeface="微軟正黑體" panose="020B0604030504040204" pitchFamily="34" charset="-120"/>
-                <a:ea typeface="微軟正黑體" panose="020B0604030504040204" pitchFamily="34" charset="-120"/>
-                <a:cs typeface="Heiti TC Light"/>
-              </a:rPr>
-              <a:t>硬碟</a:t>
-            </a:r>
-            <a:r>
-              <a:rPr kumimoji="1" lang="en-US" altLang="zh-TW" sz="3600" b="1" dirty="0" smtClean="0">
-                <a:effectLst>
-                  <a:outerShdw blurRad="38100" dist="38100" dir="2700000" algn="tl">
-                    <a:srgbClr val="000000">
-                      <a:alpha val="43137"/>
-                    </a:srgbClr>
-                  </a:outerShdw>
-                </a:effectLst>
-                <a:latin typeface="微軟正黑體" panose="020B0604030504040204" pitchFamily="34" charset="-120"/>
-                <a:ea typeface="微軟正黑體" panose="020B0604030504040204" pitchFamily="34" charset="-120"/>
-                <a:cs typeface="Heiti TC Light"/>
-              </a:rPr>
-              <a:t>/12GB</a:t>
-            </a:r>
-            <a:r>
-              <a:rPr kumimoji="1" lang="zh-TW" altLang="en-US" sz="3600" b="1" dirty="0" smtClean="0">
-                <a:effectLst>
-                  <a:outerShdw blurRad="38100" dist="38100" dir="2700000" algn="tl">
-                    <a:srgbClr val="000000">
-                      <a:alpha val="43137"/>
-                    </a:srgbClr>
-                  </a:outerShdw>
-                </a:effectLst>
-                <a:latin typeface="微軟正黑體" panose="020B0604030504040204" pitchFamily="34" charset="-120"/>
-                <a:ea typeface="微軟正黑體" panose="020B0604030504040204" pitchFamily="34" charset="-120"/>
-                <a:cs typeface="Heiti TC Light"/>
-              </a:rPr>
-              <a:t>記憶體</a:t>
-            </a:r>
-            <a:endParaRPr kumimoji="1" lang="en-US" altLang="zh-TW" sz="3600" b="1" dirty="0" smtClean="0">
-              <a:effectLst>
-                <a:outerShdw blurRad="38100" dist="38100" dir="2700000" algn="tl">
-                  <a:srgbClr val="000000">
-                    <a:alpha val="43137"/>
-                  </a:srgbClr>
-                </a:outerShdw>
-              </a:effectLst>
-              <a:latin typeface="微軟正黑體" panose="020B0604030504040204" pitchFamily="34" charset="-120"/>
-              <a:ea typeface="微軟正黑體" panose="020B0604030504040204" pitchFamily="34" charset="-120"/>
-              <a:cs typeface="Heiti TC Light"/>
-            </a:endParaRPr>
-          </a:p>
-          <a:p>
-            <a:pPr marL="176213" indent="-176213">
-              <a:buFont typeface="Arial" panose="020B0604020202020204" pitchFamily="34" charset="0"/>
-              <a:buChar char="•"/>
-            </a:pPr>
-            <a:r>
-              <a:rPr kumimoji="1" lang="en-US" altLang="zh-TW" sz="3600" b="1" dirty="0" smtClean="0">
-                <a:effectLst>
-                  <a:outerShdw blurRad="38100" dist="38100" dir="2700000" algn="tl">
-                    <a:srgbClr val="000000">
-                      <a:alpha val="43137"/>
-                    </a:srgbClr>
-                  </a:outerShdw>
-                </a:effectLst>
-                <a:latin typeface="微軟正黑體" panose="020B0604030504040204" pitchFamily="34" charset="-120"/>
-                <a:ea typeface="微軟正黑體" panose="020B0604030504040204" pitchFamily="34" charset="-120"/>
-                <a:cs typeface="Heiti TC Light"/>
-              </a:rPr>
-              <a:t>NVIDIA Tesla K80 12GB </a:t>
-            </a:r>
-            <a:r>
-              <a:rPr kumimoji="1" lang="en-US" altLang="zh-TW" sz="3600" b="1" dirty="0" smtClean="0">
-                <a:effectLst>
-                  <a:outerShdw blurRad="38100" dist="38100" dir="2700000" algn="tl">
-                    <a:srgbClr val="000000">
-                      <a:alpha val="43137"/>
-                    </a:srgbClr>
-                  </a:outerShdw>
-                </a:effectLst>
-                <a:latin typeface="微軟正黑體" panose="020B0604030504040204" pitchFamily="34" charset="-120"/>
-                <a:ea typeface="微軟正黑體" panose="020B0604030504040204" pitchFamily="34" charset="-120"/>
-                <a:cs typeface="Heiti TC Light"/>
-              </a:rPr>
-              <a:t>GPU</a:t>
-            </a:r>
-          </a:p>
-          <a:p>
-            <a:pPr marL="176213" indent="-176213">
-              <a:buFont typeface="Arial" panose="020B0604020202020204" pitchFamily="34" charset="0"/>
-              <a:buChar char="•"/>
-            </a:pPr>
-            <a:r>
-              <a:rPr kumimoji="1" lang="zh-TW" altLang="en-US" sz="3600" b="1" dirty="0" smtClean="0">
-                <a:effectLst>
-                  <a:outerShdw blurRad="38100" dist="38100" dir="2700000" algn="tl">
-                    <a:srgbClr val="000000">
-                      <a:alpha val="43137"/>
-                    </a:srgbClr>
-                  </a:outerShdw>
-                </a:effectLst>
-                <a:latin typeface="微軟正黑體" panose="020B0604030504040204" pitchFamily="34" charset="-120"/>
-                <a:ea typeface="微軟正黑體" panose="020B0604030504040204" pitchFamily="34" charset="-120"/>
-                <a:cs typeface="Heiti TC Light"/>
-              </a:rPr>
-              <a:t>本來是</a:t>
-            </a:r>
-            <a:r>
-              <a:rPr kumimoji="1" lang="en-US" altLang="zh-TW" sz="3600" b="1" dirty="0" smtClean="0">
-                <a:effectLst>
-                  <a:outerShdw blurRad="38100" dist="38100" dir="2700000" algn="tl">
-                    <a:srgbClr val="000000">
-                      <a:alpha val="43137"/>
-                    </a:srgbClr>
-                  </a:outerShdw>
-                </a:effectLst>
-                <a:latin typeface="微軟正黑體" panose="020B0604030504040204" pitchFamily="34" charset="-120"/>
-                <a:ea typeface="微軟正黑體" panose="020B0604030504040204" pitchFamily="34" charset="-120"/>
-                <a:cs typeface="Heiti TC Light"/>
-              </a:rPr>
-              <a:t>p40 16g</a:t>
-            </a:r>
-            <a:r>
-              <a:rPr kumimoji="1" lang="zh-TW" altLang="en-US" sz="3600" b="1" dirty="0" smtClean="0">
-                <a:effectLst>
-                  <a:outerShdw blurRad="38100" dist="38100" dir="2700000" algn="tl">
-                    <a:srgbClr val="000000">
-                      <a:alpha val="43137"/>
-                    </a:srgbClr>
-                  </a:outerShdw>
-                </a:effectLst>
-                <a:latin typeface="微軟正黑體" panose="020B0604030504040204" pitchFamily="34" charset="-120"/>
-                <a:ea typeface="微軟正黑體" panose="020B0604030504040204" pitchFamily="34" charset="-120"/>
-                <a:cs typeface="Heiti TC Light"/>
-              </a:rPr>
-              <a:t>，</a:t>
-            </a:r>
-            <a:r>
-              <a:rPr kumimoji="1" lang="en-US" altLang="zh-TW" sz="3600" b="1" dirty="0" err="1" smtClean="0">
-                <a:effectLst>
-                  <a:outerShdw blurRad="38100" dist="38100" dir="2700000" algn="tl">
-                    <a:srgbClr val="000000">
-                      <a:alpha val="43137"/>
-                    </a:srgbClr>
-                  </a:outerShdw>
-                </a:effectLst>
-                <a:latin typeface="微軟正黑體" panose="020B0604030504040204" pitchFamily="34" charset="-120"/>
-                <a:ea typeface="微軟正黑體" panose="020B0604030504040204" pitchFamily="34" charset="-120"/>
-                <a:cs typeface="Heiti TC Light"/>
-              </a:rPr>
-              <a:t>google</a:t>
-            </a:r>
-            <a:r>
-              <a:rPr kumimoji="1" lang="zh-TW" altLang="en-US" sz="3600" b="1" dirty="0" smtClean="0">
-                <a:effectLst>
-                  <a:outerShdw blurRad="38100" dist="38100" dir="2700000" algn="tl">
-                    <a:srgbClr val="000000">
-                      <a:alpha val="43137"/>
-                    </a:srgbClr>
-                  </a:outerShdw>
-                </a:effectLst>
-                <a:latin typeface="微軟正黑體" panose="020B0604030504040204" pitchFamily="34" charset="-120"/>
-                <a:ea typeface="微軟正黑體" panose="020B0604030504040204" pitchFamily="34" charset="-120"/>
-                <a:cs typeface="Heiti TC Light"/>
-              </a:rPr>
-              <a:t>小氣巴拉的</a:t>
-            </a:r>
-            <a:endParaRPr kumimoji="1" lang="en-US" altLang="zh-TW" sz="3600" b="1" dirty="0" smtClean="0">
-              <a:effectLst>
-                <a:outerShdw blurRad="38100" dist="38100" dir="2700000" algn="tl">
-                  <a:srgbClr val="000000">
-                    <a:alpha val="43137"/>
-                  </a:srgbClr>
-                </a:outerShdw>
-              </a:effectLst>
-              <a:latin typeface="微軟正黑體" panose="020B0604030504040204" pitchFamily="34" charset="-120"/>
-              <a:ea typeface="微軟正黑體" panose="020B0604030504040204" pitchFamily="34" charset="-120"/>
-              <a:cs typeface="Heiti TC Light"/>
-            </a:endParaRPr>
-          </a:p>
-        </p:txBody>
-      </p:sp>
-      <p:sp>
-        <p:nvSpPr>
-          <p:cNvPr id="6" name="文字版面配置區 2"/>
-          <p:cNvSpPr>
-            <a:spLocks noGrp="1"/>
-          </p:cNvSpPr>
-          <p:nvPr>
-            <p:ph type="body" sz="quarter" idx="11"/>
-          </p:nvPr>
-        </p:nvSpPr>
-        <p:spPr>
-          <a:xfrm>
-            <a:off x="2438400" y="304800"/>
-            <a:ext cx="5105400" cy="990600"/>
-          </a:xfrm>
-        </p:spPr>
-        <p:txBody>
-          <a:bodyPr/>
-          <a:lstStyle/>
           <a:p>
             <a:pPr algn="just"/>
             <a:r>
@@ -21789,7 +21263,7 @@
     </p:spTree>
     <p:extLst>
       <p:ext uri="{BB962C8B-B14F-4D97-AF65-F5344CB8AC3E}">
-        <p14:creationId xmlns="" xmlns:p14="http://schemas.microsoft.com/office/powerpoint/2010/main" val="522405798"/>
+        <p14:creationId xmlns:p14="http://schemas.microsoft.com/office/powerpoint/2010/main" xmlns="" val="3907764274"/>
       </p:ext>
     </p:extLst>
   </p:cSld>
@@ -22168,37 +21642,7 @@
                 <a:ea typeface="微軟正黑體" panose="020B0604030504040204" pitchFamily="34" charset="-120"/>
                 <a:cs typeface="Heiti TC Light"/>
               </a:rPr>
-              <a:t>(pt, </a:t>
-            </a:r>
-            <a:r>
-              <a:rPr kumimoji="1" lang="en-US" altLang="zh-TW" sz="4000" b="1" dirty="0" smtClean="0">
-                <a:effectLst>
-                  <a:outerShdw blurRad="38100" dist="38100" dir="2700000" algn="tl">
-                    <a:srgbClr val="000000">
-                      <a:alpha val="43137"/>
-                    </a:srgbClr>
-                  </a:outerShdw>
-                </a:effectLst>
-                <a:latin typeface="微軟正黑體" panose="020B0604030504040204" pitchFamily="34" charset="-120"/>
-                <a:ea typeface="微軟正黑體" panose="020B0604030504040204" pitchFamily="34" charset="-120"/>
-                <a:cs typeface="Heiti TC Light"/>
-              </a:rPr>
-              <a:t>ONNX</a:t>
-            </a:r>
-            <a:r>
-              <a:rPr kumimoji="1" lang="en-US" altLang="zh-TW" sz="4000" b="1" dirty="0" smtClean="0">
-                <a:effectLst>
-                  <a:outerShdw blurRad="38100" dist="38100" dir="2700000" algn="tl">
-                    <a:srgbClr val="000000">
-                      <a:alpha val="43137"/>
-                    </a:srgbClr>
-                  </a:outerShdw>
-                </a:effectLst>
-                <a:latin typeface="微軟正黑體" panose="020B0604030504040204" pitchFamily="34" charset="-120"/>
-                <a:ea typeface="微軟正黑體" panose="020B0604030504040204" pitchFamily="34" charset="-120"/>
-                <a:cs typeface="Heiti TC Light"/>
-              </a:rPr>
-              <a:t>, </a:t>
+              <a:t>(pt, ONNX, </a:t>
             </a:r>
             <a:r>
               <a:rPr kumimoji="1" lang="en-US" altLang="zh-TW" sz="4000" b="1" dirty="0" err="1" smtClean="0">
@@ -22409,7 +21853,7 @@
     </p:spTree>
     <p:extLst>
       <p:ext uri="{BB962C8B-B14F-4D97-AF65-F5344CB8AC3E}">
-        <p14:creationId xmlns="" xmlns:p14="http://schemas.microsoft.com/office/powerpoint/2010/main" val="522405798"/>
+        <p14:creationId xmlns:p14="http://schemas.microsoft.com/office/powerpoint/2010/main" xmlns="" val="522405798"/>
       </p:ext>
     </p:extLst>
   </p:cSld>
@@ -22455,7 +21899,7 @@
         <p:spPr>
           <a:xfrm>
             <a:off x="685800" y="1676400"/>
-            <a:ext cx="8077200" cy="5016758"/>
+            <a:ext cx="8077200" cy="5078313"/>
           </a:xfrm>
           <a:prstGeom prst="rect">
             <a:avLst/>
@@ -22473,21 +21917,21 @@
               <a:buChar char="•"/>
             </a:pPr>
             <a:r>
-              <a:rPr kumimoji="1" lang="zh-TW" altLang="en-US" sz="4000" b="1" dirty="0" smtClean="0">
-                <a:effectLst>
-                  <a:outerShdw blurRad="38100" dist="38100" dir="2700000" algn="tl">
-                    <a:srgbClr val="000000">
-                      <a:alpha val="43137"/>
-                    </a:srgbClr>
-                  </a:outerShdw>
-                </a:effectLst>
-                <a:latin typeface="微軟正黑體" panose="020B0604030504040204" pitchFamily="34" charset="-120"/>
-                <a:ea typeface="微軟正黑體" panose="020B0604030504040204" pitchFamily="34" charset="-120"/>
-                <a:cs typeface="Heiti TC Light"/>
-              </a:rPr>
-              <a:t>程式執行完即殺掉檔案</a:t>
-            </a:r>
-            <a:endParaRPr kumimoji="1" lang="en-US" altLang="zh-TW" sz="4000" b="1" dirty="0" smtClean="0">
+              <a:rPr kumimoji="1" lang="zh-TW" altLang="en-US" sz="3600" b="1" dirty="0" smtClean="0">
+                <a:effectLst>
+                  <a:outerShdw blurRad="38100" dist="38100" dir="2700000" algn="tl">
+                    <a:srgbClr val="000000">
+                      <a:alpha val="43137"/>
+                    </a:srgbClr>
+                  </a:outerShdw>
+                </a:effectLst>
+                <a:latin typeface="微軟正黑體" panose="020B0604030504040204" pitchFamily="34" charset="-120"/>
+                <a:ea typeface="微軟正黑體" panose="020B0604030504040204" pitchFamily="34" charset="-120"/>
+                <a:cs typeface="Heiti TC Light"/>
+              </a:rPr>
+              <a:t>免費</a:t>
+            </a:r>
+            <a:endParaRPr kumimoji="1" lang="en-US" altLang="zh-TW" sz="3600" b="1" dirty="0" smtClean="0">
               <a:effectLst>
                 <a:outerShdw blurRad="38100" dist="38100" dir="2700000" algn="tl">
                   <a:srgbClr val="000000">
@@ -22506,64 +21950,64 @@
               <a:buChar char="•"/>
             </a:pPr>
             <a:r>
-              <a:rPr kumimoji="1" lang="zh-TW" altLang="en-US" sz="4000" b="1" dirty="0" smtClean="0">
-                <a:effectLst>
-                  <a:outerShdw blurRad="38100" dist="38100" dir="2700000" algn="tl">
-                    <a:srgbClr val="000000">
-                      <a:alpha val="43137"/>
-                    </a:srgbClr>
-                  </a:outerShdw>
-                </a:effectLst>
-                <a:latin typeface="微軟正黑體" panose="020B0604030504040204" pitchFamily="34" charset="-120"/>
-                <a:ea typeface="微軟正黑體" panose="020B0604030504040204" pitchFamily="34" charset="-120"/>
-                <a:cs typeface="Heiti TC Light"/>
-              </a:rPr>
-              <a:t>在瀏覽器開啟的情況下可連續執行</a:t>
-            </a:r>
-            <a:r>
-              <a:rPr kumimoji="1" lang="en-US" altLang="zh-TW" sz="4000" b="1" dirty="0" smtClean="0">
-                <a:effectLst>
-                  <a:outerShdw blurRad="38100" dist="38100" dir="2700000" algn="tl">
-                    <a:srgbClr val="000000">
-                      <a:alpha val="43137"/>
-                    </a:srgbClr>
-                  </a:outerShdw>
-                </a:effectLst>
-                <a:latin typeface="微軟正黑體" panose="020B0604030504040204" pitchFamily="34" charset="-120"/>
-                <a:ea typeface="微軟正黑體" panose="020B0604030504040204" pitchFamily="34" charset="-120"/>
-                <a:cs typeface="Heiti TC Light"/>
-              </a:rPr>
-              <a:t>12</a:t>
-            </a:r>
-            <a:r>
-              <a:rPr kumimoji="1" lang="zh-TW" altLang="en-US" sz="4000" b="1" dirty="0" smtClean="0">
-                <a:effectLst>
-                  <a:outerShdw blurRad="38100" dist="38100" dir="2700000" algn="tl">
-                    <a:srgbClr val="000000">
-                      <a:alpha val="43137"/>
-                    </a:srgbClr>
-                  </a:outerShdw>
-                </a:effectLst>
-                <a:latin typeface="微軟正黑體" panose="020B0604030504040204" pitchFamily="34" charset="-120"/>
-                <a:ea typeface="微軟正黑體" panose="020B0604030504040204" pitchFamily="34" charset="-120"/>
-                <a:cs typeface="Heiti TC Light"/>
-              </a:rPr>
-              <a:t>小時，之後自動回收</a:t>
-            </a:r>
-            <a:r>
-              <a:rPr kumimoji="1" lang="en-US" altLang="zh-TW" sz="4000" b="1" dirty="0" smtClean="0">
-                <a:effectLst>
-                  <a:outerShdw blurRad="38100" dist="38100" dir="2700000" algn="tl">
-                    <a:srgbClr val="000000">
-                      <a:alpha val="43137"/>
-                    </a:srgbClr>
-                  </a:outerShdw>
-                </a:effectLst>
-                <a:latin typeface="微軟正黑體" panose="020B0604030504040204" pitchFamily="34" charset="-120"/>
-                <a:ea typeface="微軟正黑體" panose="020B0604030504040204" pitchFamily="34" charset="-120"/>
-                <a:cs typeface="Heiti TC Light"/>
-              </a:rPr>
-              <a:t>session</a:t>
+              <a:rPr kumimoji="1" lang="en-US" altLang="zh-TW" sz="3600" b="1" dirty="0" smtClean="0">
+                <a:effectLst>
+                  <a:outerShdw blurRad="38100" dist="38100" dir="2700000" algn="tl">
+                    <a:srgbClr val="000000">
+                      <a:alpha val="43137"/>
+                    </a:srgbClr>
+                  </a:outerShdw>
+                </a:effectLst>
+                <a:latin typeface="微軟正黑體" panose="020B0604030504040204" pitchFamily="34" charset="-120"/>
+                <a:ea typeface="微軟正黑體" panose="020B0604030504040204" pitchFamily="34" charset="-120"/>
+                <a:cs typeface="Heiti TC Light"/>
+              </a:rPr>
+              <a:t>Google</a:t>
+            </a:r>
+            <a:r>
+              <a:rPr kumimoji="1" lang="zh-TW" altLang="en-US" sz="3600" b="1" dirty="0" smtClean="0">
+                <a:effectLst>
+                  <a:outerShdw blurRad="38100" dist="38100" dir="2700000" algn="tl">
+                    <a:srgbClr val="000000">
+                      <a:alpha val="43137"/>
+                    </a:srgbClr>
+                  </a:outerShdw>
+                </a:effectLst>
+                <a:latin typeface="微軟正黑體" panose="020B0604030504040204" pitchFamily="34" charset="-120"/>
+                <a:ea typeface="微軟正黑體" panose="020B0604030504040204" pitchFamily="34" charset="-120"/>
+                <a:cs typeface="Heiti TC Light"/>
+              </a:rPr>
+              <a:t>版的</a:t>
+            </a:r>
+            <a:r>
+              <a:rPr kumimoji="1" lang="en-US" altLang="zh-TW" sz="3600" b="1" dirty="0" err="1" smtClean="0">
+                <a:effectLst>
+                  <a:outerShdw blurRad="38100" dist="38100" dir="2700000" algn="tl">
+                    <a:srgbClr val="000000">
+                      <a:alpha val="43137"/>
+                    </a:srgbClr>
+                  </a:outerShdw>
+                </a:effectLst>
+                <a:latin typeface="微軟正黑體" panose="020B0604030504040204" pitchFamily="34" charset="-120"/>
+                <a:ea typeface="微軟正黑體" panose="020B0604030504040204" pitchFamily="34" charset="-120"/>
+                <a:cs typeface="Heiti TC Light"/>
+              </a:rPr>
+              <a:t>Jupyter</a:t>
+            </a:r>
+            <a:r>
+              <a:rPr kumimoji="1" lang="en-US" altLang="zh-TW" sz="3600" b="1" dirty="0" smtClean="0">
+                <a:effectLst>
+                  <a:outerShdw blurRad="38100" dist="38100" dir="2700000" algn="tl">
+                    <a:srgbClr val="000000">
+                      <a:alpha val="43137"/>
+                    </a:srgbClr>
+                  </a:outerShdw>
+                </a:effectLst>
+                <a:latin typeface="微軟正黑體" panose="020B0604030504040204" pitchFamily="34" charset="-120"/>
+                <a:ea typeface="微軟正黑體" panose="020B0604030504040204" pitchFamily="34" charset="-120"/>
+                <a:cs typeface="Heiti TC Light"/>
+              </a:rPr>
+              <a:t> Notebook</a:t>
             </a:r>
           </a:p>
           <a:p>
@@ -22572,21 +22016,51 @@
               <a:buChar char="•"/>
             </a:pPr>
             <a:r>
-              <a:rPr kumimoji="1" lang="zh-TW" altLang="en-US" sz="4000" b="1" dirty="0" smtClean="0">
-                <a:effectLst>
-                  <a:outerShdw blurRad="38100" dist="38100" dir="2700000" algn="tl">
-                    <a:srgbClr val="000000">
-                      <a:alpha val="43137"/>
-                    </a:srgbClr>
-                  </a:outerShdw>
-                </a:effectLst>
-                <a:latin typeface="微軟正黑體" panose="020B0604030504040204" pitchFamily="34" charset="-120"/>
-                <a:ea typeface="微軟正黑體" panose="020B0604030504040204" pitchFamily="34" charset="-120"/>
-                <a:cs typeface="Heiti TC Light"/>
-              </a:rPr>
-              <a:t>上傳及執行速度極慢</a:t>
-            </a:r>
-            <a:endParaRPr kumimoji="1" lang="en-US" altLang="zh-TW" sz="4000" b="1" dirty="0" smtClean="0">
+              <a:rPr kumimoji="1" lang="zh-TW" altLang="en-US" sz="3600" b="1" dirty="0" smtClean="0">
+                <a:effectLst>
+                  <a:outerShdw blurRad="38100" dist="38100" dir="2700000" algn="tl">
+                    <a:srgbClr val="000000">
+                      <a:alpha val="43137"/>
+                    </a:srgbClr>
+                  </a:outerShdw>
+                </a:effectLst>
+                <a:latin typeface="微軟正黑體" panose="020B0604030504040204" pitchFamily="34" charset="-120"/>
+                <a:ea typeface="微軟正黑體" panose="020B0604030504040204" pitchFamily="34" charset="-120"/>
+                <a:cs typeface="Heiti TC Light"/>
+              </a:rPr>
+              <a:t>有</a:t>
+            </a:r>
+            <a:r>
+              <a:rPr kumimoji="1" lang="en-US" altLang="zh-TW" sz="3600" b="1" dirty="0" err="1" smtClean="0">
+                <a:effectLst>
+                  <a:outerShdw blurRad="38100" dist="38100" dir="2700000" algn="tl">
+                    <a:srgbClr val="000000">
+                      <a:alpha val="43137"/>
+                    </a:srgbClr>
+                  </a:outerShdw>
+                </a:effectLst>
+                <a:latin typeface="微軟正黑體" panose="020B0604030504040204" pitchFamily="34" charset="-120"/>
+                <a:ea typeface="微軟正黑體" panose="020B0604030504040204" pitchFamily="34" charset="-120"/>
+                <a:cs typeface="Heiti TC Light"/>
+              </a:rPr>
+              <a:t>gmail</a:t>
+            </a:r>
+            <a:r>
+              <a:rPr kumimoji="1" lang="zh-TW" altLang="en-US" sz="3600" b="1" dirty="0" smtClean="0">
+                <a:effectLst>
+                  <a:outerShdw blurRad="38100" dist="38100" dir="2700000" algn="tl">
+                    <a:srgbClr val="000000">
+                      <a:alpha val="43137"/>
+                    </a:srgbClr>
+                  </a:outerShdw>
+                </a:effectLst>
+                <a:latin typeface="微軟正黑體" panose="020B0604030504040204" pitchFamily="34" charset="-120"/>
+                <a:ea typeface="微軟正黑體" panose="020B0604030504040204" pitchFamily="34" charset="-120"/>
+                <a:cs typeface="Heiti TC Light"/>
+              </a:rPr>
+              <a:t>帳號即可用</a:t>
+            </a:r>
+            <a:endParaRPr kumimoji="1" lang="en-US" altLang="zh-TW" sz="3600" b="1" dirty="0" smtClean="0">
               <a:effectLst>
                 <a:outerShdw blurRad="38100" dist="38100" dir="2700000" algn="tl">
                   <a:srgbClr val="000000">
@@ -22605,21 +22079,57 @@
               <a:buChar char="•"/>
             </a:pPr>
             <a:r>
-              <a:rPr kumimoji="1" lang="zh-TW" altLang="en-US" sz="4000" b="1" dirty="0" smtClean="0">
-                <a:effectLst>
-                  <a:outerShdw blurRad="38100" dist="38100" dir="2700000" algn="tl">
-                    <a:srgbClr val="000000">
-                      <a:alpha val="43137"/>
-                    </a:srgbClr>
-                  </a:outerShdw>
-                </a:effectLst>
-                <a:latin typeface="微軟正黑體" panose="020B0604030504040204" pitchFamily="34" charset="-120"/>
-                <a:ea typeface="微軟正黑體" panose="020B0604030504040204" pitchFamily="34" charset="-120"/>
-                <a:cs typeface="Heiti TC Light"/>
-              </a:rPr>
-              <a:t>只有簡體中文</a:t>
-            </a:r>
-            <a:endParaRPr kumimoji="1" lang="en-US" altLang="zh-TW" sz="4000" b="1" dirty="0" smtClean="0">
+              <a:rPr kumimoji="1" lang="zh-TW" altLang="en-US" sz="3600" b="1" dirty="0" smtClean="0">
+                <a:effectLst>
+                  <a:outerShdw blurRad="38100" dist="38100" dir="2700000" algn="tl">
+                    <a:srgbClr val="000000">
+                      <a:alpha val="43137"/>
+                    </a:srgbClr>
+                  </a:outerShdw>
+                </a:effectLst>
+                <a:latin typeface="微軟正黑體" panose="020B0604030504040204" pitchFamily="34" charset="-120"/>
+                <a:ea typeface="微軟正黑體" panose="020B0604030504040204" pitchFamily="34" charset="-120"/>
+                <a:cs typeface="Heiti TC Light"/>
+              </a:rPr>
+              <a:t>可使用</a:t>
+            </a:r>
+            <a:r>
+              <a:rPr kumimoji="1" lang="en-US" altLang="zh-TW" sz="3600" b="1" dirty="0" smtClean="0">
+                <a:effectLst>
+                  <a:outerShdw blurRad="38100" dist="38100" dir="2700000" algn="tl">
+                    <a:srgbClr val="000000">
+                      <a:alpha val="43137"/>
+                    </a:srgbClr>
+                  </a:outerShdw>
+                </a:effectLst>
+                <a:latin typeface="微軟正黑體" panose="020B0604030504040204" pitchFamily="34" charset="-120"/>
+                <a:ea typeface="微軟正黑體" panose="020B0604030504040204" pitchFamily="34" charset="-120"/>
+                <a:cs typeface="Heiti TC Light"/>
+              </a:rPr>
+              <a:t>GPU/TPU</a:t>
+            </a:r>
+          </a:p>
+          <a:p>
+            <a:pPr marL="176213" indent="-176213">
+              <a:buFont typeface="Arial" panose="020B0604020202020204" pitchFamily="34" charset="0"/>
+              <a:buChar char="•"/>
+            </a:pPr>
+            <a:r>
+              <a:rPr kumimoji="1" lang="zh-TW" altLang="en-US" sz="3600" b="1" dirty="0" smtClean="0">
+                <a:effectLst>
+                  <a:outerShdw blurRad="38100" dist="38100" dir="2700000" algn="tl">
+                    <a:srgbClr val="000000">
+                      <a:alpha val="43137"/>
+                    </a:srgbClr>
+                  </a:outerShdw>
+                </a:effectLst>
+                <a:latin typeface="微軟正黑體" panose="020B0604030504040204" pitchFamily="34" charset="-120"/>
+                <a:ea typeface="微軟正黑體" panose="020B0604030504040204" pitchFamily="34" charset="-120"/>
+                <a:cs typeface="Heiti TC Light"/>
+              </a:rPr>
+              <a:t>可連接雲端硬碟</a:t>
+            </a:r>
+            <a:endParaRPr kumimoji="1" lang="en-US" altLang="zh-TW" sz="3600" b="1" dirty="0" smtClean="0">
               <a:effectLst>
                 <a:outerShdw blurRad="38100" dist="38100" dir="2700000" algn="tl">
                   <a:srgbClr val="000000">
@@ -22638,34 +22148,34 @@
               <a:buChar char="•"/>
             </a:pPr>
             <a:r>
-              <a:rPr kumimoji="1" lang="zh-TW" altLang="en-US" sz="4000" b="1" dirty="0" smtClean="0">
-                <a:effectLst>
-                  <a:outerShdw blurRad="38100" dist="38100" dir="2700000" algn="tl">
-                    <a:srgbClr val="000000">
-                      <a:alpha val="43137"/>
-                    </a:srgbClr>
-                  </a:outerShdw>
-                </a:effectLst>
-                <a:latin typeface="微軟正黑體" panose="020B0604030504040204" pitchFamily="34" charset="-120"/>
-                <a:ea typeface="微軟正黑體" panose="020B0604030504040204" pitchFamily="34" charset="-120"/>
-                <a:cs typeface="Heiti TC Light"/>
-              </a:rPr>
-              <a:t>無法開啟整個</a:t>
-            </a:r>
-            <a:r>
-              <a:rPr kumimoji="1" lang="en-US" altLang="zh-TW" sz="4000" b="1" dirty="0" smtClean="0">
-                <a:effectLst>
-                  <a:outerShdw blurRad="38100" dist="38100" dir="2700000" algn="tl">
-                    <a:srgbClr val="000000">
-                      <a:alpha val="43137"/>
-                    </a:srgbClr>
-                  </a:outerShdw>
-                </a:effectLst>
-                <a:latin typeface="微軟正黑體" panose="020B0604030504040204" pitchFamily="34" charset="-120"/>
-                <a:ea typeface="微軟正黑體" panose="020B0604030504040204" pitchFamily="34" charset="-120"/>
-                <a:cs typeface="Heiti TC Light"/>
-              </a:rPr>
-              <a:t>GITHUB REPO</a:t>
+              <a:rPr kumimoji="1" lang="zh-TW" altLang="en-US" sz="3600" b="1" dirty="0" smtClean="0">
+                <a:effectLst>
+                  <a:outerShdw blurRad="38100" dist="38100" dir="2700000" algn="tl">
+                    <a:srgbClr val="000000">
+                      <a:alpha val="43137"/>
+                    </a:srgbClr>
+                  </a:outerShdw>
+                </a:effectLst>
+                <a:latin typeface="微軟正黑體" panose="020B0604030504040204" pitchFamily="34" charset="-120"/>
+                <a:ea typeface="微軟正黑體" panose="020B0604030504040204" pitchFamily="34" charset="-120"/>
+                <a:cs typeface="Heiti TC Light"/>
+              </a:rPr>
+              <a:t>可連接</a:t>
+            </a:r>
+            <a:r>
+              <a:rPr kumimoji="1" lang="en-US" altLang="zh-TW" sz="3600" b="1" dirty="0" smtClean="0">
+                <a:effectLst>
+                  <a:outerShdw blurRad="38100" dist="38100" dir="2700000" algn="tl">
+                    <a:srgbClr val="000000">
+                      <a:alpha val="43137"/>
+                    </a:srgbClr>
+                  </a:outerShdw>
+                </a:effectLst>
+                <a:latin typeface="微軟正黑體" panose="020B0604030504040204" pitchFamily="34" charset="-120"/>
+                <a:ea typeface="微軟正黑體" panose="020B0604030504040204" pitchFamily="34" charset="-120"/>
+                <a:cs typeface="Heiti TC Light"/>
+              </a:rPr>
+              <a:t>GITHUB</a:t>
             </a:r>
           </a:p>
           <a:p>
@@ -22674,87 +22184,66 @@
               <a:buChar char="•"/>
             </a:pPr>
             <a:r>
-              <a:rPr kumimoji="1" lang="zh-TW" altLang="en-US" sz="4000" b="1" dirty="0" smtClean="0">
-                <a:effectLst>
-                  <a:outerShdw blurRad="38100" dist="38100" dir="2700000" algn="tl">
-                    <a:srgbClr val="000000">
-                      <a:alpha val="43137"/>
-                    </a:srgbClr>
-                  </a:outerShdw>
-                </a:effectLst>
-                <a:latin typeface="微軟正黑體" panose="020B0604030504040204" pitchFamily="34" charset="-120"/>
-                <a:ea typeface="微軟正黑體" panose="020B0604030504040204" pitchFamily="34" charset="-120"/>
-                <a:cs typeface="Heiti TC Light"/>
-              </a:rPr>
-              <a:t>無</a:t>
-            </a:r>
-            <a:r>
-              <a:rPr kumimoji="1" lang="en-US" altLang="zh-TW" sz="4000" b="1" dirty="0" smtClean="0">
-                <a:effectLst>
-                  <a:outerShdw blurRad="38100" dist="38100" dir="2700000" algn="tl">
-                    <a:srgbClr val="000000">
-                      <a:alpha val="43137"/>
-                    </a:srgbClr>
-                  </a:outerShdw>
-                </a:effectLst>
-                <a:latin typeface="微軟正黑體" panose="020B0604030504040204" pitchFamily="34" charset="-120"/>
-                <a:ea typeface="微軟正黑體" panose="020B0604030504040204" pitchFamily="34" charset="-120"/>
-                <a:cs typeface="Heiti TC Light"/>
-              </a:rPr>
-              <a:t>TAB</a:t>
-            </a:r>
-            <a:r>
-              <a:rPr kumimoji="1" lang="zh-TW" altLang="en-US" sz="4000" b="1" dirty="0" smtClean="0">
-                <a:effectLst>
-                  <a:outerShdw blurRad="38100" dist="38100" dir="2700000" algn="tl">
-                    <a:srgbClr val="000000">
-                      <a:alpha val="43137"/>
-                    </a:srgbClr>
-                  </a:outerShdw>
-                </a:effectLst>
-                <a:latin typeface="微軟正黑體" panose="020B0604030504040204" pitchFamily="34" charset="-120"/>
-                <a:ea typeface="微軟正黑體" panose="020B0604030504040204" pitchFamily="34" charset="-120"/>
-                <a:cs typeface="Heiti TC Light"/>
-              </a:rPr>
-              <a:t>方式開啟</a:t>
-            </a:r>
-            <a:r>
-              <a:rPr kumimoji="1" lang="en-US" altLang="zh-TW" sz="4000" b="1" dirty="0" smtClean="0">
-                <a:effectLst>
-                  <a:outerShdw blurRad="38100" dist="38100" dir="2700000" algn="tl">
-                    <a:srgbClr val="000000">
-                      <a:alpha val="43137"/>
-                    </a:srgbClr>
-                  </a:outerShdw>
-                </a:effectLst>
-                <a:latin typeface="微軟正黑體" panose="020B0604030504040204" pitchFamily="34" charset="-120"/>
-                <a:ea typeface="微軟正黑體" panose="020B0604030504040204" pitchFamily="34" charset="-120"/>
-                <a:cs typeface="Heiti TC Light"/>
-              </a:rPr>
-              <a:t>NOTEBOOK</a:t>
-            </a:r>
-          </a:p>
-          <a:p>
-            <a:pPr marL="176213" indent="-176213">
-              <a:buFont typeface="Arial" panose="020B0604020202020204" pitchFamily="34" charset="0"/>
-              <a:buChar char="•"/>
-            </a:pPr>
-            <a:r>
-              <a:rPr kumimoji="1" lang="zh-TW" altLang="en-US" sz="4000" b="1" dirty="0" smtClean="0">
-                <a:effectLst>
-                  <a:outerShdw blurRad="38100" dist="38100" dir="2700000" algn="tl">
-                    <a:srgbClr val="000000">
-                      <a:alpha val="43137"/>
-                    </a:srgbClr>
-                  </a:outerShdw>
-                </a:effectLst>
-                <a:latin typeface="微軟正黑體" panose="020B0604030504040204" pitchFamily="34" charset="-120"/>
-                <a:ea typeface="微軟正黑體" panose="020B0604030504040204" pitchFamily="34" charset="-120"/>
-                <a:cs typeface="Heiti TC Light"/>
-              </a:rPr>
-              <a:t>字體很醜無法改</a:t>
-            </a:r>
-            <a:endParaRPr kumimoji="1" lang="en-US" altLang="zh-TW" sz="4000" b="1" dirty="0" smtClean="0">
+              <a:rPr kumimoji="1" lang="en-US" altLang="zh-TW" sz="3600" b="1" dirty="0" smtClean="0">
+                <a:effectLst>
+                  <a:outerShdw blurRad="38100" dist="38100" dir="2700000" algn="tl">
+                    <a:srgbClr val="000000">
+                      <a:alpha val="43137"/>
+                    </a:srgbClr>
+                  </a:outerShdw>
+                </a:effectLst>
+                <a:latin typeface="微軟正黑體" panose="020B0604030504040204" pitchFamily="34" charset="-120"/>
+                <a:ea typeface="微軟正黑體" panose="020B0604030504040204" pitchFamily="34" charset="-120"/>
+                <a:cs typeface="Heiti TC Light"/>
+              </a:rPr>
+              <a:t>380GB</a:t>
+            </a:r>
+            <a:r>
+              <a:rPr kumimoji="1" lang="zh-TW" altLang="en-US" sz="3600" b="1" dirty="0" smtClean="0">
+                <a:effectLst>
+                  <a:outerShdw blurRad="38100" dist="38100" dir="2700000" algn="tl">
+                    <a:srgbClr val="000000">
+                      <a:alpha val="43137"/>
+                    </a:srgbClr>
+                  </a:outerShdw>
+                </a:effectLst>
+                <a:latin typeface="微軟正黑體" panose="020B0604030504040204" pitchFamily="34" charset="-120"/>
+                <a:ea typeface="微軟正黑體" panose="020B0604030504040204" pitchFamily="34" charset="-120"/>
+                <a:cs typeface="Heiti TC Light"/>
+              </a:rPr>
+              <a:t>硬碟</a:t>
+            </a:r>
+            <a:r>
+              <a:rPr kumimoji="1" lang="en-US" altLang="zh-TW" sz="3600" b="1" dirty="0" smtClean="0">
+                <a:effectLst>
+                  <a:outerShdw blurRad="38100" dist="38100" dir="2700000" algn="tl">
+                    <a:srgbClr val="000000">
+                      <a:alpha val="43137"/>
+                    </a:srgbClr>
+                  </a:outerShdw>
+                </a:effectLst>
+                <a:latin typeface="微軟正黑體" panose="020B0604030504040204" pitchFamily="34" charset="-120"/>
+                <a:ea typeface="微軟正黑體" panose="020B0604030504040204" pitchFamily="34" charset="-120"/>
+                <a:cs typeface="Heiti TC Light"/>
+              </a:rPr>
+              <a:t>/12GB</a:t>
+            </a:r>
+            <a:r>
+              <a:rPr kumimoji="1" lang="zh-TW" altLang="en-US" sz="3600" b="1" dirty="0" smtClean="0">
+                <a:effectLst>
+                  <a:outerShdw blurRad="38100" dist="38100" dir="2700000" algn="tl">
+                    <a:srgbClr val="000000">
+                      <a:alpha val="43137"/>
+                    </a:srgbClr>
+                  </a:outerShdw>
+                </a:effectLst>
+                <a:latin typeface="微軟正黑體" panose="020B0604030504040204" pitchFamily="34" charset="-120"/>
+                <a:ea typeface="微軟正黑體" panose="020B0604030504040204" pitchFamily="34" charset="-120"/>
+                <a:cs typeface="Heiti TC Light"/>
+              </a:rPr>
+              <a:t>記憶體</a:t>
+            </a:r>
+            <a:endParaRPr kumimoji="1" lang="en-US" altLang="zh-TW" sz="3600" b="1" dirty="0" smtClean="0">
               <a:effectLst>
                 <a:outerShdw blurRad="38100" dist="38100" dir="2700000" algn="tl">
                   <a:srgbClr val="000000">
@@ -22767,6 +22256,120 @@
               <a:cs typeface="Heiti TC Light"/>
             </a:endParaRPr>
           </a:p>
+          <a:p>
+            <a:pPr marL="176213" indent="-176213">
+              <a:buFont typeface="Arial" panose="020B0604020202020204" pitchFamily="34" charset="0"/>
+              <a:buChar char="•"/>
+            </a:pPr>
+            <a:r>
+              <a:rPr kumimoji="1" lang="en-US" altLang="zh-TW" sz="3600" b="1" dirty="0" smtClean="0">
+                <a:effectLst>
+                  <a:outerShdw blurRad="38100" dist="38100" dir="2700000" algn="tl">
+                    <a:srgbClr val="000000">
+                      <a:alpha val="43137"/>
+                    </a:srgbClr>
+                  </a:outerShdw>
+                </a:effectLst>
+                <a:latin typeface="微軟正黑體" panose="020B0604030504040204" pitchFamily="34" charset="-120"/>
+                <a:ea typeface="微軟正黑體" panose="020B0604030504040204" pitchFamily="34" charset="-120"/>
+                <a:cs typeface="Heiti TC Light"/>
+              </a:rPr>
+              <a:t>NVIDIA Tesla K80 12GB GPU</a:t>
+            </a:r>
+          </a:p>
+          <a:p>
+            <a:pPr marL="176213" indent="-176213">
+              <a:buFont typeface="Arial" panose="020B0604020202020204" pitchFamily="34" charset="0"/>
+              <a:buChar char="•"/>
+            </a:pPr>
+            <a:r>
+              <a:rPr kumimoji="1" lang="zh-TW" altLang="en-US" sz="3600" b="1" dirty="0" smtClean="0">
+                <a:effectLst>
+                  <a:outerShdw blurRad="38100" dist="38100" dir="2700000" algn="tl">
+                    <a:srgbClr val="000000">
+                      <a:alpha val="43137"/>
+                    </a:srgbClr>
+                  </a:outerShdw>
+                </a:effectLst>
+                <a:latin typeface="微軟正黑體" panose="020B0604030504040204" pitchFamily="34" charset="-120"/>
+                <a:ea typeface="微軟正黑體" panose="020B0604030504040204" pitchFamily="34" charset="-120"/>
+                <a:cs typeface="Heiti TC Light"/>
+              </a:rPr>
+              <a:t>本來是</a:t>
+            </a:r>
+            <a:r>
+              <a:rPr kumimoji="1" lang="en-US" altLang="zh-TW" sz="3600" b="1" dirty="0" smtClean="0">
+                <a:effectLst>
+                  <a:outerShdw blurRad="38100" dist="38100" dir="2700000" algn="tl">
+                    <a:srgbClr val="000000">
+                      <a:alpha val="43137"/>
+                    </a:srgbClr>
+                  </a:outerShdw>
+                </a:effectLst>
+                <a:latin typeface="微軟正黑體" panose="020B0604030504040204" pitchFamily="34" charset="-120"/>
+                <a:ea typeface="微軟正黑體" panose="020B0604030504040204" pitchFamily="34" charset="-120"/>
+                <a:cs typeface="Heiti TC Light"/>
+              </a:rPr>
+              <a:t>p40 16g</a:t>
+            </a:r>
+            <a:r>
+              <a:rPr kumimoji="1" lang="zh-TW" altLang="en-US" sz="3600" b="1" dirty="0" smtClean="0">
+                <a:effectLst>
+                  <a:outerShdw blurRad="38100" dist="38100" dir="2700000" algn="tl">
+                    <a:srgbClr val="000000">
+                      <a:alpha val="43137"/>
+                    </a:srgbClr>
+                  </a:outerShdw>
+                </a:effectLst>
+                <a:latin typeface="微軟正黑體" panose="020B0604030504040204" pitchFamily="34" charset="-120"/>
+                <a:ea typeface="微軟正黑體" panose="020B0604030504040204" pitchFamily="34" charset="-120"/>
+                <a:cs typeface="Heiti TC Light"/>
+              </a:rPr>
+              <a:t>，</a:t>
+            </a:r>
+            <a:r>
+              <a:rPr kumimoji="1" lang="en-US" altLang="zh-TW" sz="3600" b="1" dirty="0" err="1" smtClean="0">
+                <a:effectLst>
+                  <a:outerShdw blurRad="38100" dist="38100" dir="2700000" algn="tl">
+                    <a:srgbClr val="000000">
+                      <a:alpha val="43137"/>
+                    </a:srgbClr>
+                  </a:outerShdw>
+                </a:effectLst>
+                <a:latin typeface="微軟正黑體" panose="020B0604030504040204" pitchFamily="34" charset="-120"/>
+                <a:ea typeface="微軟正黑體" panose="020B0604030504040204" pitchFamily="34" charset="-120"/>
+                <a:cs typeface="Heiti TC Light"/>
+              </a:rPr>
+              <a:t>google</a:t>
+            </a:r>
+            <a:r>
+              <a:rPr kumimoji="1" lang="zh-TW" altLang="en-US" sz="3600" b="1" dirty="0" smtClean="0">
+                <a:effectLst>
+                  <a:outerShdw blurRad="38100" dist="38100" dir="2700000" algn="tl">
+                    <a:srgbClr val="000000">
+                      <a:alpha val="43137"/>
+                    </a:srgbClr>
+                  </a:outerShdw>
+                </a:effectLst>
+                <a:latin typeface="微軟正黑體" panose="020B0604030504040204" pitchFamily="34" charset="-120"/>
+                <a:ea typeface="微軟正黑體" panose="020B0604030504040204" pitchFamily="34" charset="-120"/>
+                <a:cs typeface="Heiti TC Light"/>
+              </a:rPr>
+              <a:t>小氣巴拉的</a:t>
+            </a:r>
+            <a:endParaRPr kumimoji="1" lang="en-US" altLang="zh-TW" sz="3600" b="1" dirty="0" smtClean="0">
+              <a:effectLst>
+                <a:outerShdw blurRad="38100" dist="38100" dir="2700000" algn="tl">
+                  <a:srgbClr val="000000">
+                    <a:alpha val="43137"/>
+                  </a:srgbClr>
+                </a:outerShdw>
+              </a:effectLst>
+              <a:latin typeface="微軟正黑體" panose="020B0604030504040204" pitchFamily="34" charset="-120"/>
+              <a:ea typeface="微軟正黑體" panose="020B0604030504040204" pitchFamily="34" charset="-120"/>
+              <a:cs typeface="Heiti TC Light"/>
+            </a:endParaRPr>
+          </a:p>
         </p:txBody>
       </p:sp>
       <p:sp>
@@ -22781,8 +22384,8 @@
         </p:nvSpPr>
         <p:spPr>
           <a:xfrm>
-            <a:off x="1981200" y="304800"/>
-            <a:ext cx="5562600" cy="990600"/>
+            <a:off x="2438400" y="304800"/>
+            <a:ext cx="5105400" cy="990600"/>
           </a:xfrm>
         </p:spPr>
         <p:txBody>
@@ -22823,23 +22426,6 @@
                 <a:ea typeface="微軟正黑體" panose="020B0604030504040204" pitchFamily="34" charset="-120"/>
               </a:rPr>
               <a:t>Colab</a:t>
-            </a:r>
-            <a:r>
-              <a:rPr lang="zh-TW" altLang="en-US" sz="4800" b="1" dirty="0" smtClean="0">
-                <a:solidFill>
-                  <a:srgbClr val="00B0F0"/>
-                </a:solidFill>
-                <a:effectLst>
-                  <a:outerShdw blurRad="38100" dist="38100" dir="2700000" algn="tl">
-                    <a:srgbClr val="000000">
-                      <a:alpha val="43137"/>
-                    </a:srgbClr>
-                  </a:outerShdw>
-                </a:effectLst>
-                <a:latin typeface="微軟正黑體" panose="020B0604030504040204" pitchFamily="34" charset="-120"/>
-                <a:ea typeface="微軟正黑體" panose="020B0604030504040204" pitchFamily="34" charset="-120"/>
-              </a:rPr>
-              <a:t>缺點</a:t>
             </a:r>
             <a:endParaRPr lang="zh-TW" altLang="en-US" sz="4800" b="1" dirty="0">
               <a:solidFill>
@@ -22861,7 +22447,7 @@
     </p:spTree>
     <p:extLst>
       <p:ext uri="{BB962C8B-B14F-4D97-AF65-F5344CB8AC3E}">
-        <p14:creationId xmlns="" xmlns:p14="http://schemas.microsoft.com/office/powerpoint/2010/main" val="522405798"/>
+        <p14:creationId xmlns:p14="http://schemas.microsoft.com/office/powerpoint/2010/main" xmlns="" val="522405798"/>
       </p:ext>
     </p:extLst>
   </p:cSld>
@@ -22882,6 +22468,458 @@
 </file>
 
 <file path=ppt/slides/slide41.xml><?xml version="1.0" encoding="utf-8"?>
+<p:sld xmlns:a="http://schemas.openxmlformats.org/drawingml/2006/main" xmlns:r="http://schemas.openxmlformats.org/officeDocument/2006/relationships" xmlns:p="http://schemas.openxmlformats.org/presentationml/2006/main">
+  <p:cSld>
+    <p:spTree>
+      <p:nvGrpSpPr>
+        <p:cNvPr id="1" name=""/>
+        <p:cNvGrpSpPr/>
+        <p:nvPr/>
+      </p:nvGrpSpPr>
+      <p:grpSpPr>
+        <a:xfrm>
+          <a:off x="0" y="0"/>
+          <a:ext cx="0" cy="0"/>
+          <a:chOff x="0" y="0"/>
+          <a:chExt cx="0" cy="0"/>
+        </a:xfrm>
+      </p:grpSpPr>
+      <p:sp>
+        <p:nvSpPr>
+          <p:cNvPr id="5" name="文字方塊 4"/>
+          <p:cNvSpPr txBox="1"/>
+          <p:nvPr/>
+        </p:nvSpPr>
+        <p:spPr>
+          <a:xfrm>
+            <a:off x="685800" y="1676400"/>
+            <a:ext cx="8077200" cy="5016758"/>
+          </a:xfrm>
+          <a:prstGeom prst="rect">
+            <a:avLst/>
+          </a:prstGeom>
+          <a:noFill/>
+        </p:spPr>
+        <p:txBody>
+          <a:bodyPr wrap="square" rtlCol="0">
+            <a:spAutoFit/>
+          </a:bodyPr>
+          <a:lstStyle/>
+          <a:p>
+            <a:pPr marL="176213" indent="-176213">
+              <a:buFont typeface="Arial" panose="020B0604020202020204" pitchFamily="34" charset="0"/>
+              <a:buChar char="•"/>
+            </a:pPr>
+            <a:r>
+              <a:rPr kumimoji="1" lang="zh-TW" altLang="en-US" sz="4000" b="1" dirty="0" smtClean="0">
+                <a:effectLst>
+                  <a:outerShdw blurRad="38100" dist="38100" dir="2700000" algn="tl">
+                    <a:srgbClr val="000000">
+                      <a:alpha val="43137"/>
+                    </a:srgbClr>
+                  </a:outerShdw>
+                </a:effectLst>
+                <a:latin typeface="微軟正黑體" panose="020B0604030504040204" pitchFamily="34" charset="-120"/>
+                <a:ea typeface="微軟正黑體" panose="020B0604030504040204" pitchFamily="34" charset="-120"/>
+                <a:cs typeface="Heiti TC Light"/>
+              </a:rPr>
+              <a:t>程式執行完即殺掉檔案</a:t>
+            </a:r>
+            <a:endParaRPr kumimoji="1" lang="en-US" altLang="zh-TW" sz="4000" b="1" dirty="0" smtClean="0">
+              <a:effectLst>
+                <a:outerShdw blurRad="38100" dist="38100" dir="2700000" algn="tl">
+                  <a:srgbClr val="000000">
+                    <a:alpha val="43137"/>
+                  </a:srgbClr>
+                </a:outerShdw>
+              </a:effectLst>
+              <a:latin typeface="微軟正黑體" panose="020B0604030504040204" pitchFamily="34" charset="-120"/>
+              <a:ea typeface="微軟正黑體" panose="020B0604030504040204" pitchFamily="34" charset="-120"/>
+              <a:cs typeface="Heiti TC Light"/>
+            </a:endParaRPr>
+          </a:p>
+          <a:p>
+            <a:pPr marL="176213" indent="-176213">
+              <a:buFont typeface="Arial" panose="020B0604020202020204" pitchFamily="34" charset="0"/>
+              <a:buChar char="•"/>
+            </a:pPr>
+            <a:r>
+              <a:rPr kumimoji="1" lang="zh-TW" altLang="en-US" sz="4000" b="1" dirty="0" smtClean="0">
+                <a:effectLst>
+                  <a:outerShdw blurRad="38100" dist="38100" dir="2700000" algn="tl">
+                    <a:srgbClr val="000000">
+                      <a:alpha val="43137"/>
+                    </a:srgbClr>
+                  </a:outerShdw>
+                </a:effectLst>
+                <a:latin typeface="微軟正黑體" panose="020B0604030504040204" pitchFamily="34" charset="-120"/>
+                <a:ea typeface="微軟正黑體" panose="020B0604030504040204" pitchFamily="34" charset="-120"/>
+                <a:cs typeface="Heiti TC Light"/>
+              </a:rPr>
+              <a:t>在瀏覽器開啟的情況下可連續執行</a:t>
+            </a:r>
+            <a:r>
+              <a:rPr kumimoji="1" lang="en-US" altLang="zh-TW" sz="4000" b="1" dirty="0" smtClean="0">
+                <a:effectLst>
+                  <a:outerShdw blurRad="38100" dist="38100" dir="2700000" algn="tl">
+                    <a:srgbClr val="000000">
+                      <a:alpha val="43137"/>
+                    </a:srgbClr>
+                  </a:outerShdw>
+                </a:effectLst>
+                <a:latin typeface="微軟正黑體" panose="020B0604030504040204" pitchFamily="34" charset="-120"/>
+                <a:ea typeface="微軟正黑體" panose="020B0604030504040204" pitchFamily="34" charset="-120"/>
+                <a:cs typeface="Heiti TC Light"/>
+              </a:rPr>
+              <a:t>12</a:t>
+            </a:r>
+            <a:r>
+              <a:rPr kumimoji="1" lang="zh-TW" altLang="en-US" sz="4000" b="1" dirty="0" smtClean="0">
+                <a:effectLst>
+                  <a:outerShdw blurRad="38100" dist="38100" dir="2700000" algn="tl">
+                    <a:srgbClr val="000000">
+                      <a:alpha val="43137"/>
+                    </a:srgbClr>
+                  </a:outerShdw>
+                </a:effectLst>
+                <a:latin typeface="微軟正黑體" panose="020B0604030504040204" pitchFamily="34" charset="-120"/>
+                <a:ea typeface="微軟正黑體" panose="020B0604030504040204" pitchFamily="34" charset="-120"/>
+                <a:cs typeface="Heiti TC Light"/>
+              </a:rPr>
+              <a:t>小時，之後自動回收</a:t>
+            </a:r>
+            <a:r>
+              <a:rPr kumimoji="1" lang="en-US" altLang="zh-TW" sz="4000" b="1" dirty="0" smtClean="0">
+                <a:effectLst>
+                  <a:outerShdw blurRad="38100" dist="38100" dir="2700000" algn="tl">
+                    <a:srgbClr val="000000">
+                      <a:alpha val="43137"/>
+                    </a:srgbClr>
+                  </a:outerShdw>
+                </a:effectLst>
+                <a:latin typeface="微軟正黑體" panose="020B0604030504040204" pitchFamily="34" charset="-120"/>
+                <a:ea typeface="微軟正黑體" panose="020B0604030504040204" pitchFamily="34" charset="-120"/>
+                <a:cs typeface="Heiti TC Light"/>
+              </a:rPr>
+              <a:t>session</a:t>
+            </a:r>
+          </a:p>
+          <a:p>
+            <a:pPr marL="176213" indent="-176213">
+              <a:buFont typeface="Arial" panose="020B0604020202020204" pitchFamily="34" charset="0"/>
+              <a:buChar char="•"/>
+            </a:pPr>
+            <a:r>
+              <a:rPr kumimoji="1" lang="zh-TW" altLang="en-US" sz="4000" b="1" dirty="0" smtClean="0">
+                <a:effectLst>
+                  <a:outerShdw blurRad="38100" dist="38100" dir="2700000" algn="tl">
+                    <a:srgbClr val="000000">
+                      <a:alpha val="43137"/>
+                    </a:srgbClr>
+                  </a:outerShdw>
+                </a:effectLst>
+                <a:latin typeface="微軟正黑體" panose="020B0604030504040204" pitchFamily="34" charset="-120"/>
+                <a:ea typeface="微軟正黑體" panose="020B0604030504040204" pitchFamily="34" charset="-120"/>
+                <a:cs typeface="Heiti TC Light"/>
+              </a:rPr>
+              <a:t>上傳及執行速度極慢</a:t>
+            </a:r>
+            <a:endParaRPr kumimoji="1" lang="en-US" altLang="zh-TW" sz="4000" b="1" dirty="0" smtClean="0">
+              <a:effectLst>
+                <a:outerShdw blurRad="38100" dist="38100" dir="2700000" algn="tl">
+                  <a:srgbClr val="000000">
+                    <a:alpha val="43137"/>
+                  </a:srgbClr>
+                </a:outerShdw>
+              </a:effectLst>
+              <a:latin typeface="微軟正黑體" panose="020B0604030504040204" pitchFamily="34" charset="-120"/>
+              <a:ea typeface="微軟正黑體" panose="020B0604030504040204" pitchFamily="34" charset="-120"/>
+              <a:cs typeface="Heiti TC Light"/>
+            </a:endParaRPr>
+          </a:p>
+          <a:p>
+            <a:pPr marL="176213" indent="-176213">
+              <a:buFont typeface="Arial" panose="020B0604020202020204" pitchFamily="34" charset="0"/>
+              <a:buChar char="•"/>
+            </a:pPr>
+            <a:r>
+              <a:rPr kumimoji="1" lang="zh-TW" altLang="en-US" sz="4000" b="1" dirty="0" smtClean="0">
+                <a:effectLst>
+                  <a:outerShdw blurRad="38100" dist="38100" dir="2700000" algn="tl">
+                    <a:srgbClr val="000000">
+                      <a:alpha val="43137"/>
+                    </a:srgbClr>
+                  </a:outerShdw>
+                </a:effectLst>
+                <a:latin typeface="微軟正黑體" panose="020B0604030504040204" pitchFamily="34" charset="-120"/>
+                <a:ea typeface="微軟正黑體" panose="020B0604030504040204" pitchFamily="34" charset="-120"/>
+                <a:cs typeface="Heiti TC Light"/>
+              </a:rPr>
+              <a:t>只有簡體中文</a:t>
+            </a:r>
+            <a:endParaRPr kumimoji="1" lang="en-US" altLang="zh-TW" sz="4000" b="1" dirty="0" smtClean="0">
+              <a:effectLst>
+                <a:outerShdw blurRad="38100" dist="38100" dir="2700000" algn="tl">
+                  <a:srgbClr val="000000">
+                    <a:alpha val="43137"/>
+                  </a:srgbClr>
+                </a:outerShdw>
+              </a:effectLst>
+              <a:latin typeface="微軟正黑體" panose="020B0604030504040204" pitchFamily="34" charset="-120"/>
+              <a:ea typeface="微軟正黑體" panose="020B0604030504040204" pitchFamily="34" charset="-120"/>
+              <a:cs typeface="Heiti TC Light"/>
+            </a:endParaRPr>
+          </a:p>
+          <a:p>
+            <a:pPr marL="176213" indent="-176213">
+              <a:buFont typeface="Arial" panose="020B0604020202020204" pitchFamily="34" charset="0"/>
+              <a:buChar char="•"/>
+            </a:pPr>
+            <a:r>
+              <a:rPr kumimoji="1" lang="zh-TW" altLang="en-US" sz="4000" b="1" dirty="0" smtClean="0">
+                <a:effectLst>
+                  <a:outerShdw blurRad="38100" dist="38100" dir="2700000" algn="tl">
+                    <a:srgbClr val="000000">
+                      <a:alpha val="43137"/>
+                    </a:srgbClr>
+                  </a:outerShdw>
+                </a:effectLst>
+                <a:latin typeface="微軟正黑體" panose="020B0604030504040204" pitchFamily="34" charset="-120"/>
+                <a:ea typeface="微軟正黑體" panose="020B0604030504040204" pitchFamily="34" charset="-120"/>
+                <a:cs typeface="Heiti TC Light"/>
+              </a:rPr>
+              <a:t>無法開啟整個</a:t>
+            </a:r>
+            <a:r>
+              <a:rPr kumimoji="1" lang="en-US" altLang="zh-TW" sz="4000" b="1" dirty="0" smtClean="0">
+                <a:effectLst>
+                  <a:outerShdw blurRad="38100" dist="38100" dir="2700000" algn="tl">
+                    <a:srgbClr val="000000">
+                      <a:alpha val="43137"/>
+                    </a:srgbClr>
+                  </a:outerShdw>
+                </a:effectLst>
+                <a:latin typeface="微軟正黑體" panose="020B0604030504040204" pitchFamily="34" charset="-120"/>
+                <a:ea typeface="微軟正黑體" panose="020B0604030504040204" pitchFamily="34" charset="-120"/>
+                <a:cs typeface="Heiti TC Light"/>
+              </a:rPr>
+              <a:t>GITHUB REPO</a:t>
+            </a:r>
+          </a:p>
+          <a:p>
+            <a:pPr marL="176213" indent="-176213">
+              <a:buFont typeface="Arial" panose="020B0604020202020204" pitchFamily="34" charset="0"/>
+              <a:buChar char="•"/>
+            </a:pPr>
+            <a:r>
+              <a:rPr kumimoji="1" lang="zh-TW" altLang="en-US" sz="4000" b="1" dirty="0" smtClean="0">
+                <a:effectLst>
+                  <a:outerShdw blurRad="38100" dist="38100" dir="2700000" algn="tl">
+                    <a:srgbClr val="000000">
+                      <a:alpha val="43137"/>
+                    </a:srgbClr>
+                  </a:outerShdw>
+                </a:effectLst>
+                <a:latin typeface="微軟正黑體" panose="020B0604030504040204" pitchFamily="34" charset="-120"/>
+                <a:ea typeface="微軟正黑體" panose="020B0604030504040204" pitchFamily="34" charset="-120"/>
+                <a:cs typeface="Heiti TC Light"/>
+              </a:rPr>
+              <a:t>無</a:t>
+            </a:r>
+            <a:r>
+              <a:rPr kumimoji="1" lang="en-US" altLang="zh-TW" sz="4000" b="1" dirty="0" smtClean="0">
+                <a:effectLst>
+                  <a:outerShdw blurRad="38100" dist="38100" dir="2700000" algn="tl">
+                    <a:srgbClr val="000000">
+                      <a:alpha val="43137"/>
+                    </a:srgbClr>
+                  </a:outerShdw>
+                </a:effectLst>
+                <a:latin typeface="微軟正黑體" panose="020B0604030504040204" pitchFamily="34" charset="-120"/>
+                <a:ea typeface="微軟正黑體" panose="020B0604030504040204" pitchFamily="34" charset="-120"/>
+                <a:cs typeface="Heiti TC Light"/>
+              </a:rPr>
+              <a:t>TAB</a:t>
+            </a:r>
+            <a:r>
+              <a:rPr kumimoji="1" lang="zh-TW" altLang="en-US" sz="4000" b="1" dirty="0" smtClean="0">
+                <a:effectLst>
+                  <a:outerShdw blurRad="38100" dist="38100" dir="2700000" algn="tl">
+                    <a:srgbClr val="000000">
+                      <a:alpha val="43137"/>
+                    </a:srgbClr>
+                  </a:outerShdw>
+                </a:effectLst>
+                <a:latin typeface="微軟正黑體" panose="020B0604030504040204" pitchFamily="34" charset="-120"/>
+                <a:ea typeface="微軟正黑體" panose="020B0604030504040204" pitchFamily="34" charset="-120"/>
+                <a:cs typeface="Heiti TC Light"/>
+              </a:rPr>
+              <a:t>方式開啟</a:t>
+            </a:r>
+            <a:r>
+              <a:rPr kumimoji="1" lang="en-US" altLang="zh-TW" sz="4000" b="1" dirty="0" smtClean="0">
+                <a:effectLst>
+                  <a:outerShdw blurRad="38100" dist="38100" dir="2700000" algn="tl">
+                    <a:srgbClr val="000000">
+                      <a:alpha val="43137"/>
+                    </a:srgbClr>
+                  </a:outerShdw>
+                </a:effectLst>
+                <a:latin typeface="微軟正黑體" panose="020B0604030504040204" pitchFamily="34" charset="-120"/>
+                <a:ea typeface="微軟正黑體" panose="020B0604030504040204" pitchFamily="34" charset="-120"/>
+                <a:cs typeface="Heiti TC Light"/>
+              </a:rPr>
+              <a:t>NOTEBOOK</a:t>
+            </a:r>
+          </a:p>
+          <a:p>
+            <a:pPr marL="176213" indent="-176213">
+              <a:buFont typeface="Arial" panose="020B0604020202020204" pitchFamily="34" charset="0"/>
+              <a:buChar char="•"/>
+            </a:pPr>
+            <a:r>
+              <a:rPr kumimoji="1" lang="zh-TW" altLang="en-US" sz="4000" b="1" dirty="0" smtClean="0">
+                <a:effectLst>
+                  <a:outerShdw blurRad="38100" dist="38100" dir="2700000" algn="tl">
+                    <a:srgbClr val="000000">
+                      <a:alpha val="43137"/>
+                    </a:srgbClr>
+                  </a:outerShdw>
+                </a:effectLst>
+                <a:latin typeface="微軟正黑體" panose="020B0604030504040204" pitchFamily="34" charset="-120"/>
+                <a:ea typeface="微軟正黑體" panose="020B0604030504040204" pitchFamily="34" charset="-120"/>
+                <a:cs typeface="Heiti TC Light"/>
+              </a:rPr>
+              <a:t>字體很醜無法改</a:t>
+            </a:r>
+            <a:endParaRPr kumimoji="1" lang="en-US" altLang="zh-TW" sz="4000" b="1" dirty="0" smtClean="0">
+              <a:effectLst>
+                <a:outerShdw blurRad="38100" dist="38100" dir="2700000" algn="tl">
+                  <a:srgbClr val="000000">
+                    <a:alpha val="43137"/>
+                  </a:srgbClr>
+                </a:outerShdw>
+              </a:effectLst>
+              <a:latin typeface="微軟正黑體" panose="020B0604030504040204" pitchFamily="34" charset="-120"/>
+              <a:ea typeface="微軟正黑體" panose="020B0604030504040204" pitchFamily="34" charset="-120"/>
+              <a:cs typeface="Heiti TC Light"/>
+            </a:endParaRPr>
+          </a:p>
+        </p:txBody>
+      </p:sp>
+      <p:sp>
+        <p:nvSpPr>
+          <p:cNvPr id="6" name="文字版面配置區 2"/>
+          <p:cNvSpPr>
+            <a:spLocks noGrp="1"/>
+          </p:cNvSpPr>
+          <p:nvPr>
+            <p:ph type="body" sz="quarter" idx="11"/>
+          </p:nvPr>
+        </p:nvSpPr>
+        <p:spPr>
+          <a:xfrm>
+            <a:off x="1981200" y="304800"/>
+            <a:ext cx="5562600" cy="990600"/>
+          </a:xfrm>
+        </p:spPr>
+        <p:txBody>
+          <a:bodyPr/>
+          <a:lstStyle/>
+          <a:p>
+            <a:pPr algn="just"/>
+            <a:r>
+              <a:rPr lang="en-US" altLang="zh-TW" sz="4800" b="1" dirty="0" smtClean="0">
+                <a:solidFill>
+                  <a:srgbClr val="00B0F0"/>
+                </a:solidFill>
+                <a:effectLst>
+                  <a:outerShdw blurRad="38100" dist="38100" dir="2700000" algn="tl">
+                    <a:srgbClr val="000000">
+                      <a:alpha val="43137"/>
+                    </a:srgbClr>
+                  </a:outerShdw>
+                </a:effectLst>
+                <a:latin typeface="微軟正黑體" panose="020B0604030504040204" pitchFamily="34" charset="-120"/>
+                <a:ea typeface="微軟正黑體" panose="020B0604030504040204" pitchFamily="34" charset="-120"/>
+              </a:rPr>
+              <a:t>Google </a:t>
+            </a:r>
+            <a:r>
+              <a:rPr lang="en-US" altLang="zh-TW" sz="4800" b="1" dirty="0" err="1" smtClean="0">
+                <a:solidFill>
+                  <a:srgbClr val="00B0F0"/>
+                </a:solidFill>
+                <a:effectLst>
+                  <a:outerShdw blurRad="38100" dist="38100" dir="2700000" algn="tl">
+                    <a:srgbClr val="000000">
+                      <a:alpha val="43137"/>
+                    </a:srgbClr>
+                  </a:outerShdw>
+                </a:effectLst>
+                <a:latin typeface="微軟正黑體" panose="020B0604030504040204" pitchFamily="34" charset="-120"/>
+                <a:ea typeface="微軟正黑體" panose="020B0604030504040204" pitchFamily="34" charset="-120"/>
+              </a:rPr>
+              <a:t>Colab</a:t>
+            </a:r>
+            <a:r>
+              <a:rPr lang="zh-TW" altLang="en-US" sz="4800" b="1" dirty="0" smtClean="0">
+                <a:solidFill>
+                  <a:srgbClr val="00B0F0"/>
+                </a:solidFill>
+                <a:effectLst>
+                  <a:outerShdw blurRad="38100" dist="38100" dir="2700000" algn="tl">
+                    <a:srgbClr val="000000">
+                      <a:alpha val="43137"/>
+                    </a:srgbClr>
+                  </a:outerShdw>
+                </a:effectLst>
+                <a:latin typeface="微軟正黑體" panose="020B0604030504040204" pitchFamily="34" charset="-120"/>
+                <a:ea typeface="微軟正黑體" panose="020B0604030504040204" pitchFamily="34" charset="-120"/>
+              </a:rPr>
+              <a:t>缺點</a:t>
+            </a:r>
+            <a:endParaRPr lang="zh-TW" altLang="en-US" sz="4800" b="1" dirty="0">
+              <a:solidFill>
+                <a:srgbClr val="00B0F0"/>
+              </a:solidFill>
+              <a:effectLst>
+                <a:outerShdw blurRad="38100" dist="38100" dir="2700000" algn="tl">
+                  <a:srgbClr val="000000">
+                    <a:alpha val="43137"/>
+                  </a:srgbClr>
+                </a:outerShdw>
+              </a:effectLst>
+              <a:latin typeface="微軟正黑體" panose="020B0604030504040204" pitchFamily="34" charset="-120"/>
+              <a:ea typeface="微軟正黑體" panose="020B0604030504040204" pitchFamily="34" charset="-120"/>
+            </a:endParaRPr>
+          </a:p>
+        </p:txBody>
+      </p:sp>
+    </p:spTree>
+    <p:extLst>
+      <p:ext uri="{BB962C8B-B14F-4D97-AF65-F5344CB8AC3E}">
+        <p14:creationId xmlns:p14="http://schemas.microsoft.com/office/powerpoint/2010/main" xmlns="" val="522405798"/>
+      </p:ext>
+    </p:extLst>
+  </p:cSld>
+  <p:clrMapOvr>
+    <a:masterClrMapping/>
+  </p:clrMapOvr>
+  <p:transition>
+    <p:fade/>
+  </p:transition>
+  <p:timing>
+    <p:tnLst>
+      <p:par>
+        <p:cTn id="1" dur="indefinite" restart="never" nodeType="tmRoot"/>
+      </p:par>
+    </p:tnLst>
+  </p:timing>
+</p:sld>
+</file>
+
+<file path=ppt/slides/slide42.xml><?xml version="1.0" encoding="utf-8"?>
 <p:sld xmlns:a="http://schemas.openxmlformats.org/drawingml/2006/main" xmlns:r="http://schemas.openxmlformats.org/officeDocument/2006/relationships" xmlns:p="http://schemas.openxmlformats.org/presentationml/2006/main">
   <p:cSld>
     <p:spTree>
@@ -22948,7 +22986,7 @@
 </p:sld>
 </file>
 
-<file path=ppt/slides/slide42.xml><?xml version="1.0" encoding="utf-8"?>
+<file path=ppt/slides/slide43.xml><?xml version="1.0" encoding="utf-8"?>
 <p:sld xmlns:a="http://schemas.openxmlformats.org/drawingml/2006/main" xmlns:r="http://schemas.openxmlformats.org/officeDocument/2006/relationships" xmlns:p="http://schemas.openxmlformats.org/presentationml/2006/main">
   <p:cSld>
     <p:spTree>
@@ -23136,7 +23174,7 @@
     </p:spTree>
     <p:extLst>
       <p:ext uri="{BB962C8B-B14F-4D97-AF65-F5344CB8AC3E}">
-        <p14:creationId xmlns="" xmlns:p14="http://schemas.microsoft.com/office/powerpoint/2010/main" val="522405798"/>
+        <p14:creationId xmlns:p14="http://schemas.microsoft.com/office/powerpoint/2010/main" xmlns="" val="522405798"/>
       </p:ext>
     </p:extLst>
   </p:cSld>
@@ -23282,7 +23320,7 @@
     </p:spTree>
     <p:extLst>
       <p:ext uri="{BB962C8B-B14F-4D97-AF65-F5344CB8AC3E}">
-        <p14:creationId xmlns="" xmlns:p14="http://schemas.microsoft.com/office/powerpoint/2010/main" val="3907764274"/>
+        <p14:creationId xmlns:p14="http://schemas.microsoft.com/office/powerpoint/2010/main" xmlns="" val="3907764274"/>
       </p:ext>
     </p:extLst>
   </p:cSld>
@@ -23801,7 +23839,7 @@
     </p:spTree>
     <p:extLst>
       <p:ext uri="{BB962C8B-B14F-4D97-AF65-F5344CB8AC3E}">
-        <p14:creationId xmlns="" xmlns:p14="http://schemas.microsoft.com/office/powerpoint/2010/main" val="522405798"/>
+        <p14:creationId xmlns:p14="http://schemas.microsoft.com/office/powerpoint/2010/main" xmlns="" val="522405798"/>
       </p:ext>
     </p:extLst>
   </p:cSld>
@@ -24475,7 +24513,7 @@
     </p:spTree>
     <p:extLst>
       <p:ext uri="{BB962C8B-B14F-4D97-AF65-F5344CB8AC3E}">
-        <p14:creationId xmlns="" xmlns:p14="http://schemas.microsoft.com/office/powerpoint/2010/main" val="522405798"/>
+        <p14:creationId xmlns:p14="http://schemas.microsoft.com/office/powerpoint/2010/main" xmlns="" val="522405798"/>
       </p:ext>
     </p:extLst>
   </p:cSld>
@@ -24700,7 +24738,7 @@
     </p:spTree>
     <p:extLst>
       <p:ext uri="{BB962C8B-B14F-4D97-AF65-F5344CB8AC3E}">
-        <p14:creationId xmlns="" xmlns:p14="http://schemas.microsoft.com/office/powerpoint/2010/main" val="522405798"/>
+        <p14:creationId xmlns:p14="http://schemas.microsoft.com/office/powerpoint/2010/main" xmlns="" val="522405798"/>
       </p:ext>
     </p:extLst>
   </p:cSld>
@@ -24812,7 +24850,7 @@
     </p:spTree>
     <p:extLst>
       <p:ext uri="{BB962C8B-B14F-4D97-AF65-F5344CB8AC3E}">
-        <p14:creationId xmlns="" xmlns:p14="http://schemas.microsoft.com/office/powerpoint/2010/main" val="3907764274"/>
+        <p14:creationId xmlns:p14="http://schemas.microsoft.com/office/powerpoint/2010/main" xmlns="" val="3907764274"/>
       </p:ext>
     </p:extLst>
   </p:cSld>
